--- a/Documents/Mood Picture - Second presentation.pptx
+++ b/Documents/Mood Picture - Second presentation.pptx
@@ -249,7 +249,7 @@
           <a:p>
             <a:fld id="{9EA66E64-07EC-4BAA-9F85-F56BD96B36B0}" type="datetimeFigureOut">
               <a:rPr lang="pt-PT" smtClean="0"/>
-              <a:t>22/11/2021</a:t>
+              <a:t>25/11/2021</a:t>
             </a:fld>
             <a:endParaRPr lang="pt-PT"/>
           </a:p>
@@ -536,7 +536,7 @@
           <a:p>
             <a:fld id="{9EA66E64-07EC-4BAA-9F85-F56BD96B36B0}" type="datetimeFigureOut">
               <a:rPr lang="pt-PT" smtClean="0"/>
-              <a:t>22/11/2021</a:t>
+              <a:t>25/11/2021</a:t>
             </a:fld>
             <a:endParaRPr lang="pt-PT"/>
           </a:p>
@@ -728,7 +728,7 @@
           <a:p>
             <a:fld id="{9EA66E64-07EC-4BAA-9F85-F56BD96B36B0}" type="datetimeFigureOut">
               <a:rPr lang="pt-PT" smtClean="0"/>
-              <a:t>22/11/2021</a:t>
+              <a:t>25/11/2021</a:t>
             </a:fld>
             <a:endParaRPr lang="pt-PT"/>
           </a:p>
@@ -989,7 +989,7 @@
           <a:p>
             <a:fld id="{9EA66E64-07EC-4BAA-9F85-F56BD96B36B0}" type="datetimeFigureOut">
               <a:rPr lang="pt-PT" smtClean="0"/>
-              <a:t>22/11/2021</a:t>
+              <a:t>25/11/2021</a:t>
             </a:fld>
             <a:endParaRPr lang="pt-PT"/>
           </a:p>
@@ -1413,7 +1413,7 @@
           <a:p>
             <a:fld id="{9EA66E64-07EC-4BAA-9F85-F56BD96B36B0}" type="datetimeFigureOut">
               <a:rPr lang="pt-PT" smtClean="0"/>
-              <a:t>22/11/2021</a:t>
+              <a:t>25/11/2021</a:t>
             </a:fld>
             <a:endParaRPr lang="pt-PT"/>
           </a:p>
@@ -1959,7 +1959,7 @@
           <a:p>
             <a:fld id="{9EA66E64-07EC-4BAA-9F85-F56BD96B36B0}" type="datetimeFigureOut">
               <a:rPr lang="pt-PT" smtClean="0"/>
-              <a:t>22/11/2021</a:t>
+              <a:t>25/11/2021</a:t>
             </a:fld>
             <a:endParaRPr lang="pt-PT"/>
           </a:p>
@@ -2799,7 +2799,7 @@
           <a:p>
             <a:fld id="{9EA66E64-07EC-4BAA-9F85-F56BD96B36B0}" type="datetimeFigureOut">
               <a:rPr lang="pt-PT" smtClean="0"/>
-              <a:t>22/11/2021</a:t>
+              <a:t>25/11/2021</a:t>
             </a:fld>
             <a:endParaRPr lang="pt-PT"/>
           </a:p>
@@ -2969,7 +2969,7 @@
           <a:p>
             <a:fld id="{9EA66E64-07EC-4BAA-9F85-F56BD96B36B0}" type="datetimeFigureOut">
               <a:rPr lang="pt-PT" smtClean="0"/>
-              <a:t>22/11/2021</a:t>
+              <a:t>25/11/2021</a:t>
             </a:fld>
             <a:endParaRPr lang="pt-PT"/>
           </a:p>
@@ -3153,7 +3153,7 @@
           <a:p>
             <a:fld id="{9EA66E64-07EC-4BAA-9F85-F56BD96B36B0}" type="datetimeFigureOut">
               <a:rPr lang="pt-PT" smtClean="0"/>
-              <a:t>22/11/2021</a:t>
+              <a:t>25/11/2021</a:t>
             </a:fld>
             <a:endParaRPr lang="pt-PT"/>
           </a:p>
@@ -3323,7 +3323,7 @@
           <a:p>
             <a:fld id="{9EA66E64-07EC-4BAA-9F85-F56BD96B36B0}" type="datetimeFigureOut">
               <a:rPr lang="pt-PT" smtClean="0"/>
-              <a:t>22/11/2021</a:t>
+              <a:t>25/11/2021</a:t>
             </a:fld>
             <a:endParaRPr lang="pt-PT"/>
           </a:p>
@@ -3571,7 +3571,7 @@
           <a:p>
             <a:fld id="{9EA66E64-07EC-4BAA-9F85-F56BD96B36B0}" type="datetimeFigureOut">
               <a:rPr lang="pt-PT" smtClean="0"/>
-              <a:t>22/11/2021</a:t>
+              <a:t>25/11/2021</a:t>
             </a:fld>
             <a:endParaRPr lang="pt-PT"/>
           </a:p>
@@ -3808,7 +3808,7 @@
           <a:p>
             <a:fld id="{9EA66E64-07EC-4BAA-9F85-F56BD96B36B0}" type="datetimeFigureOut">
               <a:rPr lang="pt-PT" smtClean="0"/>
-              <a:t>22/11/2021</a:t>
+              <a:t>25/11/2021</a:t>
             </a:fld>
             <a:endParaRPr lang="pt-PT"/>
           </a:p>
@@ -4181,7 +4181,7 @@
           <a:p>
             <a:fld id="{9EA66E64-07EC-4BAA-9F85-F56BD96B36B0}" type="datetimeFigureOut">
               <a:rPr lang="pt-PT" smtClean="0"/>
-              <a:t>22/11/2021</a:t>
+              <a:t>25/11/2021</a:t>
             </a:fld>
             <a:endParaRPr lang="pt-PT"/>
           </a:p>
@@ -4299,7 +4299,7 @@
           <a:p>
             <a:fld id="{9EA66E64-07EC-4BAA-9F85-F56BD96B36B0}" type="datetimeFigureOut">
               <a:rPr lang="pt-PT" smtClean="0"/>
-              <a:t>22/11/2021</a:t>
+              <a:t>25/11/2021</a:t>
             </a:fld>
             <a:endParaRPr lang="pt-PT"/>
           </a:p>
@@ -4394,7 +4394,7 @@
           <a:p>
             <a:fld id="{9EA66E64-07EC-4BAA-9F85-F56BD96B36B0}" type="datetimeFigureOut">
               <a:rPr lang="pt-PT" smtClean="0"/>
-              <a:t>22/11/2021</a:t>
+              <a:t>25/11/2021</a:t>
             </a:fld>
             <a:endParaRPr lang="pt-PT"/>
           </a:p>
@@ -4645,7 +4645,7 @@
           <a:p>
             <a:fld id="{9EA66E64-07EC-4BAA-9F85-F56BD96B36B0}" type="datetimeFigureOut">
               <a:rPr lang="pt-PT" smtClean="0"/>
-              <a:t>22/11/2021</a:t>
+              <a:t>25/11/2021</a:t>
             </a:fld>
             <a:endParaRPr lang="pt-PT"/>
           </a:p>
@@ -4932,7 +4932,7 @@
           <a:p>
             <a:fld id="{9EA66E64-07EC-4BAA-9F85-F56BD96B36B0}" type="datetimeFigureOut">
               <a:rPr lang="pt-PT" smtClean="0"/>
-              <a:t>22/11/2021</a:t>
+              <a:t>25/11/2021</a:t>
             </a:fld>
             <a:endParaRPr lang="pt-PT"/>
           </a:p>
@@ -5145,7 +5145,7 @@
           <a:p>
             <a:fld id="{9EA66E64-07EC-4BAA-9F85-F56BD96B36B0}" type="datetimeFigureOut">
               <a:rPr lang="pt-PT" smtClean="0"/>
-              <a:t>22/11/2021</a:t>
+              <a:t>25/11/2021</a:t>
             </a:fld>
             <a:endParaRPr lang="pt-PT"/>
           </a:p>

--- a/Documents/Mood Picture - Second presentation.pptx
+++ b/Documents/Mood Picture - Second presentation.pptx
@@ -6,10 +6,21 @@
   </p:sldMasterIdLst>
   <p:sldIdLst>
     <p:sldId id="256" r:id="rId2"/>
-    <p:sldId id="257" r:id="rId3"/>
-    <p:sldId id="258" r:id="rId4"/>
-    <p:sldId id="259" r:id="rId5"/>
-    <p:sldId id="260" r:id="rId6"/>
+    <p:sldId id="261" r:id="rId3"/>
+    <p:sldId id="262" r:id="rId4"/>
+    <p:sldId id="263" r:id="rId5"/>
+    <p:sldId id="258" r:id="rId6"/>
+    <p:sldId id="259" r:id="rId7"/>
+    <p:sldId id="268" r:id="rId8"/>
+    <p:sldId id="260" r:id="rId9"/>
+    <p:sldId id="264" r:id="rId10"/>
+    <p:sldId id="265" r:id="rId11"/>
+    <p:sldId id="266" r:id="rId12"/>
+    <p:sldId id="267" r:id="rId13"/>
+    <p:sldId id="269" r:id="rId14"/>
+    <p:sldId id="270" r:id="rId15"/>
+    <p:sldId id="271" r:id="rId16"/>
+    <p:sldId id="272" r:id="rId17"/>
   </p:sldIdLst>
   <p:sldSz cx="12192000" cy="6858000"/>
   <p:notesSz cx="6858000" cy="9144000"/>
@@ -116,6 +127,4758 @@
 </p:presentation>
 </file>
 
+<file path=ppt/diagrams/colors1.xml><?xml version="1.0" encoding="utf-8"?>
+<dgm:colorsDef xmlns:dgm="http://schemas.openxmlformats.org/drawingml/2006/diagram" xmlns:a="http://schemas.openxmlformats.org/drawingml/2006/main" uniqueId="urn:microsoft.com/office/officeart/2005/8/colors/accent3_1">
+  <dgm:title val=""/>
+  <dgm:desc val=""/>
+  <dgm:catLst>
+    <dgm:cat type="accent3" pri="11100"/>
+  </dgm:catLst>
+  <dgm:styleLbl name="node0">
+    <dgm:fillClrLst meth="repeat">
+      <a:schemeClr val="lt1"/>
+    </dgm:fillClrLst>
+    <dgm:linClrLst meth="repeat">
+      <a:schemeClr val="accent3">
+        <a:shade val="80000"/>
+      </a:schemeClr>
+    </dgm:linClrLst>
+    <dgm:effectClrLst/>
+    <dgm:txLinClrLst/>
+    <dgm:txFillClrLst meth="repeat">
+      <a:schemeClr val="dk1"/>
+    </dgm:txFillClrLst>
+    <dgm:txEffectClrLst/>
+  </dgm:styleLbl>
+  <dgm:styleLbl name="node1">
+    <dgm:fillClrLst meth="repeat">
+      <a:schemeClr val="lt1"/>
+    </dgm:fillClrLst>
+    <dgm:linClrLst meth="repeat">
+      <a:schemeClr val="accent3">
+        <a:shade val="80000"/>
+      </a:schemeClr>
+    </dgm:linClrLst>
+    <dgm:effectClrLst/>
+    <dgm:txLinClrLst/>
+    <dgm:txFillClrLst meth="repeat">
+      <a:schemeClr val="dk1"/>
+    </dgm:txFillClrLst>
+    <dgm:txEffectClrLst/>
+  </dgm:styleLbl>
+  <dgm:styleLbl name="alignNode1">
+    <dgm:fillClrLst meth="repeat">
+      <a:schemeClr val="lt1"/>
+    </dgm:fillClrLst>
+    <dgm:linClrLst meth="repeat">
+      <a:schemeClr val="accent3">
+        <a:shade val="80000"/>
+      </a:schemeClr>
+    </dgm:linClrLst>
+    <dgm:effectClrLst/>
+    <dgm:txLinClrLst/>
+    <dgm:txFillClrLst meth="repeat">
+      <a:schemeClr val="dk1"/>
+    </dgm:txFillClrLst>
+    <dgm:txEffectClrLst/>
+  </dgm:styleLbl>
+  <dgm:styleLbl name="lnNode1">
+    <dgm:fillClrLst meth="repeat">
+      <a:schemeClr val="lt1"/>
+    </dgm:fillClrLst>
+    <dgm:linClrLst meth="repeat">
+      <a:schemeClr val="accent3">
+        <a:shade val="80000"/>
+      </a:schemeClr>
+    </dgm:linClrLst>
+    <dgm:effectClrLst/>
+    <dgm:txLinClrLst/>
+    <dgm:txFillClrLst meth="repeat">
+      <a:schemeClr val="dk1"/>
+    </dgm:txFillClrLst>
+    <dgm:txEffectClrLst/>
+  </dgm:styleLbl>
+  <dgm:styleLbl name="vennNode1">
+    <dgm:fillClrLst meth="repeat">
+      <a:schemeClr val="lt1">
+        <a:alpha val="50000"/>
+      </a:schemeClr>
+    </dgm:fillClrLst>
+    <dgm:linClrLst meth="repeat">
+      <a:schemeClr val="accent3">
+        <a:shade val="80000"/>
+      </a:schemeClr>
+    </dgm:linClrLst>
+    <dgm:effectClrLst/>
+    <dgm:txLinClrLst/>
+    <dgm:txFillClrLst/>
+    <dgm:txEffectClrLst/>
+  </dgm:styleLbl>
+  <dgm:styleLbl name="node2">
+    <dgm:fillClrLst meth="repeat">
+      <a:schemeClr val="lt1"/>
+    </dgm:fillClrLst>
+    <dgm:linClrLst meth="repeat">
+      <a:schemeClr val="accent3">
+        <a:shade val="80000"/>
+      </a:schemeClr>
+    </dgm:linClrLst>
+    <dgm:effectClrLst/>
+    <dgm:txLinClrLst/>
+    <dgm:txFillClrLst meth="repeat">
+      <a:schemeClr val="dk1"/>
+    </dgm:txFillClrLst>
+    <dgm:txEffectClrLst/>
+  </dgm:styleLbl>
+  <dgm:styleLbl name="node3">
+    <dgm:fillClrLst meth="repeat">
+      <a:schemeClr val="lt1"/>
+    </dgm:fillClrLst>
+    <dgm:linClrLst meth="repeat">
+      <a:schemeClr val="accent3">
+        <a:shade val="80000"/>
+      </a:schemeClr>
+    </dgm:linClrLst>
+    <dgm:effectClrLst/>
+    <dgm:txLinClrLst/>
+    <dgm:txFillClrLst meth="repeat">
+      <a:schemeClr val="dk1"/>
+    </dgm:txFillClrLst>
+    <dgm:txEffectClrLst/>
+  </dgm:styleLbl>
+  <dgm:styleLbl name="node4">
+    <dgm:fillClrLst meth="repeat">
+      <a:schemeClr val="lt1"/>
+    </dgm:fillClrLst>
+    <dgm:linClrLst meth="repeat">
+      <a:schemeClr val="accent3">
+        <a:shade val="80000"/>
+      </a:schemeClr>
+    </dgm:linClrLst>
+    <dgm:effectClrLst/>
+    <dgm:txLinClrLst/>
+    <dgm:txFillClrLst meth="repeat">
+      <a:schemeClr val="dk1"/>
+    </dgm:txFillClrLst>
+    <dgm:txEffectClrLst/>
+  </dgm:styleLbl>
+  <dgm:styleLbl name="fgImgPlace1">
+    <dgm:fillClrLst meth="repeat">
+      <a:schemeClr val="accent3">
+        <a:tint val="40000"/>
+      </a:schemeClr>
+    </dgm:fillClrLst>
+    <dgm:linClrLst meth="repeat">
+      <a:schemeClr val="accent3">
+        <a:shade val="80000"/>
+      </a:schemeClr>
+    </dgm:linClrLst>
+    <dgm:effectClrLst/>
+    <dgm:txLinClrLst/>
+    <dgm:txFillClrLst meth="repeat">
+      <a:schemeClr val="lt1"/>
+    </dgm:txFillClrLst>
+    <dgm:txEffectClrLst/>
+  </dgm:styleLbl>
+  <dgm:styleLbl name="alignImgPlace1">
+    <dgm:fillClrLst meth="repeat">
+      <a:schemeClr val="accent3">
+        <a:tint val="40000"/>
+      </a:schemeClr>
+    </dgm:fillClrLst>
+    <dgm:linClrLst meth="repeat">
+      <a:schemeClr val="accent3">
+        <a:shade val="80000"/>
+      </a:schemeClr>
+    </dgm:linClrLst>
+    <dgm:effectClrLst/>
+    <dgm:txLinClrLst/>
+    <dgm:txFillClrLst meth="repeat">
+      <a:schemeClr val="lt1"/>
+    </dgm:txFillClrLst>
+    <dgm:txEffectClrLst/>
+  </dgm:styleLbl>
+  <dgm:styleLbl name="bgImgPlace1">
+    <dgm:fillClrLst meth="repeat">
+      <a:schemeClr val="accent3">
+        <a:tint val="40000"/>
+      </a:schemeClr>
+    </dgm:fillClrLst>
+    <dgm:linClrLst meth="repeat">
+      <a:schemeClr val="accent3">
+        <a:shade val="80000"/>
+      </a:schemeClr>
+    </dgm:linClrLst>
+    <dgm:effectClrLst/>
+    <dgm:txLinClrLst/>
+    <dgm:txFillClrLst meth="repeat">
+      <a:schemeClr val="lt1"/>
+    </dgm:txFillClrLst>
+    <dgm:txEffectClrLst/>
+  </dgm:styleLbl>
+  <dgm:styleLbl name="sibTrans2D1">
+    <dgm:fillClrLst meth="repeat">
+      <a:schemeClr val="accent3">
+        <a:tint val="60000"/>
+      </a:schemeClr>
+    </dgm:fillClrLst>
+    <dgm:linClrLst meth="repeat">
+      <a:schemeClr val="accent3">
+        <a:tint val="60000"/>
+      </a:schemeClr>
+    </dgm:linClrLst>
+    <dgm:effectClrLst/>
+    <dgm:txLinClrLst/>
+    <dgm:txFillClrLst meth="repeat">
+      <a:schemeClr val="dk1"/>
+    </dgm:txFillClrLst>
+    <dgm:txEffectClrLst/>
+  </dgm:styleLbl>
+  <dgm:styleLbl name="fgSibTrans2D1">
+    <dgm:fillClrLst meth="repeat">
+      <a:schemeClr val="accent3">
+        <a:tint val="60000"/>
+      </a:schemeClr>
+    </dgm:fillClrLst>
+    <dgm:linClrLst meth="repeat">
+      <a:schemeClr val="accent3">
+        <a:tint val="60000"/>
+      </a:schemeClr>
+    </dgm:linClrLst>
+    <dgm:effectClrLst/>
+    <dgm:txLinClrLst/>
+    <dgm:txFillClrLst meth="repeat">
+      <a:schemeClr val="dk1"/>
+    </dgm:txFillClrLst>
+    <dgm:txEffectClrLst/>
+  </dgm:styleLbl>
+  <dgm:styleLbl name="bgSibTrans2D1">
+    <dgm:fillClrLst meth="repeat">
+      <a:schemeClr val="accent3">
+        <a:tint val="60000"/>
+      </a:schemeClr>
+    </dgm:fillClrLst>
+    <dgm:linClrLst meth="repeat">
+      <a:schemeClr val="accent3">
+        <a:tint val="60000"/>
+      </a:schemeClr>
+    </dgm:linClrLst>
+    <dgm:effectClrLst/>
+    <dgm:txLinClrLst/>
+    <dgm:txFillClrLst meth="repeat">
+      <a:schemeClr val="dk1"/>
+    </dgm:txFillClrLst>
+    <dgm:txEffectClrLst/>
+  </dgm:styleLbl>
+  <dgm:styleLbl name="sibTrans1D1">
+    <dgm:fillClrLst meth="repeat">
+      <a:schemeClr val="accent3"/>
+    </dgm:fillClrLst>
+    <dgm:linClrLst meth="repeat">
+      <a:schemeClr val="accent3"/>
+    </dgm:linClrLst>
+    <dgm:effectClrLst/>
+    <dgm:txLinClrLst/>
+    <dgm:txFillClrLst meth="repeat">
+      <a:schemeClr val="tx1"/>
+    </dgm:txFillClrLst>
+    <dgm:txEffectClrLst/>
+  </dgm:styleLbl>
+  <dgm:styleLbl name="callout">
+    <dgm:fillClrLst meth="repeat">
+      <a:schemeClr val="accent3"/>
+    </dgm:fillClrLst>
+    <dgm:linClrLst meth="repeat">
+      <a:schemeClr val="accent3"/>
+    </dgm:linClrLst>
+    <dgm:effectClrLst/>
+    <dgm:txLinClrLst/>
+    <dgm:txFillClrLst meth="repeat">
+      <a:schemeClr val="tx1"/>
+    </dgm:txFillClrLst>
+    <dgm:txEffectClrLst/>
+  </dgm:styleLbl>
+  <dgm:styleLbl name="asst0">
+    <dgm:fillClrLst meth="repeat">
+      <a:schemeClr val="lt1"/>
+    </dgm:fillClrLst>
+    <dgm:linClrLst meth="repeat">
+      <a:schemeClr val="accent3">
+        <a:shade val="80000"/>
+      </a:schemeClr>
+    </dgm:linClrLst>
+    <dgm:effectClrLst/>
+    <dgm:txLinClrLst/>
+    <dgm:txFillClrLst meth="repeat">
+      <a:schemeClr val="dk1"/>
+    </dgm:txFillClrLst>
+    <dgm:txEffectClrLst/>
+  </dgm:styleLbl>
+  <dgm:styleLbl name="asst1">
+    <dgm:fillClrLst meth="repeat">
+      <a:schemeClr val="lt1"/>
+    </dgm:fillClrLst>
+    <dgm:linClrLst meth="repeat">
+      <a:schemeClr val="accent3">
+        <a:shade val="80000"/>
+      </a:schemeClr>
+    </dgm:linClrLst>
+    <dgm:effectClrLst/>
+    <dgm:txLinClrLst/>
+    <dgm:txFillClrLst meth="repeat">
+      <a:schemeClr val="dk1"/>
+    </dgm:txFillClrLst>
+    <dgm:txEffectClrLst/>
+  </dgm:styleLbl>
+  <dgm:styleLbl name="asst2">
+    <dgm:fillClrLst meth="repeat">
+      <a:schemeClr val="lt1"/>
+    </dgm:fillClrLst>
+    <dgm:linClrLst meth="repeat">
+      <a:schemeClr val="accent3">
+        <a:shade val="80000"/>
+      </a:schemeClr>
+    </dgm:linClrLst>
+    <dgm:effectClrLst/>
+    <dgm:txLinClrLst/>
+    <dgm:txFillClrLst meth="repeat">
+      <a:schemeClr val="dk1"/>
+    </dgm:txFillClrLst>
+    <dgm:txEffectClrLst/>
+  </dgm:styleLbl>
+  <dgm:styleLbl name="asst3">
+    <dgm:fillClrLst meth="repeat">
+      <a:schemeClr val="lt1"/>
+    </dgm:fillClrLst>
+    <dgm:linClrLst meth="repeat">
+      <a:schemeClr val="accent3">
+        <a:shade val="80000"/>
+      </a:schemeClr>
+    </dgm:linClrLst>
+    <dgm:effectClrLst/>
+    <dgm:txLinClrLst/>
+    <dgm:txFillClrLst meth="repeat">
+      <a:schemeClr val="dk1"/>
+    </dgm:txFillClrLst>
+    <dgm:txEffectClrLst/>
+  </dgm:styleLbl>
+  <dgm:styleLbl name="asst4">
+    <dgm:fillClrLst meth="repeat">
+      <a:schemeClr val="lt1"/>
+    </dgm:fillClrLst>
+    <dgm:linClrLst meth="repeat">
+      <a:schemeClr val="accent3">
+        <a:shade val="80000"/>
+      </a:schemeClr>
+    </dgm:linClrLst>
+    <dgm:effectClrLst/>
+    <dgm:txLinClrLst/>
+    <dgm:txFillClrLst meth="repeat">
+      <a:schemeClr val="dk1"/>
+    </dgm:txFillClrLst>
+    <dgm:txEffectClrLst/>
+  </dgm:styleLbl>
+  <dgm:styleLbl name="parChTrans2D1">
+    <dgm:fillClrLst meth="repeat">
+      <a:schemeClr val="accent3">
+        <a:tint val="60000"/>
+      </a:schemeClr>
+    </dgm:fillClrLst>
+    <dgm:linClrLst meth="repeat">
+      <a:schemeClr val="accent3">
+        <a:tint val="60000"/>
+      </a:schemeClr>
+    </dgm:linClrLst>
+    <dgm:effectClrLst/>
+    <dgm:txLinClrLst/>
+    <dgm:txFillClrLst/>
+    <dgm:txEffectClrLst/>
+  </dgm:styleLbl>
+  <dgm:styleLbl name="parChTrans2D2">
+    <dgm:fillClrLst meth="repeat">
+      <a:schemeClr val="accent3"/>
+    </dgm:fillClrLst>
+    <dgm:linClrLst meth="repeat">
+      <a:schemeClr val="accent3"/>
+    </dgm:linClrLst>
+    <dgm:effectClrLst/>
+    <dgm:txLinClrLst/>
+    <dgm:txFillClrLst/>
+    <dgm:txEffectClrLst/>
+  </dgm:styleLbl>
+  <dgm:styleLbl name="parChTrans2D3">
+    <dgm:fillClrLst meth="repeat">
+      <a:schemeClr val="accent3"/>
+    </dgm:fillClrLst>
+    <dgm:linClrLst meth="repeat">
+      <a:schemeClr val="accent3"/>
+    </dgm:linClrLst>
+    <dgm:effectClrLst/>
+    <dgm:txLinClrLst/>
+    <dgm:txFillClrLst/>
+    <dgm:txEffectClrLst/>
+  </dgm:styleLbl>
+  <dgm:styleLbl name="parChTrans2D4">
+    <dgm:fillClrLst meth="repeat">
+      <a:schemeClr val="accent3"/>
+    </dgm:fillClrLst>
+    <dgm:linClrLst meth="repeat">
+      <a:schemeClr val="accent3"/>
+    </dgm:linClrLst>
+    <dgm:effectClrLst/>
+    <dgm:txLinClrLst/>
+    <dgm:txFillClrLst meth="repeat">
+      <a:schemeClr val="lt1"/>
+    </dgm:txFillClrLst>
+    <dgm:txEffectClrLst/>
+  </dgm:styleLbl>
+  <dgm:styleLbl name="parChTrans1D1">
+    <dgm:fillClrLst meth="repeat">
+      <a:schemeClr val="accent3"/>
+    </dgm:fillClrLst>
+    <dgm:linClrLst meth="repeat">
+      <a:schemeClr val="accent3">
+        <a:shade val="60000"/>
+      </a:schemeClr>
+    </dgm:linClrLst>
+    <dgm:effectClrLst/>
+    <dgm:txLinClrLst/>
+    <dgm:txFillClrLst meth="repeat">
+      <a:schemeClr val="tx1"/>
+    </dgm:txFillClrLst>
+    <dgm:txEffectClrLst/>
+  </dgm:styleLbl>
+  <dgm:styleLbl name="parChTrans1D2">
+    <dgm:fillClrLst meth="repeat">
+      <a:schemeClr val="accent3"/>
+    </dgm:fillClrLst>
+    <dgm:linClrLst meth="repeat">
+      <a:schemeClr val="accent3">
+        <a:shade val="60000"/>
+      </a:schemeClr>
+    </dgm:linClrLst>
+    <dgm:effectClrLst/>
+    <dgm:txLinClrLst/>
+    <dgm:txFillClrLst meth="repeat">
+      <a:schemeClr val="tx1"/>
+    </dgm:txFillClrLst>
+    <dgm:txEffectClrLst/>
+  </dgm:styleLbl>
+  <dgm:styleLbl name="parChTrans1D3">
+    <dgm:fillClrLst meth="repeat">
+      <a:schemeClr val="accent3"/>
+    </dgm:fillClrLst>
+    <dgm:linClrLst meth="repeat">
+      <a:schemeClr val="accent3">
+        <a:shade val="80000"/>
+      </a:schemeClr>
+    </dgm:linClrLst>
+    <dgm:effectClrLst/>
+    <dgm:txLinClrLst/>
+    <dgm:txFillClrLst meth="repeat">
+      <a:schemeClr val="tx1"/>
+    </dgm:txFillClrLst>
+    <dgm:txEffectClrLst/>
+  </dgm:styleLbl>
+  <dgm:styleLbl name="parChTrans1D4">
+    <dgm:fillClrLst meth="repeat">
+      <a:schemeClr val="accent3"/>
+    </dgm:fillClrLst>
+    <dgm:linClrLst meth="repeat">
+      <a:schemeClr val="accent3">
+        <a:shade val="80000"/>
+      </a:schemeClr>
+    </dgm:linClrLst>
+    <dgm:effectClrLst/>
+    <dgm:txLinClrLst/>
+    <dgm:txFillClrLst meth="repeat">
+      <a:schemeClr val="tx1"/>
+    </dgm:txFillClrLst>
+    <dgm:txEffectClrLst/>
+  </dgm:styleLbl>
+  <dgm:styleLbl name="fgAcc1">
+    <dgm:fillClrLst meth="repeat">
+      <a:schemeClr val="accent3">
+        <a:alpha val="90000"/>
+        <a:tint val="40000"/>
+      </a:schemeClr>
+    </dgm:fillClrLst>
+    <dgm:linClrLst meth="repeat">
+      <a:schemeClr val="accent3"/>
+    </dgm:linClrLst>
+    <dgm:effectClrLst/>
+    <dgm:txLinClrLst/>
+    <dgm:txFillClrLst meth="repeat">
+      <a:schemeClr val="dk1"/>
+    </dgm:txFillClrLst>
+    <dgm:txEffectClrLst/>
+  </dgm:styleLbl>
+  <dgm:styleLbl name="conFgAcc1">
+    <dgm:fillClrLst meth="repeat">
+      <a:schemeClr val="accent3">
+        <a:alpha val="90000"/>
+        <a:tint val="40000"/>
+      </a:schemeClr>
+    </dgm:fillClrLst>
+    <dgm:linClrLst meth="repeat">
+      <a:schemeClr val="accent3"/>
+    </dgm:linClrLst>
+    <dgm:effectClrLst/>
+    <dgm:txLinClrLst/>
+    <dgm:txFillClrLst meth="repeat">
+      <a:schemeClr val="dk1"/>
+    </dgm:txFillClrLst>
+    <dgm:txEffectClrLst/>
+  </dgm:styleLbl>
+  <dgm:styleLbl name="alignAcc1">
+    <dgm:fillClrLst meth="repeat">
+      <a:schemeClr val="accent3">
+        <a:alpha val="90000"/>
+        <a:tint val="40000"/>
+      </a:schemeClr>
+    </dgm:fillClrLst>
+    <dgm:linClrLst meth="repeat">
+      <a:schemeClr val="accent3"/>
+    </dgm:linClrLst>
+    <dgm:effectClrLst/>
+    <dgm:txLinClrLst/>
+    <dgm:txFillClrLst meth="repeat">
+      <a:schemeClr val="dk1"/>
+    </dgm:txFillClrLst>
+    <dgm:txEffectClrLst/>
+  </dgm:styleLbl>
+  <dgm:styleLbl name="trAlignAcc1">
+    <dgm:fillClrLst meth="repeat">
+      <a:schemeClr val="accent3">
+        <a:alpha val="40000"/>
+        <a:tint val="40000"/>
+      </a:schemeClr>
+    </dgm:fillClrLst>
+    <dgm:linClrLst meth="repeat">
+      <a:schemeClr val="accent3"/>
+    </dgm:linClrLst>
+    <dgm:effectClrLst/>
+    <dgm:txLinClrLst/>
+    <dgm:txFillClrLst meth="repeat">
+      <a:schemeClr val="dk1"/>
+    </dgm:txFillClrLst>
+    <dgm:txEffectClrLst/>
+  </dgm:styleLbl>
+  <dgm:styleLbl name="bgAcc1">
+    <dgm:fillClrLst meth="repeat">
+      <a:schemeClr val="accent3">
+        <a:alpha val="90000"/>
+        <a:tint val="40000"/>
+      </a:schemeClr>
+    </dgm:fillClrLst>
+    <dgm:linClrLst meth="repeat">
+      <a:schemeClr val="accent3"/>
+    </dgm:linClrLst>
+    <dgm:effectClrLst/>
+    <dgm:txLinClrLst/>
+    <dgm:txFillClrLst meth="repeat">
+      <a:schemeClr val="dk1"/>
+    </dgm:txFillClrLst>
+    <dgm:txEffectClrLst/>
+  </dgm:styleLbl>
+  <dgm:styleLbl name="solidFgAcc1">
+    <dgm:fillClrLst meth="repeat">
+      <a:schemeClr val="lt1"/>
+    </dgm:fillClrLst>
+    <dgm:linClrLst meth="repeat">
+      <a:schemeClr val="accent3"/>
+    </dgm:linClrLst>
+    <dgm:effectClrLst/>
+    <dgm:txLinClrLst/>
+    <dgm:txFillClrLst meth="repeat">
+      <a:schemeClr val="dk1"/>
+    </dgm:txFillClrLst>
+    <dgm:txEffectClrLst/>
+  </dgm:styleLbl>
+  <dgm:styleLbl name="solidAlignAcc1">
+    <dgm:fillClrLst meth="repeat">
+      <a:schemeClr val="lt1"/>
+    </dgm:fillClrLst>
+    <dgm:linClrLst meth="repeat">
+      <a:schemeClr val="accent3"/>
+    </dgm:linClrLst>
+    <dgm:effectClrLst/>
+    <dgm:txLinClrLst/>
+    <dgm:txFillClrLst meth="repeat">
+      <a:schemeClr val="dk1"/>
+    </dgm:txFillClrLst>
+    <dgm:txEffectClrLst/>
+  </dgm:styleLbl>
+  <dgm:styleLbl name="solidBgAcc1">
+    <dgm:fillClrLst meth="repeat">
+      <a:schemeClr val="lt1"/>
+    </dgm:fillClrLst>
+    <dgm:linClrLst meth="repeat">
+      <a:schemeClr val="accent3"/>
+    </dgm:linClrLst>
+    <dgm:effectClrLst/>
+    <dgm:txLinClrLst/>
+    <dgm:txFillClrLst meth="repeat">
+      <a:schemeClr val="dk1"/>
+    </dgm:txFillClrLst>
+    <dgm:txEffectClrLst/>
+  </dgm:styleLbl>
+  <dgm:styleLbl name="fgAccFollowNode1">
+    <dgm:fillClrLst meth="repeat">
+      <a:schemeClr val="lt1">
+        <a:alpha val="90000"/>
+        <a:tint val="40000"/>
+      </a:schemeClr>
+    </dgm:fillClrLst>
+    <dgm:linClrLst meth="repeat">
+      <a:schemeClr val="accent3">
+        <a:alpha val="90000"/>
+      </a:schemeClr>
+    </dgm:linClrLst>
+    <dgm:effectClrLst/>
+    <dgm:txLinClrLst/>
+    <dgm:txFillClrLst meth="repeat">
+      <a:schemeClr val="dk1"/>
+    </dgm:txFillClrLst>
+    <dgm:txEffectClrLst/>
+  </dgm:styleLbl>
+  <dgm:styleLbl name="alignAccFollowNode1">
+    <dgm:fillClrLst meth="repeat">
+      <a:schemeClr val="lt1">
+        <a:alpha val="90000"/>
+        <a:tint val="40000"/>
+      </a:schemeClr>
+    </dgm:fillClrLst>
+    <dgm:linClrLst meth="repeat">
+      <a:schemeClr val="accent3">
+        <a:alpha val="90000"/>
+      </a:schemeClr>
+    </dgm:linClrLst>
+    <dgm:effectClrLst/>
+    <dgm:txLinClrLst/>
+    <dgm:txFillClrLst meth="repeat">
+      <a:schemeClr val="dk1"/>
+    </dgm:txFillClrLst>
+    <dgm:txEffectClrLst/>
+  </dgm:styleLbl>
+  <dgm:styleLbl name="bgAccFollowNode1">
+    <dgm:fillClrLst meth="repeat">
+      <a:schemeClr val="lt1">
+        <a:alpha val="90000"/>
+        <a:tint val="40000"/>
+      </a:schemeClr>
+    </dgm:fillClrLst>
+    <dgm:linClrLst meth="repeat">
+      <a:schemeClr val="accent3">
+        <a:alpha val="90000"/>
+      </a:schemeClr>
+    </dgm:linClrLst>
+    <dgm:effectClrLst/>
+    <dgm:txLinClrLst/>
+    <dgm:txFillClrLst meth="repeat">
+      <a:schemeClr val="dk1"/>
+    </dgm:txFillClrLst>
+    <dgm:txEffectClrLst/>
+  </dgm:styleLbl>
+  <dgm:styleLbl name="fgAcc0">
+    <dgm:fillClrLst meth="repeat">
+      <a:schemeClr val="accent3">
+        <a:alpha val="90000"/>
+        <a:tint val="40000"/>
+      </a:schemeClr>
+    </dgm:fillClrLst>
+    <dgm:linClrLst meth="repeat">
+      <a:schemeClr val="accent3"/>
+    </dgm:linClrLst>
+    <dgm:effectClrLst/>
+    <dgm:txLinClrLst/>
+    <dgm:txFillClrLst meth="repeat">
+      <a:schemeClr val="dk1"/>
+    </dgm:txFillClrLst>
+    <dgm:txEffectClrLst/>
+  </dgm:styleLbl>
+  <dgm:styleLbl name="fgAcc2">
+    <dgm:fillClrLst meth="repeat">
+      <a:schemeClr val="accent3">
+        <a:alpha val="90000"/>
+        <a:tint val="40000"/>
+      </a:schemeClr>
+    </dgm:fillClrLst>
+    <dgm:linClrLst meth="repeat">
+      <a:schemeClr val="accent3"/>
+    </dgm:linClrLst>
+    <dgm:effectClrLst/>
+    <dgm:txLinClrLst/>
+    <dgm:txFillClrLst meth="repeat">
+      <a:schemeClr val="dk1"/>
+    </dgm:txFillClrLst>
+    <dgm:txEffectClrLst/>
+  </dgm:styleLbl>
+  <dgm:styleLbl name="fgAcc3">
+    <dgm:fillClrLst meth="repeat">
+      <a:schemeClr val="accent3">
+        <a:alpha val="90000"/>
+        <a:tint val="40000"/>
+      </a:schemeClr>
+    </dgm:fillClrLst>
+    <dgm:linClrLst meth="repeat">
+      <a:schemeClr val="accent3"/>
+    </dgm:linClrLst>
+    <dgm:effectClrLst/>
+    <dgm:txLinClrLst/>
+    <dgm:txFillClrLst meth="repeat">
+      <a:schemeClr val="dk1"/>
+    </dgm:txFillClrLst>
+    <dgm:txEffectClrLst/>
+  </dgm:styleLbl>
+  <dgm:styleLbl name="fgAcc4">
+    <dgm:fillClrLst meth="repeat">
+      <a:schemeClr val="accent3">
+        <a:alpha val="90000"/>
+        <a:tint val="40000"/>
+      </a:schemeClr>
+    </dgm:fillClrLst>
+    <dgm:linClrLst meth="repeat">
+      <a:schemeClr val="accent3"/>
+    </dgm:linClrLst>
+    <dgm:effectClrLst/>
+    <dgm:txLinClrLst/>
+    <dgm:txFillClrLst meth="repeat">
+      <a:schemeClr val="dk1"/>
+    </dgm:txFillClrLst>
+    <dgm:txEffectClrLst/>
+  </dgm:styleLbl>
+  <dgm:styleLbl name="bgShp">
+    <dgm:fillClrLst meth="repeat">
+      <a:schemeClr val="accent3">
+        <a:tint val="40000"/>
+      </a:schemeClr>
+    </dgm:fillClrLst>
+    <dgm:linClrLst meth="repeat">
+      <a:schemeClr val="accent3"/>
+    </dgm:linClrLst>
+    <dgm:effectClrLst/>
+    <dgm:txLinClrLst/>
+    <dgm:txFillClrLst meth="repeat">
+      <a:schemeClr val="dk1"/>
+    </dgm:txFillClrLst>
+    <dgm:txEffectClrLst/>
+  </dgm:styleLbl>
+  <dgm:styleLbl name="dkBgShp">
+    <dgm:fillClrLst meth="repeat">
+      <a:schemeClr val="accent3">
+        <a:shade val="80000"/>
+      </a:schemeClr>
+    </dgm:fillClrLst>
+    <dgm:linClrLst meth="repeat">
+      <a:schemeClr val="accent3"/>
+    </dgm:linClrLst>
+    <dgm:effectClrLst/>
+    <dgm:txLinClrLst/>
+    <dgm:txFillClrLst meth="repeat">
+      <a:schemeClr val="lt1"/>
+    </dgm:txFillClrLst>
+    <dgm:txEffectClrLst/>
+  </dgm:styleLbl>
+  <dgm:styleLbl name="trBgShp">
+    <dgm:fillClrLst meth="repeat">
+      <a:schemeClr val="accent3">
+        <a:tint val="50000"/>
+        <a:alpha val="40000"/>
+      </a:schemeClr>
+    </dgm:fillClrLst>
+    <dgm:linClrLst meth="repeat">
+      <a:schemeClr val="accent3"/>
+    </dgm:linClrLst>
+    <dgm:effectClrLst/>
+    <dgm:txLinClrLst/>
+    <dgm:txFillClrLst meth="repeat">
+      <a:schemeClr val="lt1"/>
+    </dgm:txFillClrLst>
+    <dgm:txEffectClrLst/>
+  </dgm:styleLbl>
+  <dgm:styleLbl name="fgShp">
+    <dgm:fillClrLst meth="repeat">
+      <a:schemeClr val="accent3">
+        <a:tint val="60000"/>
+      </a:schemeClr>
+    </dgm:fillClrLst>
+    <dgm:linClrLst meth="repeat">
+      <a:schemeClr val="lt1"/>
+    </dgm:linClrLst>
+    <dgm:effectClrLst/>
+    <dgm:txLinClrLst/>
+    <dgm:txFillClrLst meth="repeat">
+      <a:schemeClr val="dk1"/>
+    </dgm:txFillClrLst>
+    <dgm:txEffectClrLst/>
+  </dgm:styleLbl>
+  <dgm:styleLbl name="revTx">
+    <dgm:fillClrLst meth="repeat">
+      <a:schemeClr val="lt1">
+        <a:alpha val="0"/>
+      </a:schemeClr>
+    </dgm:fillClrLst>
+    <dgm:linClrLst meth="repeat">
+      <a:schemeClr val="dk1">
+        <a:alpha val="0"/>
+      </a:schemeClr>
+    </dgm:linClrLst>
+    <dgm:effectClrLst/>
+    <dgm:txLinClrLst/>
+    <dgm:txFillClrLst meth="repeat">
+      <a:schemeClr val="tx1"/>
+    </dgm:txFillClrLst>
+    <dgm:txEffectClrLst/>
+  </dgm:styleLbl>
+</dgm:colorsDef>
+</file>
+
+<file path=ppt/diagrams/colors2.xml><?xml version="1.0" encoding="utf-8"?>
+<dgm:colorsDef xmlns:dgm="http://schemas.openxmlformats.org/drawingml/2006/diagram" xmlns:a="http://schemas.openxmlformats.org/drawingml/2006/main" uniqueId="urn:microsoft.com/office/officeart/2005/8/colors/accent1_2">
+  <dgm:title val=""/>
+  <dgm:desc val=""/>
+  <dgm:catLst>
+    <dgm:cat type="accent1" pri="11200"/>
+  </dgm:catLst>
+  <dgm:styleLbl name="node0">
+    <dgm:fillClrLst meth="repeat">
+      <a:schemeClr val="accent1"/>
+    </dgm:fillClrLst>
+    <dgm:linClrLst meth="repeat">
+      <a:schemeClr val="lt1"/>
+    </dgm:linClrLst>
+    <dgm:effectClrLst/>
+    <dgm:txLinClrLst/>
+    <dgm:txFillClrLst/>
+    <dgm:txEffectClrLst/>
+  </dgm:styleLbl>
+  <dgm:styleLbl name="alignNode1">
+    <dgm:fillClrLst meth="repeat">
+      <a:schemeClr val="accent1"/>
+    </dgm:fillClrLst>
+    <dgm:linClrLst meth="repeat">
+      <a:schemeClr val="accent1"/>
+    </dgm:linClrLst>
+    <dgm:effectClrLst/>
+    <dgm:txLinClrLst/>
+    <dgm:txFillClrLst/>
+    <dgm:txEffectClrLst/>
+  </dgm:styleLbl>
+  <dgm:styleLbl name="node1">
+    <dgm:fillClrLst meth="repeat">
+      <a:schemeClr val="accent1"/>
+    </dgm:fillClrLst>
+    <dgm:linClrLst meth="repeat">
+      <a:schemeClr val="lt1"/>
+    </dgm:linClrLst>
+    <dgm:effectClrLst/>
+    <dgm:txLinClrLst/>
+    <dgm:txFillClrLst/>
+    <dgm:txEffectClrLst/>
+  </dgm:styleLbl>
+  <dgm:styleLbl name="lnNode1">
+    <dgm:fillClrLst meth="repeat">
+      <a:schemeClr val="accent1"/>
+    </dgm:fillClrLst>
+    <dgm:linClrLst meth="repeat">
+      <a:schemeClr val="lt1"/>
+    </dgm:linClrLst>
+    <dgm:effectClrLst/>
+    <dgm:txLinClrLst/>
+    <dgm:txFillClrLst/>
+    <dgm:txEffectClrLst/>
+  </dgm:styleLbl>
+  <dgm:styleLbl name="vennNode1">
+    <dgm:fillClrLst meth="repeat">
+      <a:schemeClr val="accent1">
+        <a:alpha val="50000"/>
+      </a:schemeClr>
+    </dgm:fillClrLst>
+    <dgm:linClrLst meth="repeat">
+      <a:schemeClr val="lt1"/>
+    </dgm:linClrLst>
+    <dgm:effectClrLst/>
+    <dgm:txLinClrLst/>
+    <dgm:txFillClrLst/>
+    <dgm:txEffectClrLst/>
+  </dgm:styleLbl>
+  <dgm:styleLbl name="node2">
+    <dgm:fillClrLst meth="repeat">
+      <a:schemeClr val="accent1"/>
+    </dgm:fillClrLst>
+    <dgm:linClrLst meth="repeat">
+      <a:schemeClr val="lt1"/>
+    </dgm:linClrLst>
+    <dgm:effectClrLst/>
+    <dgm:txLinClrLst/>
+    <dgm:txFillClrLst/>
+    <dgm:txEffectClrLst/>
+  </dgm:styleLbl>
+  <dgm:styleLbl name="node3">
+    <dgm:fillClrLst meth="repeat">
+      <a:schemeClr val="accent1"/>
+    </dgm:fillClrLst>
+    <dgm:linClrLst meth="repeat">
+      <a:schemeClr val="lt1"/>
+    </dgm:linClrLst>
+    <dgm:effectClrLst/>
+    <dgm:txLinClrLst/>
+    <dgm:txFillClrLst/>
+    <dgm:txEffectClrLst/>
+  </dgm:styleLbl>
+  <dgm:styleLbl name="node4">
+    <dgm:fillClrLst meth="repeat">
+      <a:schemeClr val="accent1"/>
+    </dgm:fillClrLst>
+    <dgm:linClrLst meth="repeat">
+      <a:schemeClr val="lt1"/>
+    </dgm:linClrLst>
+    <dgm:effectClrLst/>
+    <dgm:txLinClrLst/>
+    <dgm:txFillClrLst/>
+    <dgm:txEffectClrLst/>
+  </dgm:styleLbl>
+  <dgm:styleLbl name="fgImgPlace1">
+    <dgm:fillClrLst meth="repeat">
+      <a:schemeClr val="accent1">
+        <a:tint val="50000"/>
+      </a:schemeClr>
+    </dgm:fillClrLst>
+    <dgm:linClrLst meth="repeat">
+      <a:schemeClr val="lt1"/>
+    </dgm:linClrLst>
+    <dgm:effectClrLst/>
+    <dgm:txLinClrLst/>
+    <dgm:txFillClrLst meth="repeat">
+      <a:schemeClr val="lt1"/>
+    </dgm:txFillClrLst>
+    <dgm:txEffectClrLst/>
+  </dgm:styleLbl>
+  <dgm:styleLbl name="alignImgPlace1">
+    <dgm:fillClrLst meth="repeat">
+      <a:schemeClr val="accent1">
+        <a:tint val="50000"/>
+      </a:schemeClr>
+    </dgm:fillClrLst>
+    <dgm:linClrLst meth="repeat">
+      <a:schemeClr val="lt1"/>
+    </dgm:linClrLst>
+    <dgm:effectClrLst/>
+    <dgm:txLinClrLst/>
+    <dgm:txFillClrLst meth="repeat">
+      <a:schemeClr val="lt1"/>
+    </dgm:txFillClrLst>
+    <dgm:txEffectClrLst/>
+  </dgm:styleLbl>
+  <dgm:styleLbl name="bgImgPlace1">
+    <dgm:fillClrLst meth="repeat">
+      <a:schemeClr val="accent1">
+        <a:tint val="50000"/>
+      </a:schemeClr>
+    </dgm:fillClrLst>
+    <dgm:linClrLst meth="repeat">
+      <a:schemeClr val="lt1"/>
+    </dgm:linClrLst>
+    <dgm:effectClrLst/>
+    <dgm:txLinClrLst/>
+    <dgm:txFillClrLst meth="repeat">
+      <a:schemeClr val="lt1"/>
+    </dgm:txFillClrLst>
+    <dgm:txEffectClrLst/>
+  </dgm:styleLbl>
+  <dgm:styleLbl name="sibTrans2D1">
+    <dgm:fillClrLst meth="repeat">
+      <a:schemeClr val="accent1">
+        <a:tint val="60000"/>
+      </a:schemeClr>
+    </dgm:fillClrLst>
+    <dgm:linClrLst meth="repeat">
+      <a:schemeClr val="accent1">
+        <a:tint val="60000"/>
+      </a:schemeClr>
+    </dgm:linClrLst>
+    <dgm:effectClrLst/>
+    <dgm:txLinClrLst/>
+    <dgm:txFillClrLst/>
+    <dgm:txEffectClrLst/>
+  </dgm:styleLbl>
+  <dgm:styleLbl name="fgSibTrans2D1">
+    <dgm:fillClrLst meth="repeat">
+      <a:schemeClr val="accent1">
+        <a:tint val="60000"/>
+      </a:schemeClr>
+    </dgm:fillClrLst>
+    <dgm:linClrLst meth="repeat">
+      <a:schemeClr val="accent1">
+        <a:tint val="60000"/>
+      </a:schemeClr>
+    </dgm:linClrLst>
+    <dgm:effectClrLst/>
+    <dgm:txLinClrLst/>
+    <dgm:txFillClrLst/>
+    <dgm:txEffectClrLst/>
+  </dgm:styleLbl>
+  <dgm:styleLbl name="bgSibTrans2D1">
+    <dgm:fillClrLst meth="repeat">
+      <a:schemeClr val="accent1">
+        <a:tint val="60000"/>
+      </a:schemeClr>
+    </dgm:fillClrLst>
+    <dgm:linClrLst meth="repeat">
+      <a:schemeClr val="accent1">
+        <a:tint val="60000"/>
+      </a:schemeClr>
+    </dgm:linClrLst>
+    <dgm:effectClrLst/>
+    <dgm:txLinClrLst/>
+    <dgm:txFillClrLst/>
+    <dgm:txEffectClrLst/>
+  </dgm:styleLbl>
+  <dgm:styleLbl name="sibTrans1D1">
+    <dgm:fillClrLst meth="repeat">
+      <a:schemeClr val="accent1"/>
+    </dgm:fillClrLst>
+    <dgm:linClrLst meth="repeat">
+      <a:schemeClr val="accent1"/>
+    </dgm:linClrLst>
+    <dgm:effectClrLst/>
+    <dgm:txLinClrLst/>
+    <dgm:txFillClrLst meth="repeat">
+      <a:schemeClr val="tx1"/>
+    </dgm:txFillClrLst>
+    <dgm:txEffectClrLst/>
+  </dgm:styleLbl>
+  <dgm:styleLbl name="callout">
+    <dgm:fillClrLst meth="repeat">
+      <a:schemeClr val="accent1"/>
+    </dgm:fillClrLst>
+    <dgm:linClrLst meth="repeat">
+      <a:schemeClr val="accent1">
+        <a:tint val="50000"/>
+      </a:schemeClr>
+    </dgm:linClrLst>
+    <dgm:effectClrLst/>
+    <dgm:txLinClrLst/>
+    <dgm:txFillClrLst meth="repeat">
+      <a:schemeClr val="tx1"/>
+    </dgm:txFillClrLst>
+    <dgm:txEffectClrLst/>
+  </dgm:styleLbl>
+  <dgm:styleLbl name="asst0">
+    <dgm:fillClrLst meth="repeat">
+      <a:schemeClr val="accent1"/>
+    </dgm:fillClrLst>
+    <dgm:linClrLst meth="repeat">
+      <a:schemeClr val="lt1"/>
+    </dgm:linClrLst>
+    <dgm:effectClrLst/>
+    <dgm:txLinClrLst/>
+    <dgm:txFillClrLst/>
+    <dgm:txEffectClrLst/>
+  </dgm:styleLbl>
+  <dgm:styleLbl name="asst1">
+    <dgm:fillClrLst meth="repeat">
+      <a:schemeClr val="accent1"/>
+    </dgm:fillClrLst>
+    <dgm:linClrLst meth="repeat">
+      <a:schemeClr val="lt1"/>
+    </dgm:linClrLst>
+    <dgm:effectClrLst/>
+    <dgm:txLinClrLst/>
+    <dgm:txFillClrLst/>
+    <dgm:txEffectClrLst/>
+  </dgm:styleLbl>
+  <dgm:styleLbl name="asst2">
+    <dgm:fillClrLst meth="repeat">
+      <a:schemeClr val="accent1"/>
+    </dgm:fillClrLst>
+    <dgm:linClrLst meth="repeat">
+      <a:schemeClr val="lt1"/>
+    </dgm:linClrLst>
+    <dgm:effectClrLst/>
+    <dgm:txLinClrLst/>
+    <dgm:txFillClrLst/>
+    <dgm:txEffectClrLst/>
+  </dgm:styleLbl>
+  <dgm:styleLbl name="asst3">
+    <dgm:fillClrLst meth="repeat">
+      <a:schemeClr val="accent1"/>
+    </dgm:fillClrLst>
+    <dgm:linClrLst meth="repeat">
+      <a:schemeClr val="lt1"/>
+    </dgm:linClrLst>
+    <dgm:effectClrLst/>
+    <dgm:txLinClrLst/>
+    <dgm:txFillClrLst/>
+    <dgm:txEffectClrLst/>
+  </dgm:styleLbl>
+  <dgm:styleLbl name="asst4">
+    <dgm:fillClrLst meth="repeat">
+      <a:schemeClr val="accent1"/>
+    </dgm:fillClrLst>
+    <dgm:linClrLst meth="repeat">
+      <a:schemeClr val="lt1"/>
+    </dgm:linClrLst>
+    <dgm:effectClrLst/>
+    <dgm:txLinClrLst/>
+    <dgm:txFillClrLst/>
+    <dgm:txEffectClrLst/>
+  </dgm:styleLbl>
+  <dgm:styleLbl name="parChTrans2D1">
+    <dgm:fillClrLst meth="repeat">
+      <a:schemeClr val="accent1">
+        <a:tint val="60000"/>
+      </a:schemeClr>
+    </dgm:fillClrLst>
+    <dgm:linClrLst meth="repeat">
+      <a:schemeClr val="accent1">
+        <a:tint val="60000"/>
+      </a:schemeClr>
+    </dgm:linClrLst>
+    <dgm:effectClrLst/>
+    <dgm:txLinClrLst/>
+    <dgm:txFillClrLst meth="repeat">
+      <a:schemeClr val="lt1"/>
+    </dgm:txFillClrLst>
+    <dgm:txEffectClrLst/>
+  </dgm:styleLbl>
+  <dgm:styleLbl name="parChTrans2D2">
+    <dgm:fillClrLst meth="repeat">
+      <a:schemeClr val="accent1"/>
+    </dgm:fillClrLst>
+    <dgm:linClrLst meth="repeat">
+      <a:schemeClr val="accent1"/>
+    </dgm:linClrLst>
+    <dgm:effectClrLst/>
+    <dgm:txLinClrLst/>
+    <dgm:txFillClrLst meth="repeat">
+      <a:schemeClr val="lt1"/>
+    </dgm:txFillClrLst>
+    <dgm:txEffectClrLst/>
+  </dgm:styleLbl>
+  <dgm:styleLbl name="parChTrans2D3">
+    <dgm:fillClrLst meth="repeat">
+      <a:schemeClr val="accent1"/>
+    </dgm:fillClrLst>
+    <dgm:linClrLst meth="repeat">
+      <a:schemeClr val="accent1"/>
+    </dgm:linClrLst>
+    <dgm:effectClrLst/>
+    <dgm:txLinClrLst/>
+    <dgm:txFillClrLst meth="repeat">
+      <a:schemeClr val="lt1"/>
+    </dgm:txFillClrLst>
+    <dgm:txEffectClrLst/>
+  </dgm:styleLbl>
+  <dgm:styleLbl name="parChTrans2D4">
+    <dgm:fillClrLst meth="repeat">
+      <a:schemeClr val="accent1"/>
+    </dgm:fillClrLst>
+    <dgm:linClrLst meth="repeat">
+      <a:schemeClr val="accent1"/>
+    </dgm:linClrLst>
+    <dgm:effectClrLst/>
+    <dgm:txLinClrLst/>
+    <dgm:txFillClrLst meth="repeat">
+      <a:schemeClr val="lt1"/>
+    </dgm:txFillClrLst>
+    <dgm:txEffectClrLst/>
+  </dgm:styleLbl>
+  <dgm:styleLbl name="parChTrans1D1">
+    <dgm:fillClrLst meth="repeat">
+      <a:schemeClr val="accent1"/>
+    </dgm:fillClrLst>
+    <dgm:linClrLst meth="repeat">
+      <a:schemeClr val="accent1">
+        <a:shade val="60000"/>
+      </a:schemeClr>
+    </dgm:linClrLst>
+    <dgm:effectClrLst/>
+    <dgm:txLinClrLst/>
+    <dgm:txFillClrLst meth="repeat">
+      <a:schemeClr val="tx1"/>
+    </dgm:txFillClrLst>
+    <dgm:txEffectClrLst/>
+  </dgm:styleLbl>
+  <dgm:styleLbl name="parChTrans1D2">
+    <dgm:fillClrLst meth="repeat">
+      <a:schemeClr val="accent1"/>
+    </dgm:fillClrLst>
+    <dgm:linClrLst meth="repeat">
+      <a:schemeClr val="accent1">
+        <a:shade val="60000"/>
+      </a:schemeClr>
+    </dgm:linClrLst>
+    <dgm:effectClrLst/>
+    <dgm:txLinClrLst/>
+    <dgm:txFillClrLst meth="repeat">
+      <a:schemeClr val="tx1"/>
+    </dgm:txFillClrLst>
+    <dgm:txEffectClrLst/>
+  </dgm:styleLbl>
+  <dgm:styleLbl name="parChTrans1D3">
+    <dgm:fillClrLst meth="repeat">
+      <a:schemeClr val="accent1"/>
+    </dgm:fillClrLst>
+    <dgm:linClrLst meth="repeat">
+      <a:schemeClr val="accent1">
+        <a:shade val="80000"/>
+      </a:schemeClr>
+    </dgm:linClrLst>
+    <dgm:effectClrLst/>
+    <dgm:txLinClrLst/>
+    <dgm:txFillClrLst meth="repeat">
+      <a:schemeClr val="tx1"/>
+    </dgm:txFillClrLst>
+    <dgm:txEffectClrLst/>
+  </dgm:styleLbl>
+  <dgm:styleLbl name="parChTrans1D4">
+    <dgm:fillClrLst meth="repeat">
+      <a:schemeClr val="accent1"/>
+    </dgm:fillClrLst>
+    <dgm:linClrLst meth="repeat">
+      <a:schemeClr val="accent1">
+        <a:shade val="80000"/>
+      </a:schemeClr>
+    </dgm:linClrLst>
+    <dgm:effectClrLst/>
+    <dgm:txLinClrLst/>
+    <dgm:txFillClrLst meth="repeat">
+      <a:schemeClr val="tx1"/>
+    </dgm:txFillClrLst>
+    <dgm:txEffectClrLst/>
+  </dgm:styleLbl>
+  <dgm:styleLbl name="fgAcc1">
+    <dgm:fillClrLst meth="repeat">
+      <a:schemeClr val="lt1">
+        <a:alpha val="90000"/>
+      </a:schemeClr>
+    </dgm:fillClrLst>
+    <dgm:linClrLst meth="repeat">
+      <a:schemeClr val="accent1"/>
+    </dgm:linClrLst>
+    <dgm:effectClrLst/>
+    <dgm:txLinClrLst/>
+    <dgm:txFillClrLst meth="repeat">
+      <a:schemeClr val="dk1"/>
+    </dgm:txFillClrLst>
+    <dgm:txEffectClrLst/>
+  </dgm:styleLbl>
+  <dgm:styleLbl name="conFgAcc1">
+    <dgm:fillClrLst meth="repeat">
+      <a:schemeClr val="lt1">
+        <a:alpha val="90000"/>
+      </a:schemeClr>
+    </dgm:fillClrLst>
+    <dgm:linClrLst meth="repeat">
+      <a:schemeClr val="accent1"/>
+    </dgm:linClrLst>
+    <dgm:effectClrLst/>
+    <dgm:txLinClrLst/>
+    <dgm:txFillClrLst meth="repeat">
+      <a:schemeClr val="dk1"/>
+    </dgm:txFillClrLst>
+    <dgm:txEffectClrLst/>
+  </dgm:styleLbl>
+  <dgm:styleLbl name="alignAcc1">
+    <dgm:fillClrLst meth="repeat">
+      <a:schemeClr val="lt1">
+        <a:alpha val="90000"/>
+      </a:schemeClr>
+    </dgm:fillClrLst>
+    <dgm:linClrLst meth="repeat">
+      <a:schemeClr val="accent1"/>
+    </dgm:linClrLst>
+    <dgm:effectClrLst/>
+    <dgm:txLinClrLst/>
+    <dgm:txFillClrLst meth="repeat">
+      <a:schemeClr val="dk1"/>
+    </dgm:txFillClrLst>
+    <dgm:txEffectClrLst/>
+  </dgm:styleLbl>
+  <dgm:styleLbl name="trAlignAcc1">
+    <dgm:fillClrLst meth="repeat">
+      <a:schemeClr val="lt1">
+        <a:alpha val="40000"/>
+      </a:schemeClr>
+    </dgm:fillClrLst>
+    <dgm:linClrLst meth="repeat">
+      <a:schemeClr val="accent1"/>
+    </dgm:linClrLst>
+    <dgm:effectClrLst/>
+    <dgm:txLinClrLst/>
+    <dgm:txFillClrLst meth="repeat">
+      <a:schemeClr val="dk1"/>
+    </dgm:txFillClrLst>
+    <dgm:txEffectClrLst/>
+  </dgm:styleLbl>
+  <dgm:styleLbl name="bgAcc1">
+    <dgm:fillClrLst meth="repeat">
+      <a:schemeClr val="lt1">
+        <a:alpha val="90000"/>
+      </a:schemeClr>
+    </dgm:fillClrLst>
+    <dgm:linClrLst meth="repeat">
+      <a:schemeClr val="accent1"/>
+    </dgm:linClrLst>
+    <dgm:effectClrLst/>
+    <dgm:txLinClrLst/>
+    <dgm:txFillClrLst meth="repeat">
+      <a:schemeClr val="dk1"/>
+    </dgm:txFillClrLst>
+    <dgm:txEffectClrLst/>
+  </dgm:styleLbl>
+  <dgm:styleLbl name="solidFgAcc1">
+    <dgm:fillClrLst meth="repeat">
+      <a:schemeClr val="lt1"/>
+    </dgm:fillClrLst>
+    <dgm:linClrLst meth="repeat">
+      <a:schemeClr val="accent1"/>
+    </dgm:linClrLst>
+    <dgm:effectClrLst/>
+    <dgm:txLinClrLst/>
+    <dgm:txFillClrLst meth="repeat">
+      <a:schemeClr val="dk1"/>
+    </dgm:txFillClrLst>
+    <dgm:txEffectClrLst/>
+  </dgm:styleLbl>
+  <dgm:styleLbl name="solidAlignAcc1">
+    <dgm:fillClrLst meth="repeat">
+      <a:schemeClr val="lt1"/>
+    </dgm:fillClrLst>
+    <dgm:linClrLst meth="repeat">
+      <a:schemeClr val="accent1"/>
+    </dgm:linClrLst>
+    <dgm:effectClrLst/>
+    <dgm:txLinClrLst/>
+    <dgm:txFillClrLst meth="repeat">
+      <a:schemeClr val="dk1"/>
+    </dgm:txFillClrLst>
+    <dgm:txEffectClrLst/>
+  </dgm:styleLbl>
+  <dgm:styleLbl name="solidBgAcc1">
+    <dgm:fillClrLst meth="repeat">
+      <a:schemeClr val="lt1"/>
+    </dgm:fillClrLst>
+    <dgm:linClrLst meth="repeat">
+      <a:schemeClr val="accent1"/>
+    </dgm:linClrLst>
+    <dgm:effectClrLst/>
+    <dgm:txLinClrLst/>
+    <dgm:txFillClrLst meth="repeat">
+      <a:schemeClr val="dk1"/>
+    </dgm:txFillClrLst>
+    <dgm:txEffectClrLst/>
+  </dgm:styleLbl>
+  <dgm:styleLbl name="fgAccFollowNode1">
+    <dgm:fillClrLst meth="repeat">
+      <a:schemeClr val="accent1">
+        <a:alpha val="90000"/>
+        <a:tint val="40000"/>
+      </a:schemeClr>
+    </dgm:fillClrLst>
+    <dgm:linClrLst meth="repeat">
+      <a:schemeClr val="accent1">
+        <a:alpha val="90000"/>
+        <a:tint val="40000"/>
+      </a:schemeClr>
+    </dgm:linClrLst>
+    <dgm:effectClrLst/>
+    <dgm:txLinClrLst/>
+    <dgm:txFillClrLst meth="repeat">
+      <a:schemeClr val="dk1"/>
+    </dgm:txFillClrLst>
+    <dgm:txEffectClrLst/>
+  </dgm:styleLbl>
+  <dgm:styleLbl name="alignAccFollowNode1">
+    <dgm:fillClrLst meth="repeat">
+      <a:schemeClr val="accent1">
+        <a:alpha val="90000"/>
+        <a:tint val="40000"/>
+      </a:schemeClr>
+    </dgm:fillClrLst>
+    <dgm:linClrLst meth="repeat">
+      <a:schemeClr val="accent1">
+        <a:alpha val="90000"/>
+        <a:tint val="40000"/>
+      </a:schemeClr>
+    </dgm:linClrLst>
+    <dgm:effectClrLst/>
+    <dgm:txLinClrLst/>
+    <dgm:txFillClrLst meth="repeat">
+      <a:schemeClr val="dk1"/>
+    </dgm:txFillClrLst>
+    <dgm:txEffectClrLst/>
+  </dgm:styleLbl>
+  <dgm:styleLbl name="bgAccFollowNode1">
+    <dgm:fillClrLst meth="repeat">
+      <a:schemeClr val="accent1">
+        <a:alpha val="90000"/>
+        <a:tint val="40000"/>
+      </a:schemeClr>
+    </dgm:fillClrLst>
+    <dgm:linClrLst meth="repeat">
+      <a:schemeClr val="accent1">
+        <a:alpha val="90000"/>
+        <a:tint val="40000"/>
+      </a:schemeClr>
+    </dgm:linClrLst>
+    <dgm:effectClrLst/>
+    <dgm:txLinClrLst/>
+    <dgm:txFillClrLst meth="repeat">
+      <a:schemeClr val="dk1"/>
+    </dgm:txFillClrLst>
+    <dgm:txEffectClrLst/>
+  </dgm:styleLbl>
+  <dgm:styleLbl name="fgAcc0">
+    <dgm:fillClrLst meth="repeat">
+      <a:schemeClr val="lt1">
+        <a:alpha val="90000"/>
+      </a:schemeClr>
+    </dgm:fillClrLst>
+    <dgm:linClrLst meth="repeat">
+      <a:schemeClr val="accent1"/>
+    </dgm:linClrLst>
+    <dgm:effectClrLst/>
+    <dgm:txLinClrLst/>
+    <dgm:txFillClrLst meth="repeat">
+      <a:schemeClr val="dk1"/>
+    </dgm:txFillClrLst>
+    <dgm:txEffectClrLst/>
+  </dgm:styleLbl>
+  <dgm:styleLbl name="fgAcc2">
+    <dgm:fillClrLst meth="repeat">
+      <a:schemeClr val="lt1">
+        <a:alpha val="90000"/>
+      </a:schemeClr>
+    </dgm:fillClrLst>
+    <dgm:linClrLst meth="repeat">
+      <a:schemeClr val="accent1"/>
+    </dgm:linClrLst>
+    <dgm:effectClrLst/>
+    <dgm:txLinClrLst/>
+    <dgm:txFillClrLst meth="repeat">
+      <a:schemeClr val="dk1"/>
+    </dgm:txFillClrLst>
+    <dgm:txEffectClrLst/>
+  </dgm:styleLbl>
+  <dgm:styleLbl name="fgAcc3">
+    <dgm:fillClrLst meth="repeat">
+      <a:schemeClr val="lt1">
+        <a:alpha val="90000"/>
+      </a:schemeClr>
+    </dgm:fillClrLst>
+    <dgm:linClrLst meth="repeat">
+      <a:schemeClr val="accent1"/>
+    </dgm:linClrLst>
+    <dgm:effectClrLst/>
+    <dgm:txLinClrLst/>
+    <dgm:txFillClrLst meth="repeat">
+      <a:schemeClr val="dk1"/>
+    </dgm:txFillClrLst>
+    <dgm:txEffectClrLst/>
+  </dgm:styleLbl>
+  <dgm:styleLbl name="fgAcc4">
+    <dgm:fillClrLst meth="repeat">
+      <a:schemeClr val="lt1">
+        <a:alpha val="90000"/>
+      </a:schemeClr>
+    </dgm:fillClrLst>
+    <dgm:linClrLst meth="repeat">
+      <a:schemeClr val="accent1"/>
+    </dgm:linClrLst>
+    <dgm:effectClrLst/>
+    <dgm:txLinClrLst/>
+    <dgm:txFillClrLst meth="repeat">
+      <a:schemeClr val="dk1"/>
+    </dgm:txFillClrLst>
+    <dgm:txEffectClrLst/>
+  </dgm:styleLbl>
+  <dgm:styleLbl name="bgShp">
+    <dgm:fillClrLst meth="repeat">
+      <a:schemeClr val="accent1">
+        <a:tint val="40000"/>
+      </a:schemeClr>
+    </dgm:fillClrLst>
+    <dgm:linClrLst meth="repeat">
+      <a:schemeClr val="accent1"/>
+    </dgm:linClrLst>
+    <dgm:effectClrLst/>
+    <dgm:txLinClrLst/>
+    <dgm:txFillClrLst meth="repeat">
+      <a:schemeClr val="dk1"/>
+    </dgm:txFillClrLst>
+    <dgm:txEffectClrLst/>
+  </dgm:styleLbl>
+  <dgm:styleLbl name="dkBgShp">
+    <dgm:fillClrLst meth="repeat">
+      <a:schemeClr val="accent1">
+        <a:shade val="80000"/>
+      </a:schemeClr>
+    </dgm:fillClrLst>
+    <dgm:linClrLst meth="repeat">
+      <a:schemeClr val="accent1"/>
+    </dgm:linClrLst>
+    <dgm:effectClrLst/>
+    <dgm:txLinClrLst/>
+    <dgm:txFillClrLst meth="repeat">
+      <a:schemeClr val="lt1"/>
+    </dgm:txFillClrLst>
+    <dgm:txEffectClrLst/>
+  </dgm:styleLbl>
+  <dgm:styleLbl name="trBgShp">
+    <dgm:fillClrLst meth="repeat">
+      <a:schemeClr val="accent1">
+        <a:tint val="50000"/>
+        <a:alpha val="40000"/>
+      </a:schemeClr>
+    </dgm:fillClrLst>
+    <dgm:linClrLst meth="repeat">
+      <a:schemeClr val="accent1"/>
+    </dgm:linClrLst>
+    <dgm:effectClrLst/>
+    <dgm:txLinClrLst/>
+    <dgm:txFillClrLst meth="repeat">
+      <a:schemeClr val="lt1"/>
+    </dgm:txFillClrLst>
+    <dgm:txEffectClrLst/>
+  </dgm:styleLbl>
+  <dgm:styleLbl name="fgShp">
+    <dgm:fillClrLst meth="repeat">
+      <a:schemeClr val="accent1">
+        <a:tint val="60000"/>
+      </a:schemeClr>
+    </dgm:fillClrLst>
+    <dgm:linClrLst meth="repeat">
+      <a:schemeClr val="lt1"/>
+    </dgm:linClrLst>
+    <dgm:effectClrLst/>
+    <dgm:txLinClrLst/>
+    <dgm:txFillClrLst meth="repeat">
+      <a:schemeClr val="dk1"/>
+    </dgm:txFillClrLst>
+    <dgm:txEffectClrLst/>
+  </dgm:styleLbl>
+  <dgm:styleLbl name="revTx">
+    <dgm:fillClrLst meth="repeat">
+      <a:schemeClr val="lt1">
+        <a:alpha val="0"/>
+      </a:schemeClr>
+    </dgm:fillClrLst>
+    <dgm:linClrLst meth="repeat">
+      <a:schemeClr val="dk1">
+        <a:alpha val="0"/>
+      </a:schemeClr>
+    </dgm:linClrLst>
+    <dgm:effectClrLst/>
+    <dgm:txLinClrLst/>
+    <dgm:txFillClrLst meth="repeat">
+      <a:schemeClr val="tx1"/>
+    </dgm:txFillClrLst>
+    <dgm:txEffectClrLst/>
+  </dgm:styleLbl>
+</dgm:colorsDef>
+</file>
+
+<file path=ppt/diagrams/data1.xml><?xml version="1.0" encoding="utf-8"?>
+<dgm:dataModel xmlns:dgm="http://schemas.openxmlformats.org/drawingml/2006/diagram" xmlns:a="http://schemas.openxmlformats.org/drawingml/2006/main">
+  <dgm:ptLst>
+    <dgm:pt modelId="{08E3144C-D780-4096-8E2A-F952405D5EF1}" type="doc">
+      <dgm:prSet loTypeId="urn:microsoft.com/office/officeart/2005/8/layout/process1" loCatId="process" qsTypeId="urn:microsoft.com/office/officeart/2005/8/quickstyle/simple1" qsCatId="simple" csTypeId="urn:microsoft.com/office/officeart/2005/8/colors/accent3_1" csCatId="accent3" phldr="1"/>
+      <dgm:spPr/>
+    </dgm:pt>
+    <dgm:pt modelId="{D1009378-0BA4-4CA3-9FA7-1B3E41D37005}">
+      <dgm:prSet phldrT="[Text]"/>
+      <dgm:spPr/>
+      <dgm:t>
+        <a:bodyPr/>
+        <a:lstStyle/>
+        <a:p>
+          <a:r>
+            <a:rPr lang="en-GB" dirty="0"/>
+            <a:t>User turn off the sensor.</a:t>
+          </a:r>
+        </a:p>
+      </dgm:t>
+    </dgm:pt>
+    <dgm:pt modelId="{C40DEE78-EB46-486D-A7DE-C8B0954315EC}" type="parTrans" cxnId="{E53505FC-4996-49A5-8A62-D1BF2E48C7F8}">
+      <dgm:prSet/>
+      <dgm:spPr/>
+      <dgm:t>
+        <a:bodyPr/>
+        <a:lstStyle/>
+        <a:p>
+          <a:endParaRPr lang="en-GB"/>
+        </a:p>
+      </dgm:t>
+    </dgm:pt>
+    <dgm:pt modelId="{AC03EA7F-3F48-4661-B691-8B6DEEF42058}" type="sibTrans" cxnId="{E53505FC-4996-49A5-8A62-D1BF2E48C7F8}">
+      <dgm:prSet/>
+      <dgm:spPr/>
+      <dgm:t>
+        <a:bodyPr/>
+        <a:lstStyle/>
+        <a:p>
+          <a:endParaRPr lang="en-GB"/>
+        </a:p>
+      </dgm:t>
+    </dgm:pt>
+    <dgm:pt modelId="{25C7DD85-BC83-44CC-856B-582F437255ED}">
+      <dgm:prSet phldrT="[Text]"/>
+      <dgm:spPr/>
+      <dgm:t>
+        <a:bodyPr/>
+        <a:lstStyle/>
+        <a:p>
+          <a:r>
+            <a:rPr lang="en-GB" dirty="0"/>
+            <a:t>User inform their perception on a form.</a:t>
+          </a:r>
+        </a:p>
+      </dgm:t>
+    </dgm:pt>
+    <dgm:pt modelId="{925E9CDA-AC5A-41D3-8C86-7AF469BE9B06}" type="parTrans" cxnId="{D5683BFE-DED9-48CC-8AAA-1B3E49FCB4D9}">
+      <dgm:prSet/>
+      <dgm:spPr/>
+      <dgm:t>
+        <a:bodyPr/>
+        <a:lstStyle/>
+        <a:p>
+          <a:endParaRPr lang="en-GB"/>
+        </a:p>
+      </dgm:t>
+    </dgm:pt>
+    <dgm:pt modelId="{676AD955-A270-4E61-BAC8-AA210766D542}" type="sibTrans" cxnId="{D5683BFE-DED9-48CC-8AAA-1B3E49FCB4D9}">
+      <dgm:prSet/>
+      <dgm:spPr/>
+      <dgm:t>
+        <a:bodyPr/>
+        <a:lstStyle/>
+        <a:p>
+          <a:endParaRPr lang="en-GB"/>
+        </a:p>
+      </dgm:t>
+    </dgm:pt>
+    <dgm:pt modelId="{05CBF2E2-BE23-4E73-9D44-0A8261E61BF4}">
+      <dgm:prSet phldrT="[Text]"/>
+      <dgm:spPr/>
+      <dgm:t>
+        <a:bodyPr/>
+        <a:lstStyle/>
+        <a:p>
+          <a:r>
+            <a:rPr lang="en-GB" dirty="0"/>
+            <a:t>The animation is generated and shown.</a:t>
+          </a:r>
+        </a:p>
+      </dgm:t>
+    </dgm:pt>
+    <dgm:pt modelId="{7BF13DF9-7738-4A77-801B-06E732ECA71E}" type="parTrans" cxnId="{7A137D46-17CF-48EC-9A24-E00168950857}">
+      <dgm:prSet/>
+      <dgm:spPr/>
+      <dgm:t>
+        <a:bodyPr/>
+        <a:lstStyle/>
+        <a:p>
+          <a:endParaRPr lang="en-GB"/>
+        </a:p>
+      </dgm:t>
+    </dgm:pt>
+    <dgm:pt modelId="{C31F2D74-8DCA-4238-A889-2BFADDE27EE0}" type="sibTrans" cxnId="{7A137D46-17CF-48EC-9A24-E00168950857}">
+      <dgm:prSet/>
+      <dgm:spPr/>
+      <dgm:t>
+        <a:bodyPr/>
+        <a:lstStyle/>
+        <a:p>
+          <a:endParaRPr lang="en-GB"/>
+        </a:p>
+      </dgm:t>
+    </dgm:pt>
+    <dgm:pt modelId="{B836FA77-6FAE-4535-8A22-BEC94005B074}">
+      <dgm:prSet phldrT="[Text]"/>
+      <dgm:spPr/>
+      <dgm:t>
+        <a:bodyPr/>
+        <a:lstStyle/>
+        <a:p>
+          <a:r>
+            <a:rPr lang="en-GB" dirty="0"/>
+            <a:t>User turn on the sensor.</a:t>
+          </a:r>
+        </a:p>
+      </dgm:t>
+    </dgm:pt>
+    <dgm:pt modelId="{641D1C0D-22B6-4043-95AD-2B845E83E947}" type="parTrans" cxnId="{961D6B20-CC28-4C13-A4B2-A5EDA75078FA}">
+      <dgm:prSet/>
+      <dgm:spPr/>
+      <dgm:t>
+        <a:bodyPr/>
+        <a:lstStyle/>
+        <a:p>
+          <a:endParaRPr lang="en-GB"/>
+        </a:p>
+      </dgm:t>
+    </dgm:pt>
+    <dgm:pt modelId="{F635653A-9F6C-4F9C-B40B-FFC7487CEA7E}" type="sibTrans" cxnId="{961D6B20-CC28-4C13-A4B2-A5EDA75078FA}">
+      <dgm:prSet/>
+      <dgm:spPr/>
+      <dgm:t>
+        <a:bodyPr/>
+        <a:lstStyle/>
+        <a:p>
+          <a:endParaRPr lang="en-GB"/>
+        </a:p>
+      </dgm:t>
+    </dgm:pt>
+    <dgm:pt modelId="{E23A7707-EB95-4BBD-A4DA-05DE1B34D11A}" type="pres">
+      <dgm:prSet presAssocID="{08E3144C-D780-4096-8E2A-F952405D5EF1}" presName="Name0" presStyleCnt="0">
+        <dgm:presLayoutVars>
+          <dgm:dir/>
+          <dgm:resizeHandles val="exact"/>
+        </dgm:presLayoutVars>
+      </dgm:prSet>
+      <dgm:spPr/>
+    </dgm:pt>
+    <dgm:pt modelId="{CF000200-E3DA-4D23-B9B3-3BE62A84B2DC}" type="pres">
+      <dgm:prSet presAssocID="{B836FA77-6FAE-4535-8A22-BEC94005B074}" presName="node" presStyleLbl="node1" presStyleIdx="0" presStyleCnt="4" custLinFactNeighborX="27892" custLinFactNeighborY="6908">
+        <dgm:presLayoutVars>
+          <dgm:bulletEnabled val="1"/>
+        </dgm:presLayoutVars>
+      </dgm:prSet>
+      <dgm:spPr/>
+    </dgm:pt>
+    <dgm:pt modelId="{24F0FB48-E38C-456B-B39B-1449F6217039}" type="pres">
+      <dgm:prSet presAssocID="{F635653A-9F6C-4F9C-B40B-FFC7487CEA7E}" presName="sibTrans" presStyleLbl="sibTrans2D1" presStyleIdx="0" presStyleCnt="3"/>
+      <dgm:spPr/>
+    </dgm:pt>
+    <dgm:pt modelId="{64DB2637-3000-4975-9038-4D5F5FF51F0B}" type="pres">
+      <dgm:prSet presAssocID="{F635653A-9F6C-4F9C-B40B-FFC7487CEA7E}" presName="connectorText" presStyleLbl="sibTrans2D1" presStyleIdx="0" presStyleCnt="3"/>
+      <dgm:spPr/>
+    </dgm:pt>
+    <dgm:pt modelId="{27C9A576-3800-4DC3-B67E-02BA200F7ED2}" type="pres">
+      <dgm:prSet presAssocID="{D1009378-0BA4-4CA3-9FA7-1B3E41D37005}" presName="node" presStyleLbl="node1" presStyleIdx="1" presStyleCnt="4" custLinFactNeighborX="3163" custLinFactNeighborY="6908">
+        <dgm:presLayoutVars>
+          <dgm:bulletEnabled val="1"/>
+        </dgm:presLayoutVars>
+      </dgm:prSet>
+      <dgm:spPr/>
+    </dgm:pt>
+    <dgm:pt modelId="{AE9EF424-0097-4360-B7BD-2F2C76A42258}" type="pres">
+      <dgm:prSet presAssocID="{AC03EA7F-3F48-4661-B691-8B6DEEF42058}" presName="sibTrans" presStyleLbl="sibTrans2D1" presStyleIdx="1" presStyleCnt="3"/>
+      <dgm:spPr/>
+    </dgm:pt>
+    <dgm:pt modelId="{E7EB3E72-A7C8-491C-AA21-AB24DB828A30}" type="pres">
+      <dgm:prSet presAssocID="{AC03EA7F-3F48-4661-B691-8B6DEEF42058}" presName="connectorText" presStyleLbl="sibTrans2D1" presStyleIdx="1" presStyleCnt="3"/>
+      <dgm:spPr/>
+    </dgm:pt>
+    <dgm:pt modelId="{87497A95-6ED1-45B5-AB3E-5EFB7AA19D68}" type="pres">
+      <dgm:prSet presAssocID="{25C7DD85-BC83-44CC-856B-582F437255ED}" presName="node" presStyleLbl="node1" presStyleIdx="2" presStyleCnt="4" custLinFactNeighborY="6908">
+        <dgm:presLayoutVars>
+          <dgm:bulletEnabled val="1"/>
+        </dgm:presLayoutVars>
+      </dgm:prSet>
+      <dgm:spPr/>
+    </dgm:pt>
+    <dgm:pt modelId="{7F7AA969-6089-4056-8FC3-5F0B604C0264}" type="pres">
+      <dgm:prSet presAssocID="{676AD955-A270-4E61-BAC8-AA210766D542}" presName="sibTrans" presStyleLbl="sibTrans2D1" presStyleIdx="2" presStyleCnt="3"/>
+      <dgm:spPr/>
+    </dgm:pt>
+    <dgm:pt modelId="{B2FD3734-9B28-45DD-9E0E-944728FC0C44}" type="pres">
+      <dgm:prSet presAssocID="{676AD955-A270-4E61-BAC8-AA210766D542}" presName="connectorText" presStyleLbl="sibTrans2D1" presStyleIdx="2" presStyleCnt="3"/>
+      <dgm:spPr/>
+    </dgm:pt>
+    <dgm:pt modelId="{0092CC0A-05C1-46CC-B7CD-EC69AF1764D8}" type="pres">
+      <dgm:prSet presAssocID="{05CBF2E2-BE23-4E73-9D44-0A8261E61BF4}" presName="node" presStyleLbl="node1" presStyleIdx="3" presStyleCnt="4" custLinFactNeighborX="-14252" custLinFactNeighborY="6908">
+        <dgm:presLayoutVars>
+          <dgm:bulletEnabled val="1"/>
+        </dgm:presLayoutVars>
+      </dgm:prSet>
+      <dgm:spPr/>
+    </dgm:pt>
+  </dgm:ptLst>
+  <dgm:cxnLst>
+    <dgm:cxn modelId="{BEDF0306-BAFB-40FE-8DBF-0609DF91DF04}" type="presOf" srcId="{676AD955-A270-4E61-BAC8-AA210766D542}" destId="{B2FD3734-9B28-45DD-9E0E-944728FC0C44}" srcOrd="1" destOrd="0" presId="urn:microsoft.com/office/officeart/2005/8/layout/process1"/>
+    <dgm:cxn modelId="{6398D017-8858-4192-A32D-DF2E1B38659A}" type="presOf" srcId="{25C7DD85-BC83-44CC-856B-582F437255ED}" destId="{87497A95-6ED1-45B5-AB3E-5EFB7AA19D68}" srcOrd="0" destOrd="0" presId="urn:microsoft.com/office/officeart/2005/8/layout/process1"/>
+    <dgm:cxn modelId="{961D6B20-CC28-4C13-A4B2-A5EDA75078FA}" srcId="{08E3144C-D780-4096-8E2A-F952405D5EF1}" destId="{B836FA77-6FAE-4535-8A22-BEC94005B074}" srcOrd="0" destOrd="0" parTransId="{641D1C0D-22B6-4043-95AD-2B845E83E947}" sibTransId="{F635653A-9F6C-4F9C-B40B-FFC7487CEA7E}"/>
+    <dgm:cxn modelId="{2CE2D060-79B0-406C-ADCB-51022509489C}" type="presOf" srcId="{F635653A-9F6C-4F9C-B40B-FFC7487CEA7E}" destId="{64DB2637-3000-4975-9038-4D5F5FF51F0B}" srcOrd="1" destOrd="0" presId="urn:microsoft.com/office/officeart/2005/8/layout/process1"/>
+    <dgm:cxn modelId="{AB155B63-85B5-45F3-8848-8CDD87DE73A2}" type="presOf" srcId="{05CBF2E2-BE23-4E73-9D44-0A8261E61BF4}" destId="{0092CC0A-05C1-46CC-B7CD-EC69AF1764D8}" srcOrd="0" destOrd="0" presId="urn:microsoft.com/office/officeart/2005/8/layout/process1"/>
+    <dgm:cxn modelId="{7A137D46-17CF-48EC-9A24-E00168950857}" srcId="{08E3144C-D780-4096-8E2A-F952405D5EF1}" destId="{05CBF2E2-BE23-4E73-9D44-0A8261E61BF4}" srcOrd="3" destOrd="0" parTransId="{7BF13DF9-7738-4A77-801B-06E732ECA71E}" sibTransId="{C31F2D74-8DCA-4238-A889-2BFADDE27EE0}"/>
+    <dgm:cxn modelId="{B34EC451-7E3E-40F6-BBEF-8FA359A8DB35}" type="presOf" srcId="{F635653A-9F6C-4F9C-B40B-FFC7487CEA7E}" destId="{24F0FB48-E38C-456B-B39B-1449F6217039}" srcOrd="0" destOrd="0" presId="urn:microsoft.com/office/officeart/2005/8/layout/process1"/>
+    <dgm:cxn modelId="{E9CD0D93-7BA2-44DD-94E3-1A5B5DA93B45}" type="presOf" srcId="{AC03EA7F-3F48-4661-B691-8B6DEEF42058}" destId="{E7EB3E72-A7C8-491C-AA21-AB24DB828A30}" srcOrd="1" destOrd="0" presId="urn:microsoft.com/office/officeart/2005/8/layout/process1"/>
+    <dgm:cxn modelId="{59BF05A4-20A9-4471-A6F5-23D46FF9FA3A}" type="presOf" srcId="{08E3144C-D780-4096-8E2A-F952405D5EF1}" destId="{E23A7707-EB95-4BBD-A4DA-05DE1B34D11A}" srcOrd="0" destOrd="0" presId="urn:microsoft.com/office/officeart/2005/8/layout/process1"/>
+    <dgm:cxn modelId="{1B470EB9-6614-4522-8B9C-7FD74678E9E3}" type="presOf" srcId="{676AD955-A270-4E61-BAC8-AA210766D542}" destId="{7F7AA969-6089-4056-8FC3-5F0B604C0264}" srcOrd="0" destOrd="0" presId="urn:microsoft.com/office/officeart/2005/8/layout/process1"/>
+    <dgm:cxn modelId="{C5403DD6-F8F0-4E6A-A8B1-12C441B45359}" type="presOf" srcId="{B836FA77-6FAE-4535-8A22-BEC94005B074}" destId="{CF000200-E3DA-4D23-B9B3-3BE62A84B2DC}" srcOrd="0" destOrd="0" presId="urn:microsoft.com/office/officeart/2005/8/layout/process1"/>
+    <dgm:cxn modelId="{BB5937DA-D1A0-42A1-8C97-5B485D20CE62}" type="presOf" srcId="{D1009378-0BA4-4CA3-9FA7-1B3E41D37005}" destId="{27C9A576-3800-4DC3-B67E-02BA200F7ED2}" srcOrd="0" destOrd="0" presId="urn:microsoft.com/office/officeart/2005/8/layout/process1"/>
+    <dgm:cxn modelId="{837DF7F4-340A-4561-95A6-0BBB8CDBB4AE}" type="presOf" srcId="{AC03EA7F-3F48-4661-B691-8B6DEEF42058}" destId="{AE9EF424-0097-4360-B7BD-2F2C76A42258}" srcOrd="0" destOrd="0" presId="urn:microsoft.com/office/officeart/2005/8/layout/process1"/>
+    <dgm:cxn modelId="{E53505FC-4996-49A5-8A62-D1BF2E48C7F8}" srcId="{08E3144C-D780-4096-8E2A-F952405D5EF1}" destId="{D1009378-0BA4-4CA3-9FA7-1B3E41D37005}" srcOrd="1" destOrd="0" parTransId="{C40DEE78-EB46-486D-A7DE-C8B0954315EC}" sibTransId="{AC03EA7F-3F48-4661-B691-8B6DEEF42058}"/>
+    <dgm:cxn modelId="{D5683BFE-DED9-48CC-8AAA-1B3E49FCB4D9}" srcId="{08E3144C-D780-4096-8E2A-F952405D5EF1}" destId="{25C7DD85-BC83-44CC-856B-582F437255ED}" srcOrd="2" destOrd="0" parTransId="{925E9CDA-AC5A-41D3-8C86-7AF469BE9B06}" sibTransId="{676AD955-A270-4E61-BAC8-AA210766D542}"/>
+    <dgm:cxn modelId="{8D729DBC-8429-4670-9171-C94DAD28D2BC}" type="presParOf" srcId="{E23A7707-EB95-4BBD-A4DA-05DE1B34D11A}" destId="{CF000200-E3DA-4D23-B9B3-3BE62A84B2DC}" srcOrd="0" destOrd="0" presId="urn:microsoft.com/office/officeart/2005/8/layout/process1"/>
+    <dgm:cxn modelId="{72317F09-9DC3-45CD-B3C5-E938484860FD}" type="presParOf" srcId="{E23A7707-EB95-4BBD-A4DA-05DE1B34D11A}" destId="{24F0FB48-E38C-456B-B39B-1449F6217039}" srcOrd="1" destOrd="0" presId="urn:microsoft.com/office/officeart/2005/8/layout/process1"/>
+    <dgm:cxn modelId="{3C9BE9FB-8236-41EB-8B12-87CF5E640E99}" type="presParOf" srcId="{24F0FB48-E38C-456B-B39B-1449F6217039}" destId="{64DB2637-3000-4975-9038-4D5F5FF51F0B}" srcOrd="0" destOrd="0" presId="urn:microsoft.com/office/officeart/2005/8/layout/process1"/>
+    <dgm:cxn modelId="{29DBFB7F-2B09-4579-9288-E5D276130ECA}" type="presParOf" srcId="{E23A7707-EB95-4BBD-A4DA-05DE1B34D11A}" destId="{27C9A576-3800-4DC3-B67E-02BA200F7ED2}" srcOrd="2" destOrd="0" presId="urn:microsoft.com/office/officeart/2005/8/layout/process1"/>
+    <dgm:cxn modelId="{DC9DEF72-970E-4961-AAD8-FED27647B366}" type="presParOf" srcId="{E23A7707-EB95-4BBD-A4DA-05DE1B34D11A}" destId="{AE9EF424-0097-4360-B7BD-2F2C76A42258}" srcOrd="3" destOrd="0" presId="urn:microsoft.com/office/officeart/2005/8/layout/process1"/>
+    <dgm:cxn modelId="{B9F1F683-4F83-47F6-BA8E-B66A4C1D5682}" type="presParOf" srcId="{AE9EF424-0097-4360-B7BD-2F2C76A42258}" destId="{E7EB3E72-A7C8-491C-AA21-AB24DB828A30}" srcOrd="0" destOrd="0" presId="urn:microsoft.com/office/officeart/2005/8/layout/process1"/>
+    <dgm:cxn modelId="{D77FEF83-05ED-4619-A480-9DE57D925F3B}" type="presParOf" srcId="{E23A7707-EB95-4BBD-A4DA-05DE1B34D11A}" destId="{87497A95-6ED1-45B5-AB3E-5EFB7AA19D68}" srcOrd="4" destOrd="0" presId="urn:microsoft.com/office/officeart/2005/8/layout/process1"/>
+    <dgm:cxn modelId="{E306F2FD-E9BF-4E97-A270-3A15E87E9C81}" type="presParOf" srcId="{E23A7707-EB95-4BBD-A4DA-05DE1B34D11A}" destId="{7F7AA969-6089-4056-8FC3-5F0B604C0264}" srcOrd="5" destOrd="0" presId="urn:microsoft.com/office/officeart/2005/8/layout/process1"/>
+    <dgm:cxn modelId="{548FDFC8-5760-4571-8397-2D58D17B9522}" type="presParOf" srcId="{7F7AA969-6089-4056-8FC3-5F0B604C0264}" destId="{B2FD3734-9B28-45DD-9E0E-944728FC0C44}" srcOrd="0" destOrd="0" presId="urn:microsoft.com/office/officeart/2005/8/layout/process1"/>
+    <dgm:cxn modelId="{6B29CA00-4597-45A1-9EDB-7C979DA8E0C9}" type="presParOf" srcId="{E23A7707-EB95-4BBD-A4DA-05DE1B34D11A}" destId="{0092CC0A-05C1-46CC-B7CD-EC69AF1764D8}" srcOrd="6" destOrd="0" presId="urn:microsoft.com/office/officeart/2005/8/layout/process1"/>
+  </dgm:cxnLst>
+  <dgm:bg/>
+  <dgm:whole/>
+  <dgm:extLst>
+    <a:ext uri="http://schemas.microsoft.com/office/drawing/2008/diagram">
+      <dsp:dataModelExt xmlns:dsp="http://schemas.microsoft.com/office/drawing/2008/diagram" relId="rId6" minVer="http://schemas.openxmlformats.org/drawingml/2006/diagram"/>
+    </a:ext>
+  </dgm:extLst>
+</dgm:dataModel>
+</file>
+
+<file path=ppt/diagrams/data2.xml><?xml version="1.0" encoding="utf-8"?>
+<dgm:dataModel xmlns:dgm="http://schemas.openxmlformats.org/drawingml/2006/diagram" xmlns:a="http://schemas.openxmlformats.org/drawingml/2006/main">
+  <dgm:ptLst>
+    <dgm:pt modelId="{669F67DB-B643-4E93-B24B-6CC061A8ABBA}" type="doc">
+      <dgm:prSet loTypeId="urn:microsoft.com/office/officeart/2005/8/layout/process1" loCatId="process" qsTypeId="urn:microsoft.com/office/officeart/2005/8/quickstyle/simple1" qsCatId="simple" csTypeId="urn:microsoft.com/office/officeart/2005/8/colors/accent1_2" csCatId="accent1" phldr="1"/>
+      <dgm:spPr/>
+    </dgm:pt>
+    <dgm:pt modelId="{3E997DC4-D90C-41C1-9A9C-B6AA6A8347D9}" type="pres">
+      <dgm:prSet presAssocID="{669F67DB-B643-4E93-B24B-6CC061A8ABBA}" presName="Name0" presStyleCnt="0">
+        <dgm:presLayoutVars>
+          <dgm:dir/>
+          <dgm:resizeHandles val="exact"/>
+        </dgm:presLayoutVars>
+      </dgm:prSet>
+      <dgm:spPr/>
+    </dgm:pt>
+  </dgm:ptLst>
+  <dgm:cxnLst>
+    <dgm:cxn modelId="{89C4B33C-DE62-46C2-A57A-D6A713BD0E9E}" type="presOf" srcId="{669F67DB-B643-4E93-B24B-6CC061A8ABBA}" destId="{3E997DC4-D90C-41C1-9A9C-B6AA6A8347D9}" srcOrd="0" destOrd="0" presId="urn:microsoft.com/office/officeart/2005/8/layout/process1"/>
+  </dgm:cxnLst>
+  <dgm:bg/>
+  <dgm:whole/>
+  <dgm:extLst>
+    <a:ext uri="http://schemas.microsoft.com/office/drawing/2008/diagram">
+      <dsp:dataModelExt xmlns:dsp="http://schemas.microsoft.com/office/drawing/2008/diagram" relId="rId6" minVer="http://schemas.openxmlformats.org/drawingml/2006/diagram"/>
+    </a:ext>
+  </dgm:extLst>
+</dgm:dataModel>
+</file>
+
+<file path=ppt/diagrams/drawing1.xml><?xml version="1.0" encoding="utf-8"?>
+<dsp:drawing xmlns:dgm="http://schemas.openxmlformats.org/drawingml/2006/diagram" xmlns:dsp="http://schemas.microsoft.com/office/drawing/2008/diagram" xmlns:a="http://schemas.openxmlformats.org/drawingml/2006/main">
+  <dsp:spTree>
+    <dsp:nvGrpSpPr>
+      <dsp:cNvPr id="0" name=""/>
+      <dsp:cNvGrpSpPr/>
+    </dsp:nvGrpSpPr>
+    <dsp:grpSpPr/>
+    <dsp:sp modelId="{CF000200-E3DA-4D23-B9B3-3BE62A84B2DC}">
+      <dsp:nvSpPr>
+        <dsp:cNvPr id="0" name=""/>
+        <dsp:cNvSpPr/>
+      </dsp:nvSpPr>
+      <dsp:spPr>
+        <a:xfrm>
+          <a:off x="226496" y="1333501"/>
+          <a:ext cx="1989341" cy="1193604"/>
+        </a:xfrm>
+        <a:prstGeom prst="roundRect">
+          <a:avLst>
+            <a:gd name="adj" fmla="val 10000"/>
+          </a:avLst>
+        </a:prstGeom>
+        <a:solidFill>
+          <a:schemeClr val="lt1">
+            <a:hueOff val="0"/>
+            <a:satOff val="0"/>
+            <a:lumOff val="0"/>
+            <a:alphaOff val="0"/>
+          </a:schemeClr>
+        </a:solidFill>
+        <a:ln w="19050" cap="flat" cmpd="sng" algn="ctr">
+          <a:solidFill>
+            <a:schemeClr val="accent3">
+              <a:shade val="80000"/>
+              <a:hueOff val="0"/>
+              <a:satOff val="0"/>
+              <a:lumOff val="0"/>
+              <a:alphaOff val="0"/>
+            </a:schemeClr>
+          </a:solidFill>
+          <a:prstDash val="solid"/>
+        </a:ln>
+        <a:effectLst/>
+      </dsp:spPr>
+      <dsp:style>
+        <a:lnRef idx="2">
+          <a:scrgbClr r="0" g="0" b="0"/>
+        </a:lnRef>
+        <a:fillRef idx="1">
+          <a:scrgbClr r="0" g="0" b="0"/>
+        </a:fillRef>
+        <a:effectRef idx="0">
+          <a:scrgbClr r="0" g="0" b="0"/>
+        </a:effectRef>
+        <a:fontRef idx="minor">
+          <a:schemeClr val="lt1"/>
+        </a:fontRef>
+      </dsp:style>
+      <dsp:txBody>
+        <a:bodyPr spcFirstLastPara="0" vert="horz" wrap="square" lIns="80010" tIns="80010" rIns="80010" bIns="80010" numCol="1" spcCol="1270" anchor="ctr" anchorCtr="0">
+          <a:noAutofit/>
+        </a:bodyPr>
+        <a:lstStyle/>
+        <a:p>
+          <a:pPr marL="0" lvl="0" indent="0" algn="ctr" defTabSz="933450">
+            <a:lnSpc>
+              <a:spcPct val="90000"/>
+            </a:lnSpc>
+            <a:spcBef>
+              <a:spcPct val="0"/>
+            </a:spcBef>
+            <a:spcAft>
+              <a:spcPct val="35000"/>
+            </a:spcAft>
+            <a:buNone/>
+          </a:pPr>
+          <a:r>
+            <a:rPr lang="en-GB" sz="2100" kern="1200" dirty="0"/>
+            <a:t>User turn on the sensor.</a:t>
+          </a:r>
+        </a:p>
+      </dsp:txBody>
+      <dsp:txXfrm>
+        <a:off x="261455" y="1368460"/>
+        <a:ext cx="1919423" cy="1123686"/>
+      </dsp:txXfrm>
+    </dsp:sp>
+    <dsp:sp modelId="{24F0FB48-E38C-456B-B39B-1449F6217039}">
+      <dsp:nvSpPr>
+        <dsp:cNvPr id="0" name=""/>
+        <dsp:cNvSpPr/>
+      </dsp:nvSpPr>
+      <dsp:spPr>
+        <a:xfrm>
+          <a:off x="2365577" y="1683625"/>
+          <a:ext cx="317448" cy="493356"/>
+        </a:xfrm>
+        <a:prstGeom prst="rightArrow">
+          <a:avLst>
+            <a:gd name="adj1" fmla="val 60000"/>
+            <a:gd name="adj2" fmla="val 50000"/>
+          </a:avLst>
+        </a:prstGeom>
+        <a:solidFill>
+          <a:schemeClr val="accent3">
+            <a:tint val="60000"/>
+            <a:hueOff val="0"/>
+            <a:satOff val="0"/>
+            <a:lumOff val="0"/>
+            <a:alphaOff val="0"/>
+          </a:schemeClr>
+        </a:solidFill>
+        <a:ln>
+          <a:noFill/>
+        </a:ln>
+        <a:effectLst/>
+      </dsp:spPr>
+      <dsp:style>
+        <a:lnRef idx="0">
+          <a:scrgbClr r="0" g="0" b="0"/>
+        </a:lnRef>
+        <a:fillRef idx="1">
+          <a:scrgbClr r="0" g="0" b="0"/>
+        </a:fillRef>
+        <a:effectRef idx="0">
+          <a:scrgbClr r="0" g="0" b="0"/>
+        </a:effectRef>
+        <a:fontRef idx="minor">
+          <a:schemeClr val="lt1"/>
+        </a:fontRef>
+      </dsp:style>
+      <dsp:txBody>
+        <a:bodyPr spcFirstLastPara="0" vert="horz" wrap="square" lIns="0" tIns="0" rIns="0" bIns="0" numCol="1" spcCol="1270" anchor="ctr" anchorCtr="0">
+          <a:noAutofit/>
+        </a:bodyPr>
+        <a:lstStyle/>
+        <a:p>
+          <a:pPr marL="0" lvl="0" indent="0" algn="ctr" defTabSz="755650">
+            <a:lnSpc>
+              <a:spcPct val="90000"/>
+            </a:lnSpc>
+            <a:spcBef>
+              <a:spcPct val="0"/>
+            </a:spcBef>
+            <a:spcAft>
+              <a:spcPct val="35000"/>
+            </a:spcAft>
+            <a:buNone/>
+          </a:pPr>
+          <a:endParaRPr lang="en-GB" sz="1700" kern="1200"/>
+        </a:p>
+      </dsp:txBody>
+      <dsp:txXfrm>
+        <a:off x="2365577" y="1782296"/>
+        <a:ext cx="222214" cy="296014"/>
+      </dsp:txXfrm>
+    </dsp:sp>
+    <dsp:sp modelId="{27C9A576-3800-4DC3-B67E-02BA200F7ED2}">
+      <dsp:nvSpPr>
+        <dsp:cNvPr id="0" name=""/>
+        <dsp:cNvSpPr/>
+      </dsp:nvSpPr>
+      <dsp:spPr>
+        <a:xfrm>
+          <a:off x="2814797" y="1333501"/>
+          <a:ext cx="1989341" cy="1193604"/>
+        </a:xfrm>
+        <a:prstGeom prst="roundRect">
+          <a:avLst>
+            <a:gd name="adj" fmla="val 10000"/>
+          </a:avLst>
+        </a:prstGeom>
+        <a:solidFill>
+          <a:schemeClr val="lt1">
+            <a:hueOff val="0"/>
+            <a:satOff val="0"/>
+            <a:lumOff val="0"/>
+            <a:alphaOff val="0"/>
+          </a:schemeClr>
+        </a:solidFill>
+        <a:ln w="19050" cap="flat" cmpd="sng" algn="ctr">
+          <a:solidFill>
+            <a:schemeClr val="accent3">
+              <a:shade val="80000"/>
+              <a:hueOff val="0"/>
+              <a:satOff val="0"/>
+              <a:lumOff val="0"/>
+              <a:alphaOff val="0"/>
+            </a:schemeClr>
+          </a:solidFill>
+          <a:prstDash val="solid"/>
+        </a:ln>
+        <a:effectLst/>
+      </dsp:spPr>
+      <dsp:style>
+        <a:lnRef idx="2">
+          <a:scrgbClr r="0" g="0" b="0"/>
+        </a:lnRef>
+        <a:fillRef idx="1">
+          <a:scrgbClr r="0" g="0" b="0"/>
+        </a:fillRef>
+        <a:effectRef idx="0">
+          <a:scrgbClr r="0" g="0" b="0"/>
+        </a:effectRef>
+        <a:fontRef idx="minor">
+          <a:schemeClr val="lt1"/>
+        </a:fontRef>
+      </dsp:style>
+      <dsp:txBody>
+        <a:bodyPr spcFirstLastPara="0" vert="horz" wrap="square" lIns="80010" tIns="80010" rIns="80010" bIns="80010" numCol="1" spcCol="1270" anchor="ctr" anchorCtr="0">
+          <a:noAutofit/>
+        </a:bodyPr>
+        <a:lstStyle/>
+        <a:p>
+          <a:pPr marL="0" lvl="0" indent="0" algn="ctr" defTabSz="933450">
+            <a:lnSpc>
+              <a:spcPct val="90000"/>
+            </a:lnSpc>
+            <a:spcBef>
+              <a:spcPct val="0"/>
+            </a:spcBef>
+            <a:spcAft>
+              <a:spcPct val="35000"/>
+            </a:spcAft>
+            <a:buNone/>
+          </a:pPr>
+          <a:r>
+            <a:rPr lang="en-GB" sz="2100" kern="1200" dirty="0"/>
+            <a:t>User turn off the sensor.</a:t>
+          </a:r>
+        </a:p>
+      </dsp:txBody>
+      <dsp:txXfrm>
+        <a:off x="2849756" y="1368460"/>
+        <a:ext cx="1919423" cy="1123686"/>
+      </dsp:txXfrm>
+    </dsp:sp>
+    <dsp:sp modelId="{AE9EF424-0097-4360-B7BD-2F2C76A42258}">
+      <dsp:nvSpPr>
+        <dsp:cNvPr id="0" name=""/>
+        <dsp:cNvSpPr/>
+      </dsp:nvSpPr>
+      <dsp:spPr>
+        <a:xfrm>
+          <a:off x="4996780" y="1683625"/>
+          <a:ext cx="408400" cy="493356"/>
+        </a:xfrm>
+        <a:prstGeom prst="rightArrow">
+          <a:avLst>
+            <a:gd name="adj1" fmla="val 60000"/>
+            <a:gd name="adj2" fmla="val 50000"/>
+          </a:avLst>
+        </a:prstGeom>
+        <a:solidFill>
+          <a:schemeClr val="accent3">
+            <a:tint val="60000"/>
+            <a:hueOff val="0"/>
+            <a:satOff val="0"/>
+            <a:lumOff val="0"/>
+            <a:alphaOff val="0"/>
+          </a:schemeClr>
+        </a:solidFill>
+        <a:ln>
+          <a:noFill/>
+        </a:ln>
+        <a:effectLst/>
+      </dsp:spPr>
+      <dsp:style>
+        <a:lnRef idx="0">
+          <a:scrgbClr r="0" g="0" b="0"/>
+        </a:lnRef>
+        <a:fillRef idx="1">
+          <a:scrgbClr r="0" g="0" b="0"/>
+        </a:fillRef>
+        <a:effectRef idx="0">
+          <a:scrgbClr r="0" g="0" b="0"/>
+        </a:effectRef>
+        <a:fontRef idx="minor">
+          <a:schemeClr val="lt1"/>
+        </a:fontRef>
+      </dsp:style>
+      <dsp:txBody>
+        <a:bodyPr spcFirstLastPara="0" vert="horz" wrap="square" lIns="0" tIns="0" rIns="0" bIns="0" numCol="1" spcCol="1270" anchor="ctr" anchorCtr="0">
+          <a:noAutofit/>
+        </a:bodyPr>
+        <a:lstStyle/>
+        <a:p>
+          <a:pPr marL="0" lvl="0" indent="0" algn="ctr" defTabSz="755650">
+            <a:lnSpc>
+              <a:spcPct val="90000"/>
+            </a:lnSpc>
+            <a:spcBef>
+              <a:spcPct val="0"/>
+            </a:spcBef>
+            <a:spcAft>
+              <a:spcPct val="35000"/>
+            </a:spcAft>
+            <a:buNone/>
+          </a:pPr>
+          <a:endParaRPr lang="en-GB" sz="1700" kern="1200"/>
+        </a:p>
+      </dsp:txBody>
+      <dsp:txXfrm>
+        <a:off x="4996780" y="1782296"/>
+        <a:ext cx="285880" cy="296014"/>
+      </dsp:txXfrm>
+    </dsp:sp>
+    <dsp:sp modelId="{87497A95-6ED1-45B5-AB3E-5EFB7AA19D68}">
+      <dsp:nvSpPr>
+        <dsp:cNvPr id="0" name=""/>
+        <dsp:cNvSpPr/>
+      </dsp:nvSpPr>
+      <dsp:spPr>
+        <a:xfrm>
+          <a:off x="5574705" y="1333501"/>
+          <a:ext cx="1989341" cy="1193604"/>
+        </a:xfrm>
+        <a:prstGeom prst="roundRect">
+          <a:avLst>
+            <a:gd name="adj" fmla="val 10000"/>
+          </a:avLst>
+        </a:prstGeom>
+        <a:solidFill>
+          <a:schemeClr val="lt1">
+            <a:hueOff val="0"/>
+            <a:satOff val="0"/>
+            <a:lumOff val="0"/>
+            <a:alphaOff val="0"/>
+          </a:schemeClr>
+        </a:solidFill>
+        <a:ln w="19050" cap="flat" cmpd="sng" algn="ctr">
+          <a:solidFill>
+            <a:schemeClr val="accent3">
+              <a:shade val="80000"/>
+              <a:hueOff val="0"/>
+              <a:satOff val="0"/>
+              <a:lumOff val="0"/>
+              <a:alphaOff val="0"/>
+            </a:schemeClr>
+          </a:solidFill>
+          <a:prstDash val="solid"/>
+        </a:ln>
+        <a:effectLst/>
+      </dsp:spPr>
+      <dsp:style>
+        <a:lnRef idx="2">
+          <a:scrgbClr r="0" g="0" b="0"/>
+        </a:lnRef>
+        <a:fillRef idx="1">
+          <a:scrgbClr r="0" g="0" b="0"/>
+        </a:fillRef>
+        <a:effectRef idx="0">
+          <a:scrgbClr r="0" g="0" b="0"/>
+        </a:effectRef>
+        <a:fontRef idx="minor">
+          <a:schemeClr val="lt1"/>
+        </a:fontRef>
+      </dsp:style>
+      <dsp:txBody>
+        <a:bodyPr spcFirstLastPara="0" vert="horz" wrap="square" lIns="80010" tIns="80010" rIns="80010" bIns="80010" numCol="1" spcCol="1270" anchor="ctr" anchorCtr="0">
+          <a:noAutofit/>
+        </a:bodyPr>
+        <a:lstStyle/>
+        <a:p>
+          <a:pPr marL="0" lvl="0" indent="0" algn="ctr" defTabSz="933450">
+            <a:lnSpc>
+              <a:spcPct val="90000"/>
+            </a:lnSpc>
+            <a:spcBef>
+              <a:spcPct val="0"/>
+            </a:spcBef>
+            <a:spcAft>
+              <a:spcPct val="35000"/>
+            </a:spcAft>
+            <a:buNone/>
+          </a:pPr>
+          <a:r>
+            <a:rPr lang="en-GB" sz="2100" kern="1200" dirty="0"/>
+            <a:t>User inform their perception on a form.</a:t>
+          </a:r>
+        </a:p>
+      </dsp:txBody>
+      <dsp:txXfrm>
+        <a:off x="5609664" y="1368460"/>
+        <a:ext cx="1919423" cy="1123686"/>
+      </dsp:txXfrm>
+    </dsp:sp>
+    <dsp:sp modelId="{7F7AA969-6089-4056-8FC3-5F0B604C0264}">
+      <dsp:nvSpPr>
+        <dsp:cNvPr id="0" name=""/>
+        <dsp:cNvSpPr/>
+      </dsp:nvSpPr>
+      <dsp:spPr>
+        <a:xfrm>
+          <a:off x="7734629" y="1683625"/>
+          <a:ext cx="361633" cy="493356"/>
+        </a:xfrm>
+        <a:prstGeom prst="rightArrow">
+          <a:avLst>
+            <a:gd name="adj1" fmla="val 60000"/>
+            <a:gd name="adj2" fmla="val 50000"/>
+          </a:avLst>
+        </a:prstGeom>
+        <a:solidFill>
+          <a:schemeClr val="accent3">
+            <a:tint val="60000"/>
+            <a:hueOff val="0"/>
+            <a:satOff val="0"/>
+            <a:lumOff val="0"/>
+            <a:alphaOff val="0"/>
+          </a:schemeClr>
+        </a:solidFill>
+        <a:ln>
+          <a:noFill/>
+        </a:ln>
+        <a:effectLst/>
+      </dsp:spPr>
+      <dsp:style>
+        <a:lnRef idx="0">
+          <a:scrgbClr r="0" g="0" b="0"/>
+        </a:lnRef>
+        <a:fillRef idx="1">
+          <a:scrgbClr r="0" g="0" b="0"/>
+        </a:fillRef>
+        <a:effectRef idx="0">
+          <a:scrgbClr r="0" g="0" b="0"/>
+        </a:effectRef>
+        <a:fontRef idx="minor">
+          <a:schemeClr val="lt1"/>
+        </a:fontRef>
+      </dsp:style>
+      <dsp:txBody>
+        <a:bodyPr spcFirstLastPara="0" vert="horz" wrap="square" lIns="0" tIns="0" rIns="0" bIns="0" numCol="1" spcCol="1270" anchor="ctr" anchorCtr="0">
+          <a:noAutofit/>
+        </a:bodyPr>
+        <a:lstStyle/>
+        <a:p>
+          <a:pPr marL="0" lvl="0" indent="0" algn="ctr" defTabSz="755650">
+            <a:lnSpc>
+              <a:spcPct val="90000"/>
+            </a:lnSpc>
+            <a:spcBef>
+              <a:spcPct val="0"/>
+            </a:spcBef>
+            <a:spcAft>
+              <a:spcPct val="35000"/>
+            </a:spcAft>
+            <a:buNone/>
+          </a:pPr>
+          <a:endParaRPr lang="en-GB" sz="1700" kern="1200"/>
+        </a:p>
+      </dsp:txBody>
+      <dsp:txXfrm>
+        <a:off x="7734629" y="1782296"/>
+        <a:ext cx="253143" cy="296014"/>
+      </dsp:txXfrm>
+    </dsp:sp>
+    <dsp:sp modelId="{0092CC0A-05C1-46CC-B7CD-EC69AF1764D8}">
+      <dsp:nvSpPr>
+        <dsp:cNvPr id="0" name=""/>
+        <dsp:cNvSpPr/>
+      </dsp:nvSpPr>
+      <dsp:spPr>
+        <a:xfrm>
+          <a:off x="8246375" y="1333501"/>
+          <a:ext cx="1989341" cy="1193604"/>
+        </a:xfrm>
+        <a:prstGeom prst="roundRect">
+          <a:avLst>
+            <a:gd name="adj" fmla="val 10000"/>
+          </a:avLst>
+        </a:prstGeom>
+        <a:solidFill>
+          <a:schemeClr val="lt1">
+            <a:hueOff val="0"/>
+            <a:satOff val="0"/>
+            <a:lumOff val="0"/>
+            <a:alphaOff val="0"/>
+          </a:schemeClr>
+        </a:solidFill>
+        <a:ln w="19050" cap="flat" cmpd="sng" algn="ctr">
+          <a:solidFill>
+            <a:schemeClr val="accent3">
+              <a:shade val="80000"/>
+              <a:hueOff val="0"/>
+              <a:satOff val="0"/>
+              <a:lumOff val="0"/>
+              <a:alphaOff val="0"/>
+            </a:schemeClr>
+          </a:solidFill>
+          <a:prstDash val="solid"/>
+        </a:ln>
+        <a:effectLst/>
+      </dsp:spPr>
+      <dsp:style>
+        <a:lnRef idx="2">
+          <a:scrgbClr r="0" g="0" b="0"/>
+        </a:lnRef>
+        <a:fillRef idx="1">
+          <a:scrgbClr r="0" g="0" b="0"/>
+        </a:fillRef>
+        <a:effectRef idx="0">
+          <a:scrgbClr r="0" g="0" b="0"/>
+        </a:effectRef>
+        <a:fontRef idx="minor">
+          <a:schemeClr val="lt1"/>
+        </a:fontRef>
+      </dsp:style>
+      <dsp:txBody>
+        <a:bodyPr spcFirstLastPara="0" vert="horz" wrap="square" lIns="80010" tIns="80010" rIns="80010" bIns="80010" numCol="1" spcCol="1270" anchor="ctr" anchorCtr="0">
+          <a:noAutofit/>
+        </a:bodyPr>
+        <a:lstStyle/>
+        <a:p>
+          <a:pPr marL="0" lvl="0" indent="0" algn="ctr" defTabSz="933450">
+            <a:lnSpc>
+              <a:spcPct val="90000"/>
+            </a:lnSpc>
+            <a:spcBef>
+              <a:spcPct val="0"/>
+            </a:spcBef>
+            <a:spcAft>
+              <a:spcPct val="35000"/>
+            </a:spcAft>
+            <a:buNone/>
+          </a:pPr>
+          <a:r>
+            <a:rPr lang="en-GB" sz="2100" kern="1200" dirty="0"/>
+            <a:t>The animation is generated and shown.</a:t>
+          </a:r>
+        </a:p>
+      </dsp:txBody>
+      <dsp:txXfrm>
+        <a:off x="8281334" y="1368460"/>
+        <a:ext cx="1919423" cy="1123686"/>
+      </dsp:txXfrm>
+    </dsp:sp>
+  </dsp:spTree>
+</dsp:drawing>
+</file>
+
+<file path=ppt/diagrams/drawing2.xml><?xml version="1.0" encoding="utf-8"?>
+<dsp:drawing xmlns:dgm="http://schemas.openxmlformats.org/drawingml/2006/diagram" xmlns:dsp="http://schemas.microsoft.com/office/drawing/2008/diagram" xmlns:a="http://schemas.openxmlformats.org/drawingml/2006/main">
+  <dsp:spTree>
+    <dsp:nvGrpSpPr>
+      <dsp:cNvPr id="0" name=""/>
+      <dsp:cNvGrpSpPr/>
+    </dsp:nvGrpSpPr>
+    <dsp:grpSpPr/>
+  </dsp:spTree>
+</dsp:drawing>
+</file>
+
+<file path=ppt/diagrams/layout1.xml><?xml version="1.0" encoding="utf-8"?>
+<dgm:layoutDef xmlns:dgm="http://schemas.openxmlformats.org/drawingml/2006/diagram" xmlns:a="http://schemas.openxmlformats.org/drawingml/2006/main" uniqueId="urn:microsoft.com/office/officeart/2005/8/layout/process1">
+  <dgm:title val=""/>
+  <dgm:desc val=""/>
+  <dgm:catLst>
+    <dgm:cat type="process" pri="1000"/>
+    <dgm:cat type="convert" pri="15000"/>
+  </dgm:catLst>
+  <dgm:sampData useDef="1">
+    <dgm:dataModel>
+      <dgm:ptLst/>
+      <dgm:bg/>
+      <dgm:whole/>
+    </dgm:dataModel>
+  </dgm:sampData>
+  <dgm:styleData>
+    <dgm:dataModel>
+      <dgm:ptLst>
+        <dgm:pt modelId="0" type="doc"/>
+        <dgm:pt modelId="1"/>
+        <dgm:pt modelId="2"/>
+      </dgm:ptLst>
+      <dgm:cxnLst>
+        <dgm:cxn modelId="3" srcId="0" destId="1" srcOrd="0" destOrd="0"/>
+        <dgm:cxn modelId="4" srcId="0" destId="2" srcOrd="1" destOrd="0"/>
+      </dgm:cxnLst>
+      <dgm:bg/>
+      <dgm:whole/>
+    </dgm:dataModel>
+  </dgm:styleData>
+  <dgm:clrData>
+    <dgm:dataModel>
+      <dgm:ptLst>
+        <dgm:pt modelId="0" type="doc"/>
+        <dgm:pt modelId="1"/>
+        <dgm:pt modelId="2"/>
+        <dgm:pt modelId="3"/>
+        <dgm:pt modelId="4"/>
+      </dgm:ptLst>
+      <dgm:cxnLst>
+        <dgm:cxn modelId="5" srcId="0" destId="1" srcOrd="0" destOrd="0"/>
+        <dgm:cxn modelId="6" srcId="0" destId="2" srcOrd="1" destOrd="0"/>
+        <dgm:cxn modelId="7" srcId="0" destId="3" srcOrd="2" destOrd="0"/>
+        <dgm:cxn modelId="8" srcId="0" destId="4" srcOrd="3" destOrd="0"/>
+      </dgm:cxnLst>
+      <dgm:bg/>
+      <dgm:whole/>
+    </dgm:dataModel>
+  </dgm:clrData>
+  <dgm:layoutNode name="Name0">
+    <dgm:varLst>
+      <dgm:dir/>
+      <dgm:resizeHandles val="exact"/>
+    </dgm:varLst>
+    <dgm:choose name="Name1">
+      <dgm:if name="Name2" func="var" arg="dir" op="equ" val="norm">
+        <dgm:alg type="lin"/>
+      </dgm:if>
+      <dgm:else name="Name3">
+        <dgm:alg type="lin">
+          <dgm:param type="linDir" val="fromR"/>
+        </dgm:alg>
+      </dgm:else>
+    </dgm:choose>
+    <dgm:shape xmlns:r="http://schemas.openxmlformats.org/officeDocument/2006/relationships" r:blip="">
+      <dgm:adjLst/>
+    </dgm:shape>
+    <dgm:presOf/>
+    <dgm:constrLst>
+      <dgm:constr type="w" for="ch" ptType="node" refType="w"/>
+      <dgm:constr type="h" for="ch" ptType="node" op="equ"/>
+      <dgm:constr type="primFontSz" for="ch" ptType="node" op="equ" val="65"/>
+      <dgm:constr type="w" for="ch" ptType="sibTrans" refType="w" refFor="ch" refPtType="node" op="equ" fact="0.4"/>
+      <dgm:constr type="h" for="ch" ptType="sibTrans" op="equ"/>
+      <dgm:constr type="primFontSz" for="des" forName="connectorText" op="equ" val="55"/>
+      <dgm:constr type="primFontSz" for="des" forName="connectorText" refType="primFontSz" refFor="ch" refPtType="node" op="lte" fact="0.8"/>
+    </dgm:constrLst>
+    <dgm:ruleLst/>
+    <dgm:forEach name="nodesForEach" axis="ch" ptType="node">
+      <dgm:layoutNode name="node">
+        <dgm:varLst>
+          <dgm:bulletEnabled val="1"/>
+        </dgm:varLst>
+        <dgm:alg type="tx"/>
+        <dgm:shape xmlns:r="http://schemas.openxmlformats.org/officeDocument/2006/relationships" type="roundRect" r:blip="">
+          <dgm:adjLst>
+            <dgm:adj idx="1" val="0.1"/>
+          </dgm:adjLst>
+        </dgm:shape>
+        <dgm:presOf axis="desOrSelf" ptType="node"/>
+        <dgm:constrLst>
+          <dgm:constr type="h" refType="w" fact="0.6"/>
+          <dgm:constr type="tMarg" refType="primFontSz" fact="0.3"/>
+          <dgm:constr type="bMarg" refType="primFontSz" fact="0.3"/>
+          <dgm:constr type="lMarg" refType="primFontSz" fact="0.3"/>
+          <dgm:constr type="rMarg" refType="primFontSz" fact="0.3"/>
+        </dgm:constrLst>
+        <dgm:ruleLst>
+          <dgm:rule type="primFontSz" val="18" fact="NaN" max="NaN"/>
+          <dgm:rule type="h" val="NaN" fact="1.5" max="NaN"/>
+          <dgm:rule type="primFontSz" val="5" fact="NaN" max="NaN"/>
+          <dgm:rule type="h" val="INF" fact="NaN" max="NaN"/>
+        </dgm:ruleLst>
+      </dgm:layoutNode>
+      <dgm:forEach name="sibTransForEach" axis="followSib" ptType="sibTrans" cnt="1">
+        <dgm:layoutNode name="sibTrans">
+          <dgm:alg type="conn">
+            <dgm:param type="begPts" val="auto"/>
+            <dgm:param type="endPts" val="auto"/>
+          </dgm:alg>
+          <dgm:shape xmlns:r="http://schemas.openxmlformats.org/officeDocument/2006/relationships" type="conn" r:blip="">
+            <dgm:adjLst/>
+          </dgm:shape>
+          <dgm:presOf axis="self"/>
+          <dgm:constrLst>
+            <dgm:constr type="h" refType="w" fact="0.62"/>
+            <dgm:constr type="connDist"/>
+            <dgm:constr type="begPad" refType="connDist" fact="0.25"/>
+            <dgm:constr type="endPad" refType="connDist" fact="0.22"/>
+          </dgm:constrLst>
+          <dgm:ruleLst/>
+          <dgm:layoutNode name="connectorText">
+            <dgm:alg type="tx">
+              <dgm:param type="autoTxRot" val="grav"/>
+            </dgm:alg>
+            <dgm:shape xmlns:r="http://schemas.openxmlformats.org/officeDocument/2006/relationships" type="conn" r:blip="" hideGeom="1">
+              <dgm:adjLst/>
+            </dgm:shape>
+            <dgm:presOf axis="self"/>
+            <dgm:constrLst>
+              <dgm:constr type="lMarg"/>
+              <dgm:constr type="rMarg"/>
+              <dgm:constr type="tMarg"/>
+              <dgm:constr type="bMarg"/>
+            </dgm:constrLst>
+            <dgm:ruleLst>
+              <dgm:rule type="primFontSz" val="5" fact="NaN" max="NaN"/>
+            </dgm:ruleLst>
+          </dgm:layoutNode>
+        </dgm:layoutNode>
+      </dgm:forEach>
+    </dgm:forEach>
+  </dgm:layoutNode>
+</dgm:layoutDef>
+</file>
+
+<file path=ppt/diagrams/layout2.xml><?xml version="1.0" encoding="utf-8"?>
+<dgm:layoutDef xmlns:dgm="http://schemas.openxmlformats.org/drawingml/2006/diagram" xmlns:a="http://schemas.openxmlformats.org/drawingml/2006/main" uniqueId="urn:microsoft.com/office/officeart/2005/8/layout/process1">
+  <dgm:title val=""/>
+  <dgm:desc val=""/>
+  <dgm:catLst>
+    <dgm:cat type="process" pri="1000"/>
+    <dgm:cat type="convert" pri="15000"/>
+  </dgm:catLst>
+  <dgm:sampData useDef="1">
+    <dgm:dataModel>
+      <dgm:ptLst/>
+      <dgm:bg/>
+      <dgm:whole/>
+    </dgm:dataModel>
+  </dgm:sampData>
+  <dgm:styleData>
+    <dgm:dataModel>
+      <dgm:ptLst>
+        <dgm:pt modelId="0" type="doc"/>
+        <dgm:pt modelId="1"/>
+        <dgm:pt modelId="2"/>
+      </dgm:ptLst>
+      <dgm:cxnLst>
+        <dgm:cxn modelId="3" srcId="0" destId="1" srcOrd="0" destOrd="0"/>
+        <dgm:cxn modelId="4" srcId="0" destId="2" srcOrd="1" destOrd="0"/>
+      </dgm:cxnLst>
+      <dgm:bg/>
+      <dgm:whole/>
+    </dgm:dataModel>
+  </dgm:styleData>
+  <dgm:clrData>
+    <dgm:dataModel>
+      <dgm:ptLst>
+        <dgm:pt modelId="0" type="doc"/>
+        <dgm:pt modelId="1"/>
+        <dgm:pt modelId="2"/>
+        <dgm:pt modelId="3"/>
+        <dgm:pt modelId="4"/>
+      </dgm:ptLst>
+      <dgm:cxnLst>
+        <dgm:cxn modelId="5" srcId="0" destId="1" srcOrd="0" destOrd="0"/>
+        <dgm:cxn modelId="6" srcId="0" destId="2" srcOrd="1" destOrd="0"/>
+        <dgm:cxn modelId="7" srcId="0" destId="3" srcOrd="2" destOrd="0"/>
+        <dgm:cxn modelId="8" srcId="0" destId="4" srcOrd="3" destOrd="0"/>
+      </dgm:cxnLst>
+      <dgm:bg/>
+      <dgm:whole/>
+    </dgm:dataModel>
+  </dgm:clrData>
+  <dgm:layoutNode name="Name0">
+    <dgm:varLst>
+      <dgm:dir/>
+      <dgm:resizeHandles val="exact"/>
+    </dgm:varLst>
+    <dgm:choose name="Name1">
+      <dgm:if name="Name2" func="var" arg="dir" op="equ" val="norm">
+        <dgm:alg type="lin"/>
+      </dgm:if>
+      <dgm:else name="Name3">
+        <dgm:alg type="lin">
+          <dgm:param type="linDir" val="fromR"/>
+        </dgm:alg>
+      </dgm:else>
+    </dgm:choose>
+    <dgm:shape xmlns:r="http://schemas.openxmlformats.org/officeDocument/2006/relationships" r:blip="">
+      <dgm:adjLst/>
+    </dgm:shape>
+    <dgm:presOf/>
+    <dgm:constrLst>
+      <dgm:constr type="w" for="ch" ptType="node" refType="w"/>
+      <dgm:constr type="h" for="ch" ptType="node" op="equ"/>
+      <dgm:constr type="primFontSz" for="ch" ptType="node" op="equ" val="65"/>
+      <dgm:constr type="w" for="ch" ptType="sibTrans" refType="w" refFor="ch" refPtType="node" op="equ" fact="0.4"/>
+      <dgm:constr type="h" for="ch" ptType="sibTrans" op="equ"/>
+      <dgm:constr type="primFontSz" for="des" forName="connectorText" op="equ" val="55"/>
+      <dgm:constr type="primFontSz" for="des" forName="connectorText" refType="primFontSz" refFor="ch" refPtType="node" op="lte" fact="0.8"/>
+    </dgm:constrLst>
+    <dgm:ruleLst/>
+    <dgm:forEach name="nodesForEach" axis="ch" ptType="node">
+      <dgm:layoutNode name="node">
+        <dgm:varLst>
+          <dgm:bulletEnabled val="1"/>
+        </dgm:varLst>
+        <dgm:alg type="tx"/>
+        <dgm:shape xmlns:r="http://schemas.openxmlformats.org/officeDocument/2006/relationships" type="roundRect" r:blip="">
+          <dgm:adjLst>
+            <dgm:adj idx="1" val="0.1"/>
+          </dgm:adjLst>
+        </dgm:shape>
+        <dgm:presOf axis="desOrSelf" ptType="node"/>
+        <dgm:constrLst>
+          <dgm:constr type="h" refType="w" fact="0.6"/>
+          <dgm:constr type="tMarg" refType="primFontSz" fact="0.3"/>
+          <dgm:constr type="bMarg" refType="primFontSz" fact="0.3"/>
+          <dgm:constr type="lMarg" refType="primFontSz" fact="0.3"/>
+          <dgm:constr type="rMarg" refType="primFontSz" fact="0.3"/>
+        </dgm:constrLst>
+        <dgm:ruleLst>
+          <dgm:rule type="primFontSz" val="18" fact="NaN" max="NaN"/>
+          <dgm:rule type="h" val="NaN" fact="1.5" max="NaN"/>
+          <dgm:rule type="primFontSz" val="5" fact="NaN" max="NaN"/>
+          <dgm:rule type="h" val="INF" fact="NaN" max="NaN"/>
+        </dgm:ruleLst>
+      </dgm:layoutNode>
+      <dgm:forEach name="sibTransForEach" axis="followSib" ptType="sibTrans" cnt="1">
+        <dgm:layoutNode name="sibTrans">
+          <dgm:alg type="conn">
+            <dgm:param type="begPts" val="auto"/>
+            <dgm:param type="endPts" val="auto"/>
+          </dgm:alg>
+          <dgm:shape xmlns:r="http://schemas.openxmlformats.org/officeDocument/2006/relationships" type="conn" r:blip="">
+            <dgm:adjLst/>
+          </dgm:shape>
+          <dgm:presOf axis="self"/>
+          <dgm:constrLst>
+            <dgm:constr type="h" refType="w" fact="0.62"/>
+            <dgm:constr type="connDist"/>
+            <dgm:constr type="begPad" refType="connDist" fact="0.25"/>
+            <dgm:constr type="endPad" refType="connDist" fact="0.22"/>
+          </dgm:constrLst>
+          <dgm:ruleLst/>
+          <dgm:layoutNode name="connectorText">
+            <dgm:alg type="tx">
+              <dgm:param type="autoTxRot" val="grav"/>
+            </dgm:alg>
+            <dgm:shape xmlns:r="http://schemas.openxmlformats.org/officeDocument/2006/relationships" type="conn" r:blip="" hideGeom="1">
+              <dgm:adjLst/>
+            </dgm:shape>
+            <dgm:presOf axis="self"/>
+            <dgm:constrLst>
+              <dgm:constr type="lMarg"/>
+              <dgm:constr type="rMarg"/>
+              <dgm:constr type="tMarg"/>
+              <dgm:constr type="bMarg"/>
+            </dgm:constrLst>
+            <dgm:ruleLst>
+              <dgm:rule type="primFontSz" val="5" fact="NaN" max="NaN"/>
+            </dgm:ruleLst>
+          </dgm:layoutNode>
+        </dgm:layoutNode>
+      </dgm:forEach>
+    </dgm:forEach>
+  </dgm:layoutNode>
+</dgm:layoutDef>
+</file>
+
+<file path=ppt/diagrams/quickStyle1.xml><?xml version="1.0" encoding="utf-8"?>
+<dgm:styleDef xmlns:dgm="http://schemas.openxmlformats.org/drawingml/2006/diagram" xmlns:a="http://schemas.openxmlformats.org/drawingml/2006/main" uniqueId="urn:microsoft.com/office/officeart/2005/8/quickstyle/simple1">
+  <dgm:title val=""/>
+  <dgm:desc val=""/>
+  <dgm:catLst>
+    <dgm:cat type="simple" pri="10100"/>
+  </dgm:catLst>
+  <dgm:scene3d>
+    <a:camera prst="orthographicFront"/>
+    <a:lightRig rig="threePt" dir="t"/>
+  </dgm:scene3d>
+  <dgm:styleLbl name="node0">
+    <dgm:scene3d>
+      <a:camera prst="orthographicFront"/>
+      <a:lightRig rig="threePt" dir="t"/>
+    </dgm:scene3d>
+    <dgm:sp3d/>
+    <dgm:txPr/>
+    <dgm:style>
+      <a:lnRef idx="2">
+        <a:scrgbClr r="0" g="0" b="0"/>
+      </a:lnRef>
+      <a:fillRef idx="1">
+        <a:scrgbClr r="0" g="0" b="0"/>
+      </a:fillRef>
+      <a:effectRef idx="0">
+        <a:scrgbClr r="0" g="0" b="0"/>
+      </a:effectRef>
+      <a:fontRef idx="minor">
+        <a:schemeClr val="lt1"/>
+      </a:fontRef>
+    </dgm:style>
+  </dgm:styleLbl>
+  <dgm:styleLbl name="lnNode1">
+    <dgm:scene3d>
+      <a:camera prst="orthographicFront"/>
+      <a:lightRig rig="threePt" dir="t"/>
+    </dgm:scene3d>
+    <dgm:sp3d/>
+    <dgm:txPr/>
+    <dgm:style>
+      <a:lnRef idx="2">
+        <a:scrgbClr r="0" g="0" b="0"/>
+      </a:lnRef>
+      <a:fillRef idx="1">
+        <a:scrgbClr r="0" g="0" b="0"/>
+      </a:fillRef>
+      <a:effectRef idx="0">
+        <a:scrgbClr r="0" g="0" b="0"/>
+      </a:effectRef>
+      <a:fontRef idx="minor">
+        <a:schemeClr val="lt1"/>
+      </a:fontRef>
+    </dgm:style>
+  </dgm:styleLbl>
+  <dgm:styleLbl name="vennNode1">
+    <dgm:scene3d>
+      <a:camera prst="orthographicFront"/>
+      <a:lightRig rig="threePt" dir="t"/>
+    </dgm:scene3d>
+    <dgm:sp3d/>
+    <dgm:txPr/>
+    <dgm:style>
+      <a:lnRef idx="2">
+        <a:scrgbClr r="0" g="0" b="0"/>
+      </a:lnRef>
+      <a:fillRef idx="1">
+        <a:scrgbClr r="0" g="0" b="0"/>
+      </a:fillRef>
+      <a:effectRef idx="0">
+        <a:scrgbClr r="0" g="0" b="0"/>
+      </a:effectRef>
+      <a:fontRef idx="minor">
+        <a:schemeClr val="tx1"/>
+      </a:fontRef>
+    </dgm:style>
+  </dgm:styleLbl>
+  <dgm:styleLbl name="alignNode1">
+    <dgm:scene3d>
+      <a:camera prst="orthographicFront"/>
+      <a:lightRig rig="threePt" dir="t"/>
+    </dgm:scene3d>
+    <dgm:sp3d/>
+    <dgm:txPr/>
+    <dgm:style>
+      <a:lnRef idx="2">
+        <a:scrgbClr r="0" g="0" b="0"/>
+      </a:lnRef>
+      <a:fillRef idx="1">
+        <a:scrgbClr r="0" g="0" b="0"/>
+      </a:fillRef>
+      <a:effectRef idx="0">
+        <a:scrgbClr r="0" g="0" b="0"/>
+      </a:effectRef>
+      <a:fontRef idx="minor">
+        <a:schemeClr val="lt1"/>
+      </a:fontRef>
+    </dgm:style>
+  </dgm:styleLbl>
+  <dgm:styleLbl name="node1">
+    <dgm:scene3d>
+      <a:camera prst="orthographicFront"/>
+      <a:lightRig rig="threePt" dir="t"/>
+    </dgm:scene3d>
+    <dgm:sp3d/>
+    <dgm:txPr/>
+    <dgm:style>
+      <a:lnRef idx="2">
+        <a:scrgbClr r="0" g="0" b="0"/>
+      </a:lnRef>
+      <a:fillRef idx="1">
+        <a:scrgbClr r="0" g="0" b="0"/>
+      </a:fillRef>
+      <a:effectRef idx="0">
+        <a:scrgbClr r="0" g="0" b="0"/>
+      </a:effectRef>
+      <a:fontRef idx="minor">
+        <a:schemeClr val="lt1"/>
+      </a:fontRef>
+    </dgm:style>
+  </dgm:styleLbl>
+  <dgm:styleLbl name="node2">
+    <dgm:scene3d>
+      <a:camera prst="orthographicFront"/>
+      <a:lightRig rig="threePt" dir="t"/>
+    </dgm:scene3d>
+    <dgm:sp3d/>
+    <dgm:txPr/>
+    <dgm:style>
+      <a:lnRef idx="2">
+        <a:scrgbClr r="0" g="0" b="0"/>
+      </a:lnRef>
+      <a:fillRef idx="1">
+        <a:scrgbClr r="0" g="0" b="0"/>
+      </a:fillRef>
+      <a:effectRef idx="0">
+        <a:scrgbClr r="0" g="0" b="0"/>
+      </a:effectRef>
+      <a:fontRef idx="minor">
+        <a:schemeClr val="lt1"/>
+      </a:fontRef>
+    </dgm:style>
+  </dgm:styleLbl>
+  <dgm:styleLbl name="node3">
+    <dgm:scene3d>
+      <a:camera prst="orthographicFront"/>
+      <a:lightRig rig="threePt" dir="t"/>
+    </dgm:scene3d>
+    <dgm:sp3d/>
+    <dgm:txPr/>
+    <dgm:style>
+      <a:lnRef idx="2">
+        <a:scrgbClr r="0" g="0" b="0"/>
+      </a:lnRef>
+      <a:fillRef idx="1">
+        <a:scrgbClr r="0" g="0" b="0"/>
+      </a:fillRef>
+      <a:effectRef idx="0">
+        <a:scrgbClr r="0" g="0" b="0"/>
+      </a:effectRef>
+      <a:fontRef idx="minor">
+        <a:schemeClr val="lt1"/>
+      </a:fontRef>
+    </dgm:style>
+  </dgm:styleLbl>
+  <dgm:styleLbl name="node4">
+    <dgm:scene3d>
+      <a:camera prst="orthographicFront"/>
+      <a:lightRig rig="threePt" dir="t"/>
+    </dgm:scene3d>
+    <dgm:sp3d/>
+    <dgm:txPr/>
+    <dgm:style>
+      <a:lnRef idx="2">
+        <a:scrgbClr r="0" g="0" b="0"/>
+      </a:lnRef>
+      <a:fillRef idx="1">
+        <a:scrgbClr r="0" g="0" b="0"/>
+      </a:fillRef>
+      <a:effectRef idx="0">
+        <a:scrgbClr r="0" g="0" b="0"/>
+      </a:effectRef>
+      <a:fontRef idx="minor">
+        <a:schemeClr val="lt1"/>
+      </a:fontRef>
+    </dgm:style>
+  </dgm:styleLbl>
+  <dgm:styleLbl name="fgImgPlace1">
+    <dgm:scene3d>
+      <a:camera prst="orthographicFront"/>
+      <a:lightRig rig="threePt" dir="t"/>
+    </dgm:scene3d>
+    <dgm:sp3d/>
+    <dgm:txPr/>
+    <dgm:style>
+      <a:lnRef idx="2">
+        <a:scrgbClr r="0" g="0" b="0"/>
+      </a:lnRef>
+      <a:fillRef idx="1">
+        <a:scrgbClr r="0" g="0" b="0"/>
+      </a:fillRef>
+      <a:effectRef idx="0">
+        <a:scrgbClr r="0" g="0" b="0"/>
+      </a:effectRef>
+      <a:fontRef idx="minor"/>
+    </dgm:style>
+  </dgm:styleLbl>
+  <dgm:styleLbl name="alignImgPlace1">
+    <dgm:scene3d>
+      <a:camera prst="orthographicFront"/>
+      <a:lightRig rig="threePt" dir="t"/>
+    </dgm:scene3d>
+    <dgm:sp3d/>
+    <dgm:txPr/>
+    <dgm:style>
+      <a:lnRef idx="2">
+        <a:scrgbClr r="0" g="0" b="0"/>
+      </a:lnRef>
+      <a:fillRef idx="1">
+        <a:scrgbClr r="0" g="0" b="0"/>
+      </a:fillRef>
+      <a:effectRef idx="0">
+        <a:scrgbClr r="0" g="0" b="0"/>
+      </a:effectRef>
+      <a:fontRef idx="minor"/>
+    </dgm:style>
+  </dgm:styleLbl>
+  <dgm:styleLbl name="bgImgPlace1">
+    <dgm:scene3d>
+      <a:camera prst="orthographicFront"/>
+      <a:lightRig rig="threePt" dir="t"/>
+    </dgm:scene3d>
+    <dgm:sp3d/>
+    <dgm:txPr/>
+    <dgm:style>
+      <a:lnRef idx="2">
+        <a:scrgbClr r="0" g="0" b="0"/>
+      </a:lnRef>
+      <a:fillRef idx="1">
+        <a:scrgbClr r="0" g="0" b="0"/>
+      </a:fillRef>
+      <a:effectRef idx="0">
+        <a:scrgbClr r="0" g="0" b="0"/>
+      </a:effectRef>
+      <a:fontRef idx="minor"/>
+    </dgm:style>
+  </dgm:styleLbl>
+  <dgm:styleLbl name="sibTrans2D1">
+    <dgm:scene3d>
+      <a:camera prst="orthographicFront"/>
+      <a:lightRig rig="threePt" dir="t"/>
+    </dgm:scene3d>
+    <dgm:sp3d/>
+    <dgm:txPr/>
+    <dgm:style>
+      <a:lnRef idx="0">
+        <a:scrgbClr r="0" g="0" b="0"/>
+      </a:lnRef>
+      <a:fillRef idx="1">
+        <a:scrgbClr r="0" g="0" b="0"/>
+      </a:fillRef>
+      <a:effectRef idx="0">
+        <a:scrgbClr r="0" g="0" b="0"/>
+      </a:effectRef>
+      <a:fontRef idx="minor">
+        <a:schemeClr val="lt1"/>
+      </a:fontRef>
+    </dgm:style>
+  </dgm:styleLbl>
+  <dgm:styleLbl name="fgSibTrans2D1">
+    <dgm:scene3d>
+      <a:camera prst="orthographicFront"/>
+      <a:lightRig rig="threePt" dir="t"/>
+    </dgm:scene3d>
+    <dgm:sp3d/>
+    <dgm:txPr/>
+    <dgm:style>
+      <a:lnRef idx="0">
+        <a:scrgbClr r="0" g="0" b="0"/>
+      </a:lnRef>
+      <a:fillRef idx="1">
+        <a:scrgbClr r="0" g="0" b="0"/>
+      </a:fillRef>
+      <a:effectRef idx="0">
+        <a:scrgbClr r="0" g="0" b="0"/>
+      </a:effectRef>
+      <a:fontRef idx="minor">
+        <a:schemeClr val="lt1"/>
+      </a:fontRef>
+    </dgm:style>
+  </dgm:styleLbl>
+  <dgm:styleLbl name="bgSibTrans2D1">
+    <dgm:scene3d>
+      <a:camera prst="orthographicFront"/>
+      <a:lightRig rig="threePt" dir="t"/>
+    </dgm:scene3d>
+    <dgm:sp3d/>
+    <dgm:txPr/>
+    <dgm:style>
+      <a:lnRef idx="0">
+        <a:scrgbClr r="0" g="0" b="0"/>
+      </a:lnRef>
+      <a:fillRef idx="1">
+        <a:scrgbClr r="0" g="0" b="0"/>
+      </a:fillRef>
+      <a:effectRef idx="0">
+        <a:scrgbClr r="0" g="0" b="0"/>
+      </a:effectRef>
+      <a:fontRef idx="minor">
+        <a:schemeClr val="lt1"/>
+      </a:fontRef>
+    </dgm:style>
+  </dgm:styleLbl>
+  <dgm:styleLbl name="sibTrans1D1">
+    <dgm:scene3d>
+      <a:camera prst="orthographicFront"/>
+      <a:lightRig rig="threePt" dir="t"/>
+    </dgm:scene3d>
+    <dgm:sp3d/>
+    <dgm:txPr/>
+    <dgm:style>
+      <a:lnRef idx="1">
+        <a:scrgbClr r="0" g="0" b="0"/>
+      </a:lnRef>
+      <a:fillRef idx="0">
+        <a:scrgbClr r="0" g="0" b="0"/>
+      </a:fillRef>
+      <a:effectRef idx="0">
+        <a:scrgbClr r="0" g="0" b="0"/>
+      </a:effectRef>
+      <a:fontRef idx="minor"/>
+    </dgm:style>
+  </dgm:styleLbl>
+  <dgm:styleLbl name="callout">
+    <dgm:scene3d>
+      <a:camera prst="orthographicFront"/>
+      <a:lightRig rig="threePt" dir="t"/>
+    </dgm:scene3d>
+    <dgm:sp3d/>
+    <dgm:txPr/>
+    <dgm:style>
+      <a:lnRef idx="2">
+        <a:scrgbClr r="0" g="0" b="0"/>
+      </a:lnRef>
+      <a:fillRef idx="1">
+        <a:scrgbClr r="0" g="0" b="0"/>
+      </a:fillRef>
+      <a:effectRef idx="0">
+        <a:scrgbClr r="0" g="0" b="0"/>
+      </a:effectRef>
+      <a:fontRef idx="minor"/>
+    </dgm:style>
+  </dgm:styleLbl>
+  <dgm:styleLbl name="asst0">
+    <dgm:scene3d>
+      <a:camera prst="orthographicFront"/>
+      <a:lightRig rig="threePt" dir="t"/>
+    </dgm:scene3d>
+    <dgm:sp3d/>
+    <dgm:txPr/>
+    <dgm:style>
+      <a:lnRef idx="2">
+        <a:scrgbClr r="0" g="0" b="0"/>
+      </a:lnRef>
+      <a:fillRef idx="1">
+        <a:scrgbClr r="0" g="0" b="0"/>
+      </a:fillRef>
+      <a:effectRef idx="0">
+        <a:scrgbClr r="0" g="0" b="0"/>
+      </a:effectRef>
+      <a:fontRef idx="minor">
+        <a:schemeClr val="lt1"/>
+      </a:fontRef>
+    </dgm:style>
+  </dgm:styleLbl>
+  <dgm:styleLbl name="asst1">
+    <dgm:scene3d>
+      <a:camera prst="orthographicFront"/>
+      <a:lightRig rig="threePt" dir="t"/>
+    </dgm:scene3d>
+    <dgm:sp3d/>
+    <dgm:txPr/>
+    <dgm:style>
+      <a:lnRef idx="2">
+        <a:scrgbClr r="0" g="0" b="0"/>
+      </a:lnRef>
+      <a:fillRef idx="1">
+        <a:scrgbClr r="0" g="0" b="0"/>
+      </a:fillRef>
+      <a:effectRef idx="0">
+        <a:scrgbClr r="0" g="0" b="0"/>
+      </a:effectRef>
+      <a:fontRef idx="minor">
+        <a:schemeClr val="lt1"/>
+      </a:fontRef>
+    </dgm:style>
+  </dgm:styleLbl>
+  <dgm:styleLbl name="asst2">
+    <dgm:scene3d>
+      <a:camera prst="orthographicFront"/>
+      <a:lightRig rig="threePt" dir="t"/>
+    </dgm:scene3d>
+    <dgm:sp3d/>
+    <dgm:txPr/>
+    <dgm:style>
+      <a:lnRef idx="2">
+        <a:scrgbClr r="0" g="0" b="0"/>
+      </a:lnRef>
+      <a:fillRef idx="1">
+        <a:scrgbClr r="0" g="0" b="0"/>
+      </a:fillRef>
+      <a:effectRef idx="0">
+        <a:scrgbClr r="0" g="0" b="0"/>
+      </a:effectRef>
+      <a:fontRef idx="minor">
+        <a:schemeClr val="lt1"/>
+      </a:fontRef>
+    </dgm:style>
+  </dgm:styleLbl>
+  <dgm:styleLbl name="asst3">
+    <dgm:scene3d>
+      <a:camera prst="orthographicFront"/>
+      <a:lightRig rig="threePt" dir="t"/>
+    </dgm:scene3d>
+    <dgm:sp3d/>
+    <dgm:txPr/>
+    <dgm:style>
+      <a:lnRef idx="2">
+        <a:scrgbClr r="0" g="0" b="0"/>
+      </a:lnRef>
+      <a:fillRef idx="1">
+        <a:scrgbClr r="0" g="0" b="0"/>
+      </a:fillRef>
+      <a:effectRef idx="0">
+        <a:scrgbClr r="0" g="0" b="0"/>
+      </a:effectRef>
+      <a:fontRef idx="minor">
+        <a:schemeClr val="lt1"/>
+      </a:fontRef>
+    </dgm:style>
+  </dgm:styleLbl>
+  <dgm:styleLbl name="asst4">
+    <dgm:scene3d>
+      <a:camera prst="orthographicFront"/>
+      <a:lightRig rig="threePt" dir="t"/>
+    </dgm:scene3d>
+    <dgm:sp3d/>
+    <dgm:txPr/>
+    <dgm:style>
+      <a:lnRef idx="2">
+        <a:scrgbClr r="0" g="0" b="0"/>
+      </a:lnRef>
+      <a:fillRef idx="1">
+        <a:scrgbClr r="0" g="0" b="0"/>
+      </a:fillRef>
+      <a:effectRef idx="0">
+        <a:scrgbClr r="0" g="0" b="0"/>
+      </a:effectRef>
+      <a:fontRef idx="minor">
+        <a:schemeClr val="lt1"/>
+      </a:fontRef>
+    </dgm:style>
+  </dgm:styleLbl>
+  <dgm:styleLbl name="parChTrans2D1">
+    <dgm:scene3d>
+      <a:camera prst="orthographicFront"/>
+      <a:lightRig rig="threePt" dir="t"/>
+    </dgm:scene3d>
+    <dgm:sp3d/>
+    <dgm:txPr/>
+    <dgm:style>
+      <a:lnRef idx="2">
+        <a:scrgbClr r="0" g="0" b="0"/>
+      </a:lnRef>
+      <a:fillRef idx="1">
+        <a:scrgbClr r="0" g="0" b="0"/>
+      </a:fillRef>
+      <a:effectRef idx="0">
+        <a:scrgbClr r="0" g="0" b="0"/>
+      </a:effectRef>
+      <a:fontRef idx="minor">
+        <a:schemeClr val="lt1"/>
+      </a:fontRef>
+    </dgm:style>
+  </dgm:styleLbl>
+  <dgm:styleLbl name="parChTrans2D2">
+    <dgm:scene3d>
+      <a:camera prst="orthographicFront"/>
+      <a:lightRig rig="threePt" dir="t"/>
+    </dgm:scene3d>
+    <dgm:sp3d/>
+    <dgm:txPr/>
+    <dgm:style>
+      <a:lnRef idx="2">
+        <a:scrgbClr r="0" g="0" b="0"/>
+      </a:lnRef>
+      <a:fillRef idx="1">
+        <a:scrgbClr r="0" g="0" b="0"/>
+      </a:fillRef>
+      <a:effectRef idx="0">
+        <a:scrgbClr r="0" g="0" b="0"/>
+      </a:effectRef>
+      <a:fontRef idx="minor">
+        <a:schemeClr val="lt1"/>
+      </a:fontRef>
+    </dgm:style>
+  </dgm:styleLbl>
+  <dgm:styleLbl name="parChTrans2D3">
+    <dgm:scene3d>
+      <a:camera prst="orthographicFront"/>
+      <a:lightRig rig="threePt" dir="t"/>
+    </dgm:scene3d>
+    <dgm:sp3d/>
+    <dgm:txPr/>
+    <dgm:style>
+      <a:lnRef idx="2">
+        <a:scrgbClr r="0" g="0" b="0"/>
+      </a:lnRef>
+      <a:fillRef idx="1">
+        <a:scrgbClr r="0" g="0" b="0"/>
+      </a:fillRef>
+      <a:effectRef idx="0">
+        <a:scrgbClr r="0" g="0" b="0"/>
+      </a:effectRef>
+      <a:fontRef idx="minor">
+        <a:schemeClr val="lt1"/>
+      </a:fontRef>
+    </dgm:style>
+  </dgm:styleLbl>
+  <dgm:styleLbl name="parChTrans2D4">
+    <dgm:scene3d>
+      <a:camera prst="orthographicFront"/>
+      <a:lightRig rig="threePt" dir="t"/>
+    </dgm:scene3d>
+    <dgm:sp3d/>
+    <dgm:txPr/>
+    <dgm:style>
+      <a:lnRef idx="2">
+        <a:scrgbClr r="0" g="0" b="0"/>
+      </a:lnRef>
+      <a:fillRef idx="1">
+        <a:scrgbClr r="0" g="0" b="0"/>
+      </a:fillRef>
+      <a:effectRef idx="0">
+        <a:scrgbClr r="0" g="0" b="0"/>
+      </a:effectRef>
+      <a:fontRef idx="minor">
+        <a:schemeClr val="lt1"/>
+      </a:fontRef>
+    </dgm:style>
+  </dgm:styleLbl>
+  <dgm:styleLbl name="parChTrans1D1">
+    <dgm:scene3d>
+      <a:camera prst="orthographicFront"/>
+      <a:lightRig rig="threePt" dir="t"/>
+    </dgm:scene3d>
+    <dgm:sp3d/>
+    <dgm:txPr/>
+    <dgm:style>
+      <a:lnRef idx="2">
+        <a:scrgbClr r="0" g="0" b="0"/>
+      </a:lnRef>
+      <a:fillRef idx="0">
+        <a:scrgbClr r="0" g="0" b="0"/>
+      </a:fillRef>
+      <a:effectRef idx="0">
+        <a:scrgbClr r="0" g="0" b="0"/>
+      </a:effectRef>
+      <a:fontRef idx="minor"/>
+    </dgm:style>
+  </dgm:styleLbl>
+  <dgm:styleLbl name="parChTrans1D2">
+    <dgm:scene3d>
+      <a:camera prst="orthographicFront"/>
+      <a:lightRig rig="threePt" dir="t"/>
+    </dgm:scene3d>
+    <dgm:sp3d/>
+    <dgm:txPr/>
+    <dgm:style>
+      <a:lnRef idx="2">
+        <a:scrgbClr r="0" g="0" b="0"/>
+      </a:lnRef>
+      <a:fillRef idx="0">
+        <a:scrgbClr r="0" g="0" b="0"/>
+      </a:fillRef>
+      <a:effectRef idx="0">
+        <a:scrgbClr r="0" g="0" b="0"/>
+      </a:effectRef>
+      <a:fontRef idx="minor"/>
+    </dgm:style>
+  </dgm:styleLbl>
+  <dgm:styleLbl name="parChTrans1D3">
+    <dgm:scene3d>
+      <a:camera prst="orthographicFront"/>
+      <a:lightRig rig="threePt" dir="t"/>
+    </dgm:scene3d>
+    <dgm:sp3d/>
+    <dgm:txPr/>
+    <dgm:style>
+      <a:lnRef idx="2">
+        <a:scrgbClr r="0" g="0" b="0"/>
+      </a:lnRef>
+      <a:fillRef idx="0">
+        <a:scrgbClr r="0" g="0" b="0"/>
+      </a:fillRef>
+      <a:effectRef idx="0">
+        <a:scrgbClr r="0" g="0" b="0"/>
+      </a:effectRef>
+      <a:fontRef idx="minor"/>
+    </dgm:style>
+  </dgm:styleLbl>
+  <dgm:styleLbl name="parChTrans1D4">
+    <dgm:scene3d>
+      <a:camera prst="orthographicFront"/>
+      <a:lightRig rig="threePt" dir="t"/>
+    </dgm:scene3d>
+    <dgm:sp3d/>
+    <dgm:txPr/>
+    <dgm:style>
+      <a:lnRef idx="2">
+        <a:scrgbClr r="0" g="0" b="0"/>
+      </a:lnRef>
+      <a:fillRef idx="0">
+        <a:scrgbClr r="0" g="0" b="0"/>
+      </a:fillRef>
+      <a:effectRef idx="0">
+        <a:scrgbClr r="0" g="0" b="0"/>
+      </a:effectRef>
+      <a:fontRef idx="minor"/>
+    </dgm:style>
+  </dgm:styleLbl>
+  <dgm:styleLbl name="fgAcc1">
+    <dgm:scene3d>
+      <a:camera prst="orthographicFront"/>
+      <a:lightRig rig="threePt" dir="t"/>
+    </dgm:scene3d>
+    <dgm:sp3d/>
+    <dgm:txPr/>
+    <dgm:style>
+      <a:lnRef idx="2">
+        <a:scrgbClr r="0" g="0" b="0"/>
+      </a:lnRef>
+      <a:fillRef idx="1">
+        <a:scrgbClr r="0" g="0" b="0"/>
+      </a:fillRef>
+      <a:effectRef idx="0">
+        <a:scrgbClr r="0" g="0" b="0"/>
+      </a:effectRef>
+      <a:fontRef idx="minor"/>
+    </dgm:style>
+  </dgm:styleLbl>
+  <dgm:styleLbl name="conFgAcc1">
+    <dgm:scene3d>
+      <a:camera prst="orthographicFront"/>
+      <a:lightRig rig="threePt" dir="t"/>
+    </dgm:scene3d>
+    <dgm:sp3d/>
+    <dgm:txPr/>
+    <dgm:style>
+      <a:lnRef idx="2">
+        <a:scrgbClr r="0" g="0" b="0"/>
+      </a:lnRef>
+      <a:fillRef idx="1">
+        <a:scrgbClr r="0" g="0" b="0"/>
+      </a:fillRef>
+      <a:effectRef idx="0">
+        <a:scrgbClr r="0" g="0" b="0"/>
+      </a:effectRef>
+      <a:fontRef idx="minor"/>
+    </dgm:style>
+  </dgm:styleLbl>
+  <dgm:styleLbl name="alignAcc1">
+    <dgm:scene3d>
+      <a:camera prst="orthographicFront"/>
+      <a:lightRig rig="threePt" dir="t"/>
+    </dgm:scene3d>
+    <dgm:sp3d/>
+    <dgm:txPr/>
+    <dgm:style>
+      <a:lnRef idx="2">
+        <a:scrgbClr r="0" g="0" b="0"/>
+      </a:lnRef>
+      <a:fillRef idx="1">
+        <a:scrgbClr r="0" g="0" b="0"/>
+      </a:fillRef>
+      <a:effectRef idx="0">
+        <a:scrgbClr r="0" g="0" b="0"/>
+      </a:effectRef>
+      <a:fontRef idx="minor"/>
+    </dgm:style>
+  </dgm:styleLbl>
+  <dgm:styleLbl name="trAlignAcc1">
+    <dgm:scene3d>
+      <a:camera prst="orthographicFront"/>
+      <a:lightRig rig="threePt" dir="t"/>
+    </dgm:scene3d>
+    <dgm:sp3d/>
+    <dgm:txPr/>
+    <dgm:style>
+      <a:lnRef idx="1">
+        <a:scrgbClr r="0" g="0" b="0"/>
+      </a:lnRef>
+      <a:fillRef idx="1">
+        <a:scrgbClr r="0" g="0" b="0"/>
+      </a:fillRef>
+      <a:effectRef idx="0">
+        <a:scrgbClr r="0" g="0" b="0"/>
+      </a:effectRef>
+      <a:fontRef idx="minor"/>
+    </dgm:style>
+  </dgm:styleLbl>
+  <dgm:styleLbl name="bgAcc1">
+    <dgm:scene3d>
+      <a:camera prst="orthographicFront"/>
+      <a:lightRig rig="threePt" dir="t"/>
+    </dgm:scene3d>
+    <dgm:sp3d/>
+    <dgm:txPr/>
+    <dgm:style>
+      <a:lnRef idx="2">
+        <a:scrgbClr r="0" g="0" b="0"/>
+      </a:lnRef>
+      <a:fillRef idx="1">
+        <a:scrgbClr r="0" g="0" b="0"/>
+      </a:fillRef>
+      <a:effectRef idx="0">
+        <a:scrgbClr r="0" g="0" b="0"/>
+      </a:effectRef>
+      <a:fontRef idx="minor"/>
+    </dgm:style>
+  </dgm:styleLbl>
+  <dgm:styleLbl name="solidFgAcc1">
+    <dgm:scene3d>
+      <a:camera prst="orthographicFront"/>
+      <a:lightRig rig="threePt" dir="t"/>
+    </dgm:scene3d>
+    <dgm:sp3d/>
+    <dgm:txPr/>
+    <dgm:style>
+      <a:lnRef idx="2">
+        <a:scrgbClr r="0" g="0" b="0"/>
+      </a:lnRef>
+      <a:fillRef idx="1">
+        <a:scrgbClr r="0" g="0" b="0"/>
+      </a:fillRef>
+      <a:effectRef idx="0">
+        <a:scrgbClr r="0" g="0" b="0"/>
+      </a:effectRef>
+      <a:fontRef idx="minor"/>
+    </dgm:style>
+  </dgm:styleLbl>
+  <dgm:styleLbl name="solidAlignAcc1">
+    <dgm:scene3d>
+      <a:camera prst="orthographicFront"/>
+      <a:lightRig rig="threePt" dir="t"/>
+    </dgm:scene3d>
+    <dgm:sp3d/>
+    <dgm:txPr/>
+    <dgm:style>
+      <a:lnRef idx="2">
+        <a:scrgbClr r="0" g="0" b="0"/>
+      </a:lnRef>
+      <a:fillRef idx="1">
+        <a:scrgbClr r="0" g="0" b="0"/>
+      </a:fillRef>
+      <a:effectRef idx="0">
+        <a:scrgbClr r="0" g="0" b="0"/>
+      </a:effectRef>
+      <a:fontRef idx="minor"/>
+    </dgm:style>
+  </dgm:styleLbl>
+  <dgm:styleLbl name="solidBgAcc1">
+    <dgm:scene3d>
+      <a:camera prst="orthographicFront"/>
+      <a:lightRig rig="threePt" dir="t"/>
+    </dgm:scene3d>
+    <dgm:sp3d/>
+    <dgm:txPr/>
+    <dgm:style>
+      <a:lnRef idx="2">
+        <a:scrgbClr r="0" g="0" b="0"/>
+      </a:lnRef>
+      <a:fillRef idx="1">
+        <a:scrgbClr r="0" g="0" b="0"/>
+      </a:fillRef>
+      <a:effectRef idx="0">
+        <a:scrgbClr r="0" g="0" b="0"/>
+      </a:effectRef>
+      <a:fontRef idx="minor"/>
+    </dgm:style>
+  </dgm:styleLbl>
+  <dgm:styleLbl name="fgAccFollowNode1">
+    <dgm:scene3d>
+      <a:camera prst="orthographicFront"/>
+      <a:lightRig rig="threePt" dir="t"/>
+    </dgm:scene3d>
+    <dgm:sp3d/>
+    <dgm:txPr/>
+    <dgm:style>
+      <a:lnRef idx="2">
+        <a:scrgbClr r="0" g="0" b="0"/>
+      </a:lnRef>
+      <a:fillRef idx="1">
+        <a:scrgbClr r="0" g="0" b="0"/>
+      </a:fillRef>
+      <a:effectRef idx="0">
+        <a:scrgbClr r="0" g="0" b="0"/>
+      </a:effectRef>
+      <a:fontRef idx="minor"/>
+    </dgm:style>
+  </dgm:styleLbl>
+  <dgm:styleLbl name="alignAccFollowNode1">
+    <dgm:scene3d>
+      <a:camera prst="orthographicFront"/>
+      <a:lightRig rig="threePt" dir="t"/>
+    </dgm:scene3d>
+    <dgm:sp3d/>
+    <dgm:txPr/>
+    <dgm:style>
+      <a:lnRef idx="2">
+        <a:scrgbClr r="0" g="0" b="0"/>
+      </a:lnRef>
+      <a:fillRef idx="1">
+        <a:scrgbClr r="0" g="0" b="0"/>
+      </a:fillRef>
+      <a:effectRef idx="0">
+        <a:scrgbClr r="0" g="0" b="0"/>
+      </a:effectRef>
+      <a:fontRef idx="minor"/>
+    </dgm:style>
+  </dgm:styleLbl>
+  <dgm:styleLbl name="bgAccFollowNode1">
+    <dgm:scene3d>
+      <a:camera prst="orthographicFront"/>
+      <a:lightRig rig="threePt" dir="t"/>
+    </dgm:scene3d>
+    <dgm:sp3d/>
+    <dgm:txPr/>
+    <dgm:style>
+      <a:lnRef idx="2">
+        <a:scrgbClr r="0" g="0" b="0"/>
+      </a:lnRef>
+      <a:fillRef idx="1">
+        <a:scrgbClr r="0" g="0" b="0"/>
+      </a:fillRef>
+      <a:effectRef idx="0">
+        <a:scrgbClr r="0" g="0" b="0"/>
+      </a:effectRef>
+      <a:fontRef idx="minor"/>
+    </dgm:style>
+  </dgm:styleLbl>
+  <dgm:styleLbl name="fgAcc0">
+    <dgm:scene3d>
+      <a:camera prst="orthographicFront"/>
+      <a:lightRig rig="threePt" dir="t"/>
+    </dgm:scene3d>
+    <dgm:sp3d/>
+    <dgm:txPr/>
+    <dgm:style>
+      <a:lnRef idx="2">
+        <a:scrgbClr r="0" g="0" b="0"/>
+      </a:lnRef>
+      <a:fillRef idx="1">
+        <a:scrgbClr r="0" g="0" b="0"/>
+      </a:fillRef>
+      <a:effectRef idx="0">
+        <a:scrgbClr r="0" g="0" b="0"/>
+      </a:effectRef>
+      <a:fontRef idx="minor"/>
+    </dgm:style>
+  </dgm:styleLbl>
+  <dgm:styleLbl name="fgAcc2">
+    <dgm:scene3d>
+      <a:camera prst="orthographicFront"/>
+      <a:lightRig rig="threePt" dir="t"/>
+    </dgm:scene3d>
+    <dgm:sp3d/>
+    <dgm:txPr/>
+    <dgm:style>
+      <a:lnRef idx="2">
+        <a:scrgbClr r="0" g="0" b="0"/>
+      </a:lnRef>
+      <a:fillRef idx="1">
+        <a:scrgbClr r="0" g="0" b="0"/>
+      </a:fillRef>
+      <a:effectRef idx="0">
+        <a:scrgbClr r="0" g="0" b="0"/>
+      </a:effectRef>
+      <a:fontRef idx="minor"/>
+    </dgm:style>
+  </dgm:styleLbl>
+  <dgm:styleLbl name="fgAcc3">
+    <dgm:scene3d>
+      <a:camera prst="orthographicFront"/>
+      <a:lightRig rig="threePt" dir="t"/>
+    </dgm:scene3d>
+    <dgm:sp3d/>
+    <dgm:txPr/>
+    <dgm:style>
+      <a:lnRef idx="2">
+        <a:scrgbClr r="0" g="0" b="0"/>
+      </a:lnRef>
+      <a:fillRef idx="1">
+        <a:scrgbClr r="0" g="0" b="0"/>
+      </a:fillRef>
+      <a:effectRef idx="0">
+        <a:scrgbClr r="0" g="0" b="0"/>
+      </a:effectRef>
+      <a:fontRef idx="minor"/>
+    </dgm:style>
+  </dgm:styleLbl>
+  <dgm:styleLbl name="fgAcc4">
+    <dgm:scene3d>
+      <a:camera prst="orthographicFront"/>
+      <a:lightRig rig="threePt" dir="t"/>
+    </dgm:scene3d>
+    <dgm:sp3d/>
+    <dgm:txPr/>
+    <dgm:style>
+      <a:lnRef idx="2">
+        <a:scrgbClr r="0" g="0" b="0"/>
+      </a:lnRef>
+      <a:fillRef idx="1">
+        <a:scrgbClr r="0" g="0" b="0"/>
+      </a:fillRef>
+      <a:effectRef idx="0">
+        <a:scrgbClr r="0" g="0" b="0"/>
+      </a:effectRef>
+      <a:fontRef idx="minor"/>
+    </dgm:style>
+  </dgm:styleLbl>
+  <dgm:styleLbl name="bgShp">
+    <dgm:scene3d>
+      <a:camera prst="orthographicFront"/>
+      <a:lightRig rig="threePt" dir="t"/>
+    </dgm:scene3d>
+    <dgm:sp3d/>
+    <dgm:txPr/>
+    <dgm:style>
+      <a:lnRef idx="0">
+        <a:scrgbClr r="0" g="0" b="0"/>
+      </a:lnRef>
+      <a:fillRef idx="1">
+        <a:scrgbClr r="0" g="0" b="0"/>
+      </a:fillRef>
+      <a:effectRef idx="0">
+        <a:scrgbClr r="0" g="0" b="0"/>
+      </a:effectRef>
+      <a:fontRef idx="minor"/>
+    </dgm:style>
+  </dgm:styleLbl>
+  <dgm:styleLbl name="dkBgShp">
+    <dgm:scene3d>
+      <a:camera prst="orthographicFront"/>
+      <a:lightRig rig="threePt" dir="t"/>
+    </dgm:scene3d>
+    <dgm:sp3d/>
+    <dgm:txPr/>
+    <dgm:style>
+      <a:lnRef idx="0">
+        <a:scrgbClr r="0" g="0" b="0"/>
+      </a:lnRef>
+      <a:fillRef idx="1">
+        <a:scrgbClr r="0" g="0" b="0"/>
+      </a:fillRef>
+      <a:effectRef idx="0">
+        <a:scrgbClr r="0" g="0" b="0"/>
+      </a:effectRef>
+      <a:fontRef idx="minor"/>
+    </dgm:style>
+  </dgm:styleLbl>
+  <dgm:styleLbl name="trBgShp">
+    <dgm:scene3d>
+      <a:camera prst="orthographicFront"/>
+      <a:lightRig rig="threePt" dir="t"/>
+    </dgm:scene3d>
+    <dgm:sp3d/>
+    <dgm:txPr/>
+    <dgm:style>
+      <a:lnRef idx="0">
+        <a:scrgbClr r="0" g="0" b="0"/>
+      </a:lnRef>
+      <a:fillRef idx="1">
+        <a:scrgbClr r="0" g="0" b="0"/>
+      </a:fillRef>
+      <a:effectRef idx="0">
+        <a:scrgbClr r="0" g="0" b="0"/>
+      </a:effectRef>
+      <a:fontRef idx="minor"/>
+    </dgm:style>
+  </dgm:styleLbl>
+  <dgm:styleLbl name="fgShp">
+    <dgm:scene3d>
+      <a:camera prst="orthographicFront"/>
+      <a:lightRig rig="threePt" dir="t"/>
+    </dgm:scene3d>
+    <dgm:sp3d/>
+    <dgm:txPr/>
+    <dgm:style>
+      <a:lnRef idx="2">
+        <a:scrgbClr r="0" g="0" b="0"/>
+      </a:lnRef>
+      <a:fillRef idx="1">
+        <a:scrgbClr r="0" g="0" b="0"/>
+      </a:fillRef>
+      <a:effectRef idx="0">
+        <a:scrgbClr r="0" g="0" b="0"/>
+      </a:effectRef>
+      <a:fontRef idx="minor"/>
+    </dgm:style>
+  </dgm:styleLbl>
+  <dgm:styleLbl name="revTx">
+    <dgm:scene3d>
+      <a:camera prst="orthographicFront"/>
+      <a:lightRig rig="threePt" dir="t"/>
+    </dgm:scene3d>
+    <dgm:sp3d/>
+    <dgm:txPr/>
+    <dgm:style>
+      <a:lnRef idx="0">
+        <a:scrgbClr r="0" g="0" b="0"/>
+      </a:lnRef>
+      <a:fillRef idx="0">
+        <a:scrgbClr r="0" g="0" b="0"/>
+      </a:fillRef>
+      <a:effectRef idx="0">
+        <a:scrgbClr r="0" g="0" b="0"/>
+      </a:effectRef>
+      <a:fontRef idx="minor"/>
+    </dgm:style>
+  </dgm:styleLbl>
+</dgm:styleDef>
+</file>
+
+<file path=ppt/diagrams/quickStyle2.xml><?xml version="1.0" encoding="utf-8"?>
+<dgm:styleDef xmlns:dgm="http://schemas.openxmlformats.org/drawingml/2006/diagram" xmlns:a="http://schemas.openxmlformats.org/drawingml/2006/main" uniqueId="urn:microsoft.com/office/officeart/2005/8/quickstyle/simple1">
+  <dgm:title val=""/>
+  <dgm:desc val=""/>
+  <dgm:catLst>
+    <dgm:cat type="simple" pri="10100"/>
+  </dgm:catLst>
+  <dgm:scene3d>
+    <a:camera prst="orthographicFront"/>
+    <a:lightRig rig="threePt" dir="t"/>
+  </dgm:scene3d>
+  <dgm:styleLbl name="node0">
+    <dgm:scene3d>
+      <a:camera prst="orthographicFront"/>
+      <a:lightRig rig="threePt" dir="t"/>
+    </dgm:scene3d>
+    <dgm:sp3d/>
+    <dgm:txPr/>
+    <dgm:style>
+      <a:lnRef idx="2">
+        <a:scrgbClr r="0" g="0" b="0"/>
+      </a:lnRef>
+      <a:fillRef idx="1">
+        <a:scrgbClr r="0" g="0" b="0"/>
+      </a:fillRef>
+      <a:effectRef idx="0">
+        <a:scrgbClr r="0" g="0" b="0"/>
+      </a:effectRef>
+      <a:fontRef idx="minor">
+        <a:schemeClr val="lt1"/>
+      </a:fontRef>
+    </dgm:style>
+  </dgm:styleLbl>
+  <dgm:styleLbl name="lnNode1">
+    <dgm:scene3d>
+      <a:camera prst="orthographicFront"/>
+      <a:lightRig rig="threePt" dir="t"/>
+    </dgm:scene3d>
+    <dgm:sp3d/>
+    <dgm:txPr/>
+    <dgm:style>
+      <a:lnRef idx="2">
+        <a:scrgbClr r="0" g="0" b="0"/>
+      </a:lnRef>
+      <a:fillRef idx="1">
+        <a:scrgbClr r="0" g="0" b="0"/>
+      </a:fillRef>
+      <a:effectRef idx="0">
+        <a:scrgbClr r="0" g="0" b="0"/>
+      </a:effectRef>
+      <a:fontRef idx="minor">
+        <a:schemeClr val="lt1"/>
+      </a:fontRef>
+    </dgm:style>
+  </dgm:styleLbl>
+  <dgm:styleLbl name="vennNode1">
+    <dgm:scene3d>
+      <a:camera prst="orthographicFront"/>
+      <a:lightRig rig="threePt" dir="t"/>
+    </dgm:scene3d>
+    <dgm:sp3d/>
+    <dgm:txPr/>
+    <dgm:style>
+      <a:lnRef idx="2">
+        <a:scrgbClr r="0" g="0" b="0"/>
+      </a:lnRef>
+      <a:fillRef idx="1">
+        <a:scrgbClr r="0" g="0" b="0"/>
+      </a:fillRef>
+      <a:effectRef idx="0">
+        <a:scrgbClr r="0" g="0" b="0"/>
+      </a:effectRef>
+      <a:fontRef idx="minor">
+        <a:schemeClr val="tx1"/>
+      </a:fontRef>
+    </dgm:style>
+  </dgm:styleLbl>
+  <dgm:styleLbl name="alignNode1">
+    <dgm:scene3d>
+      <a:camera prst="orthographicFront"/>
+      <a:lightRig rig="threePt" dir="t"/>
+    </dgm:scene3d>
+    <dgm:sp3d/>
+    <dgm:txPr/>
+    <dgm:style>
+      <a:lnRef idx="2">
+        <a:scrgbClr r="0" g="0" b="0"/>
+      </a:lnRef>
+      <a:fillRef idx="1">
+        <a:scrgbClr r="0" g="0" b="0"/>
+      </a:fillRef>
+      <a:effectRef idx="0">
+        <a:scrgbClr r="0" g="0" b="0"/>
+      </a:effectRef>
+      <a:fontRef idx="minor">
+        <a:schemeClr val="lt1"/>
+      </a:fontRef>
+    </dgm:style>
+  </dgm:styleLbl>
+  <dgm:styleLbl name="node1">
+    <dgm:scene3d>
+      <a:camera prst="orthographicFront"/>
+      <a:lightRig rig="threePt" dir="t"/>
+    </dgm:scene3d>
+    <dgm:sp3d/>
+    <dgm:txPr/>
+    <dgm:style>
+      <a:lnRef idx="2">
+        <a:scrgbClr r="0" g="0" b="0"/>
+      </a:lnRef>
+      <a:fillRef idx="1">
+        <a:scrgbClr r="0" g="0" b="0"/>
+      </a:fillRef>
+      <a:effectRef idx="0">
+        <a:scrgbClr r="0" g="0" b="0"/>
+      </a:effectRef>
+      <a:fontRef idx="minor">
+        <a:schemeClr val="lt1"/>
+      </a:fontRef>
+    </dgm:style>
+  </dgm:styleLbl>
+  <dgm:styleLbl name="node2">
+    <dgm:scene3d>
+      <a:camera prst="orthographicFront"/>
+      <a:lightRig rig="threePt" dir="t"/>
+    </dgm:scene3d>
+    <dgm:sp3d/>
+    <dgm:txPr/>
+    <dgm:style>
+      <a:lnRef idx="2">
+        <a:scrgbClr r="0" g="0" b="0"/>
+      </a:lnRef>
+      <a:fillRef idx="1">
+        <a:scrgbClr r="0" g="0" b="0"/>
+      </a:fillRef>
+      <a:effectRef idx="0">
+        <a:scrgbClr r="0" g="0" b="0"/>
+      </a:effectRef>
+      <a:fontRef idx="minor">
+        <a:schemeClr val="lt1"/>
+      </a:fontRef>
+    </dgm:style>
+  </dgm:styleLbl>
+  <dgm:styleLbl name="node3">
+    <dgm:scene3d>
+      <a:camera prst="orthographicFront"/>
+      <a:lightRig rig="threePt" dir="t"/>
+    </dgm:scene3d>
+    <dgm:sp3d/>
+    <dgm:txPr/>
+    <dgm:style>
+      <a:lnRef idx="2">
+        <a:scrgbClr r="0" g="0" b="0"/>
+      </a:lnRef>
+      <a:fillRef idx="1">
+        <a:scrgbClr r="0" g="0" b="0"/>
+      </a:fillRef>
+      <a:effectRef idx="0">
+        <a:scrgbClr r="0" g="0" b="0"/>
+      </a:effectRef>
+      <a:fontRef idx="minor">
+        <a:schemeClr val="lt1"/>
+      </a:fontRef>
+    </dgm:style>
+  </dgm:styleLbl>
+  <dgm:styleLbl name="node4">
+    <dgm:scene3d>
+      <a:camera prst="orthographicFront"/>
+      <a:lightRig rig="threePt" dir="t"/>
+    </dgm:scene3d>
+    <dgm:sp3d/>
+    <dgm:txPr/>
+    <dgm:style>
+      <a:lnRef idx="2">
+        <a:scrgbClr r="0" g="0" b="0"/>
+      </a:lnRef>
+      <a:fillRef idx="1">
+        <a:scrgbClr r="0" g="0" b="0"/>
+      </a:fillRef>
+      <a:effectRef idx="0">
+        <a:scrgbClr r="0" g="0" b="0"/>
+      </a:effectRef>
+      <a:fontRef idx="minor">
+        <a:schemeClr val="lt1"/>
+      </a:fontRef>
+    </dgm:style>
+  </dgm:styleLbl>
+  <dgm:styleLbl name="fgImgPlace1">
+    <dgm:scene3d>
+      <a:camera prst="orthographicFront"/>
+      <a:lightRig rig="threePt" dir="t"/>
+    </dgm:scene3d>
+    <dgm:sp3d/>
+    <dgm:txPr/>
+    <dgm:style>
+      <a:lnRef idx="2">
+        <a:scrgbClr r="0" g="0" b="0"/>
+      </a:lnRef>
+      <a:fillRef idx="1">
+        <a:scrgbClr r="0" g="0" b="0"/>
+      </a:fillRef>
+      <a:effectRef idx="0">
+        <a:scrgbClr r="0" g="0" b="0"/>
+      </a:effectRef>
+      <a:fontRef idx="minor"/>
+    </dgm:style>
+  </dgm:styleLbl>
+  <dgm:styleLbl name="alignImgPlace1">
+    <dgm:scene3d>
+      <a:camera prst="orthographicFront"/>
+      <a:lightRig rig="threePt" dir="t"/>
+    </dgm:scene3d>
+    <dgm:sp3d/>
+    <dgm:txPr/>
+    <dgm:style>
+      <a:lnRef idx="2">
+        <a:scrgbClr r="0" g="0" b="0"/>
+      </a:lnRef>
+      <a:fillRef idx="1">
+        <a:scrgbClr r="0" g="0" b="0"/>
+      </a:fillRef>
+      <a:effectRef idx="0">
+        <a:scrgbClr r="0" g="0" b="0"/>
+      </a:effectRef>
+      <a:fontRef idx="minor"/>
+    </dgm:style>
+  </dgm:styleLbl>
+  <dgm:styleLbl name="bgImgPlace1">
+    <dgm:scene3d>
+      <a:camera prst="orthographicFront"/>
+      <a:lightRig rig="threePt" dir="t"/>
+    </dgm:scene3d>
+    <dgm:sp3d/>
+    <dgm:txPr/>
+    <dgm:style>
+      <a:lnRef idx="2">
+        <a:scrgbClr r="0" g="0" b="0"/>
+      </a:lnRef>
+      <a:fillRef idx="1">
+        <a:scrgbClr r="0" g="0" b="0"/>
+      </a:fillRef>
+      <a:effectRef idx="0">
+        <a:scrgbClr r="0" g="0" b="0"/>
+      </a:effectRef>
+      <a:fontRef idx="minor"/>
+    </dgm:style>
+  </dgm:styleLbl>
+  <dgm:styleLbl name="sibTrans2D1">
+    <dgm:scene3d>
+      <a:camera prst="orthographicFront"/>
+      <a:lightRig rig="threePt" dir="t"/>
+    </dgm:scene3d>
+    <dgm:sp3d/>
+    <dgm:txPr/>
+    <dgm:style>
+      <a:lnRef idx="0">
+        <a:scrgbClr r="0" g="0" b="0"/>
+      </a:lnRef>
+      <a:fillRef idx="1">
+        <a:scrgbClr r="0" g="0" b="0"/>
+      </a:fillRef>
+      <a:effectRef idx="0">
+        <a:scrgbClr r="0" g="0" b="0"/>
+      </a:effectRef>
+      <a:fontRef idx="minor">
+        <a:schemeClr val="lt1"/>
+      </a:fontRef>
+    </dgm:style>
+  </dgm:styleLbl>
+  <dgm:styleLbl name="fgSibTrans2D1">
+    <dgm:scene3d>
+      <a:camera prst="orthographicFront"/>
+      <a:lightRig rig="threePt" dir="t"/>
+    </dgm:scene3d>
+    <dgm:sp3d/>
+    <dgm:txPr/>
+    <dgm:style>
+      <a:lnRef idx="0">
+        <a:scrgbClr r="0" g="0" b="0"/>
+      </a:lnRef>
+      <a:fillRef idx="1">
+        <a:scrgbClr r="0" g="0" b="0"/>
+      </a:fillRef>
+      <a:effectRef idx="0">
+        <a:scrgbClr r="0" g="0" b="0"/>
+      </a:effectRef>
+      <a:fontRef idx="minor">
+        <a:schemeClr val="lt1"/>
+      </a:fontRef>
+    </dgm:style>
+  </dgm:styleLbl>
+  <dgm:styleLbl name="bgSibTrans2D1">
+    <dgm:scene3d>
+      <a:camera prst="orthographicFront"/>
+      <a:lightRig rig="threePt" dir="t"/>
+    </dgm:scene3d>
+    <dgm:sp3d/>
+    <dgm:txPr/>
+    <dgm:style>
+      <a:lnRef idx="0">
+        <a:scrgbClr r="0" g="0" b="0"/>
+      </a:lnRef>
+      <a:fillRef idx="1">
+        <a:scrgbClr r="0" g="0" b="0"/>
+      </a:fillRef>
+      <a:effectRef idx="0">
+        <a:scrgbClr r="0" g="0" b="0"/>
+      </a:effectRef>
+      <a:fontRef idx="minor">
+        <a:schemeClr val="lt1"/>
+      </a:fontRef>
+    </dgm:style>
+  </dgm:styleLbl>
+  <dgm:styleLbl name="sibTrans1D1">
+    <dgm:scene3d>
+      <a:camera prst="orthographicFront"/>
+      <a:lightRig rig="threePt" dir="t"/>
+    </dgm:scene3d>
+    <dgm:sp3d/>
+    <dgm:txPr/>
+    <dgm:style>
+      <a:lnRef idx="1">
+        <a:scrgbClr r="0" g="0" b="0"/>
+      </a:lnRef>
+      <a:fillRef idx="0">
+        <a:scrgbClr r="0" g="0" b="0"/>
+      </a:fillRef>
+      <a:effectRef idx="0">
+        <a:scrgbClr r="0" g="0" b="0"/>
+      </a:effectRef>
+      <a:fontRef idx="minor"/>
+    </dgm:style>
+  </dgm:styleLbl>
+  <dgm:styleLbl name="callout">
+    <dgm:scene3d>
+      <a:camera prst="orthographicFront"/>
+      <a:lightRig rig="threePt" dir="t"/>
+    </dgm:scene3d>
+    <dgm:sp3d/>
+    <dgm:txPr/>
+    <dgm:style>
+      <a:lnRef idx="2">
+        <a:scrgbClr r="0" g="0" b="0"/>
+      </a:lnRef>
+      <a:fillRef idx="1">
+        <a:scrgbClr r="0" g="0" b="0"/>
+      </a:fillRef>
+      <a:effectRef idx="0">
+        <a:scrgbClr r="0" g="0" b="0"/>
+      </a:effectRef>
+      <a:fontRef idx="minor"/>
+    </dgm:style>
+  </dgm:styleLbl>
+  <dgm:styleLbl name="asst0">
+    <dgm:scene3d>
+      <a:camera prst="orthographicFront"/>
+      <a:lightRig rig="threePt" dir="t"/>
+    </dgm:scene3d>
+    <dgm:sp3d/>
+    <dgm:txPr/>
+    <dgm:style>
+      <a:lnRef idx="2">
+        <a:scrgbClr r="0" g="0" b="0"/>
+      </a:lnRef>
+      <a:fillRef idx="1">
+        <a:scrgbClr r="0" g="0" b="0"/>
+      </a:fillRef>
+      <a:effectRef idx="0">
+        <a:scrgbClr r="0" g="0" b="0"/>
+      </a:effectRef>
+      <a:fontRef idx="minor">
+        <a:schemeClr val="lt1"/>
+      </a:fontRef>
+    </dgm:style>
+  </dgm:styleLbl>
+  <dgm:styleLbl name="asst1">
+    <dgm:scene3d>
+      <a:camera prst="orthographicFront"/>
+      <a:lightRig rig="threePt" dir="t"/>
+    </dgm:scene3d>
+    <dgm:sp3d/>
+    <dgm:txPr/>
+    <dgm:style>
+      <a:lnRef idx="2">
+        <a:scrgbClr r="0" g="0" b="0"/>
+      </a:lnRef>
+      <a:fillRef idx="1">
+        <a:scrgbClr r="0" g="0" b="0"/>
+      </a:fillRef>
+      <a:effectRef idx="0">
+        <a:scrgbClr r="0" g="0" b="0"/>
+      </a:effectRef>
+      <a:fontRef idx="minor">
+        <a:schemeClr val="lt1"/>
+      </a:fontRef>
+    </dgm:style>
+  </dgm:styleLbl>
+  <dgm:styleLbl name="asst2">
+    <dgm:scene3d>
+      <a:camera prst="orthographicFront"/>
+      <a:lightRig rig="threePt" dir="t"/>
+    </dgm:scene3d>
+    <dgm:sp3d/>
+    <dgm:txPr/>
+    <dgm:style>
+      <a:lnRef idx="2">
+        <a:scrgbClr r="0" g="0" b="0"/>
+      </a:lnRef>
+      <a:fillRef idx="1">
+        <a:scrgbClr r="0" g="0" b="0"/>
+      </a:fillRef>
+      <a:effectRef idx="0">
+        <a:scrgbClr r="0" g="0" b="0"/>
+      </a:effectRef>
+      <a:fontRef idx="minor">
+        <a:schemeClr val="lt1"/>
+      </a:fontRef>
+    </dgm:style>
+  </dgm:styleLbl>
+  <dgm:styleLbl name="asst3">
+    <dgm:scene3d>
+      <a:camera prst="orthographicFront"/>
+      <a:lightRig rig="threePt" dir="t"/>
+    </dgm:scene3d>
+    <dgm:sp3d/>
+    <dgm:txPr/>
+    <dgm:style>
+      <a:lnRef idx="2">
+        <a:scrgbClr r="0" g="0" b="0"/>
+      </a:lnRef>
+      <a:fillRef idx="1">
+        <a:scrgbClr r="0" g="0" b="0"/>
+      </a:fillRef>
+      <a:effectRef idx="0">
+        <a:scrgbClr r="0" g="0" b="0"/>
+      </a:effectRef>
+      <a:fontRef idx="minor">
+        <a:schemeClr val="lt1"/>
+      </a:fontRef>
+    </dgm:style>
+  </dgm:styleLbl>
+  <dgm:styleLbl name="asst4">
+    <dgm:scene3d>
+      <a:camera prst="orthographicFront"/>
+      <a:lightRig rig="threePt" dir="t"/>
+    </dgm:scene3d>
+    <dgm:sp3d/>
+    <dgm:txPr/>
+    <dgm:style>
+      <a:lnRef idx="2">
+        <a:scrgbClr r="0" g="0" b="0"/>
+      </a:lnRef>
+      <a:fillRef idx="1">
+        <a:scrgbClr r="0" g="0" b="0"/>
+      </a:fillRef>
+      <a:effectRef idx="0">
+        <a:scrgbClr r="0" g="0" b="0"/>
+      </a:effectRef>
+      <a:fontRef idx="minor">
+        <a:schemeClr val="lt1"/>
+      </a:fontRef>
+    </dgm:style>
+  </dgm:styleLbl>
+  <dgm:styleLbl name="parChTrans2D1">
+    <dgm:scene3d>
+      <a:camera prst="orthographicFront"/>
+      <a:lightRig rig="threePt" dir="t"/>
+    </dgm:scene3d>
+    <dgm:sp3d/>
+    <dgm:txPr/>
+    <dgm:style>
+      <a:lnRef idx="2">
+        <a:scrgbClr r="0" g="0" b="0"/>
+      </a:lnRef>
+      <a:fillRef idx="1">
+        <a:scrgbClr r="0" g="0" b="0"/>
+      </a:fillRef>
+      <a:effectRef idx="0">
+        <a:scrgbClr r="0" g="0" b="0"/>
+      </a:effectRef>
+      <a:fontRef idx="minor">
+        <a:schemeClr val="lt1"/>
+      </a:fontRef>
+    </dgm:style>
+  </dgm:styleLbl>
+  <dgm:styleLbl name="parChTrans2D2">
+    <dgm:scene3d>
+      <a:camera prst="orthographicFront"/>
+      <a:lightRig rig="threePt" dir="t"/>
+    </dgm:scene3d>
+    <dgm:sp3d/>
+    <dgm:txPr/>
+    <dgm:style>
+      <a:lnRef idx="2">
+        <a:scrgbClr r="0" g="0" b="0"/>
+      </a:lnRef>
+      <a:fillRef idx="1">
+        <a:scrgbClr r="0" g="0" b="0"/>
+      </a:fillRef>
+      <a:effectRef idx="0">
+        <a:scrgbClr r="0" g="0" b="0"/>
+      </a:effectRef>
+      <a:fontRef idx="minor">
+        <a:schemeClr val="lt1"/>
+      </a:fontRef>
+    </dgm:style>
+  </dgm:styleLbl>
+  <dgm:styleLbl name="parChTrans2D3">
+    <dgm:scene3d>
+      <a:camera prst="orthographicFront"/>
+      <a:lightRig rig="threePt" dir="t"/>
+    </dgm:scene3d>
+    <dgm:sp3d/>
+    <dgm:txPr/>
+    <dgm:style>
+      <a:lnRef idx="2">
+        <a:scrgbClr r="0" g="0" b="0"/>
+      </a:lnRef>
+      <a:fillRef idx="1">
+        <a:scrgbClr r="0" g="0" b="0"/>
+      </a:fillRef>
+      <a:effectRef idx="0">
+        <a:scrgbClr r="0" g="0" b="0"/>
+      </a:effectRef>
+      <a:fontRef idx="minor">
+        <a:schemeClr val="lt1"/>
+      </a:fontRef>
+    </dgm:style>
+  </dgm:styleLbl>
+  <dgm:styleLbl name="parChTrans2D4">
+    <dgm:scene3d>
+      <a:camera prst="orthographicFront"/>
+      <a:lightRig rig="threePt" dir="t"/>
+    </dgm:scene3d>
+    <dgm:sp3d/>
+    <dgm:txPr/>
+    <dgm:style>
+      <a:lnRef idx="2">
+        <a:scrgbClr r="0" g="0" b="0"/>
+      </a:lnRef>
+      <a:fillRef idx="1">
+        <a:scrgbClr r="0" g="0" b="0"/>
+      </a:fillRef>
+      <a:effectRef idx="0">
+        <a:scrgbClr r="0" g="0" b="0"/>
+      </a:effectRef>
+      <a:fontRef idx="minor">
+        <a:schemeClr val="lt1"/>
+      </a:fontRef>
+    </dgm:style>
+  </dgm:styleLbl>
+  <dgm:styleLbl name="parChTrans1D1">
+    <dgm:scene3d>
+      <a:camera prst="orthographicFront"/>
+      <a:lightRig rig="threePt" dir="t"/>
+    </dgm:scene3d>
+    <dgm:sp3d/>
+    <dgm:txPr/>
+    <dgm:style>
+      <a:lnRef idx="2">
+        <a:scrgbClr r="0" g="0" b="0"/>
+      </a:lnRef>
+      <a:fillRef idx="0">
+        <a:scrgbClr r="0" g="0" b="0"/>
+      </a:fillRef>
+      <a:effectRef idx="0">
+        <a:scrgbClr r="0" g="0" b="0"/>
+      </a:effectRef>
+      <a:fontRef idx="minor"/>
+    </dgm:style>
+  </dgm:styleLbl>
+  <dgm:styleLbl name="parChTrans1D2">
+    <dgm:scene3d>
+      <a:camera prst="orthographicFront"/>
+      <a:lightRig rig="threePt" dir="t"/>
+    </dgm:scene3d>
+    <dgm:sp3d/>
+    <dgm:txPr/>
+    <dgm:style>
+      <a:lnRef idx="2">
+        <a:scrgbClr r="0" g="0" b="0"/>
+      </a:lnRef>
+      <a:fillRef idx="0">
+        <a:scrgbClr r="0" g="0" b="0"/>
+      </a:fillRef>
+      <a:effectRef idx="0">
+        <a:scrgbClr r="0" g="0" b="0"/>
+      </a:effectRef>
+      <a:fontRef idx="minor"/>
+    </dgm:style>
+  </dgm:styleLbl>
+  <dgm:styleLbl name="parChTrans1D3">
+    <dgm:scene3d>
+      <a:camera prst="orthographicFront"/>
+      <a:lightRig rig="threePt" dir="t"/>
+    </dgm:scene3d>
+    <dgm:sp3d/>
+    <dgm:txPr/>
+    <dgm:style>
+      <a:lnRef idx="2">
+        <a:scrgbClr r="0" g="0" b="0"/>
+      </a:lnRef>
+      <a:fillRef idx="0">
+        <a:scrgbClr r="0" g="0" b="0"/>
+      </a:fillRef>
+      <a:effectRef idx="0">
+        <a:scrgbClr r="0" g="0" b="0"/>
+      </a:effectRef>
+      <a:fontRef idx="minor"/>
+    </dgm:style>
+  </dgm:styleLbl>
+  <dgm:styleLbl name="parChTrans1D4">
+    <dgm:scene3d>
+      <a:camera prst="orthographicFront"/>
+      <a:lightRig rig="threePt" dir="t"/>
+    </dgm:scene3d>
+    <dgm:sp3d/>
+    <dgm:txPr/>
+    <dgm:style>
+      <a:lnRef idx="2">
+        <a:scrgbClr r="0" g="0" b="0"/>
+      </a:lnRef>
+      <a:fillRef idx="0">
+        <a:scrgbClr r="0" g="0" b="0"/>
+      </a:fillRef>
+      <a:effectRef idx="0">
+        <a:scrgbClr r="0" g="0" b="0"/>
+      </a:effectRef>
+      <a:fontRef idx="minor"/>
+    </dgm:style>
+  </dgm:styleLbl>
+  <dgm:styleLbl name="fgAcc1">
+    <dgm:scene3d>
+      <a:camera prst="orthographicFront"/>
+      <a:lightRig rig="threePt" dir="t"/>
+    </dgm:scene3d>
+    <dgm:sp3d/>
+    <dgm:txPr/>
+    <dgm:style>
+      <a:lnRef idx="2">
+        <a:scrgbClr r="0" g="0" b="0"/>
+      </a:lnRef>
+      <a:fillRef idx="1">
+        <a:scrgbClr r="0" g="0" b="0"/>
+      </a:fillRef>
+      <a:effectRef idx="0">
+        <a:scrgbClr r="0" g="0" b="0"/>
+      </a:effectRef>
+      <a:fontRef idx="minor"/>
+    </dgm:style>
+  </dgm:styleLbl>
+  <dgm:styleLbl name="conFgAcc1">
+    <dgm:scene3d>
+      <a:camera prst="orthographicFront"/>
+      <a:lightRig rig="threePt" dir="t"/>
+    </dgm:scene3d>
+    <dgm:sp3d/>
+    <dgm:txPr/>
+    <dgm:style>
+      <a:lnRef idx="2">
+        <a:scrgbClr r="0" g="0" b="0"/>
+      </a:lnRef>
+      <a:fillRef idx="1">
+        <a:scrgbClr r="0" g="0" b="0"/>
+      </a:fillRef>
+      <a:effectRef idx="0">
+        <a:scrgbClr r="0" g="0" b="0"/>
+      </a:effectRef>
+      <a:fontRef idx="minor"/>
+    </dgm:style>
+  </dgm:styleLbl>
+  <dgm:styleLbl name="alignAcc1">
+    <dgm:scene3d>
+      <a:camera prst="orthographicFront"/>
+      <a:lightRig rig="threePt" dir="t"/>
+    </dgm:scene3d>
+    <dgm:sp3d/>
+    <dgm:txPr/>
+    <dgm:style>
+      <a:lnRef idx="2">
+        <a:scrgbClr r="0" g="0" b="0"/>
+      </a:lnRef>
+      <a:fillRef idx="1">
+        <a:scrgbClr r="0" g="0" b="0"/>
+      </a:fillRef>
+      <a:effectRef idx="0">
+        <a:scrgbClr r="0" g="0" b="0"/>
+      </a:effectRef>
+      <a:fontRef idx="minor"/>
+    </dgm:style>
+  </dgm:styleLbl>
+  <dgm:styleLbl name="trAlignAcc1">
+    <dgm:scene3d>
+      <a:camera prst="orthographicFront"/>
+      <a:lightRig rig="threePt" dir="t"/>
+    </dgm:scene3d>
+    <dgm:sp3d/>
+    <dgm:txPr/>
+    <dgm:style>
+      <a:lnRef idx="1">
+        <a:scrgbClr r="0" g="0" b="0"/>
+      </a:lnRef>
+      <a:fillRef idx="1">
+        <a:scrgbClr r="0" g="0" b="0"/>
+      </a:fillRef>
+      <a:effectRef idx="0">
+        <a:scrgbClr r="0" g="0" b="0"/>
+      </a:effectRef>
+      <a:fontRef idx="minor"/>
+    </dgm:style>
+  </dgm:styleLbl>
+  <dgm:styleLbl name="bgAcc1">
+    <dgm:scene3d>
+      <a:camera prst="orthographicFront"/>
+      <a:lightRig rig="threePt" dir="t"/>
+    </dgm:scene3d>
+    <dgm:sp3d/>
+    <dgm:txPr/>
+    <dgm:style>
+      <a:lnRef idx="2">
+        <a:scrgbClr r="0" g="0" b="0"/>
+      </a:lnRef>
+      <a:fillRef idx="1">
+        <a:scrgbClr r="0" g="0" b="0"/>
+      </a:fillRef>
+      <a:effectRef idx="0">
+        <a:scrgbClr r="0" g="0" b="0"/>
+      </a:effectRef>
+      <a:fontRef idx="minor"/>
+    </dgm:style>
+  </dgm:styleLbl>
+  <dgm:styleLbl name="solidFgAcc1">
+    <dgm:scene3d>
+      <a:camera prst="orthographicFront"/>
+      <a:lightRig rig="threePt" dir="t"/>
+    </dgm:scene3d>
+    <dgm:sp3d/>
+    <dgm:txPr/>
+    <dgm:style>
+      <a:lnRef idx="2">
+        <a:scrgbClr r="0" g="0" b="0"/>
+      </a:lnRef>
+      <a:fillRef idx="1">
+        <a:scrgbClr r="0" g="0" b="0"/>
+      </a:fillRef>
+      <a:effectRef idx="0">
+        <a:scrgbClr r="0" g="0" b="0"/>
+      </a:effectRef>
+      <a:fontRef idx="minor"/>
+    </dgm:style>
+  </dgm:styleLbl>
+  <dgm:styleLbl name="solidAlignAcc1">
+    <dgm:scene3d>
+      <a:camera prst="orthographicFront"/>
+      <a:lightRig rig="threePt" dir="t"/>
+    </dgm:scene3d>
+    <dgm:sp3d/>
+    <dgm:txPr/>
+    <dgm:style>
+      <a:lnRef idx="2">
+        <a:scrgbClr r="0" g="0" b="0"/>
+      </a:lnRef>
+      <a:fillRef idx="1">
+        <a:scrgbClr r="0" g="0" b="0"/>
+      </a:fillRef>
+      <a:effectRef idx="0">
+        <a:scrgbClr r="0" g="0" b="0"/>
+      </a:effectRef>
+      <a:fontRef idx="minor"/>
+    </dgm:style>
+  </dgm:styleLbl>
+  <dgm:styleLbl name="solidBgAcc1">
+    <dgm:scene3d>
+      <a:camera prst="orthographicFront"/>
+      <a:lightRig rig="threePt" dir="t"/>
+    </dgm:scene3d>
+    <dgm:sp3d/>
+    <dgm:txPr/>
+    <dgm:style>
+      <a:lnRef idx="2">
+        <a:scrgbClr r="0" g="0" b="0"/>
+      </a:lnRef>
+      <a:fillRef idx="1">
+        <a:scrgbClr r="0" g="0" b="0"/>
+      </a:fillRef>
+      <a:effectRef idx="0">
+        <a:scrgbClr r="0" g="0" b="0"/>
+      </a:effectRef>
+      <a:fontRef idx="minor"/>
+    </dgm:style>
+  </dgm:styleLbl>
+  <dgm:styleLbl name="fgAccFollowNode1">
+    <dgm:scene3d>
+      <a:camera prst="orthographicFront"/>
+      <a:lightRig rig="threePt" dir="t"/>
+    </dgm:scene3d>
+    <dgm:sp3d/>
+    <dgm:txPr/>
+    <dgm:style>
+      <a:lnRef idx="2">
+        <a:scrgbClr r="0" g="0" b="0"/>
+      </a:lnRef>
+      <a:fillRef idx="1">
+        <a:scrgbClr r="0" g="0" b="0"/>
+      </a:fillRef>
+      <a:effectRef idx="0">
+        <a:scrgbClr r="0" g="0" b="0"/>
+      </a:effectRef>
+      <a:fontRef idx="minor"/>
+    </dgm:style>
+  </dgm:styleLbl>
+  <dgm:styleLbl name="alignAccFollowNode1">
+    <dgm:scene3d>
+      <a:camera prst="orthographicFront"/>
+      <a:lightRig rig="threePt" dir="t"/>
+    </dgm:scene3d>
+    <dgm:sp3d/>
+    <dgm:txPr/>
+    <dgm:style>
+      <a:lnRef idx="2">
+        <a:scrgbClr r="0" g="0" b="0"/>
+      </a:lnRef>
+      <a:fillRef idx="1">
+        <a:scrgbClr r="0" g="0" b="0"/>
+      </a:fillRef>
+      <a:effectRef idx="0">
+        <a:scrgbClr r="0" g="0" b="0"/>
+      </a:effectRef>
+      <a:fontRef idx="minor"/>
+    </dgm:style>
+  </dgm:styleLbl>
+  <dgm:styleLbl name="bgAccFollowNode1">
+    <dgm:scene3d>
+      <a:camera prst="orthographicFront"/>
+      <a:lightRig rig="threePt" dir="t"/>
+    </dgm:scene3d>
+    <dgm:sp3d/>
+    <dgm:txPr/>
+    <dgm:style>
+      <a:lnRef idx="2">
+        <a:scrgbClr r="0" g="0" b="0"/>
+      </a:lnRef>
+      <a:fillRef idx="1">
+        <a:scrgbClr r="0" g="0" b="0"/>
+      </a:fillRef>
+      <a:effectRef idx="0">
+        <a:scrgbClr r="0" g="0" b="0"/>
+      </a:effectRef>
+      <a:fontRef idx="minor"/>
+    </dgm:style>
+  </dgm:styleLbl>
+  <dgm:styleLbl name="fgAcc0">
+    <dgm:scene3d>
+      <a:camera prst="orthographicFront"/>
+      <a:lightRig rig="threePt" dir="t"/>
+    </dgm:scene3d>
+    <dgm:sp3d/>
+    <dgm:txPr/>
+    <dgm:style>
+      <a:lnRef idx="2">
+        <a:scrgbClr r="0" g="0" b="0"/>
+      </a:lnRef>
+      <a:fillRef idx="1">
+        <a:scrgbClr r="0" g="0" b="0"/>
+      </a:fillRef>
+      <a:effectRef idx="0">
+        <a:scrgbClr r="0" g="0" b="0"/>
+      </a:effectRef>
+      <a:fontRef idx="minor"/>
+    </dgm:style>
+  </dgm:styleLbl>
+  <dgm:styleLbl name="fgAcc2">
+    <dgm:scene3d>
+      <a:camera prst="orthographicFront"/>
+      <a:lightRig rig="threePt" dir="t"/>
+    </dgm:scene3d>
+    <dgm:sp3d/>
+    <dgm:txPr/>
+    <dgm:style>
+      <a:lnRef idx="2">
+        <a:scrgbClr r="0" g="0" b="0"/>
+      </a:lnRef>
+      <a:fillRef idx="1">
+        <a:scrgbClr r="0" g="0" b="0"/>
+      </a:fillRef>
+      <a:effectRef idx="0">
+        <a:scrgbClr r="0" g="0" b="0"/>
+      </a:effectRef>
+      <a:fontRef idx="minor"/>
+    </dgm:style>
+  </dgm:styleLbl>
+  <dgm:styleLbl name="fgAcc3">
+    <dgm:scene3d>
+      <a:camera prst="orthographicFront"/>
+      <a:lightRig rig="threePt" dir="t"/>
+    </dgm:scene3d>
+    <dgm:sp3d/>
+    <dgm:txPr/>
+    <dgm:style>
+      <a:lnRef idx="2">
+        <a:scrgbClr r="0" g="0" b="0"/>
+      </a:lnRef>
+      <a:fillRef idx="1">
+        <a:scrgbClr r="0" g="0" b="0"/>
+      </a:fillRef>
+      <a:effectRef idx="0">
+        <a:scrgbClr r="0" g="0" b="0"/>
+      </a:effectRef>
+      <a:fontRef idx="minor"/>
+    </dgm:style>
+  </dgm:styleLbl>
+  <dgm:styleLbl name="fgAcc4">
+    <dgm:scene3d>
+      <a:camera prst="orthographicFront"/>
+      <a:lightRig rig="threePt" dir="t"/>
+    </dgm:scene3d>
+    <dgm:sp3d/>
+    <dgm:txPr/>
+    <dgm:style>
+      <a:lnRef idx="2">
+        <a:scrgbClr r="0" g="0" b="0"/>
+      </a:lnRef>
+      <a:fillRef idx="1">
+        <a:scrgbClr r="0" g="0" b="0"/>
+      </a:fillRef>
+      <a:effectRef idx="0">
+        <a:scrgbClr r="0" g="0" b="0"/>
+      </a:effectRef>
+      <a:fontRef idx="minor"/>
+    </dgm:style>
+  </dgm:styleLbl>
+  <dgm:styleLbl name="bgShp">
+    <dgm:scene3d>
+      <a:camera prst="orthographicFront"/>
+      <a:lightRig rig="threePt" dir="t"/>
+    </dgm:scene3d>
+    <dgm:sp3d/>
+    <dgm:txPr/>
+    <dgm:style>
+      <a:lnRef idx="0">
+        <a:scrgbClr r="0" g="0" b="0"/>
+      </a:lnRef>
+      <a:fillRef idx="1">
+        <a:scrgbClr r="0" g="0" b="0"/>
+      </a:fillRef>
+      <a:effectRef idx="0">
+        <a:scrgbClr r="0" g="0" b="0"/>
+      </a:effectRef>
+      <a:fontRef idx="minor"/>
+    </dgm:style>
+  </dgm:styleLbl>
+  <dgm:styleLbl name="dkBgShp">
+    <dgm:scene3d>
+      <a:camera prst="orthographicFront"/>
+      <a:lightRig rig="threePt" dir="t"/>
+    </dgm:scene3d>
+    <dgm:sp3d/>
+    <dgm:txPr/>
+    <dgm:style>
+      <a:lnRef idx="0">
+        <a:scrgbClr r="0" g="0" b="0"/>
+      </a:lnRef>
+      <a:fillRef idx="1">
+        <a:scrgbClr r="0" g="0" b="0"/>
+      </a:fillRef>
+      <a:effectRef idx="0">
+        <a:scrgbClr r="0" g="0" b="0"/>
+      </a:effectRef>
+      <a:fontRef idx="minor"/>
+    </dgm:style>
+  </dgm:styleLbl>
+  <dgm:styleLbl name="trBgShp">
+    <dgm:scene3d>
+      <a:camera prst="orthographicFront"/>
+      <a:lightRig rig="threePt" dir="t"/>
+    </dgm:scene3d>
+    <dgm:sp3d/>
+    <dgm:txPr/>
+    <dgm:style>
+      <a:lnRef idx="0">
+        <a:scrgbClr r="0" g="0" b="0"/>
+      </a:lnRef>
+      <a:fillRef idx="1">
+        <a:scrgbClr r="0" g="0" b="0"/>
+      </a:fillRef>
+      <a:effectRef idx="0">
+        <a:scrgbClr r="0" g="0" b="0"/>
+      </a:effectRef>
+      <a:fontRef idx="minor"/>
+    </dgm:style>
+  </dgm:styleLbl>
+  <dgm:styleLbl name="fgShp">
+    <dgm:scene3d>
+      <a:camera prst="orthographicFront"/>
+      <a:lightRig rig="threePt" dir="t"/>
+    </dgm:scene3d>
+    <dgm:sp3d/>
+    <dgm:txPr/>
+    <dgm:style>
+      <a:lnRef idx="2">
+        <a:scrgbClr r="0" g="0" b="0"/>
+      </a:lnRef>
+      <a:fillRef idx="1">
+        <a:scrgbClr r="0" g="0" b="0"/>
+      </a:fillRef>
+      <a:effectRef idx="0">
+        <a:scrgbClr r="0" g="0" b="0"/>
+      </a:effectRef>
+      <a:fontRef idx="minor"/>
+    </dgm:style>
+  </dgm:styleLbl>
+  <dgm:styleLbl name="revTx">
+    <dgm:scene3d>
+      <a:camera prst="orthographicFront"/>
+      <a:lightRig rig="threePt" dir="t"/>
+    </dgm:scene3d>
+    <dgm:sp3d/>
+    <dgm:txPr/>
+    <dgm:style>
+      <a:lnRef idx="0">
+        <a:scrgbClr r="0" g="0" b="0"/>
+      </a:lnRef>
+      <a:fillRef idx="0">
+        <a:scrgbClr r="0" g="0" b="0"/>
+      </a:fillRef>
+      <a:effectRef idx="0">
+        <a:scrgbClr r="0" g="0" b="0"/>
+      </a:effectRef>
+      <a:fontRef idx="minor"/>
+    </dgm:style>
+  </dgm:styleLbl>
+</dgm:styleDef>
+</file>
+
 <file path=ppt/slideLayouts/slideLayout1.xml><?xml version="1.0" encoding="utf-8"?>
 <p:sldLayout xmlns:a="http://schemas.openxmlformats.org/drawingml/2006/main" xmlns:r="http://schemas.openxmlformats.org/officeDocument/2006/relationships" xmlns:p="http://schemas.openxmlformats.org/presentationml/2006/main" type="title" preserve="1">
   <p:cSld name="Title Slide">
@@ -249,7 +5012,7 @@
           <a:p>
             <a:fld id="{9EA66E64-07EC-4BAA-9F85-F56BD96B36B0}" type="datetimeFigureOut">
               <a:rPr lang="pt-PT" smtClean="0"/>
-              <a:t>25/11/2021</a:t>
+              <a:t>27/11/2021</a:t>
             </a:fld>
             <a:endParaRPr lang="pt-PT"/>
           </a:p>
@@ -536,7 +5299,7 @@
           <a:p>
             <a:fld id="{9EA66E64-07EC-4BAA-9F85-F56BD96B36B0}" type="datetimeFigureOut">
               <a:rPr lang="pt-PT" smtClean="0"/>
-              <a:t>25/11/2021</a:t>
+              <a:t>27/11/2021</a:t>
             </a:fld>
             <a:endParaRPr lang="pt-PT"/>
           </a:p>
@@ -728,7 +5491,7 @@
           <a:p>
             <a:fld id="{9EA66E64-07EC-4BAA-9F85-F56BD96B36B0}" type="datetimeFigureOut">
               <a:rPr lang="pt-PT" smtClean="0"/>
-              <a:t>25/11/2021</a:t>
+              <a:t>27/11/2021</a:t>
             </a:fld>
             <a:endParaRPr lang="pt-PT"/>
           </a:p>
@@ -989,7 +5752,7 @@
           <a:p>
             <a:fld id="{9EA66E64-07EC-4BAA-9F85-F56BD96B36B0}" type="datetimeFigureOut">
               <a:rPr lang="pt-PT" smtClean="0"/>
-              <a:t>25/11/2021</a:t>
+              <a:t>27/11/2021</a:t>
             </a:fld>
             <a:endParaRPr lang="pt-PT"/>
           </a:p>
@@ -1413,7 +6176,7 @@
           <a:p>
             <a:fld id="{9EA66E64-07EC-4BAA-9F85-F56BD96B36B0}" type="datetimeFigureOut">
               <a:rPr lang="pt-PT" smtClean="0"/>
-              <a:t>25/11/2021</a:t>
+              <a:t>27/11/2021</a:t>
             </a:fld>
             <a:endParaRPr lang="pt-PT"/>
           </a:p>
@@ -1959,7 +6722,7 @@
           <a:p>
             <a:fld id="{9EA66E64-07EC-4BAA-9F85-F56BD96B36B0}" type="datetimeFigureOut">
               <a:rPr lang="pt-PT" smtClean="0"/>
-              <a:t>25/11/2021</a:t>
+              <a:t>27/11/2021</a:t>
             </a:fld>
             <a:endParaRPr lang="pt-PT"/>
           </a:p>
@@ -2799,7 +7562,7 @@
           <a:p>
             <a:fld id="{9EA66E64-07EC-4BAA-9F85-F56BD96B36B0}" type="datetimeFigureOut">
               <a:rPr lang="pt-PT" smtClean="0"/>
-              <a:t>25/11/2021</a:t>
+              <a:t>27/11/2021</a:t>
             </a:fld>
             <a:endParaRPr lang="pt-PT"/>
           </a:p>
@@ -2969,7 +7732,7 @@
           <a:p>
             <a:fld id="{9EA66E64-07EC-4BAA-9F85-F56BD96B36B0}" type="datetimeFigureOut">
               <a:rPr lang="pt-PT" smtClean="0"/>
-              <a:t>25/11/2021</a:t>
+              <a:t>27/11/2021</a:t>
             </a:fld>
             <a:endParaRPr lang="pt-PT"/>
           </a:p>
@@ -3153,7 +7916,7 @@
           <a:p>
             <a:fld id="{9EA66E64-07EC-4BAA-9F85-F56BD96B36B0}" type="datetimeFigureOut">
               <a:rPr lang="pt-PT" smtClean="0"/>
-              <a:t>25/11/2021</a:t>
+              <a:t>27/11/2021</a:t>
             </a:fld>
             <a:endParaRPr lang="pt-PT"/>
           </a:p>
@@ -3323,7 +8086,7 @@
           <a:p>
             <a:fld id="{9EA66E64-07EC-4BAA-9F85-F56BD96B36B0}" type="datetimeFigureOut">
               <a:rPr lang="pt-PT" smtClean="0"/>
-              <a:t>25/11/2021</a:t>
+              <a:t>27/11/2021</a:t>
             </a:fld>
             <a:endParaRPr lang="pt-PT"/>
           </a:p>
@@ -3571,7 +8334,7 @@
           <a:p>
             <a:fld id="{9EA66E64-07EC-4BAA-9F85-F56BD96B36B0}" type="datetimeFigureOut">
               <a:rPr lang="pt-PT" smtClean="0"/>
-              <a:t>25/11/2021</a:t>
+              <a:t>27/11/2021</a:t>
             </a:fld>
             <a:endParaRPr lang="pt-PT"/>
           </a:p>
@@ -3808,7 +8571,7 @@
           <a:p>
             <a:fld id="{9EA66E64-07EC-4BAA-9F85-F56BD96B36B0}" type="datetimeFigureOut">
               <a:rPr lang="pt-PT" smtClean="0"/>
-              <a:t>25/11/2021</a:t>
+              <a:t>27/11/2021</a:t>
             </a:fld>
             <a:endParaRPr lang="pt-PT"/>
           </a:p>
@@ -4181,7 +8944,7 @@
           <a:p>
             <a:fld id="{9EA66E64-07EC-4BAA-9F85-F56BD96B36B0}" type="datetimeFigureOut">
               <a:rPr lang="pt-PT" smtClean="0"/>
-              <a:t>25/11/2021</a:t>
+              <a:t>27/11/2021</a:t>
             </a:fld>
             <a:endParaRPr lang="pt-PT"/>
           </a:p>
@@ -4299,7 +9062,7 @@
           <a:p>
             <a:fld id="{9EA66E64-07EC-4BAA-9F85-F56BD96B36B0}" type="datetimeFigureOut">
               <a:rPr lang="pt-PT" smtClean="0"/>
-              <a:t>25/11/2021</a:t>
+              <a:t>27/11/2021</a:t>
             </a:fld>
             <a:endParaRPr lang="pt-PT"/>
           </a:p>
@@ -4394,7 +9157,7 @@
           <a:p>
             <a:fld id="{9EA66E64-07EC-4BAA-9F85-F56BD96B36B0}" type="datetimeFigureOut">
               <a:rPr lang="pt-PT" smtClean="0"/>
-              <a:t>25/11/2021</a:t>
+              <a:t>27/11/2021</a:t>
             </a:fld>
             <a:endParaRPr lang="pt-PT"/>
           </a:p>
@@ -4645,7 +9408,7 @@
           <a:p>
             <a:fld id="{9EA66E64-07EC-4BAA-9F85-F56BD96B36B0}" type="datetimeFigureOut">
               <a:rPr lang="pt-PT" smtClean="0"/>
-              <a:t>25/11/2021</a:t>
+              <a:t>27/11/2021</a:t>
             </a:fld>
             <a:endParaRPr lang="pt-PT"/>
           </a:p>
@@ -4932,7 +9695,7 @@
           <a:p>
             <a:fld id="{9EA66E64-07EC-4BAA-9F85-F56BD96B36B0}" type="datetimeFigureOut">
               <a:rPr lang="pt-PT" smtClean="0"/>
-              <a:t>25/11/2021</a:t>
+              <a:t>27/11/2021</a:t>
             </a:fld>
             <a:endParaRPr lang="pt-PT"/>
           </a:p>
@@ -5145,7 +9908,7 @@
           <a:p>
             <a:fld id="{9EA66E64-07EC-4BAA-9F85-F56BD96B36B0}" type="datetimeFigureOut">
               <a:rPr lang="pt-PT" smtClean="0"/>
-              <a:t>25/11/2021</a:t>
+              <a:t>27/11/2021</a:t>
             </a:fld>
             <a:endParaRPr lang="pt-PT"/>
           </a:p>
@@ -5702,7 +10465,23 @@
           <a:p>
             <a:r>
               <a:rPr lang="pt-PT" dirty="0"/>
-              <a:t>Project 1.</a:t>
+              <a:t>Project I – Masters in Creative </a:t>
+            </a:r>
+            <a:r>
+              <a:rPr lang="pt-PT" dirty="0" err="1"/>
+              <a:t>Computing</a:t>
+            </a:r>
+            <a:r>
+              <a:rPr lang="pt-PT" dirty="0"/>
+              <a:t> </a:t>
+            </a:r>
+            <a:r>
+              <a:rPr lang="pt-PT" dirty="0" err="1"/>
+              <a:t>and</a:t>
+            </a:r>
+            <a:r>
+              <a:rPr lang="pt-PT" dirty="0"/>
+              <a:t> AI</a:t>
             </a:r>
           </a:p>
           <a:p>
@@ -5717,10 +10496,1040 @@
           </a:p>
         </p:txBody>
       </p:sp>
+      <p:pic>
+        <p:nvPicPr>
+          <p:cNvPr id="4" name="Picture 3" descr="ue-iade-h75">
+            <a:extLst>
+              <a:ext uri="{FF2B5EF4-FFF2-40B4-BE49-F238E27FC236}">
+                <a16:creationId xmlns:a16="http://schemas.microsoft.com/office/drawing/2014/main" id="{8DE3D403-B405-4C67-86B4-7FB5B4096341}"/>
+              </a:ext>
+            </a:extLst>
+          </p:cNvPr>
+          <p:cNvPicPr>
+            <a:picLocks noChangeAspect="1" noChangeArrowheads="1"/>
+          </p:cNvPicPr>
+          <p:nvPr/>
+        </p:nvPicPr>
+        <p:blipFill>
+          <a:blip r:embed="rId2">
+            <a:extLst>
+              <a:ext uri="{28A0092B-C50C-407E-A947-70E740481C1C}">
+                <a14:useLocalDpi xmlns:a14="http://schemas.microsoft.com/office/drawing/2010/main" val="0"/>
+              </a:ext>
+            </a:extLst>
+          </a:blip>
+          <a:srcRect/>
+          <a:stretch>
+            <a:fillRect/>
+          </a:stretch>
+        </p:blipFill>
+        <p:spPr bwMode="auto">
+          <a:xfrm>
+            <a:off x="7962900" y="30163"/>
+            <a:ext cx="4229100" cy="1000125"/>
+          </a:xfrm>
+          <a:prstGeom prst="rect">
+            <a:avLst/>
+          </a:prstGeom>
+          <a:noFill/>
+          <a:extLst>
+            <a:ext uri="{909E8E84-426E-40DD-AFC4-6F175D3DCCD1}">
+              <a14:hiddenFill xmlns:a14="http://schemas.microsoft.com/office/drawing/2010/main">
+                <a:solidFill>
+                  <a:srgbClr val="FFFFFF"/>
+                </a:solidFill>
+              </a14:hiddenFill>
+            </a:ext>
+          </a:extLst>
+        </p:spPr>
+      </p:pic>
     </p:spTree>
     <p:extLst>
       <p:ext uri="{BB962C8B-B14F-4D97-AF65-F5344CB8AC3E}">
         <p14:creationId xmlns:p14="http://schemas.microsoft.com/office/powerpoint/2010/main" val="3765471500"/>
+      </p:ext>
+    </p:extLst>
+  </p:cSld>
+  <p:clrMapOvr>
+    <a:masterClrMapping/>
+  </p:clrMapOvr>
+</p:sld>
+</file>
+
+<file path=ppt/slides/slide10.xml><?xml version="1.0" encoding="utf-8"?>
+<p:sld xmlns:a="http://schemas.openxmlformats.org/drawingml/2006/main" xmlns:r="http://schemas.openxmlformats.org/officeDocument/2006/relationships" xmlns:p="http://schemas.openxmlformats.org/presentationml/2006/main">
+  <p:cSld>
+    <p:spTree>
+      <p:nvGrpSpPr>
+        <p:cNvPr id="1" name=""/>
+        <p:cNvGrpSpPr/>
+        <p:nvPr/>
+      </p:nvGrpSpPr>
+      <p:grpSpPr>
+        <a:xfrm>
+          <a:off x="0" y="0"/>
+          <a:ext cx="0" cy="0"/>
+          <a:chOff x="0" y="0"/>
+          <a:chExt cx="0" cy="0"/>
+        </a:xfrm>
+      </p:grpSpPr>
+      <p:sp>
+        <p:nvSpPr>
+          <p:cNvPr id="2" name="Title 1">
+            <a:extLst>
+              <a:ext uri="{FF2B5EF4-FFF2-40B4-BE49-F238E27FC236}">
+                <a16:creationId xmlns:a16="http://schemas.microsoft.com/office/drawing/2014/main" id="{B2E5C39E-81BC-493B-A0B1-5CC84380D398}"/>
+              </a:ext>
+            </a:extLst>
+          </p:cNvPr>
+          <p:cNvSpPr>
+            <a:spLocks noGrp="1"/>
+          </p:cNvSpPr>
+          <p:nvPr>
+            <p:ph type="title"/>
+          </p:nvPr>
+        </p:nvSpPr>
+        <p:spPr/>
+        <p:txBody>
+          <a:bodyPr/>
+          <a:lstStyle/>
+          <a:p>
+            <a:r>
+              <a:rPr lang="en-GB" dirty="0"/>
+              <a:t>System structure - AI module</a:t>
+            </a:r>
+          </a:p>
+        </p:txBody>
+      </p:sp>
+      <p:sp>
+        <p:nvSpPr>
+          <p:cNvPr id="3" name="Content Placeholder 2">
+            <a:extLst>
+              <a:ext uri="{FF2B5EF4-FFF2-40B4-BE49-F238E27FC236}">
+                <a16:creationId xmlns:a16="http://schemas.microsoft.com/office/drawing/2014/main" id="{B66FD13C-6A87-4FB5-AA56-2BEF75247E16}"/>
+              </a:ext>
+            </a:extLst>
+          </p:cNvPr>
+          <p:cNvSpPr>
+            <a:spLocks noGrp="1"/>
+          </p:cNvSpPr>
+          <p:nvPr>
+            <p:ph idx="1"/>
+          </p:nvPr>
+        </p:nvSpPr>
+        <p:spPr/>
+        <p:txBody>
+          <a:bodyPr>
+            <a:normAutofit/>
+          </a:bodyPr>
+          <a:lstStyle/>
+          <a:p>
+            <a:r>
+              <a:rPr lang="en-GB" sz="2400" dirty="0"/>
+              <a:t>Will be created an intelligent agent to decide if the sound sensor reading is going to be considered an stressful or not stressful situation by the creative module.</a:t>
+            </a:r>
+          </a:p>
+          <a:p>
+            <a:r>
+              <a:rPr lang="en-GB" sz="2400" dirty="0"/>
+              <a:t>The JS library tau-</a:t>
+            </a:r>
+            <a:r>
+              <a:rPr lang="en-GB" sz="2400" dirty="0" err="1"/>
+              <a:t>prolog</a:t>
+            </a:r>
+            <a:r>
+              <a:rPr lang="en-GB" sz="2400" dirty="0"/>
+              <a:t> (available in </a:t>
+            </a:r>
+            <a:r>
+              <a:rPr lang="en-GB" sz="2400" dirty="0">
+                <a:hlinkClick r:id="rId2"/>
+              </a:rPr>
+              <a:t>http://tau-prolog.org/</a:t>
+            </a:r>
+            <a:r>
+              <a:rPr lang="en-GB" sz="2400" dirty="0"/>
+              <a:t>) will be used to build the agent in order to better integrate with the creative module.</a:t>
+            </a:r>
+          </a:p>
+        </p:txBody>
+      </p:sp>
+    </p:spTree>
+    <p:extLst>
+      <p:ext uri="{BB962C8B-B14F-4D97-AF65-F5344CB8AC3E}">
+        <p14:creationId xmlns:p14="http://schemas.microsoft.com/office/powerpoint/2010/main" val="1222903162"/>
+      </p:ext>
+    </p:extLst>
+  </p:cSld>
+  <p:clrMapOvr>
+    <a:masterClrMapping/>
+  </p:clrMapOvr>
+</p:sld>
+</file>
+
+<file path=ppt/slides/slide11.xml><?xml version="1.0" encoding="utf-8"?>
+<p:sld xmlns:a="http://schemas.openxmlformats.org/drawingml/2006/main" xmlns:r="http://schemas.openxmlformats.org/officeDocument/2006/relationships" xmlns:p="http://schemas.openxmlformats.org/presentationml/2006/main">
+  <p:cSld>
+    <p:spTree>
+      <p:nvGrpSpPr>
+        <p:cNvPr id="1" name=""/>
+        <p:cNvGrpSpPr/>
+        <p:nvPr/>
+      </p:nvGrpSpPr>
+      <p:grpSpPr>
+        <a:xfrm>
+          <a:off x="0" y="0"/>
+          <a:ext cx="0" cy="0"/>
+          <a:chOff x="0" y="0"/>
+          <a:chExt cx="0" cy="0"/>
+        </a:xfrm>
+      </p:grpSpPr>
+      <p:sp>
+        <p:nvSpPr>
+          <p:cNvPr id="2" name="Title 1">
+            <a:extLst>
+              <a:ext uri="{FF2B5EF4-FFF2-40B4-BE49-F238E27FC236}">
+                <a16:creationId xmlns:a16="http://schemas.microsoft.com/office/drawing/2014/main" id="{B2E5C39E-81BC-493B-A0B1-5CC84380D398}"/>
+              </a:ext>
+            </a:extLst>
+          </p:cNvPr>
+          <p:cNvSpPr>
+            <a:spLocks noGrp="1"/>
+          </p:cNvSpPr>
+          <p:nvPr>
+            <p:ph type="title"/>
+          </p:nvPr>
+        </p:nvSpPr>
+        <p:spPr/>
+        <p:txBody>
+          <a:bodyPr/>
+          <a:lstStyle/>
+          <a:p>
+            <a:r>
+              <a:rPr lang="en-GB" dirty="0"/>
+              <a:t>System structure - AI module</a:t>
+            </a:r>
+          </a:p>
+        </p:txBody>
+      </p:sp>
+      <p:sp>
+        <p:nvSpPr>
+          <p:cNvPr id="3" name="Content Placeholder 2">
+            <a:extLst>
+              <a:ext uri="{FF2B5EF4-FFF2-40B4-BE49-F238E27FC236}">
+                <a16:creationId xmlns:a16="http://schemas.microsoft.com/office/drawing/2014/main" id="{B66FD13C-6A87-4FB5-AA56-2BEF75247E16}"/>
+              </a:ext>
+            </a:extLst>
+          </p:cNvPr>
+          <p:cNvSpPr>
+            <a:spLocks noGrp="1"/>
+          </p:cNvSpPr>
+          <p:nvPr>
+            <p:ph idx="1"/>
+          </p:nvPr>
+        </p:nvSpPr>
+        <p:spPr/>
+        <p:txBody>
+          <a:bodyPr>
+            <a:normAutofit/>
+          </a:bodyPr>
+          <a:lstStyle/>
+          <a:p>
+            <a:r>
+              <a:rPr lang="en-GB" sz="2400" dirty="0"/>
+              <a:t>The inputs for the agent will be:</a:t>
+            </a:r>
+          </a:p>
+          <a:p>
+            <a:pPr lvl="1"/>
+            <a:r>
+              <a:rPr lang="en-GB" sz="2200" dirty="0"/>
+              <a:t>Sound readings grouped by time period;</a:t>
+            </a:r>
+          </a:p>
+          <a:p>
+            <a:pPr lvl="1"/>
+            <a:r>
+              <a:rPr lang="en-GB" sz="2200" dirty="0"/>
+              <a:t>Input made by the users about their perception.</a:t>
+            </a:r>
+          </a:p>
+          <a:p>
+            <a:r>
+              <a:rPr lang="en-GB" sz="2400" dirty="0"/>
+              <a:t>The agent will compare maximum amplitudes with the averages and determine the level of sound intermittency. This intermittency level, calibrated by the user perception, will define the periods with more stress.</a:t>
+            </a:r>
+          </a:p>
+        </p:txBody>
+      </p:sp>
+    </p:spTree>
+    <p:extLst>
+      <p:ext uri="{BB962C8B-B14F-4D97-AF65-F5344CB8AC3E}">
+        <p14:creationId xmlns:p14="http://schemas.microsoft.com/office/powerpoint/2010/main" val="2599456904"/>
+      </p:ext>
+    </p:extLst>
+  </p:cSld>
+  <p:clrMapOvr>
+    <a:masterClrMapping/>
+  </p:clrMapOvr>
+</p:sld>
+</file>
+
+<file path=ppt/slides/slide12.xml><?xml version="1.0" encoding="utf-8"?>
+<p:sld xmlns:a="http://schemas.openxmlformats.org/drawingml/2006/main" xmlns:r="http://schemas.openxmlformats.org/officeDocument/2006/relationships" xmlns:p="http://schemas.openxmlformats.org/presentationml/2006/main">
+  <p:cSld>
+    <p:spTree>
+      <p:nvGrpSpPr>
+        <p:cNvPr id="1" name=""/>
+        <p:cNvGrpSpPr/>
+        <p:nvPr/>
+      </p:nvGrpSpPr>
+      <p:grpSpPr>
+        <a:xfrm>
+          <a:off x="0" y="0"/>
+          <a:ext cx="0" cy="0"/>
+          <a:chOff x="0" y="0"/>
+          <a:chExt cx="0" cy="0"/>
+        </a:xfrm>
+      </p:grpSpPr>
+      <p:sp>
+        <p:nvSpPr>
+          <p:cNvPr id="2" name="Title 1">
+            <a:extLst>
+              <a:ext uri="{FF2B5EF4-FFF2-40B4-BE49-F238E27FC236}">
+                <a16:creationId xmlns:a16="http://schemas.microsoft.com/office/drawing/2014/main" id="{B2E5C39E-81BC-493B-A0B1-5CC84380D398}"/>
+              </a:ext>
+            </a:extLst>
+          </p:cNvPr>
+          <p:cNvSpPr>
+            <a:spLocks noGrp="1"/>
+          </p:cNvSpPr>
+          <p:nvPr>
+            <p:ph type="title"/>
+          </p:nvPr>
+        </p:nvSpPr>
+        <p:spPr/>
+        <p:txBody>
+          <a:bodyPr/>
+          <a:lstStyle/>
+          <a:p>
+            <a:r>
+              <a:rPr lang="en-GB" dirty="0"/>
+              <a:t>System structure – CC Module</a:t>
+            </a:r>
+          </a:p>
+        </p:txBody>
+      </p:sp>
+      <p:sp>
+        <p:nvSpPr>
+          <p:cNvPr id="3" name="Content Placeholder 2">
+            <a:extLst>
+              <a:ext uri="{FF2B5EF4-FFF2-40B4-BE49-F238E27FC236}">
+                <a16:creationId xmlns:a16="http://schemas.microsoft.com/office/drawing/2014/main" id="{B66FD13C-6A87-4FB5-AA56-2BEF75247E16}"/>
+              </a:ext>
+            </a:extLst>
+          </p:cNvPr>
+          <p:cNvSpPr>
+            <a:spLocks noGrp="1"/>
+          </p:cNvSpPr>
+          <p:nvPr>
+            <p:ph idx="1"/>
+          </p:nvPr>
+        </p:nvSpPr>
+        <p:spPr/>
+        <p:txBody>
+          <a:bodyPr>
+            <a:normAutofit/>
+          </a:bodyPr>
+          <a:lstStyle/>
+          <a:p>
+            <a:r>
+              <a:rPr lang="en-US" sz="2400" dirty="0"/>
+              <a:t>Use of generative art techniques to create an output based on the input data that represents the user’s environment mood on that period of time.</a:t>
+            </a:r>
+          </a:p>
+          <a:p>
+            <a:r>
+              <a:rPr lang="en-US" sz="2400" dirty="0"/>
+              <a:t>The animation will be an stylized particle system influenced by 2 dimensions: </a:t>
+            </a:r>
+          </a:p>
+          <a:p>
+            <a:pPr lvl="1"/>
+            <a:r>
+              <a:rPr lang="en-US" sz="2400" dirty="0"/>
+              <a:t>The maximum amplitudes will define the agitation of the particles;</a:t>
+            </a:r>
+          </a:p>
+          <a:p>
+            <a:pPr lvl="1"/>
+            <a:r>
+              <a:rPr lang="en-US" sz="2400" dirty="0"/>
+              <a:t>The stress level returned by the intelligent agent will “heat” the color gradient.</a:t>
+            </a:r>
+            <a:r>
+              <a:rPr kumimoji="0" lang="en-US" sz="2400" b="0" i="0" u="none" strike="noStrike" kern="1200" cap="none" spc="0" normalizeH="0" baseline="0" noProof="0" dirty="0">
+                <a:ln>
+                  <a:noFill/>
+                </a:ln>
+                <a:solidFill>
+                  <a:prstClr val="white"/>
+                </a:solidFill>
+                <a:effectLst>
+                  <a:outerShdw blurRad="50800" dist="38100" dir="2700000" algn="tl" rotWithShape="0">
+                    <a:srgbClr val="000000">
+                      <a:alpha val="48000"/>
+                    </a:srgbClr>
+                  </a:outerShdw>
+                </a:effectLst>
+                <a:uLnTx/>
+                <a:uFillTx/>
+                <a:latin typeface="Calibri" panose="020F0502020204030204"/>
+                <a:ea typeface="+mn-ea"/>
+                <a:cs typeface="+mn-cs"/>
+              </a:rPr>
+              <a:t> </a:t>
+            </a:r>
+          </a:p>
+          <a:p>
+            <a:pPr marL="457200" lvl="1" indent="0">
+              <a:buNone/>
+            </a:pPr>
+            <a:endParaRPr lang="en-GB" sz="2200" dirty="0"/>
+          </a:p>
+        </p:txBody>
+      </p:sp>
+      <p:sp>
+        <p:nvSpPr>
+          <p:cNvPr id="4" name="Rectangle 1">
+            <a:extLst>
+              <a:ext uri="{FF2B5EF4-FFF2-40B4-BE49-F238E27FC236}">
+                <a16:creationId xmlns:a16="http://schemas.microsoft.com/office/drawing/2014/main" id="{D495E13F-DBCE-4D14-84B9-D3FB883E3DA9}"/>
+              </a:ext>
+            </a:extLst>
+          </p:cNvPr>
+          <p:cNvSpPr>
+            <a:spLocks noChangeArrowheads="1"/>
+          </p:cNvSpPr>
+          <p:nvPr/>
+        </p:nvSpPr>
+        <p:spPr bwMode="auto">
+          <a:xfrm>
+            <a:off x="0" y="0"/>
+            <a:ext cx="12192000" cy="457200"/>
+          </a:xfrm>
+          <a:prstGeom prst="rect">
+            <a:avLst/>
+          </a:prstGeom>
+          <a:solidFill>
+            <a:srgbClr val="F8F9FA"/>
+          </a:solidFill>
+          <a:ln>
+            <a:noFill/>
+          </a:ln>
+          <a:effectLst/>
+          <a:extLst>
+            <a:ext uri="{91240B29-F687-4F45-9708-019B960494DF}">
+              <a14:hiddenLine xmlns:a14="http://schemas.microsoft.com/office/drawing/2010/main" w="9525">
+                <a:solidFill>
+                  <a:schemeClr val="tx1"/>
+                </a:solidFill>
+                <a:miter lim="800000"/>
+                <a:headEnd/>
+                <a:tailEnd/>
+              </a14:hiddenLine>
+            </a:ext>
+            <a:ext uri="{AF507438-7753-43E0-B8FC-AC1667EBCBE1}">
+              <a14:hiddenEffects xmlns:a14="http://schemas.microsoft.com/office/drawing/2010/main">
+                <a:effectLst>
+                  <a:outerShdw dist="35921" dir="2700000" algn="ctr" rotWithShape="0">
+                    <a:schemeClr val="bg2"/>
+                  </a:outerShdw>
+                </a:effectLst>
+              </a14:hiddenEffects>
+            </a:ext>
+          </a:extLst>
+        </p:spPr>
+        <p:txBody>
+          <a:bodyPr vert="horz" wrap="none" lIns="0" tIns="-12696" rIns="0" bIns="-12696" numCol="1" anchor="ctr" anchorCtr="0" compatLnSpc="1">
+            <a:prstTxWarp prst="textNoShape">
+              <a:avLst/>
+            </a:prstTxWarp>
+            <a:spAutoFit/>
+          </a:bodyPr>
+          <a:lstStyle/>
+          <a:p>
+            <a:pPr marL="0" marR="0" lvl="0" indent="0" algn="l" defTabSz="914400" rtl="0" eaLnBrk="0" fontAlgn="base" latinLnBrk="0" hangingPunct="0">
+              <a:lnSpc>
+                <a:spcPct val="100000"/>
+              </a:lnSpc>
+              <a:spcBef>
+                <a:spcPct val="0"/>
+              </a:spcBef>
+              <a:spcAft>
+                <a:spcPct val="0"/>
+              </a:spcAft>
+              <a:buClrTx/>
+              <a:buSzTx/>
+              <a:buFontTx/>
+              <a:buNone/>
+              <a:tabLst/>
+            </a:pPr>
+            <a:r>
+              <a:rPr kumimoji="0" lang="pt-PT" altLang="pt-PT" sz="2100" b="0" i="0" u="none" strike="noStrike" cap="none" normalizeH="0" baseline="0">
+                <a:ln>
+                  <a:noFill/>
+                </a:ln>
+                <a:solidFill>
+                  <a:srgbClr val="202124"/>
+                </a:solidFill>
+                <a:effectLst/>
+                <a:latin typeface="inherit"/>
+              </a:rPr>
+              <a:t>influenced</a:t>
+            </a:r>
+            <a:r>
+              <a:rPr kumimoji="0" lang="pt-PT" altLang="pt-PT" sz="800" b="0" i="0" u="none" strike="noStrike" cap="none" normalizeH="0" baseline="0">
+                <a:ln>
+                  <a:noFill/>
+                </a:ln>
+                <a:solidFill>
+                  <a:schemeClr val="tx1"/>
+                </a:solidFill>
+                <a:effectLst/>
+              </a:rPr>
+              <a:t> </a:t>
+            </a:r>
+            <a:endParaRPr kumimoji="0" lang="pt-PT" altLang="pt-PT" sz="1800" b="0" i="0" u="none" strike="noStrike" cap="none" normalizeH="0" baseline="0">
+              <a:ln>
+                <a:noFill/>
+              </a:ln>
+              <a:solidFill>
+                <a:schemeClr val="tx1"/>
+              </a:solidFill>
+              <a:effectLst/>
+              <a:latin typeface="Arial" panose="020B0604020202020204" pitchFamily="34" charset="0"/>
+            </a:endParaRPr>
+          </a:p>
+        </p:txBody>
+      </p:sp>
+    </p:spTree>
+    <p:extLst>
+      <p:ext uri="{BB962C8B-B14F-4D97-AF65-F5344CB8AC3E}">
+        <p14:creationId xmlns:p14="http://schemas.microsoft.com/office/powerpoint/2010/main" val="2884635860"/>
+      </p:ext>
+    </p:extLst>
+  </p:cSld>
+  <p:clrMapOvr>
+    <a:masterClrMapping/>
+  </p:clrMapOvr>
+</p:sld>
+</file>
+
+<file path=ppt/slides/slide13.xml><?xml version="1.0" encoding="utf-8"?>
+<p:sld xmlns:a="http://schemas.openxmlformats.org/drawingml/2006/main" xmlns:r="http://schemas.openxmlformats.org/officeDocument/2006/relationships" xmlns:p="http://schemas.openxmlformats.org/presentationml/2006/main">
+  <p:cSld>
+    <p:spTree>
+      <p:nvGrpSpPr>
+        <p:cNvPr id="1" name=""/>
+        <p:cNvGrpSpPr/>
+        <p:nvPr/>
+      </p:nvGrpSpPr>
+      <p:grpSpPr>
+        <a:xfrm>
+          <a:off x="0" y="0"/>
+          <a:ext cx="0" cy="0"/>
+          <a:chOff x="0" y="0"/>
+          <a:chExt cx="0" cy="0"/>
+        </a:xfrm>
+      </p:grpSpPr>
+      <p:sp>
+        <p:nvSpPr>
+          <p:cNvPr id="2" name="Title 1">
+            <a:extLst>
+              <a:ext uri="{FF2B5EF4-FFF2-40B4-BE49-F238E27FC236}">
+                <a16:creationId xmlns:a16="http://schemas.microsoft.com/office/drawing/2014/main" id="{B2E5C39E-81BC-493B-A0B1-5CC84380D398}"/>
+              </a:ext>
+            </a:extLst>
+          </p:cNvPr>
+          <p:cNvSpPr>
+            <a:spLocks noGrp="1"/>
+          </p:cNvSpPr>
+          <p:nvPr>
+            <p:ph type="title"/>
+          </p:nvPr>
+        </p:nvSpPr>
+        <p:spPr/>
+        <p:txBody>
+          <a:bodyPr/>
+          <a:lstStyle/>
+          <a:p>
+            <a:r>
+              <a:rPr lang="en-GB" dirty="0"/>
+              <a:t>System structure – CC Module</a:t>
+            </a:r>
+          </a:p>
+        </p:txBody>
+      </p:sp>
+      <p:sp>
+        <p:nvSpPr>
+          <p:cNvPr id="3" name="Content Placeholder 2">
+            <a:extLst>
+              <a:ext uri="{FF2B5EF4-FFF2-40B4-BE49-F238E27FC236}">
+                <a16:creationId xmlns:a16="http://schemas.microsoft.com/office/drawing/2014/main" id="{B66FD13C-6A87-4FB5-AA56-2BEF75247E16}"/>
+              </a:ext>
+            </a:extLst>
+          </p:cNvPr>
+          <p:cNvSpPr>
+            <a:spLocks noGrp="1"/>
+          </p:cNvSpPr>
+          <p:nvPr>
+            <p:ph idx="1"/>
+          </p:nvPr>
+        </p:nvSpPr>
+        <p:spPr/>
+        <p:txBody>
+          <a:bodyPr>
+            <a:normAutofit/>
+          </a:bodyPr>
+          <a:lstStyle/>
+          <a:p>
+            <a:r>
+              <a:rPr lang="en-US" sz="2400" dirty="0"/>
+              <a:t>The p5.js (available in </a:t>
+            </a:r>
+            <a:r>
+              <a:rPr lang="en-US" sz="2400" dirty="0">
+                <a:hlinkClick r:id="rId2"/>
+              </a:rPr>
+              <a:t>https://p5js.org/</a:t>
+            </a:r>
+            <a:r>
+              <a:rPr lang="en-US" sz="2400" dirty="0"/>
+              <a:t>) was chosen to implement the creative output animation because the user interaction with the system will be through a web application.</a:t>
+            </a:r>
+          </a:p>
+        </p:txBody>
+      </p:sp>
+      <p:sp>
+        <p:nvSpPr>
+          <p:cNvPr id="4" name="Rectangle 1">
+            <a:extLst>
+              <a:ext uri="{FF2B5EF4-FFF2-40B4-BE49-F238E27FC236}">
+                <a16:creationId xmlns:a16="http://schemas.microsoft.com/office/drawing/2014/main" id="{D495E13F-DBCE-4D14-84B9-D3FB883E3DA9}"/>
+              </a:ext>
+            </a:extLst>
+          </p:cNvPr>
+          <p:cNvSpPr>
+            <a:spLocks noChangeArrowheads="1"/>
+          </p:cNvSpPr>
+          <p:nvPr/>
+        </p:nvSpPr>
+        <p:spPr bwMode="auto">
+          <a:xfrm>
+            <a:off x="0" y="0"/>
+            <a:ext cx="12192000" cy="457200"/>
+          </a:xfrm>
+          <a:prstGeom prst="rect">
+            <a:avLst/>
+          </a:prstGeom>
+          <a:solidFill>
+            <a:srgbClr val="F8F9FA"/>
+          </a:solidFill>
+          <a:ln>
+            <a:noFill/>
+          </a:ln>
+          <a:effectLst/>
+          <a:extLst>
+            <a:ext uri="{91240B29-F687-4F45-9708-019B960494DF}">
+              <a14:hiddenLine xmlns:a14="http://schemas.microsoft.com/office/drawing/2010/main" w="9525">
+                <a:solidFill>
+                  <a:schemeClr val="tx1"/>
+                </a:solidFill>
+                <a:miter lim="800000"/>
+                <a:headEnd/>
+                <a:tailEnd/>
+              </a14:hiddenLine>
+            </a:ext>
+            <a:ext uri="{AF507438-7753-43E0-B8FC-AC1667EBCBE1}">
+              <a14:hiddenEffects xmlns:a14="http://schemas.microsoft.com/office/drawing/2010/main">
+                <a:effectLst>
+                  <a:outerShdw dist="35921" dir="2700000" algn="ctr" rotWithShape="0">
+                    <a:schemeClr val="bg2"/>
+                  </a:outerShdw>
+                </a:effectLst>
+              </a14:hiddenEffects>
+            </a:ext>
+          </a:extLst>
+        </p:spPr>
+        <p:txBody>
+          <a:bodyPr vert="horz" wrap="none" lIns="0" tIns="-12696" rIns="0" bIns="-12696" numCol="1" anchor="ctr" anchorCtr="0" compatLnSpc="1">
+            <a:prstTxWarp prst="textNoShape">
+              <a:avLst/>
+            </a:prstTxWarp>
+            <a:spAutoFit/>
+          </a:bodyPr>
+          <a:lstStyle/>
+          <a:p>
+            <a:pPr marL="0" marR="0" lvl="0" indent="0" algn="l" defTabSz="914400" rtl="0" eaLnBrk="0" fontAlgn="base" latinLnBrk="0" hangingPunct="0">
+              <a:lnSpc>
+                <a:spcPct val="100000"/>
+              </a:lnSpc>
+              <a:spcBef>
+                <a:spcPct val="0"/>
+              </a:spcBef>
+              <a:spcAft>
+                <a:spcPct val="0"/>
+              </a:spcAft>
+              <a:buClrTx/>
+              <a:buSzTx/>
+              <a:buFontTx/>
+              <a:buNone/>
+              <a:tabLst/>
+            </a:pPr>
+            <a:r>
+              <a:rPr kumimoji="0" lang="pt-PT" altLang="pt-PT" sz="2100" b="0" i="0" u="none" strike="noStrike" cap="none" normalizeH="0" baseline="0">
+                <a:ln>
+                  <a:noFill/>
+                </a:ln>
+                <a:solidFill>
+                  <a:srgbClr val="202124"/>
+                </a:solidFill>
+                <a:effectLst/>
+                <a:latin typeface="inherit"/>
+              </a:rPr>
+              <a:t>influenced</a:t>
+            </a:r>
+            <a:r>
+              <a:rPr kumimoji="0" lang="pt-PT" altLang="pt-PT" sz="800" b="0" i="0" u="none" strike="noStrike" cap="none" normalizeH="0" baseline="0">
+                <a:ln>
+                  <a:noFill/>
+                </a:ln>
+                <a:solidFill>
+                  <a:schemeClr val="tx1"/>
+                </a:solidFill>
+                <a:effectLst/>
+              </a:rPr>
+              <a:t> </a:t>
+            </a:r>
+            <a:endParaRPr kumimoji="0" lang="pt-PT" altLang="pt-PT" sz="1800" b="0" i="0" u="none" strike="noStrike" cap="none" normalizeH="0" baseline="0">
+              <a:ln>
+                <a:noFill/>
+              </a:ln>
+              <a:solidFill>
+                <a:schemeClr val="tx1"/>
+              </a:solidFill>
+              <a:effectLst/>
+              <a:latin typeface="Arial" panose="020B0604020202020204" pitchFamily="34" charset="0"/>
+            </a:endParaRPr>
+          </a:p>
+        </p:txBody>
+      </p:sp>
+    </p:spTree>
+    <p:extLst>
+      <p:ext uri="{BB962C8B-B14F-4D97-AF65-F5344CB8AC3E}">
+        <p14:creationId xmlns:p14="http://schemas.microsoft.com/office/powerpoint/2010/main" val="776968730"/>
+      </p:ext>
+    </p:extLst>
+  </p:cSld>
+  <p:clrMapOvr>
+    <a:masterClrMapping/>
+  </p:clrMapOvr>
+</p:sld>
+</file>
+
+<file path=ppt/slides/slide14.xml><?xml version="1.0" encoding="utf-8"?>
+<p:sld xmlns:a="http://schemas.openxmlformats.org/drawingml/2006/main" xmlns:r="http://schemas.openxmlformats.org/officeDocument/2006/relationships" xmlns:p="http://schemas.openxmlformats.org/presentationml/2006/main">
+  <p:cSld>
+    <p:spTree>
+      <p:nvGrpSpPr>
+        <p:cNvPr id="1" name=""/>
+        <p:cNvGrpSpPr/>
+        <p:nvPr/>
+      </p:nvGrpSpPr>
+      <p:grpSpPr>
+        <a:xfrm>
+          <a:off x="0" y="0"/>
+          <a:ext cx="0" cy="0"/>
+          <a:chOff x="0" y="0"/>
+          <a:chExt cx="0" cy="0"/>
+        </a:xfrm>
+      </p:grpSpPr>
+      <p:sp>
+        <p:nvSpPr>
+          <p:cNvPr id="2" name="Title 1">
+            <a:extLst>
+              <a:ext uri="{FF2B5EF4-FFF2-40B4-BE49-F238E27FC236}">
+                <a16:creationId xmlns:a16="http://schemas.microsoft.com/office/drawing/2014/main" id="{B2E5C39E-81BC-493B-A0B1-5CC84380D398}"/>
+              </a:ext>
+            </a:extLst>
+          </p:cNvPr>
+          <p:cNvSpPr>
+            <a:spLocks noGrp="1"/>
+          </p:cNvSpPr>
+          <p:nvPr>
+            <p:ph type="title"/>
+          </p:nvPr>
+        </p:nvSpPr>
+        <p:spPr/>
+        <p:txBody>
+          <a:bodyPr/>
+          <a:lstStyle/>
+          <a:p>
+            <a:r>
+              <a:rPr lang="en-GB" dirty="0"/>
+              <a:t>System structure – Gamification Module</a:t>
+            </a:r>
+          </a:p>
+        </p:txBody>
+      </p:sp>
+      <p:sp>
+        <p:nvSpPr>
+          <p:cNvPr id="3" name="Content Placeholder 2">
+            <a:extLst>
+              <a:ext uri="{FF2B5EF4-FFF2-40B4-BE49-F238E27FC236}">
+                <a16:creationId xmlns:a16="http://schemas.microsoft.com/office/drawing/2014/main" id="{B66FD13C-6A87-4FB5-AA56-2BEF75247E16}"/>
+              </a:ext>
+            </a:extLst>
+          </p:cNvPr>
+          <p:cNvSpPr>
+            <a:spLocks noGrp="1"/>
+          </p:cNvSpPr>
+          <p:nvPr>
+            <p:ph idx="1"/>
+          </p:nvPr>
+        </p:nvSpPr>
+        <p:spPr/>
+        <p:txBody>
+          <a:bodyPr>
+            <a:normAutofit/>
+          </a:bodyPr>
+          <a:lstStyle/>
+          <a:p>
+            <a:r>
+              <a:rPr lang="en-US" sz="2400" dirty="0"/>
+              <a:t>The gamification module will be implemented with forms on the web application to input the goals and pages to display the completed goals, streaks and users comparation.</a:t>
+            </a:r>
+          </a:p>
+        </p:txBody>
+      </p:sp>
+    </p:spTree>
+    <p:extLst>
+      <p:ext uri="{BB962C8B-B14F-4D97-AF65-F5344CB8AC3E}">
+        <p14:creationId xmlns:p14="http://schemas.microsoft.com/office/powerpoint/2010/main" val="1203159419"/>
+      </p:ext>
+    </p:extLst>
+  </p:cSld>
+  <p:clrMapOvr>
+    <a:masterClrMapping/>
+  </p:clrMapOvr>
+</p:sld>
+</file>
+
+<file path=ppt/slides/slide15.xml><?xml version="1.0" encoding="utf-8"?>
+<p:sld xmlns:a="http://schemas.openxmlformats.org/drawingml/2006/main" xmlns:r="http://schemas.openxmlformats.org/officeDocument/2006/relationships" xmlns:p="http://schemas.openxmlformats.org/presentationml/2006/main">
+  <p:cSld>
+    <p:spTree>
+      <p:nvGrpSpPr>
+        <p:cNvPr id="1" name=""/>
+        <p:cNvGrpSpPr/>
+        <p:nvPr/>
+      </p:nvGrpSpPr>
+      <p:grpSpPr>
+        <a:xfrm>
+          <a:off x="0" y="0"/>
+          <a:ext cx="0" cy="0"/>
+          <a:chOff x="0" y="0"/>
+          <a:chExt cx="0" cy="0"/>
+        </a:xfrm>
+      </p:grpSpPr>
+      <p:sp>
+        <p:nvSpPr>
+          <p:cNvPr id="2" name="Title 1">
+            <a:extLst>
+              <a:ext uri="{FF2B5EF4-FFF2-40B4-BE49-F238E27FC236}">
+                <a16:creationId xmlns:a16="http://schemas.microsoft.com/office/drawing/2014/main" id="{B2E5C39E-81BC-493B-A0B1-5CC84380D398}"/>
+              </a:ext>
+            </a:extLst>
+          </p:cNvPr>
+          <p:cNvSpPr>
+            <a:spLocks noGrp="1"/>
+          </p:cNvSpPr>
+          <p:nvPr>
+            <p:ph type="title"/>
+          </p:nvPr>
+        </p:nvSpPr>
+        <p:spPr/>
+        <p:txBody>
+          <a:bodyPr/>
+          <a:lstStyle/>
+          <a:p>
+            <a:r>
+              <a:rPr lang="en-GB" dirty="0"/>
+              <a:t>conclusions</a:t>
+            </a:r>
+          </a:p>
+        </p:txBody>
+      </p:sp>
+      <p:sp>
+        <p:nvSpPr>
+          <p:cNvPr id="3" name="Content Placeholder 2">
+            <a:extLst>
+              <a:ext uri="{FF2B5EF4-FFF2-40B4-BE49-F238E27FC236}">
+                <a16:creationId xmlns:a16="http://schemas.microsoft.com/office/drawing/2014/main" id="{B66FD13C-6A87-4FB5-AA56-2BEF75247E16}"/>
+              </a:ext>
+            </a:extLst>
+          </p:cNvPr>
+          <p:cNvSpPr>
+            <a:spLocks noGrp="1"/>
+          </p:cNvSpPr>
+          <p:nvPr>
+            <p:ph idx="1"/>
+          </p:nvPr>
+        </p:nvSpPr>
+        <p:spPr/>
+        <p:txBody>
+          <a:bodyPr>
+            <a:normAutofit/>
+          </a:bodyPr>
+          <a:lstStyle/>
+          <a:p>
+            <a:pPr marL="0" indent="0">
+              <a:buNone/>
+            </a:pPr>
+            <a:r>
+              <a:rPr lang="en-US" sz="2400" dirty="0"/>
+              <a:t>	As the world discuss a global epidemic of mental illness, campaigns or experiments to raise awareness about mental health care become important tools to make people reflect about their mental state and seek for help.</a:t>
+            </a:r>
+          </a:p>
+          <a:p>
+            <a:pPr marL="0" indent="0">
+              <a:buNone/>
+            </a:pPr>
+            <a:r>
+              <a:rPr lang="en-US" sz="2400" dirty="0"/>
+              <a:t>	In this cases, awareness and prevention could play a main role on avoiding extreme mental health problems and affecting others on the same environment before seeking for professional help and changing lifestyle.</a:t>
+            </a:r>
+          </a:p>
+          <a:p>
+            <a:pPr marL="0" indent="0">
+              <a:buNone/>
+            </a:pPr>
+            <a:endParaRPr lang="en-US" sz="2400" dirty="0"/>
+          </a:p>
+        </p:txBody>
+      </p:sp>
+    </p:spTree>
+    <p:extLst>
+      <p:ext uri="{BB962C8B-B14F-4D97-AF65-F5344CB8AC3E}">
+        <p14:creationId xmlns:p14="http://schemas.microsoft.com/office/powerpoint/2010/main" val="1692091695"/>
+      </p:ext>
+    </p:extLst>
+  </p:cSld>
+  <p:clrMapOvr>
+    <a:masterClrMapping/>
+  </p:clrMapOvr>
+</p:sld>
+</file>
+
+<file path=ppt/slides/slide16.xml><?xml version="1.0" encoding="utf-8"?>
+<p:sld xmlns:a="http://schemas.openxmlformats.org/drawingml/2006/main" xmlns:r="http://schemas.openxmlformats.org/officeDocument/2006/relationships" xmlns:p="http://schemas.openxmlformats.org/presentationml/2006/main">
+  <p:cSld>
+    <p:spTree>
+      <p:nvGrpSpPr>
+        <p:cNvPr id="1" name=""/>
+        <p:cNvGrpSpPr/>
+        <p:nvPr/>
+      </p:nvGrpSpPr>
+      <p:grpSpPr>
+        <a:xfrm>
+          <a:off x="0" y="0"/>
+          <a:ext cx="0" cy="0"/>
+          <a:chOff x="0" y="0"/>
+          <a:chExt cx="0" cy="0"/>
+        </a:xfrm>
+      </p:grpSpPr>
+      <p:sp>
+        <p:nvSpPr>
+          <p:cNvPr id="2" name="Title 1">
+            <a:extLst>
+              <a:ext uri="{FF2B5EF4-FFF2-40B4-BE49-F238E27FC236}">
+                <a16:creationId xmlns:a16="http://schemas.microsoft.com/office/drawing/2014/main" id="{B2E5C39E-81BC-493B-A0B1-5CC84380D398}"/>
+              </a:ext>
+            </a:extLst>
+          </p:cNvPr>
+          <p:cNvSpPr>
+            <a:spLocks noGrp="1"/>
+          </p:cNvSpPr>
+          <p:nvPr>
+            <p:ph type="title"/>
+          </p:nvPr>
+        </p:nvSpPr>
+        <p:spPr/>
+        <p:txBody>
+          <a:bodyPr/>
+          <a:lstStyle/>
+          <a:p>
+            <a:r>
+              <a:rPr lang="en-GB" dirty="0"/>
+              <a:t>Future work</a:t>
+            </a:r>
+          </a:p>
+        </p:txBody>
+      </p:sp>
+      <p:sp>
+        <p:nvSpPr>
+          <p:cNvPr id="3" name="Content Placeholder 2">
+            <a:extLst>
+              <a:ext uri="{FF2B5EF4-FFF2-40B4-BE49-F238E27FC236}">
+                <a16:creationId xmlns:a16="http://schemas.microsoft.com/office/drawing/2014/main" id="{B66FD13C-6A87-4FB5-AA56-2BEF75247E16}"/>
+              </a:ext>
+            </a:extLst>
+          </p:cNvPr>
+          <p:cNvSpPr>
+            <a:spLocks noGrp="1"/>
+          </p:cNvSpPr>
+          <p:nvPr>
+            <p:ph idx="1"/>
+          </p:nvPr>
+        </p:nvSpPr>
+        <p:spPr/>
+        <p:txBody>
+          <a:bodyPr>
+            <a:normAutofit/>
+          </a:bodyPr>
+          <a:lstStyle/>
+          <a:p>
+            <a:pPr marL="0" indent="0">
+              <a:buNone/>
+            </a:pPr>
+            <a:r>
+              <a:rPr lang="en-US" sz="2400" dirty="0"/>
+              <a:t>	A next step on this project could be using complementing the input data with another sensors (like heart rate monitors, for example) and data from health APIs(like Apple Health).</a:t>
+            </a:r>
+          </a:p>
+          <a:p>
+            <a:pPr marL="0" indent="0">
+              <a:buNone/>
+            </a:pPr>
+            <a:r>
+              <a:rPr lang="en-US" sz="2400" dirty="0"/>
+              <a:t>	Adding to that, a more deep research could be done on how to measure stress to add more complex and realistic rules to the intelligent agent.</a:t>
+            </a:r>
+          </a:p>
+          <a:p>
+            <a:pPr marL="0" indent="0">
+              <a:buNone/>
+            </a:pPr>
+            <a:endParaRPr lang="en-US" sz="2400" dirty="0"/>
+          </a:p>
+        </p:txBody>
+      </p:sp>
+    </p:spTree>
+    <p:extLst>
+      <p:ext uri="{BB962C8B-B14F-4D97-AF65-F5344CB8AC3E}">
+        <p14:creationId xmlns:p14="http://schemas.microsoft.com/office/powerpoint/2010/main" val="2114035559"/>
       </p:ext>
     </p:extLst>
   </p:cSld>
@@ -5752,7 +11561,7 @@
           <p:cNvPr id="2" name="Title 1">
             <a:extLst>
               <a:ext uri="{FF2B5EF4-FFF2-40B4-BE49-F238E27FC236}">
-                <a16:creationId xmlns:a16="http://schemas.microsoft.com/office/drawing/2014/main" id="{10376F06-1FE6-42C3-8E48-4B1DAB4B65D5}"/>
+                <a16:creationId xmlns:a16="http://schemas.microsoft.com/office/drawing/2014/main" id="{A3FB25B5-024C-4BAB-A029-3F96F4DC12BF}"/>
               </a:ext>
             </a:extLst>
           </p:cNvPr>
@@ -5770,17 +11579,17 @@
           <a:p>
             <a:r>
               <a:rPr lang="en-GB" dirty="0"/>
-              <a:t>Concept</a:t>
-            </a:r>
-          </a:p>
-        </p:txBody>
-      </p:sp>
-      <p:sp>
-        <p:nvSpPr>
-          <p:cNvPr id="3" name="Content Placeholder 2">
+              <a:t>Goals</a:t>
+            </a:r>
+          </a:p>
+        </p:txBody>
+      </p:sp>
+      <p:sp>
+        <p:nvSpPr>
+          <p:cNvPr id="4" name="Marcador de Posição de Conteúdo 2">
             <a:extLst>
               <a:ext uri="{FF2B5EF4-FFF2-40B4-BE49-F238E27FC236}">
-                <a16:creationId xmlns:a16="http://schemas.microsoft.com/office/drawing/2014/main" id="{DDC66E64-C379-4E7C-AAE7-925F17F555F3}"/>
+                <a16:creationId xmlns:a16="http://schemas.microsoft.com/office/drawing/2014/main" id="{CC943CFF-3FE0-49EE-9A18-20689E20D96B}"/>
               </a:ext>
             </a:extLst>
           </p:cNvPr>
@@ -5791,14 +11600,134 @@
             <p:ph idx="1"/>
           </p:nvPr>
         </p:nvSpPr>
-        <p:spPr/>
+        <p:spPr>
+          <a:xfrm>
+            <a:off x="913795" y="2096064"/>
+            <a:ext cx="10353762" cy="3695136"/>
+          </a:xfrm>
+        </p:spPr>
         <p:txBody>
           <a:bodyPr/>
           <a:lstStyle/>
           <a:p>
-            <a:r>
-              <a:rPr lang="en-GB" dirty="0"/>
-              <a:t>What the project is</a:t>
+            <a:pPr marL="0" indent="0">
+              <a:buNone/>
+            </a:pPr>
+            <a:r>
+              <a:rPr lang="pt-PT" dirty="0"/>
+              <a:t>	</a:t>
+            </a:r>
+          </a:p>
+          <a:p>
+            <a:pPr marL="0" indent="0" algn="ctr">
+              <a:buNone/>
+            </a:pPr>
+            <a:r>
+              <a:rPr lang="pt-PT" sz="3600" dirty="0" err="1"/>
+              <a:t>The</a:t>
+            </a:r>
+            <a:r>
+              <a:rPr lang="pt-PT" sz="3600" dirty="0"/>
+              <a:t> </a:t>
+            </a:r>
+            <a:r>
+              <a:rPr lang="pt-PT" sz="3600" dirty="0" err="1"/>
+              <a:t>main</a:t>
+            </a:r>
+            <a:r>
+              <a:rPr lang="pt-PT" sz="3600" dirty="0"/>
+              <a:t> </a:t>
+            </a:r>
+            <a:r>
+              <a:rPr lang="pt-PT" sz="3600" dirty="0" err="1"/>
+              <a:t>goal</a:t>
+            </a:r>
+            <a:r>
+              <a:rPr lang="pt-PT" sz="3600" dirty="0"/>
+              <a:t> </a:t>
+            </a:r>
+            <a:r>
+              <a:rPr lang="pt-PT" sz="3600" dirty="0" err="1"/>
+              <a:t>of</a:t>
+            </a:r>
+            <a:r>
+              <a:rPr lang="pt-PT" sz="3600" dirty="0"/>
+              <a:t> </a:t>
+            </a:r>
+            <a:r>
+              <a:rPr lang="pt-PT" sz="3600" dirty="0" err="1"/>
+              <a:t>this</a:t>
+            </a:r>
+            <a:r>
+              <a:rPr lang="pt-PT" sz="3600" dirty="0"/>
+              <a:t> </a:t>
+            </a:r>
+            <a:r>
+              <a:rPr lang="pt-PT" sz="3600" dirty="0" err="1"/>
+              <a:t>project</a:t>
+            </a:r>
+            <a:r>
+              <a:rPr lang="pt-PT" sz="3600" dirty="0"/>
+              <a:t> </a:t>
+            </a:r>
+            <a:r>
+              <a:rPr lang="pt-PT" sz="3600" dirty="0" err="1"/>
+              <a:t>is</a:t>
+            </a:r>
+            <a:r>
+              <a:rPr lang="pt-PT" sz="3600" dirty="0"/>
+              <a:t> to </a:t>
+            </a:r>
+            <a:r>
+              <a:rPr lang="pt-PT" sz="3600" dirty="0" err="1"/>
+              <a:t>make</a:t>
+            </a:r>
+            <a:r>
+              <a:rPr lang="pt-PT" sz="3600" dirty="0"/>
+              <a:t> </a:t>
+            </a:r>
+            <a:r>
+              <a:rPr lang="pt-PT" sz="3600" dirty="0" err="1"/>
+              <a:t>people</a:t>
+            </a:r>
+            <a:r>
+              <a:rPr lang="pt-PT" sz="3600" dirty="0"/>
+              <a:t> </a:t>
+            </a:r>
+            <a:br>
+              <a:rPr lang="pt-PT" sz="3600" dirty="0"/>
+            </a:br>
+            <a:r>
+              <a:rPr lang="pt-PT" sz="3600" dirty="0" err="1"/>
+              <a:t>reflect</a:t>
+            </a:r>
+            <a:r>
+              <a:rPr lang="pt-PT" sz="3600" dirty="0"/>
+              <a:t> </a:t>
+            </a:r>
+            <a:r>
+              <a:rPr lang="pt-PT" sz="3600" dirty="0" err="1"/>
+              <a:t>about</a:t>
+            </a:r>
+            <a:r>
+              <a:rPr lang="pt-PT" sz="3600" dirty="0"/>
+              <a:t> </a:t>
+            </a:r>
+            <a:r>
+              <a:rPr lang="pt-PT" sz="3600" dirty="0" err="1"/>
+              <a:t>their</a:t>
+            </a:r>
+            <a:r>
+              <a:rPr lang="pt-PT" sz="3600" dirty="0"/>
+              <a:t> </a:t>
+            </a:r>
+            <a:r>
+              <a:rPr lang="pt-PT" sz="3600" dirty="0" err="1"/>
+              <a:t>mood</a:t>
+            </a:r>
+            <a:r>
+              <a:rPr lang="pt-PT" sz="3600" dirty="0"/>
+              <a:t>.</a:t>
             </a:r>
           </a:p>
         </p:txBody>
@@ -5806,7 +11735,7 @@
     </p:spTree>
     <p:extLst>
       <p:ext uri="{BB962C8B-B14F-4D97-AF65-F5344CB8AC3E}">
-        <p14:creationId xmlns:p14="http://schemas.microsoft.com/office/powerpoint/2010/main" val="2863732858"/>
+        <p14:creationId xmlns:p14="http://schemas.microsoft.com/office/powerpoint/2010/main" val="2258457417"/>
       </p:ext>
     </p:extLst>
   </p:cSld>
@@ -5838,7 +11767,7 @@
           <p:cNvPr id="2" name="Title 1">
             <a:extLst>
               <a:ext uri="{FF2B5EF4-FFF2-40B4-BE49-F238E27FC236}">
-                <a16:creationId xmlns:a16="http://schemas.microsoft.com/office/drawing/2014/main" id="{DDD6926D-07A0-4AA5-A5AE-E657ADEC10A9}"/>
+                <a16:creationId xmlns:a16="http://schemas.microsoft.com/office/drawing/2014/main" id="{7A205058-F151-40F9-90AD-F7D1FFA37700}"/>
               </a:ext>
             </a:extLst>
           </p:cNvPr>
@@ -5856,17 +11785,17 @@
           <a:p>
             <a:r>
               <a:rPr lang="en-GB" dirty="0"/>
-              <a:t>Logline</a:t>
-            </a:r>
-          </a:p>
-        </p:txBody>
-      </p:sp>
-      <p:sp>
-        <p:nvSpPr>
-          <p:cNvPr id="3" name="Content Placeholder 2">
+              <a:t>GOALS</a:t>
+            </a:r>
+          </a:p>
+        </p:txBody>
+      </p:sp>
+      <p:sp>
+        <p:nvSpPr>
+          <p:cNvPr id="4" name="Marcador de Posição de Conteúdo 2">
             <a:extLst>
               <a:ext uri="{FF2B5EF4-FFF2-40B4-BE49-F238E27FC236}">
-                <a16:creationId xmlns:a16="http://schemas.microsoft.com/office/drawing/2014/main" id="{BC4A7A8C-942D-4C0B-A6E4-BB24323F4FEF}"/>
+                <a16:creationId xmlns:a16="http://schemas.microsoft.com/office/drawing/2014/main" id="{65F82C31-B5CA-4F16-9534-068FD40C1071}"/>
               </a:ext>
             </a:extLst>
           </p:cNvPr>
@@ -5877,19 +11806,172 @@
             <p:ph idx="1"/>
           </p:nvPr>
         </p:nvSpPr>
-        <p:spPr/>
-        <p:txBody>
-          <a:bodyPr/>
+        <p:spPr>
+          <a:xfrm>
+            <a:off x="913795" y="2096064"/>
+            <a:ext cx="10353762" cy="3695136"/>
+          </a:xfrm>
+        </p:spPr>
+        <p:txBody>
+          <a:bodyPr>
+            <a:normAutofit/>
+          </a:bodyPr>
           <a:lstStyle/>
           <a:p>
-            <a:endParaRPr lang="en-GB" dirty="0"/>
+            <a:pPr marL="0" indent="0" algn="ctr">
+              <a:buNone/>
+            </a:pPr>
+            <a:r>
+              <a:rPr lang="pt-PT" sz="2800" dirty="0" err="1"/>
+              <a:t>This</a:t>
+            </a:r>
+            <a:r>
+              <a:rPr lang="pt-PT" sz="2800" dirty="0"/>
+              <a:t> </a:t>
+            </a:r>
+            <a:r>
+              <a:rPr lang="pt-PT" sz="2800" dirty="0" err="1"/>
+              <a:t>project</a:t>
+            </a:r>
+            <a:r>
+              <a:rPr lang="pt-PT" sz="2800" dirty="0"/>
+              <a:t> </a:t>
+            </a:r>
+            <a:r>
+              <a:rPr lang="pt-PT" sz="2800" dirty="0" err="1"/>
+              <a:t>also</a:t>
+            </a:r>
+            <a:r>
+              <a:rPr lang="pt-PT" sz="2800" dirty="0"/>
+              <a:t> </a:t>
+            </a:r>
+            <a:r>
+              <a:rPr lang="pt-PT" sz="2800" dirty="0" err="1"/>
+              <a:t>aims</a:t>
+            </a:r>
+            <a:r>
+              <a:rPr lang="pt-PT" sz="2800" dirty="0"/>
+              <a:t> to </a:t>
+            </a:r>
+            <a:r>
+              <a:rPr lang="pt-PT" sz="2800" dirty="0" err="1"/>
+              <a:t>raise</a:t>
+            </a:r>
+            <a:r>
+              <a:rPr lang="pt-PT" sz="2800" dirty="0"/>
+              <a:t> </a:t>
+            </a:r>
+            <a:r>
+              <a:rPr lang="pt-PT" sz="2800" dirty="0" err="1"/>
+              <a:t>awareness</a:t>
+            </a:r>
+            <a:r>
+              <a:rPr lang="pt-PT" sz="2800" dirty="0"/>
+              <a:t> </a:t>
+            </a:r>
+            <a:r>
+              <a:rPr lang="pt-PT" sz="2800" dirty="0" err="1"/>
+              <a:t>about</a:t>
+            </a:r>
+            <a:r>
+              <a:rPr lang="pt-PT" sz="2800" dirty="0"/>
+              <a:t> </a:t>
+            </a:r>
+            <a:r>
+              <a:rPr lang="pt-PT" sz="2800" dirty="0" err="1"/>
+              <a:t>the</a:t>
+            </a:r>
+            <a:r>
+              <a:rPr lang="pt-PT" sz="2800" dirty="0"/>
+              <a:t> </a:t>
+            </a:r>
+            <a:r>
+              <a:rPr lang="pt-PT" sz="2800" dirty="0" err="1"/>
+              <a:t>importance</a:t>
+            </a:r>
+            <a:r>
+              <a:rPr lang="pt-PT" sz="2800" dirty="0"/>
+              <a:t> </a:t>
+            </a:r>
+            <a:r>
+              <a:rPr lang="pt-PT" sz="2800" dirty="0" err="1"/>
+              <a:t>of</a:t>
+            </a:r>
+            <a:r>
+              <a:rPr lang="pt-PT" sz="2800" dirty="0"/>
+              <a:t> mental </a:t>
+            </a:r>
+            <a:r>
+              <a:rPr lang="pt-PT" sz="2800" dirty="0" err="1"/>
+              <a:t>health</a:t>
+            </a:r>
+            <a:r>
+              <a:rPr lang="pt-PT" sz="2800" dirty="0"/>
+              <a:t> </a:t>
+            </a:r>
+            <a:r>
+              <a:rPr lang="pt-PT" sz="2800" dirty="0" err="1"/>
+              <a:t>checkups</a:t>
+            </a:r>
+            <a:r>
+              <a:rPr lang="pt-PT" sz="2800" dirty="0"/>
+              <a:t> </a:t>
+            </a:r>
+            <a:r>
+              <a:rPr lang="pt-PT" sz="2800" dirty="0" err="1"/>
+              <a:t>and</a:t>
+            </a:r>
+            <a:r>
+              <a:rPr lang="pt-PT" sz="2800" dirty="0"/>
+              <a:t> </a:t>
+            </a:r>
+            <a:r>
+              <a:rPr lang="pt-PT" sz="2800" dirty="0" err="1"/>
+              <a:t>lifestyle</a:t>
+            </a:r>
+            <a:r>
+              <a:rPr lang="pt-PT" sz="2800" dirty="0"/>
+              <a:t> </a:t>
+            </a:r>
+            <a:r>
+              <a:rPr lang="pt-PT" sz="2800" dirty="0" err="1"/>
+              <a:t>changes</a:t>
+            </a:r>
+            <a:r>
+              <a:rPr lang="pt-PT" sz="2800" dirty="0"/>
+              <a:t> to </a:t>
+            </a:r>
+            <a:r>
+              <a:rPr lang="pt-PT" sz="2800" dirty="0" err="1"/>
+              <a:t>prevent</a:t>
+            </a:r>
+            <a:r>
+              <a:rPr lang="pt-PT" sz="2800" dirty="0"/>
+              <a:t> extreme </a:t>
+            </a:r>
+            <a:r>
+              <a:rPr lang="pt-PT" sz="2800" dirty="0" err="1"/>
+              <a:t>psychological</a:t>
+            </a:r>
+            <a:r>
+              <a:rPr lang="pt-PT" sz="2800" dirty="0"/>
+              <a:t> </a:t>
+            </a:r>
+            <a:r>
+              <a:rPr lang="pt-PT" sz="2800" dirty="0" err="1"/>
+              <a:t>problems</a:t>
+            </a:r>
+            <a:r>
+              <a:rPr lang="pt-PT" sz="2800" dirty="0"/>
+              <a:t>.</a:t>
+            </a:r>
           </a:p>
         </p:txBody>
       </p:sp>
     </p:spTree>
     <p:extLst>
       <p:ext uri="{BB962C8B-B14F-4D97-AF65-F5344CB8AC3E}">
-        <p14:creationId xmlns:p14="http://schemas.microsoft.com/office/powerpoint/2010/main" val="3116909979"/>
+        <p14:creationId xmlns:p14="http://schemas.microsoft.com/office/powerpoint/2010/main" val="42173617"/>
       </p:ext>
     </p:extLst>
   </p:cSld>
@@ -5921,7 +12003,7 @@
           <p:cNvPr id="2" name="Title 1">
             <a:extLst>
               <a:ext uri="{FF2B5EF4-FFF2-40B4-BE49-F238E27FC236}">
-                <a16:creationId xmlns:a16="http://schemas.microsoft.com/office/drawing/2014/main" id="{87527F9E-E495-44C6-860A-F0DCAAB50F91}"/>
+                <a16:creationId xmlns:a16="http://schemas.microsoft.com/office/drawing/2014/main" id="{3A49FFA1-F10D-402C-B892-79D99AE846AF}"/>
               </a:ext>
             </a:extLst>
           </p:cNvPr>
@@ -5937,7 +12019,10 @@
           <a:bodyPr/>
           <a:lstStyle/>
           <a:p>
-            <a:endParaRPr lang="en-GB" dirty="0"/>
+            <a:r>
+              <a:rPr lang="en-GB" dirty="0"/>
+              <a:t>Goals</a:t>
+            </a:r>
           </a:p>
         </p:txBody>
       </p:sp>
@@ -5946,7 +12031,7 @@
           <p:cNvPr id="3" name="Content Placeholder 2">
             <a:extLst>
               <a:ext uri="{FF2B5EF4-FFF2-40B4-BE49-F238E27FC236}">
-                <a16:creationId xmlns:a16="http://schemas.microsoft.com/office/drawing/2014/main" id="{292E9BA4-2A86-4A5A-81CB-991D2F1DDC6F}"/>
+                <a16:creationId xmlns:a16="http://schemas.microsoft.com/office/drawing/2014/main" id="{8BA9EC3D-8BC7-4725-992D-A5F274365D9D}"/>
               </a:ext>
             </a:extLst>
           </p:cNvPr>
@@ -5959,17 +12044,28 @@
         </p:nvSpPr>
         <p:spPr/>
         <p:txBody>
-          <a:bodyPr/>
+          <a:bodyPr>
+            <a:normAutofit lnSpcReduction="10000"/>
+          </a:bodyPr>
           <a:lstStyle/>
           <a:p>
-            <a:endParaRPr lang="en-GB"/>
+            <a:r>
+              <a:rPr lang="en-GB" sz="2800" dirty="0"/>
+              <a:t>The first use case to be explored is going to be environments that people stay for extended periods of time. For example, their home and work environments.</a:t>
+            </a:r>
+          </a:p>
+          <a:p>
+            <a:r>
+              <a:rPr lang="en-GB" sz="2800" dirty="0"/>
+              <a:t>People tend to not be aware of the stress level raise on the environment they are in, so it’ll be interesting to make people reflect about a visual representation of the sound intermittency during the day.</a:t>
+            </a:r>
           </a:p>
         </p:txBody>
       </p:sp>
     </p:spTree>
     <p:extLst>
       <p:ext uri="{BB962C8B-B14F-4D97-AF65-F5344CB8AC3E}">
-        <p14:creationId xmlns:p14="http://schemas.microsoft.com/office/powerpoint/2010/main" val="346953995"/>
+        <p14:creationId xmlns:p14="http://schemas.microsoft.com/office/powerpoint/2010/main" val="1787297464"/>
       </p:ext>
     </p:extLst>
   </p:cSld>
@@ -6001,6 +12097,292 @@
           <p:cNvPr id="2" name="Title 1">
             <a:extLst>
               <a:ext uri="{FF2B5EF4-FFF2-40B4-BE49-F238E27FC236}">
+                <a16:creationId xmlns:a16="http://schemas.microsoft.com/office/drawing/2014/main" id="{DDD6926D-07A0-4AA5-A5AE-E657ADEC10A9}"/>
+              </a:ext>
+            </a:extLst>
+          </p:cNvPr>
+          <p:cNvSpPr>
+            <a:spLocks noGrp="1"/>
+          </p:cNvSpPr>
+          <p:nvPr>
+            <p:ph type="title"/>
+          </p:nvPr>
+        </p:nvSpPr>
+        <p:spPr/>
+        <p:txBody>
+          <a:bodyPr/>
+          <a:lstStyle/>
+          <a:p>
+            <a:r>
+              <a:rPr lang="en-GB" dirty="0"/>
+              <a:t>Main Functionalities</a:t>
+            </a:r>
+          </a:p>
+        </p:txBody>
+      </p:sp>
+      <p:sp>
+        <p:nvSpPr>
+          <p:cNvPr id="3" name="Content Placeholder 2">
+            <a:extLst>
+              <a:ext uri="{FF2B5EF4-FFF2-40B4-BE49-F238E27FC236}">
+                <a16:creationId xmlns:a16="http://schemas.microsoft.com/office/drawing/2014/main" id="{BC4A7A8C-942D-4C0B-A6E4-BB24323F4FEF}"/>
+              </a:ext>
+            </a:extLst>
+          </p:cNvPr>
+          <p:cNvSpPr>
+            <a:spLocks noGrp="1"/>
+          </p:cNvSpPr>
+          <p:nvPr>
+            <p:ph idx="1"/>
+          </p:nvPr>
+        </p:nvSpPr>
+        <p:spPr/>
+        <p:txBody>
+          <a:bodyPr/>
+          <a:lstStyle/>
+          <a:p>
+            <a:r>
+              <a:rPr lang="en-GB" sz="3200" dirty="0"/>
+              <a:t>Gather data that could represent the user’s mood;</a:t>
+            </a:r>
+          </a:p>
+          <a:p>
+            <a:r>
+              <a:rPr lang="en-GB" sz="3200" dirty="0"/>
+              <a:t>Creation of a visual representation of the input data, using generative art techniques;</a:t>
+            </a:r>
+            <a:br>
+              <a:rPr lang="en-GB" sz="3200" dirty="0"/>
+            </a:br>
+            <a:r>
+              <a:rPr lang="en-GB" sz="3200" dirty="0"/>
+              <a:t>(This should translate this data into an meaningful output for the user reflection)</a:t>
+            </a:r>
+          </a:p>
+          <a:p>
+            <a:endParaRPr lang="en-GB" dirty="0"/>
+          </a:p>
+        </p:txBody>
+      </p:sp>
+    </p:spTree>
+    <p:extLst>
+      <p:ext uri="{BB962C8B-B14F-4D97-AF65-F5344CB8AC3E}">
+        <p14:creationId xmlns:p14="http://schemas.microsoft.com/office/powerpoint/2010/main" val="3116909979"/>
+      </p:ext>
+    </p:extLst>
+  </p:cSld>
+  <p:clrMapOvr>
+    <a:masterClrMapping/>
+  </p:clrMapOvr>
+</p:sld>
+</file>
+
+<file path=ppt/slides/slide6.xml><?xml version="1.0" encoding="utf-8"?>
+<p:sld xmlns:a="http://schemas.openxmlformats.org/drawingml/2006/main" xmlns:r="http://schemas.openxmlformats.org/officeDocument/2006/relationships" xmlns:p="http://schemas.openxmlformats.org/presentationml/2006/main">
+  <p:cSld>
+    <p:spTree>
+      <p:nvGrpSpPr>
+        <p:cNvPr id="1" name=""/>
+        <p:cNvGrpSpPr/>
+        <p:nvPr/>
+      </p:nvGrpSpPr>
+      <p:grpSpPr>
+        <a:xfrm>
+          <a:off x="0" y="0"/>
+          <a:ext cx="0" cy="0"/>
+          <a:chOff x="0" y="0"/>
+          <a:chExt cx="0" cy="0"/>
+        </a:xfrm>
+      </p:grpSpPr>
+      <p:sp>
+        <p:nvSpPr>
+          <p:cNvPr id="2" name="Title 1">
+            <a:extLst>
+              <a:ext uri="{FF2B5EF4-FFF2-40B4-BE49-F238E27FC236}">
+                <a16:creationId xmlns:a16="http://schemas.microsoft.com/office/drawing/2014/main" id="{87527F9E-E495-44C6-860A-F0DCAAB50F91}"/>
+              </a:ext>
+            </a:extLst>
+          </p:cNvPr>
+          <p:cNvSpPr>
+            <a:spLocks noGrp="1"/>
+          </p:cNvSpPr>
+          <p:nvPr>
+            <p:ph type="title"/>
+          </p:nvPr>
+        </p:nvSpPr>
+        <p:spPr/>
+        <p:txBody>
+          <a:bodyPr/>
+          <a:lstStyle/>
+          <a:p>
+            <a:r>
+              <a:rPr lang="en-GB" dirty="0"/>
+              <a:t>Main Functionalities</a:t>
+            </a:r>
+          </a:p>
+        </p:txBody>
+      </p:sp>
+      <p:sp>
+        <p:nvSpPr>
+          <p:cNvPr id="3" name="Content Placeholder 2">
+            <a:extLst>
+              <a:ext uri="{FF2B5EF4-FFF2-40B4-BE49-F238E27FC236}">
+                <a16:creationId xmlns:a16="http://schemas.microsoft.com/office/drawing/2014/main" id="{292E9BA4-2A86-4A5A-81CB-991D2F1DDC6F}"/>
+              </a:ext>
+            </a:extLst>
+          </p:cNvPr>
+          <p:cNvSpPr>
+            <a:spLocks noGrp="1"/>
+          </p:cNvSpPr>
+          <p:nvPr>
+            <p:ph idx="1"/>
+          </p:nvPr>
+        </p:nvSpPr>
+        <p:spPr/>
+        <p:txBody>
+          <a:bodyPr/>
+          <a:lstStyle/>
+          <a:p>
+            <a:r>
+              <a:rPr lang="en-GB" sz="2800" dirty="0"/>
+              <a:t>Build an intelligent agent to determine the probability of an stressful pattern based on sound intermittency and maximum amplitude as others, using this output as another dimension on the creative output;</a:t>
+            </a:r>
+          </a:p>
+          <a:p>
+            <a:r>
+              <a:rPr lang="en-GB" sz="2800" dirty="0"/>
+              <a:t>Use gamification techniques to combine data from multiple environments and to define collaborative goals.</a:t>
+            </a:r>
+          </a:p>
+          <a:p>
+            <a:endParaRPr lang="en-GB" dirty="0"/>
+          </a:p>
+        </p:txBody>
+      </p:sp>
+    </p:spTree>
+    <p:extLst>
+      <p:ext uri="{BB962C8B-B14F-4D97-AF65-F5344CB8AC3E}">
+        <p14:creationId xmlns:p14="http://schemas.microsoft.com/office/powerpoint/2010/main" val="346953995"/>
+      </p:ext>
+    </p:extLst>
+  </p:cSld>
+  <p:clrMapOvr>
+    <a:masterClrMapping/>
+  </p:clrMapOvr>
+</p:sld>
+</file>
+
+<file path=ppt/slides/slide7.xml><?xml version="1.0" encoding="utf-8"?>
+<p:sld xmlns:a="http://schemas.openxmlformats.org/drawingml/2006/main" xmlns:r="http://schemas.openxmlformats.org/officeDocument/2006/relationships" xmlns:p="http://schemas.openxmlformats.org/presentationml/2006/main">
+  <p:cSld>
+    <p:spTree>
+      <p:nvGrpSpPr>
+        <p:cNvPr id="1" name=""/>
+        <p:cNvGrpSpPr/>
+        <p:nvPr/>
+      </p:nvGrpSpPr>
+      <p:grpSpPr>
+        <a:xfrm>
+          <a:off x="0" y="0"/>
+          <a:ext cx="0" cy="0"/>
+          <a:chOff x="0" y="0"/>
+          <a:chExt cx="0" cy="0"/>
+        </a:xfrm>
+      </p:grpSpPr>
+      <p:sp>
+        <p:nvSpPr>
+          <p:cNvPr id="2" name="Title 1">
+            <a:extLst>
+              <a:ext uri="{FF2B5EF4-FFF2-40B4-BE49-F238E27FC236}">
+                <a16:creationId xmlns:a16="http://schemas.microsoft.com/office/drawing/2014/main" id="{A1F95F7A-9575-4BF4-827C-CCEB290CFF25}"/>
+              </a:ext>
+            </a:extLst>
+          </p:cNvPr>
+          <p:cNvSpPr>
+            <a:spLocks noGrp="1"/>
+          </p:cNvSpPr>
+          <p:nvPr>
+            <p:ph type="title"/>
+          </p:nvPr>
+        </p:nvSpPr>
+        <p:spPr/>
+        <p:txBody>
+          <a:bodyPr/>
+          <a:lstStyle/>
+          <a:p>
+            <a:r>
+              <a:rPr lang="en-GB" dirty="0"/>
+              <a:t>PRODUCT use case</a:t>
+            </a:r>
+          </a:p>
+        </p:txBody>
+      </p:sp>
+      <p:graphicFrame>
+        <p:nvGraphicFramePr>
+          <p:cNvPr id="4" name="Content Placeholder 3">
+            <a:extLst>
+              <a:ext uri="{FF2B5EF4-FFF2-40B4-BE49-F238E27FC236}">
+                <a16:creationId xmlns:a16="http://schemas.microsoft.com/office/drawing/2014/main" id="{1B8CB627-5033-4C6D-9AF7-3BCE845D9067}"/>
+              </a:ext>
+            </a:extLst>
+          </p:cNvPr>
+          <p:cNvGraphicFramePr>
+            <a:graphicFrameLocks noGrp="1"/>
+          </p:cNvGraphicFramePr>
+          <p:nvPr>
+            <p:ph idx="1"/>
+            <p:extLst>
+              <p:ext uri="{D42A27DB-BD31-4B8C-83A1-F6EECF244321}">
+                <p14:modId xmlns:p14="http://schemas.microsoft.com/office/powerpoint/2010/main" val="3901328122"/>
+              </p:ext>
+            </p:extLst>
+          </p:nvPr>
+        </p:nvGraphicFramePr>
+        <p:xfrm>
+          <a:off x="914400" y="2095500"/>
+          <a:ext cx="10353675" cy="3695700"/>
+        </p:xfrm>
+        <a:graphic>
+          <a:graphicData uri="http://schemas.openxmlformats.org/drawingml/2006/diagram">
+            <dgm:relIds xmlns:dgm="http://schemas.openxmlformats.org/drawingml/2006/diagram" xmlns:r="http://schemas.openxmlformats.org/officeDocument/2006/relationships" r:dm="rId2" r:lo="rId3" r:qs="rId4" r:cs="rId5"/>
+          </a:graphicData>
+        </a:graphic>
+      </p:graphicFrame>
+    </p:spTree>
+    <p:extLst>
+      <p:ext uri="{BB962C8B-B14F-4D97-AF65-F5344CB8AC3E}">
+        <p14:creationId xmlns:p14="http://schemas.microsoft.com/office/powerpoint/2010/main" val="3319871501"/>
+      </p:ext>
+    </p:extLst>
+  </p:cSld>
+  <p:clrMapOvr>
+    <a:masterClrMapping/>
+  </p:clrMapOvr>
+</p:sld>
+</file>
+
+<file path=ppt/slides/slide8.xml><?xml version="1.0" encoding="utf-8"?>
+<p:sld xmlns:a="http://schemas.openxmlformats.org/drawingml/2006/main" xmlns:r="http://schemas.openxmlformats.org/officeDocument/2006/relationships" xmlns:p="http://schemas.openxmlformats.org/presentationml/2006/main">
+  <p:cSld>
+    <p:spTree>
+      <p:nvGrpSpPr>
+        <p:cNvPr id="1" name=""/>
+        <p:cNvGrpSpPr/>
+        <p:nvPr/>
+      </p:nvGrpSpPr>
+      <p:grpSpPr>
+        <a:xfrm>
+          <a:off x="0" y="0"/>
+          <a:ext cx="0" cy="0"/>
+          <a:chOff x="0" y="0"/>
+          <a:chExt cx="0" cy="0"/>
+        </a:xfrm>
+      </p:grpSpPr>
+      <p:sp>
+        <p:nvSpPr>
+          <p:cNvPr id="2" name="Title 1">
+            <a:extLst>
+              <a:ext uri="{FF2B5EF4-FFF2-40B4-BE49-F238E27FC236}">
                 <a16:creationId xmlns:a16="http://schemas.microsoft.com/office/drawing/2014/main" id="{9A8AD1EB-9344-45A9-B342-13708D75AD8F}"/>
               </a:ext>
             </a:extLst>
@@ -6019,43 +12401,196 @@
           <a:p>
             <a:r>
               <a:rPr lang="en-GB" dirty="0"/>
-              <a:t>Product</a:t>
-            </a:r>
-          </a:p>
-        </p:txBody>
-      </p:sp>
-      <p:sp>
-        <p:nvSpPr>
-          <p:cNvPr id="3" name="Content Placeholder 2">
+              <a:t>System structure</a:t>
+            </a:r>
+          </a:p>
+        </p:txBody>
+      </p:sp>
+      <p:graphicFrame>
+        <p:nvGraphicFramePr>
+          <p:cNvPr id="5" name="Content Placeholder 4">
             <a:extLst>
               <a:ext uri="{FF2B5EF4-FFF2-40B4-BE49-F238E27FC236}">
-                <a16:creationId xmlns:a16="http://schemas.microsoft.com/office/drawing/2014/main" id="{C04C0689-D671-4A8D-8362-B992B3F1A998}"/>
+                <a16:creationId xmlns:a16="http://schemas.microsoft.com/office/drawing/2014/main" id="{265E8C2F-08EB-4349-8AE2-1053E276F04D}"/>
               </a:ext>
             </a:extLst>
           </p:cNvPr>
-          <p:cNvSpPr>
-            <a:spLocks noGrp="1"/>
-          </p:cNvSpPr>
+          <p:cNvGraphicFramePr>
+            <a:graphicFrameLocks noGrp="1"/>
+          </p:cNvGraphicFramePr>
           <p:nvPr>
             <p:ph idx="1"/>
-          </p:nvPr>
-        </p:nvSpPr>
-        <p:spPr/>
-        <p:txBody>
-          <a:bodyPr/>
-          <a:lstStyle/>
-          <a:p>
-            <a:r>
-              <a:rPr lang="en-GB" dirty="0"/>
-              <a:t>Des</a:t>
-            </a:r>
-          </a:p>
-        </p:txBody>
-      </p:sp>
+            <p:extLst>
+              <p:ext uri="{D42A27DB-BD31-4B8C-83A1-F6EECF244321}">
+                <p14:modId xmlns:p14="http://schemas.microsoft.com/office/powerpoint/2010/main" val="2210648455"/>
+              </p:ext>
+            </p:extLst>
+          </p:nvPr>
+        </p:nvGraphicFramePr>
+        <p:xfrm>
+          <a:off x="914400" y="2095500"/>
+          <a:ext cx="10353675" cy="3695700"/>
+        </p:xfrm>
+        <a:graphic>
+          <a:graphicData uri="http://schemas.openxmlformats.org/drawingml/2006/diagram">
+            <dgm:relIds xmlns:dgm="http://schemas.openxmlformats.org/drawingml/2006/diagram" xmlns:r="http://schemas.openxmlformats.org/officeDocument/2006/relationships" r:dm="rId2" r:lo="rId3" r:qs="rId4" r:cs="rId5"/>
+          </a:graphicData>
+        </a:graphic>
+      </p:graphicFrame>
+      <p:pic>
+        <p:nvPicPr>
+          <p:cNvPr id="7" name="Picture 6">
+            <a:extLst>
+              <a:ext uri="{FF2B5EF4-FFF2-40B4-BE49-F238E27FC236}">
+                <a16:creationId xmlns:a16="http://schemas.microsoft.com/office/drawing/2014/main" id="{EC2B9C74-FDF7-4253-8FB8-6E325275FCC6}"/>
+              </a:ext>
+            </a:extLst>
+          </p:cNvPr>
+          <p:cNvPicPr>
+            <a:picLocks noChangeAspect="1"/>
+          </p:cNvPicPr>
+          <p:nvPr/>
+        </p:nvPicPr>
+        <p:blipFill>
+          <a:blip r:embed="rId7">
+            <a:extLst>
+              <a:ext uri="{28A0092B-C50C-407E-A947-70E740481C1C}">
+                <a14:useLocalDpi xmlns:a14="http://schemas.microsoft.com/office/drawing/2010/main" val="0"/>
+              </a:ext>
+            </a:extLst>
+          </a:blip>
+          <a:stretch>
+            <a:fillRect/>
+          </a:stretch>
+        </p:blipFill>
+        <p:spPr>
+          <a:xfrm>
+            <a:off x="2202378" y="2228270"/>
+            <a:ext cx="7776594" cy="3430160"/>
+          </a:xfrm>
+          <a:prstGeom prst="rect">
+            <a:avLst/>
+          </a:prstGeom>
+        </p:spPr>
+      </p:pic>
     </p:spTree>
     <p:extLst>
       <p:ext uri="{BB962C8B-B14F-4D97-AF65-F5344CB8AC3E}">
         <p14:creationId xmlns:p14="http://schemas.microsoft.com/office/powerpoint/2010/main" val="828201382"/>
+      </p:ext>
+    </p:extLst>
+  </p:cSld>
+  <p:clrMapOvr>
+    <a:masterClrMapping/>
+  </p:clrMapOvr>
+</p:sld>
+</file>
+
+<file path=ppt/slides/slide9.xml><?xml version="1.0" encoding="utf-8"?>
+<p:sld xmlns:a="http://schemas.openxmlformats.org/drawingml/2006/main" xmlns:r="http://schemas.openxmlformats.org/officeDocument/2006/relationships" xmlns:p="http://schemas.openxmlformats.org/presentationml/2006/main">
+  <p:cSld>
+    <p:spTree>
+      <p:nvGrpSpPr>
+        <p:cNvPr id="1" name=""/>
+        <p:cNvGrpSpPr/>
+        <p:nvPr/>
+      </p:nvGrpSpPr>
+      <p:grpSpPr>
+        <a:xfrm>
+          <a:off x="0" y="0"/>
+          <a:ext cx="0" cy="0"/>
+          <a:chOff x="0" y="0"/>
+          <a:chExt cx="0" cy="0"/>
+        </a:xfrm>
+      </p:grpSpPr>
+      <p:sp>
+        <p:nvSpPr>
+          <p:cNvPr id="2" name="Title 1">
+            <a:extLst>
+              <a:ext uri="{FF2B5EF4-FFF2-40B4-BE49-F238E27FC236}">
+                <a16:creationId xmlns:a16="http://schemas.microsoft.com/office/drawing/2014/main" id="{EDBDDBDF-5D88-4428-9E63-0AC10B305090}"/>
+              </a:ext>
+            </a:extLst>
+          </p:cNvPr>
+          <p:cNvSpPr>
+            <a:spLocks noGrp="1"/>
+          </p:cNvSpPr>
+          <p:nvPr>
+            <p:ph type="title"/>
+          </p:nvPr>
+        </p:nvSpPr>
+        <p:spPr/>
+        <p:txBody>
+          <a:bodyPr/>
+          <a:lstStyle/>
+          <a:p>
+            <a:r>
+              <a:rPr lang="en-GB" dirty="0"/>
+              <a:t>System structure - </a:t>
+            </a:r>
+            <a:r>
+              <a:rPr lang="en-GB" dirty="0" err="1"/>
+              <a:t>iOt</a:t>
+            </a:r>
+            <a:r>
+              <a:rPr lang="en-GB" dirty="0"/>
+              <a:t> module</a:t>
+            </a:r>
+          </a:p>
+        </p:txBody>
+      </p:sp>
+      <p:sp>
+        <p:nvSpPr>
+          <p:cNvPr id="3" name="Content Placeholder 2">
+            <a:extLst>
+              <a:ext uri="{FF2B5EF4-FFF2-40B4-BE49-F238E27FC236}">
+                <a16:creationId xmlns:a16="http://schemas.microsoft.com/office/drawing/2014/main" id="{A6950437-64E8-40B7-83FA-9994AAAC4CD8}"/>
+              </a:ext>
+            </a:extLst>
+          </p:cNvPr>
+          <p:cNvSpPr>
+            <a:spLocks noGrp="1"/>
+          </p:cNvSpPr>
+          <p:nvPr>
+            <p:ph idx="1"/>
+          </p:nvPr>
+        </p:nvSpPr>
+        <p:spPr/>
+        <p:txBody>
+          <a:bodyPr>
+            <a:normAutofit/>
+          </a:bodyPr>
+          <a:lstStyle/>
+          <a:p>
+            <a:r>
+              <a:rPr lang="en-GB" sz="2400" dirty="0"/>
+              <a:t>A sound sensor will get the sound amplitude readings from the environment. </a:t>
+            </a:r>
+          </a:p>
+          <a:p>
+            <a:r>
+              <a:rPr lang="en-GB" sz="2400" dirty="0"/>
+              <a:t>The amplitude readings will be grouped by a time period (few minutes) in the form of average and max amplitude.</a:t>
+            </a:r>
+          </a:p>
+          <a:p>
+            <a:r>
+              <a:rPr lang="en-GB" sz="2400" dirty="0"/>
+              <a:t>This data will be sent each time period to be stored on a server by HTTP requests.</a:t>
+            </a:r>
+          </a:p>
+          <a:p>
+            <a:r>
+              <a:rPr lang="en-GB" sz="2400" dirty="0"/>
+              <a:t>Will be used an Arduino board to read the data from the sensor, apply the grouping logic and make the request to the server.</a:t>
+            </a:r>
+          </a:p>
+        </p:txBody>
+      </p:sp>
+    </p:spTree>
+    <p:extLst>
+      <p:ext uri="{BB962C8B-B14F-4D97-AF65-F5344CB8AC3E}">
+        <p14:creationId xmlns:p14="http://schemas.microsoft.com/office/powerpoint/2010/main" val="1415828974"/>
       </p:ext>
     </p:extLst>
   </p:cSld>

--- a/Documents/Mood Picture - Second presentation.pptx
+++ b/Documents/Mood Picture - Second presentation.pptx
@@ -1733,7 +1733,7 @@
         <a:p>
           <a:r>
             <a:rPr lang="en-GB" dirty="0"/>
-            <a:t>User inform their perception on a form.</a:t>
+            <a:t>User inform their mood perception on a form.</a:t>
           </a:r>
         </a:p>
       </dgm:t>
@@ -2025,12 +2025,12 @@
         </a:fontRef>
       </dsp:style>
       <dsp:txBody>
-        <a:bodyPr spcFirstLastPara="0" vert="horz" wrap="square" lIns="80010" tIns="80010" rIns="80010" bIns="80010" numCol="1" spcCol="1270" anchor="ctr" anchorCtr="0">
+        <a:bodyPr spcFirstLastPara="0" vert="horz" wrap="square" lIns="72390" tIns="72390" rIns="72390" bIns="72390" numCol="1" spcCol="1270" anchor="ctr" anchorCtr="0">
           <a:noAutofit/>
         </a:bodyPr>
         <a:lstStyle/>
         <a:p>
-          <a:pPr marL="0" lvl="0" indent="0" algn="ctr" defTabSz="933450">
+          <a:pPr marL="0" lvl="0" indent="0" algn="ctr" defTabSz="844550">
             <a:lnSpc>
               <a:spcPct val="90000"/>
             </a:lnSpc>
@@ -2043,7 +2043,7 @@
             <a:buNone/>
           </a:pPr>
           <a:r>
-            <a:rPr lang="en-GB" sz="2100" kern="1200" dirty="0"/>
+            <a:rPr lang="en-GB" sz="1900" kern="1200" dirty="0"/>
             <a:t>User turn on the sensor.</a:t>
           </a:r>
         </a:p>
@@ -2103,7 +2103,7 @@
         </a:bodyPr>
         <a:lstStyle/>
         <a:p>
-          <a:pPr marL="0" lvl="0" indent="0" algn="ctr" defTabSz="755650">
+          <a:pPr marL="0" lvl="0" indent="0" algn="ctr" defTabSz="666750">
             <a:lnSpc>
               <a:spcPct val="90000"/>
             </a:lnSpc>
@@ -2115,7 +2115,7 @@
             </a:spcAft>
             <a:buNone/>
           </a:pPr>
-          <a:endParaRPr lang="en-GB" sz="1700" kern="1200"/>
+          <a:endParaRPr lang="en-GB" sz="1500" kern="1200"/>
         </a:p>
       </dsp:txBody>
       <dsp:txXfrm>
@@ -2175,12 +2175,12 @@
         </a:fontRef>
       </dsp:style>
       <dsp:txBody>
-        <a:bodyPr spcFirstLastPara="0" vert="horz" wrap="square" lIns="80010" tIns="80010" rIns="80010" bIns="80010" numCol="1" spcCol="1270" anchor="ctr" anchorCtr="0">
+        <a:bodyPr spcFirstLastPara="0" vert="horz" wrap="square" lIns="72390" tIns="72390" rIns="72390" bIns="72390" numCol="1" spcCol="1270" anchor="ctr" anchorCtr="0">
           <a:noAutofit/>
         </a:bodyPr>
         <a:lstStyle/>
         <a:p>
-          <a:pPr marL="0" lvl="0" indent="0" algn="ctr" defTabSz="933450">
+          <a:pPr marL="0" lvl="0" indent="0" algn="ctr" defTabSz="844550">
             <a:lnSpc>
               <a:spcPct val="90000"/>
             </a:lnSpc>
@@ -2193,7 +2193,7 @@
             <a:buNone/>
           </a:pPr>
           <a:r>
-            <a:rPr lang="en-GB" sz="2100" kern="1200" dirty="0"/>
+            <a:rPr lang="en-GB" sz="1900" kern="1200" dirty="0"/>
             <a:t>User turn off the sensor.</a:t>
           </a:r>
         </a:p>
@@ -2253,7 +2253,7 @@
         </a:bodyPr>
         <a:lstStyle/>
         <a:p>
-          <a:pPr marL="0" lvl="0" indent="0" algn="ctr" defTabSz="755650">
+          <a:pPr marL="0" lvl="0" indent="0" algn="ctr" defTabSz="666750">
             <a:lnSpc>
               <a:spcPct val="90000"/>
             </a:lnSpc>
@@ -2265,7 +2265,7 @@
             </a:spcAft>
             <a:buNone/>
           </a:pPr>
-          <a:endParaRPr lang="en-GB" sz="1700" kern="1200"/>
+          <a:endParaRPr lang="en-GB" sz="1500" kern="1200"/>
         </a:p>
       </dsp:txBody>
       <dsp:txXfrm>
@@ -2325,12 +2325,12 @@
         </a:fontRef>
       </dsp:style>
       <dsp:txBody>
-        <a:bodyPr spcFirstLastPara="0" vert="horz" wrap="square" lIns="80010" tIns="80010" rIns="80010" bIns="80010" numCol="1" spcCol="1270" anchor="ctr" anchorCtr="0">
+        <a:bodyPr spcFirstLastPara="0" vert="horz" wrap="square" lIns="72390" tIns="72390" rIns="72390" bIns="72390" numCol="1" spcCol="1270" anchor="ctr" anchorCtr="0">
           <a:noAutofit/>
         </a:bodyPr>
         <a:lstStyle/>
         <a:p>
-          <a:pPr marL="0" lvl="0" indent="0" algn="ctr" defTabSz="933450">
+          <a:pPr marL="0" lvl="0" indent="0" algn="ctr" defTabSz="844550">
             <a:lnSpc>
               <a:spcPct val="90000"/>
             </a:lnSpc>
@@ -2343,8 +2343,8 @@
             <a:buNone/>
           </a:pPr>
           <a:r>
-            <a:rPr lang="en-GB" sz="2100" kern="1200" dirty="0"/>
-            <a:t>User inform their perception on a form.</a:t>
+            <a:rPr lang="en-GB" sz="1900" kern="1200" dirty="0"/>
+            <a:t>User inform their mood perception on a form.</a:t>
           </a:r>
         </a:p>
       </dsp:txBody>
@@ -2403,7 +2403,7 @@
         </a:bodyPr>
         <a:lstStyle/>
         <a:p>
-          <a:pPr marL="0" lvl="0" indent="0" algn="ctr" defTabSz="755650">
+          <a:pPr marL="0" lvl="0" indent="0" algn="ctr" defTabSz="666750">
             <a:lnSpc>
               <a:spcPct val="90000"/>
             </a:lnSpc>
@@ -2415,7 +2415,7 @@
             </a:spcAft>
             <a:buNone/>
           </a:pPr>
-          <a:endParaRPr lang="en-GB" sz="1700" kern="1200"/>
+          <a:endParaRPr lang="en-GB" sz="1500" kern="1200"/>
         </a:p>
       </dsp:txBody>
       <dsp:txXfrm>
@@ -2475,12 +2475,12 @@
         </a:fontRef>
       </dsp:style>
       <dsp:txBody>
-        <a:bodyPr spcFirstLastPara="0" vert="horz" wrap="square" lIns="80010" tIns="80010" rIns="80010" bIns="80010" numCol="1" spcCol="1270" anchor="ctr" anchorCtr="0">
+        <a:bodyPr spcFirstLastPara="0" vert="horz" wrap="square" lIns="72390" tIns="72390" rIns="72390" bIns="72390" numCol="1" spcCol="1270" anchor="ctr" anchorCtr="0">
           <a:noAutofit/>
         </a:bodyPr>
         <a:lstStyle/>
         <a:p>
-          <a:pPr marL="0" lvl="0" indent="0" algn="ctr" defTabSz="933450">
+          <a:pPr marL="0" lvl="0" indent="0" algn="ctr" defTabSz="844550">
             <a:lnSpc>
               <a:spcPct val="90000"/>
             </a:lnSpc>
@@ -2493,7 +2493,7 @@
             <a:buNone/>
           </a:pPr>
           <a:r>
-            <a:rPr lang="en-GB" sz="2100" kern="1200" dirty="0"/>
+            <a:rPr lang="en-GB" sz="1900" kern="1200" dirty="0"/>
             <a:t>The animation is generated and shown.</a:t>
           </a:r>
         </a:p>
@@ -5012,7 +5012,7 @@
           <a:p>
             <a:fld id="{9EA66E64-07EC-4BAA-9F85-F56BD96B36B0}" type="datetimeFigureOut">
               <a:rPr lang="pt-PT" smtClean="0"/>
-              <a:t>27/11/2021</a:t>
+              <a:t>29/11/2021</a:t>
             </a:fld>
             <a:endParaRPr lang="pt-PT"/>
           </a:p>
@@ -5299,7 +5299,7 @@
           <a:p>
             <a:fld id="{9EA66E64-07EC-4BAA-9F85-F56BD96B36B0}" type="datetimeFigureOut">
               <a:rPr lang="pt-PT" smtClean="0"/>
-              <a:t>27/11/2021</a:t>
+              <a:t>29/11/2021</a:t>
             </a:fld>
             <a:endParaRPr lang="pt-PT"/>
           </a:p>
@@ -5491,7 +5491,7 @@
           <a:p>
             <a:fld id="{9EA66E64-07EC-4BAA-9F85-F56BD96B36B0}" type="datetimeFigureOut">
               <a:rPr lang="pt-PT" smtClean="0"/>
-              <a:t>27/11/2021</a:t>
+              <a:t>29/11/2021</a:t>
             </a:fld>
             <a:endParaRPr lang="pt-PT"/>
           </a:p>
@@ -5752,7 +5752,7 @@
           <a:p>
             <a:fld id="{9EA66E64-07EC-4BAA-9F85-F56BD96B36B0}" type="datetimeFigureOut">
               <a:rPr lang="pt-PT" smtClean="0"/>
-              <a:t>27/11/2021</a:t>
+              <a:t>29/11/2021</a:t>
             </a:fld>
             <a:endParaRPr lang="pt-PT"/>
           </a:p>
@@ -6176,7 +6176,7 @@
           <a:p>
             <a:fld id="{9EA66E64-07EC-4BAA-9F85-F56BD96B36B0}" type="datetimeFigureOut">
               <a:rPr lang="pt-PT" smtClean="0"/>
-              <a:t>27/11/2021</a:t>
+              <a:t>29/11/2021</a:t>
             </a:fld>
             <a:endParaRPr lang="pt-PT"/>
           </a:p>
@@ -6722,7 +6722,7 @@
           <a:p>
             <a:fld id="{9EA66E64-07EC-4BAA-9F85-F56BD96B36B0}" type="datetimeFigureOut">
               <a:rPr lang="pt-PT" smtClean="0"/>
-              <a:t>27/11/2021</a:t>
+              <a:t>29/11/2021</a:t>
             </a:fld>
             <a:endParaRPr lang="pt-PT"/>
           </a:p>
@@ -7562,7 +7562,7 @@
           <a:p>
             <a:fld id="{9EA66E64-07EC-4BAA-9F85-F56BD96B36B0}" type="datetimeFigureOut">
               <a:rPr lang="pt-PT" smtClean="0"/>
-              <a:t>27/11/2021</a:t>
+              <a:t>29/11/2021</a:t>
             </a:fld>
             <a:endParaRPr lang="pt-PT"/>
           </a:p>
@@ -7732,7 +7732,7 @@
           <a:p>
             <a:fld id="{9EA66E64-07EC-4BAA-9F85-F56BD96B36B0}" type="datetimeFigureOut">
               <a:rPr lang="pt-PT" smtClean="0"/>
-              <a:t>27/11/2021</a:t>
+              <a:t>29/11/2021</a:t>
             </a:fld>
             <a:endParaRPr lang="pt-PT"/>
           </a:p>
@@ -7916,7 +7916,7 @@
           <a:p>
             <a:fld id="{9EA66E64-07EC-4BAA-9F85-F56BD96B36B0}" type="datetimeFigureOut">
               <a:rPr lang="pt-PT" smtClean="0"/>
-              <a:t>27/11/2021</a:t>
+              <a:t>29/11/2021</a:t>
             </a:fld>
             <a:endParaRPr lang="pt-PT"/>
           </a:p>
@@ -8086,7 +8086,7 @@
           <a:p>
             <a:fld id="{9EA66E64-07EC-4BAA-9F85-F56BD96B36B0}" type="datetimeFigureOut">
               <a:rPr lang="pt-PT" smtClean="0"/>
-              <a:t>27/11/2021</a:t>
+              <a:t>29/11/2021</a:t>
             </a:fld>
             <a:endParaRPr lang="pt-PT"/>
           </a:p>
@@ -8334,7 +8334,7 @@
           <a:p>
             <a:fld id="{9EA66E64-07EC-4BAA-9F85-F56BD96B36B0}" type="datetimeFigureOut">
               <a:rPr lang="pt-PT" smtClean="0"/>
-              <a:t>27/11/2021</a:t>
+              <a:t>29/11/2021</a:t>
             </a:fld>
             <a:endParaRPr lang="pt-PT"/>
           </a:p>
@@ -8571,7 +8571,7 @@
           <a:p>
             <a:fld id="{9EA66E64-07EC-4BAA-9F85-F56BD96B36B0}" type="datetimeFigureOut">
               <a:rPr lang="pt-PT" smtClean="0"/>
-              <a:t>27/11/2021</a:t>
+              <a:t>29/11/2021</a:t>
             </a:fld>
             <a:endParaRPr lang="pt-PT"/>
           </a:p>
@@ -8944,7 +8944,7 @@
           <a:p>
             <a:fld id="{9EA66E64-07EC-4BAA-9F85-F56BD96B36B0}" type="datetimeFigureOut">
               <a:rPr lang="pt-PT" smtClean="0"/>
-              <a:t>27/11/2021</a:t>
+              <a:t>29/11/2021</a:t>
             </a:fld>
             <a:endParaRPr lang="pt-PT"/>
           </a:p>
@@ -9062,7 +9062,7 @@
           <a:p>
             <a:fld id="{9EA66E64-07EC-4BAA-9F85-F56BD96B36B0}" type="datetimeFigureOut">
               <a:rPr lang="pt-PT" smtClean="0"/>
-              <a:t>27/11/2021</a:t>
+              <a:t>29/11/2021</a:t>
             </a:fld>
             <a:endParaRPr lang="pt-PT"/>
           </a:p>
@@ -9157,7 +9157,7 @@
           <a:p>
             <a:fld id="{9EA66E64-07EC-4BAA-9F85-F56BD96B36B0}" type="datetimeFigureOut">
               <a:rPr lang="pt-PT" smtClean="0"/>
-              <a:t>27/11/2021</a:t>
+              <a:t>29/11/2021</a:t>
             </a:fld>
             <a:endParaRPr lang="pt-PT"/>
           </a:p>
@@ -9408,7 +9408,7 @@
           <a:p>
             <a:fld id="{9EA66E64-07EC-4BAA-9F85-F56BD96B36B0}" type="datetimeFigureOut">
               <a:rPr lang="pt-PT" smtClean="0"/>
-              <a:t>27/11/2021</a:t>
+              <a:t>29/11/2021</a:t>
             </a:fld>
             <a:endParaRPr lang="pt-PT"/>
           </a:p>
@@ -9695,7 +9695,7 @@
           <a:p>
             <a:fld id="{9EA66E64-07EC-4BAA-9F85-F56BD96B36B0}" type="datetimeFigureOut">
               <a:rPr lang="pt-PT" smtClean="0"/>
-              <a:t>27/11/2021</a:t>
+              <a:t>29/11/2021</a:t>
             </a:fld>
             <a:endParaRPr lang="pt-PT"/>
           </a:p>
@@ -9908,7 +9908,7 @@
           <a:p>
             <a:fld id="{9EA66E64-07EC-4BAA-9F85-F56BD96B36B0}" type="datetimeFigureOut">
               <a:rPr lang="pt-PT" smtClean="0"/>
-              <a:t>27/11/2021</a:t>
+              <a:t>29/11/2021</a:t>
             </a:fld>
             <a:endParaRPr lang="pt-PT"/>
           </a:p>
@@ -12045,7 +12045,7 @@
         <p:spPr/>
         <p:txBody>
           <a:bodyPr>
-            <a:normAutofit lnSpcReduction="10000"/>
+            <a:normAutofit/>
           </a:bodyPr>
           <a:lstStyle/>
           <a:p>
@@ -12057,7 +12057,7 @@
           <a:p>
             <a:r>
               <a:rPr lang="en-GB" sz="2800" dirty="0"/>
-              <a:t>People tend to not be aware of the stress level raise on the environment they are in, so it’ll be interesting to make people reflect about a visual representation of the sound intermittency during the day.</a:t>
+              <a:t>People tend to not be aware of the stress level raise on the environment they are in, so it’ll be interesting to make people reflect about a visual representation of the sounds patterns.</a:t>
             </a:r>
           </a:p>
         </p:txBody>
@@ -12333,7 +12333,7 @@
             <p:ph idx="1"/>
             <p:extLst>
               <p:ext uri="{D42A27DB-BD31-4B8C-83A1-F6EECF244321}">
-                <p14:modId xmlns:p14="http://schemas.microsoft.com/office/powerpoint/2010/main" val="3901328122"/>
+                <p14:modId xmlns:p14="http://schemas.microsoft.com/office/powerpoint/2010/main" val="86247400"/>
               </p:ext>
             </p:extLst>
           </p:nvPr>
@@ -12437,6 +12437,56 @@
           </a:graphicData>
         </a:graphic>
       </p:graphicFrame>
+      <p:sp>
+        <p:nvSpPr>
+          <p:cNvPr id="3" name="Rectangle: Rounded Corners 2">
+            <a:extLst>
+              <a:ext uri="{FF2B5EF4-FFF2-40B4-BE49-F238E27FC236}">
+                <a16:creationId xmlns:a16="http://schemas.microsoft.com/office/drawing/2014/main" id="{B2F8F299-351D-4DF7-B474-F97629046AD4}"/>
+              </a:ext>
+            </a:extLst>
+          </p:cNvPr>
+          <p:cNvSpPr/>
+          <p:nvPr/>
+        </p:nvSpPr>
+        <p:spPr>
+          <a:xfrm>
+            <a:off x="1305611" y="1935921"/>
+            <a:ext cx="9570128" cy="4518145"/>
+          </a:xfrm>
+          <a:prstGeom prst="roundRect">
+            <a:avLst/>
+          </a:prstGeom>
+          <a:solidFill>
+            <a:schemeClr val="bg2">
+              <a:lumMod val="20000"/>
+              <a:lumOff val="80000"/>
+            </a:schemeClr>
+          </a:solidFill>
+        </p:spPr>
+        <p:style>
+          <a:lnRef idx="2">
+            <a:schemeClr val="dk1"/>
+          </a:lnRef>
+          <a:fillRef idx="1">
+            <a:schemeClr val="lt1"/>
+          </a:fillRef>
+          <a:effectRef idx="0">
+            <a:schemeClr val="dk1"/>
+          </a:effectRef>
+          <a:fontRef idx="minor">
+            <a:schemeClr val="dk1"/>
+          </a:fontRef>
+        </p:style>
+        <p:txBody>
+          <a:bodyPr rtlCol="0" anchor="ctr"/>
+          <a:lstStyle/>
+          <a:p>
+            <a:pPr algn="ctr"/>
+            <a:endParaRPr lang="en-GB"/>
+          </a:p>
+        </p:txBody>
+      </p:sp>
       <p:pic>
         <p:nvPicPr>
           <p:cNvPr id="7" name="Picture 6">
@@ -12465,7 +12515,7 @@
         </p:blipFill>
         <p:spPr>
           <a:xfrm>
-            <a:off x="2202378" y="2228270"/>
+            <a:off x="2202378" y="2361040"/>
             <a:ext cx="7776594" cy="3430160"/>
           </a:xfrm>
           <a:prstGeom prst="rect">

--- a/Documents/Mood Picture - Second presentation.pptx
+++ b/Documents/Mood Picture - Second presentation.pptx
@@ -1697,7 +1697,7 @@
         <a:p>
           <a:r>
             <a:rPr lang="en-GB" dirty="0"/>
-            <a:t>User turn off the sensor.</a:t>
+            <a:t>The sensors record the environment sound for a long period</a:t>
           </a:r>
         </a:p>
       </dgm:t>
@@ -1714,42 +1714,6 @@
       </dgm:t>
     </dgm:pt>
     <dgm:pt modelId="{AC03EA7F-3F48-4661-B691-8B6DEEF42058}" type="sibTrans" cxnId="{E53505FC-4996-49A5-8A62-D1BF2E48C7F8}">
-      <dgm:prSet/>
-      <dgm:spPr/>
-      <dgm:t>
-        <a:bodyPr/>
-        <a:lstStyle/>
-        <a:p>
-          <a:endParaRPr lang="en-GB"/>
-        </a:p>
-      </dgm:t>
-    </dgm:pt>
-    <dgm:pt modelId="{25C7DD85-BC83-44CC-856B-582F437255ED}">
-      <dgm:prSet phldrT="[Text]"/>
-      <dgm:spPr/>
-      <dgm:t>
-        <a:bodyPr/>
-        <a:lstStyle/>
-        <a:p>
-          <a:r>
-            <a:rPr lang="en-GB" dirty="0"/>
-            <a:t>User inform their mood perception on a form.</a:t>
-          </a:r>
-        </a:p>
-      </dgm:t>
-    </dgm:pt>
-    <dgm:pt modelId="{925E9CDA-AC5A-41D3-8C86-7AF469BE9B06}" type="parTrans" cxnId="{D5683BFE-DED9-48CC-8AAA-1B3E49FCB4D9}">
-      <dgm:prSet/>
-      <dgm:spPr/>
-      <dgm:t>
-        <a:bodyPr/>
-        <a:lstStyle/>
-        <a:p>
-          <a:endParaRPr lang="en-GB"/>
-        </a:p>
-      </dgm:t>
-    </dgm:pt>
-    <dgm:pt modelId="{676AD955-A270-4E61-BAC8-AA210766D542}" type="sibTrans" cxnId="{D5683BFE-DED9-48CC-8AAA-1B3E49FCB4D9}">
       <dgm:prSet/>
       <dgm:spPr/>
       <dgm:t>
@@ -1832,6 +1796,78 @@
         </a:p>
       </dgm:t>
     </dgm:pt>
+    <dgm:pt modelId="{8D5850FC-CB6A-4520-B6E6-BA06749E159D}">
+      <dgm:prSet phldrT="[Text]"/>
+      <dgm:spPr/>
+      <dgm:t>
+        <a:bodyPr/>
+        <a:lstStyle/>
+        <a:p>
+          <a:r>
+            <a:rPr lang="en-GB" dirty="0"/>
+            <a:t>User inform their mood perception on a form.</a:t>
+          </a:r>
+        </a:p>
+      </dgm:t>
+    </dgm:pt>
+    <dgm:pt modelId="{454BF208-5418-4CE9-AA47-0340733F4744}" type="parTrans" cxnId="{E32240FA-AFBB-4FBD-BF42-0590212640E5}">
+      <dgm:prSet/>
+      <dgm:spPr/>
+      <dgm:t>
+        <a:bodyPr/>
+        <a:lstStyle/>
+        <a:p>
+          <a:endParaRPr lang="en-GB"/>
+        </a:p>
+      </dgm:t>
+    </dgm:pt>
+    <dgm:pt modelId="{C7DD8593-EA45-4A36-8E0D-65250B1D666E}" type="sibTrans" cxnId="{E32240FA-AFBB-4FBD-BF42-0590212640E5}">
+      <dgm:prSet/>
+      <dgm:spPr/>
+      <dgm:t>
+        <a:bodyPr/>
+        <a:lstStyle/>
+        <a:p>
+          <a:endParaRPr lang="en-GB"/>
+        </a:p>
+      </dgm:t>
+    </dgm:pt>
+    <dgm:pt modelId="{5D0BC788-549E-401C-8AD1-D8E051E82C2D}">
+      <dgm:prSet phldrT="[Text]"/>
+      <dgm:spPr/>
+      <dgm:t>
+        <a:bodyPr/>
+        <a:lstStyle/>
+        <a:p>
+          <a:r>
+            <a:rPr lang="en-GB" dirty="0"/>
+            <a:t>User turn off the sensor.</a:t>
+          </a:r>
+        </a:p>
+      </dgm:t>
+    </dgm:pt>
+    <dgm:pt modelId="{7E0CA651-6198-48F7-8A5C-FC25B00ED69E}" type="parTrans" cxnId="{5321D8FB-F98B-4034-AC4F-4AC7D4249B39}">
+      <dgm:prSet/>
+      <dgm:spPr/>
+      <dgm:t>
+        <a:bodyPr/>
+        <a:lstStyle/>
+        <a:p>
+          <a:endParaRPr lang="en-GB"/>
+        </a:p>
+      </dgm:t>
+    </dgm:pt>
+    <dgm:pt modelId="{A3540457-768B-490F-8273-1AA1B5C21E94}" type="sibTrans" cxnId="{5321D8FB-F98B-4034-AC4F-4AC7D4249B39}">
+      <dgm:prSet/>
+      <dgm:spPr/>
+      <dgm:t>
+        <a:bodyPr/>
+        <a:lstStyle/>
+        <a:p>
+          <a:endParaRPr lang="en-GB"/>
+        </a:p>
+      </dgm:t>
+    </dgm:pt>
     <dgm:pt modelId="{E23A7707-EB95-4BBD-A4DA-05DE1B34D11A}" type="pres">
       <dgm:prSet presAssocID="{08E3144C-D780-4096-8E2A-F952405D5EF1}" presName="Name0" presStyleCnt="0">
         <dgm:presLayoutVars>
@@ -1842,7 +1878,7 @@
       <dgm:spPr/>
     </dgm:pt>
     <dgm:pt modelId="{CF000200-E3DA-4D23-B9B3-3BE62A84B2DC}" type="pres">
-      <dgm:prSet presAssocID="{B836FA77-6FAE-4535-8A22-BEC94005B074}" presName="node" presStyleLbl="node1" presStyleIdx="0" presStyleCnt="4" custLinFactNeighborX="27892" custLinFactNeighborY="6908">
+      <dgm:prSet presAssocID="{B836FA77-6FAE-4535-8A22-BEC94005B074}" presName="node" presStyleLbl="node1" presStyleIdx="0" presStyleCnt="5" custLinFactNeighborX="11371" custLinFactNeighborY="-2882">
         <dgm:presLayoutVars>
           <dgm:bulletEnabled val="1"/>
         </dgm:presLayoutVars>
@@ -1850,15 +1886,15 @@
       <dgm:spPr/>
     </dgm:pt>
     <dgm:pt modelId="{24F0FB48-E38C-456B-B39B-1449F6217039}" type="pres">
-      <dgm:prSet presAssocID="{F635653A-9F6C-4F9C-B40B-FFC7487CEA7E}" presName="sibTrans" presStyleLbl="sibTrans2D1" presStyleIdx="0" presStyleCnt="3"/>
+      <dgm:prSet presAssocID="{F635653A-9F6C-4F9C-B40B-FFC7487CEA7E}" presName="sibTrans" presStyleLbl="sibTrans2D1" presStyleIdx="0" presStyleCnt="4"/>
       <dgm:spPr/>
     </dgm:pt>
     <dgm:pt modelId="{64DB2637-3000-4975-9038-4D5F5FF51F0B}" type="pres">
-      <dgm:prSet presAssocID="{F635653A-9F6C-4F9C-B40B-FFC7487CEA7E}" presName="connectorText" presStyleLbl="sibTrans2D1" presStyleIdx="0" presStyleCnt="3"/>
+      <dgm:prSet presAssocID="{F635653A-9F6C-4F9C-B40B-FFC7487CEA7E}" presName="connectorText" presStyleLbl="sibTrans2D1" presStyleIdx="0" presStyleCnt="4"/>
       <dgm:spPr/>
     </dgm:pt>
     <dgm:pt modelId="{27C9A576-3800-4DC3-B67E-02BA200F7ED2}" type="pres">
-      <dgm:prSet presAssocID="{D1009378-0BA4-4CA3-9FA7-1B3E41D37005}" presName="node" presStyleLbl="node1" presStyleIdx="1" presStyleCnt="4" custLinFactNeighborX="3163" custLinFactNeighborY="6908">
+      <dgm:prSet presAssocID="{D1009378-0BA4-4CA3-9FA7-1B3E41D37005}" presName="node" presStyleLbl="node1" presStyleIdx="1" presStyleCnt="5" custLinFactNeighborX="-5599" custLinFactNeighborY="-5917">
         <dgm:presLayoutVars>
           <dgm:bulletEnabled val="1"/>
         </dgm:presLayoutVars>
@@ -1866,31 +1902,47 @@
       <dgm:spPr/>
     </dgm:pt>
     <dgm:pt modelId="{AE9EF424-0097-4360-B7BD-2F2C76A42258}" type="pres">
-      <dgm:prSet presAssocID="{AC03EA7F-3F48-4661-B691-8B6DEEF42058}" presName="sibTrans" presStyleLbl="sibTrans2D1" presStyleIdx="1" presStyleCnt="3"/>
+      <dgm:prSet presAssocID="{AC03EA7F-3F48-4661-B691-8B6DEEF42058}" presName="sibTrans" presStyleLbl="sibTrans2D1" presStyleIdx="1" presStyleCnt="4"/>
       <dgm:spPr/>
     </dgm:pt>
     <dgm:pt modelId="{E7EB3E72-A7C8-491C-AA21-AB24DB828A30}" type="pres">
-      <dgm:prSet presAssocID="{AC03EA7F-3F48-4661-B691-8B6DEEF42058}" presName="connectorText" presStyleLbl="sibTrans2D1" presStyleIdx="1" presStyleCnt="3"/>
+      <dgm:prSet presAssocID="{AC03EA7F-3F48-4661-B691-8B6DEEF42058}" presName="connectorText" presStyleLbl="sibTrans2D1" presStyleIdx="1" presStyleCnt="4"/>
       <dgm:spPr/>
     </dgm:pt>
-    <dgm:pt modelId="{87497A95-6ED1-45B5-AB3E-5EFB7AA19D68}" type="pres">
-      <dgm:prSet presAssocID="{25C7DD85-BC83-44CC-856B-582F437255ED}" presName="node" presStyleLbl="node1" presStyleIdx="2" presStyleCnt="4" custLinFactNeighborY="6908">
+    <dgm:pt modelId="{70788A85-84D2-402F-BA92-15146CD09A6B}" type="pres">
+      <dgm:prSet presAssocID="{5D0BC788-549E-401C-8AD1-D8E051E82C2D}" presName="node" presStyleLbl="node1" presStyleIdx="2" presStyleCnt="5" custLinFactNeighborX="-10003" custLinFactNeighborY="-8850">
         <dgm:presLayoutVars>
           <dgm:bulletEnabled val="1"/>
         </dgm:presLayoutVars>
       </dgm:prSet>
       <dgm:spPr/>
     </dgm:pt>
-    <dgm:pt modelId="{7F7AA969-6089-4056-8FC3-5F0B604C0264}" type="pres">
-      <dgm:prSet presAssocID="{676AD955-A270-4E61-BAC8-AA210766D542}" presName="sibTrans" presStyleLbl="sibTrans2D1" presStyleIdx="2" presStyleCnt="3"/>
+    <dgm:pt modelId="{82FDCE5B-7F8F-4DC3-9DB2-D19C06E9EC37}" type="pres">
+      <dgm:prSet presAssocID="{A3540457-768B-490F-8273-1AA1B5C21E94}" presName="sibTrans" presStyleLbl="sibTrans2D1" presStyleIdx="2" presStyleCnt="4"/>
       <dgm:spPr/>
     </dgm:pt>
-    <dgm:pt modelId="{B2FD3734-9B28-45DD-9E0E-944728FC0C44}" type="pres">
-      <dgm:prSet presAssocID="{676AD955-A270-4E61-BAC8-AA210766D542}" presName="connectorText" presStyleLbl="sibTrans2D1" presStyleIdx="2" presStyleCnt="3"/>
+    <dgm:pt modelId="{4C09B0BD-EC1E-41CE-A3D4-D062C976225E}" type="pres">
+      <dgm:prSet presAssocID="{A3540457-768B-490F-8273-1AA1B5C21E94}" presName="connectorText" presStyleLbl="sibTrans2D1" presStyleIdx="2" presStyleCnt="4"/>
+      <dgm:spPr/>
+    </dgm:pt>
+    <dgm:pt modelId="{3C0CBF96-3397-4626-802E-F443EFD7ED9A}" type="pres">
+      <dgm:prSet presAssocID="{8D5850FC-CB6A-4520-B6E6-BA06749E159D}" presName="node" presStyleLbl="node1" presStyleIdx="3" presStyleCnt="5" custLinFactNeighborX="-25664" custLinFactNeighborY="-7730">
+        <dgm:presLayoutVars>
+          <dgm:bulletEnabled val="1"/>
+        </dgm:presLayoutVars>
+      </dgm:prSet>
+      <dgm:spPr/>
+    </dgm:pt>
+    <dgm:pt modelId="{D5AA3761-CFE0-4E15-884D-A00807712F3B}" type="pres">
+      <dgm:prSet presAssocID="{C7DD8593-EA45-4A36-8E0D-65250B1D666E}" presName="sibTrans" presStyleLbl="sibTrans2D1" presStyleIdx="3" presStyleCnt="4"/>
+      <dgm:spPr/>
+    </dgm:pt>
+    <dgm:pt modelId="{AEC4163E-8121-47DF-AB94-26C847658294}" type="pres">
+      <dgm:prSet presAssocID="{C7DD8593-EA45-4A36-8E0D-65250B1D666E}" presName="connectorText" presStyleLbl="sibTrans2D1" presStyleIdx="3" presStyleCnt="4"/>
       <dgm:spPr/>
     </dgm:pt>
     <dgm:pt modelId="{0092CC0A-05C1-46CC-B7CD-EC69AF1764D8}" type="pres">
-      <dgm:prSet presAssocID="{05CBF2E2-BE23-4E73-9D44-0A8261E61BF4}" presName="node" presStyleLbl="node1" presStyleIdx="3" presStyleCnt="4" custLinFactNeighborX="-14252" custLinFactNeighborY="6908">
+      <dgm:prSet presAssocID="{05CBF2E2-BE23-4E73-9D44-0A8261E61BF4}" presName="node" presStyleLbl="node1" presStyleIdx="4" presStyleCnt="5" custLinFactNeighborX="-35494" custLinFactNeighborY="-11864">
         <dgm:presLayoutVars>
           <dgm:bulletEnabled val="1"/>
         </dgm:presLayoutVars>
@@ -1899,31 +1951,38 @@
     </dgm:pt>
   </dgm:ptLst>
   <dgm:cxnLst>
-    <dgm:cxn modelId="{BEDF0306-BAFB-40FE-8DBF-0609DF91DF04}" type="presOf" srcId="{676AD955-A270-4E61-BAC8-AA210766D542}" destId="{B2FD3734-9B28-45DD-9E0E-944728FC0C44}" srcOrd="1" destOrd="0" presId="urn:microsoft.com/office/officeart/2005/8/layout/process1"/>
-    <dgm:cxn modelId="{6398D017-8858-4192-A32D-DF2E1B38659A}" type="presOf" srcId="{25C7DD85-BC83-44CC-856B-582F437255ED}" destId="{87497A95-6ED1-45B5-AB3E-5EFB7AA19D68}" srcOrd="0" destOrd="0" presId="urn:microsoft.com/office/officeart/2005/8/layout/process1"/>
+    <dgm:cxn modelId="{F2EA830F-773A-4840-8D16-65E418E6AA94}" type="presOf" srcId="{8D5850FC-CB6A-4520-B6E6-BA06749E159D}" destId="{3C0CBF96-3397-4626-802E-F443EFD7ED9A}" srcOrd="0" destOrd="0" presId="urn:microsoft.com/office/officeart/2005/8/layout/process1"/>
+    <dgm:cxn modelId="{A9076013-78A8-468E-801D-12E83361B5C9}" type="presOf" srcId="{A3540457-768B-490F-8273-1AA1B5C21E94}" destId="{82FDCE5B-7F8F-4DC3-9DB2-D19C06E9EC37}" srcOrd="0" destOrd="0" presId="urn:microsoft.com/office/officeart/2005/8/layout/process1"/>
     <dgm:cxn modelId="{961D6B20-CC28-4C13-A4B2-A5EDA75078FA}" srcId="{08E3144C-D780-4096-8E2A-F952405D5EF1}" destId="{B836FA77-6FAE-4535-8A22-BEC94005B074}" srcOrd="0" destOrd="0" parTransId="{641D1C0D-22B6-4043-95AD-2B845E83E947}" sibTransId="{F635653A-9F6C-4F9C-B40B-FFC7487CEA7E}"/>
     <dgm:cxn modelId="{2CE2D060-79B0-406C-ADCB-51022509489C}" type="presOf" srcId="{F635653A-9F6C-4F9C-B40B-FFC7487CEA7E}" destId="{64DB2637-3000-4975-9038-4D5F5FF51F0B}" srcOrd="1" destOrd="0" presId="urn:microsoft.com/office/officeart/2005/8/layout/process1"/>
     <dgm:cxn modelId="{AB155B63-85B5-45F3-8848-8CDD87DE73A2}" type="presOf" srcId="{05CBF2E2-BE23-4E73-9D44-0A8261E61BF4}" destId="{0092CC0A-05C1-46CC-B7CD-EC69AF1764D8}" srcOrd="0" destOrd="0" presId="urn:microsoft.com/office/officeart/2005/8/layout/process1"/>
-    <dgm:cxn modelId="{7A137D46-17CF-48EC-9A24-E00168950857}" srcId="{08E3144C-D780-4096-8E2A-F952405D5EF1}" destId="{05CBF2E2-BE23-4E73-9D44-0A8261E61BF4}" srcOrd="3" destOrd="0" parTransId="{7BF13DF9-7738-4A77-801B-06E732ECA71E}" sibTransId="{C31F2D74-8DCA-4238-A889-2BFADDE27EE0}"/>
+    <dgm:cxn modelId="{7A137D46-17CF-48EC-9A24-E00168950857}" srcId="{08E3144C-D780-4096-8E2A-F952405D5EF1}" destId="{05CBF2E2-BE23-4E73-9D44-0A8261E61BF4}" srcOrd="4" destOrd="0" parTransId="{7BF13DF9-7738-4A77-801B-06E732ECA71E}" sibTransId="{C31F2D74-8DCA-4238-A889-2BFADDE27EE0}"/>
+    <dgm:cxn modelId="{31B1556A-0AE3-480A-9B9B-FCAD4758C27A}" type="presOf" srcId="{5D0BC788-549E-401C-8AD1-D8E051E82C2D}" destId="{70788A85-84D2-402F-BA92-15146CD09A6B}" srcOrd="0" destOrd="0" presId="urn:microsoft.com/office/officeart/2005/8/layout/process1"/>
     <dgm:cxn modelId="{B34EC451-7E3E-40F6-BBEF-8FA359A8DB35}" type="presOf" srcId="{F635653A-9F6C-4F9C-B40B-FFC7487CEA7E}" destId="{24F0FB48-E38C-456B-B39B-1449F6217039}" srcOrd="0" destOrd="0" presId="urn:microsoft.com/office/officeart/2005/8/layout/process1"/>
+    <dgm:cxn modelId="{21CAB959-2A80-40B1-AE95-272A1B9CC76C}" type="presOf" srcId="{A3540457-768B-490F-8273-1AA1B5C21E94}" destId="{4C09B0BD-EC1E-41CE-A3D4-D062C976225E}" srcOrd="1" destOrd="0" presId="urn:microsoft.com/office/officeart/2005/8/layout/process1"/>
     <dgm:cxn modelId="{E9CD0D93-7BA2-44DD-94E3-1A5B5DA93B45}" type="presOf" srcId="{AC03EA7F-3F48-4661-B691-8B6DEEF42058}" destId="{E7EB3E72-A7C8-491C-AA21-AB24DB828A30}" srcOrd="1" destOrd="0" presId="urn:microsoft.com/office/officeart/2005/8/layout/process1"/>
     <dgm:cxn modelId="{59BF05A4-20A9-4471-A6F5-23D46FF9FA3A}" type="presOf" srcId="{08E3144C-D780-4096-8E2A-F952405D5EF1}" destId="{E23A7707-EB95-4BBD-A4DA-05DE1B34D11A}" srcOrd="0" destOrd="0" presId="urn:microsoft.com/office/officeart/2005/8/layout/process1"/>
-    <dgm:cxn modelId="{1B470EB9-6614-4522-8B9C-7FD74678E9E3}" type="presOf" srcId="{676AD955-A270-4E61-BAC8-AA210766D542}" destId="{7F7AA969-6089-4056-8FC3-5F0B604C0264}" srcOrd="0" destOrd="0" presId="urn:microsoft.com/office/officeart/2005/8/layout/process1"/>
     <dgm:cxn modelId="{C5403DD6-F8F0-4E6A-A8B1-12C441B45359}" type="presOf" srcId="{B836FA77-6FAE-4535-8A22-BEC94005B074}" destId="{CF000200-E3DA-4D23-B9B3-3BE62A84B2DC}" srcOrd="0" destOrd="0" presId="urn:microsoft.com/office/officeart/2005/8/layout/process1"/>
     <dgm:cxn modelId="{BB5937DA-D1A0-42A1-8C97-5B485D20CE62}" type="presOf" srcId="{D1009378-0BA4-4CA3-9FA7-1B3E41D37005}" destId="{27C9A576-3800-4DC3-B67E-02BA200F7ED2}" srcOrd="0" destOrd="0" presId="urn:microsoft.com/office/officeart/2005/8/layout/process1"/>
+    <dgm:cxn modelId="{824FD9EE-4AC4-4270-9207-8E00AF125D2E}" type="presOf" srcId="{C7DD8593-EA45-4A36-8E0D-65250B1D666E}" destId="{AEC4163E-8121-47DF-AB94-26C847658294}" srcOrd="1" destOrd="0" presId="urn:microsoft.com/office/officeart/2005/8/layout/process1"/>
     <dgm:cxn modelId="{837DF7F4-340A-4561-95A6-0BBB8CDBB4AE}" type="presOf" srcId="{AC03EA7F-3F48-4661-B691-8B6DEEF42058}" destId="{AE9EF424-0097-4360-B7BD-2F2C76A42258}" srcOrd="0" destOrd="0" presId="urn:microsoft.com/office/officeart/2005/8/layout/process1"/>
+    <dgm:cxn modelId="{E32240FA-AFBB-4FBD-BF42-0590212640E5}" srcId="{08E3144C-D780-4096-8E2A-F952405D5EF1}" destId="{8D5850FC-CB6A-4520-B6E6-BA06749E159D}" srcOrd="3" destOrd="0" parTransId="{454BF208-5418-4CE9-AA47-0340733F4744}" sibTransId="{C7DD8593-EA45-4A36-8E0D-65250B1D666E}"/>
+    <dgm:cxn modelId="{5321D8FB-F98B-4034-AC4F-4AC7D4249B39}" srcId="{08E3144C-D780-4096-8E2A-F952405D5EF1}" destId="{5D0BC788-549E-401C-8AD1-D8E051E82C2D}" srcOrd="2" destOrd="0" parTransId="{7E0CA651-6198-48F7-8A5C-FC25B00ED69E}" sibTransId="{A3540457-768B-490F-8273-1AA1B5C21E94}"/>
     <dgm:cxn modelId="{E53505FC-4996-49A5-8A62-D1BF2E48C7F8}" srcId="{08E3144C-D780-4096-8E2A-F952405D5EF1}" destId="{D1009378-0BA4-4CA3-9FA7-1B3E41D37005}" srcOrd="1" destOrd="0" parTransId="{C40DEE78-EB46-486D-A7DE-C8B0954315EC}" sibTransId="{AC03EA7F-3F48-4661-B691-8B6DEEF42058}"/>
-    <dgm:cxn modelId="{D5683BFE-DED9-48CC-8AAA-1B3E49FCB4D9}" srcId="{08E3144C-D780-4096-8E2A-F952405D5EF1}" destId="{25C7DD85-BC83-44CC-856B-582F437255ED}" srcOrd="2" destOrd="0" parTransId="{925E9CDA-AC5A-41D3-8C86-7AF469BE9B06}" sibTransId="{676AD955-A270-4E61-BAC8-AA210766D542}"/>
+    <dgm:cxn modelId="{B1E672FF-8FD7-430F-8455-579ACED4673A}" type="presOf" srcId="{C7DD8593-EA45-4A36-8E0D-65250B1D666E}" destId="{D5AA3761-CFE0-4E15-884D-A00807712F3B}" srcOrd="0" destOrd="0" presId="urn:microsoft.com/office/officeart/2005/8/layout/process1"/>
     <dgm:cxn modelId="{8D729DBC-8429-4670-9171-C94DAD28D2BC}" type="presParOf" srcId="{E23A7707-EB95-4BBD-A4DA-05DE1B34D11A}" destId="{CF000200-E3DA-4D23-B9B3-3BE62A84B2DC}" srcOrd="0" destOrd="0" presId="urn:microsoft.com/office/officeart/2005/8/layout/process1"/>
     <dgm:cxn modelId="{72317F09-9DC3-45CD-B3C5-E938484860FD}" type="presParOf" srcId="{E23A7707-EB95-4BBD-A4DA-05DE1B34D11A}" destId="{24F0FB48-E38C-456B-B39B-1449F6217039}" srcOrd="1" destOrd="0" presId="urn:microsoft.com/office/officeart/2005/8/layout/process1"/>
     <dgm:cxn modelId="{3C9BE9FB-8236-41EB-8B12-87CF5E640E99}" type="presParOf" srcId="{24F0FB48-E38C-456B-B39B-1449F6217039}" destId="{64DB2637-3000-4975-9038-4D5F5FF51F0B}" srcOrd="0" destOrd="0" presId="urn:microsoft.com/office/officeart/2005/8/layout/process1"/>
     <dgm:cxn modelId="{29DBFB7F-2B09-4579-9288-E5D276130ECA}" type="presParOf" srcId="{E23A7707-EB95-4BBD-A4DA-05DE1B34D11A}" destId="{27C9A576-3800-4DC3-B67E-02BA200F7ED2}" srcOrd="2" destOrd="0" presId="urn:microsoft.com/office/officeart/2005/8/layout/process1"/>
     <dgm:cxn modelId="{DC9DEF72-970E-4961-AAD8-FED27647B366}" type="presParOf" srcId="{E23A7707-EB95-4BBD-A4DA-05DE1B34D11A}" destId="{AE9EF424-0097-4360-B7BD-2F2C76A42258}" srcOrd="3" destOrd="0" presId="urn:microsoft.com/office/officeart/2005/8/layout/process1"/>
     <dgm:cxn modelId="{B9F1F683-4F83-47F6-BA8E-B66A4C1D5682}" type="presParOf" srcId="{AE9EF424-0097-4360-B7BD-2F2C76A42258}" destId="{E7EB3E72-A7C8-491C-AA21-AB24DB828A30}" srcOrd="0" destOrd="0" presId="urn:microsoft.com/office/officeart/2005/8/layout/process1"/>
-    <dgm:cxn modelId="{D77FEF83-05ED-4619-A480-9DE57D925F3B}" type="presParOf" srcId="{E23A7707-EB95-4BBD-A4DA-05DE1B34D11A}" destId="{87497A95-6ED1-45B5-AB3E-5EFB7AA19D68}" srcOrd="4" destOrd="0" presId="urn:microsoft.com/office/officeart/2005/8/layout/process1"/>
-    <dgm:cxn modelId="{E306F2FD-E9BF-4E97-A270-3A15E87E9C81}" type="presParOf" srcId="{E23A7707-EB95-4BBD-A4DA-05DE1B34D11A}" destId="{7F7AA969-6089-4056-8FC3-5F0B604C0264}" srcOrd="5" destOrd="0" presId="urn:microsoft.com/office/officeart/2005/8/layout/process1"/>
-    <dgm:cxn modelId="{548FDFC8-5760-4571-8397-2D58D17B9522}" type="presParOf" srcId="{7F7AA969-6089-4056-8FC3-5F0B604C0264}" destId="{B2FD3734-9B28-45DD-9E0E-944728FC0C44}" srcOrd="0" destOrd="0" presId="urn:microsoft.com/office/officeart/2005/8/layout/process1"/>
-    <dgm:cxn modelId="{6B29CA00-4597-45A1-9EDB-7C979DA8E0C9}" type="presParOf" srcId="{E23A7707-EB95-4BBD-A4DA-05DE1B34D11A}" destId="{0092CC0A-05C1-46CC-B7CD-EC69AF1764D8}" srcOrd="6" destOrd="0" presId="urn:microsoft.com/office/officeart/2005/8/layout/process1"/>
+    <dgm:cxn modelId="{68EC1D3C-EE0B-4910-B754-832A9DA93403}" type="presParOf" srcId="{E23A7707-EB95-4BBD-A4DA-05DE1B34D11A}" destId="{70788A85-84D2-402F-BA92-15146CD09A6B}" srcOrd="4" destOrd="0" presId="urn:microsoft.com/office/officeart/2005/8/layout/process1"/>
+    <dgm:cxn modelId="{7AEBCC3C-9AF7-4CAB-ABF3-1FFB6A3AAAB0}" type="presParOf" srcId="{E23A7707-EB95-4BBD-A4DA-05DE1B34D11A}" destId="{82FDCE5B-7F8F-4DC3-9DB2-D19C06E9EC37}" srcOrd="5" destOrd="0" presId="urn:microsoft.com/office/officeart/2005/8/layout/process1"/>
+    <dgm:cxn modelId="{C9AF11CB-F0E1-4303-ADD8-C979A875B75E}" type="presParOf" srcId="{82FDCE5B-7F8F-4DC3-9DB2-D19C06E9EC37}" destId="{4C09B0BD-EC1E-41CE-A3D4-D062C976225E}" srcOrd="0" destOrd="0" presId="urn:microsoft.com/office/officeart/2005/8/layout/process1"/>
+    <dgm:cxn modelId="{612381FB-08DF-481C-AFE4-EE3CA8AC9A3B}" type="presParOf" srcId="{E23A7707-EB95-4BBD-A4DA-05DE1B34D11A}" destId="{3C0CBF96-3397-4626-802E-F443EFD7ED9A}" srcOrd="6" destOrd="0" presId="urn:microsoft.com/office/officeart/2005/8/layout/process1"/>
+    <dgm:cxn modelId="{5BBA2A29-44AE-4B8F-A8FD-B0FF92C6C88F}" type="presParOf" srcId="{E23A7707-EB95-4BBD-A4DA-05DE1B34D11A}" destId="{D5AA3761-CFE0-4E15-884D-A00807712F3B}" srcOrd="7" destOrd="0" presId="urn:microsoft.com/office/officeart/2005/8/layout/process1"/>
+    <dgm:cxn modelId="{964ED632-621B-4887-8CDE-3C12F7A0F577}" type="presParOf" srcId="{D5AA3761-CFE0-4E15-884D-A00807712F3B}" destId="{AEC4163E-8121-47DF-AB94-26C847658294}" srcOrd="0" destOrd="0" presId="urn:microsoft.com/office/officeart/2005/8/layout/process1"/>
+    <dgm:cxn modelId="{6B29CA00-4597-45A1-9EDB-7C979DA8E0C9}" type="presParOf" srcId="{E23A7707-EB95-4BBD-A4DA-05DE1B34D11A}" destId="{0092CC0A-05C1-46CC-B7CD-EC69AF1764D8}" srcOrd="8" destOrd="0" presId="urn:microsoft.com/office/officeart/2005/8/layout/process1"/>
   </dgm:cxnLst>
   <dgm:bg/>
   <dgm:whole/>
@@ -1980,8 +2039,8 @@
       </dsp:nvSpPr>
       <dsp:spPr>
         <a:xfrm>
-          <a:off x="226496" y="1333501"/>
-          <a:ext cx="1989341" cy="1193604"/>
+          <a:off x="76338" y="1047568"/>
+          <a:ext cx="1567206" cy="1513333"/>
         </a:xfrm>
         <a:prstGeom prst="roundRect">
           <a:avLst>
@@ -2025,12 +2084,12 @@
         </a:fontRef>
       </dsp:style>
       <dsp:txBody>
-        <a:bodyPr spcFirstLastPara="0" vert="horz" wrap="square" lIns="72390" tIns="72390" rIns="72390" bIns="72390" numCol="1" spcCol="1270" anchor="ctr" anchorCtr="0">
+        <a:bodyPr spcFirstLastPara="0" vert="horz" wrap="square" lIns="68580" tIns="68580" rIns="68580" bIns="68580" numCol="1" spcCol="1270" anchor="ctr" anchorCtr="0">
           <a:noAutofit/>
         </a:bodyPr>
         <a:lstStyle/>
         <a:p>
-          <a:pPr marL="0" lvl="0" indent="0" algn="ctr" defTabSz="844550">
+          <a:pPr marL="0" lvl="0" indent="0" algn="ctr" defTabSz="800100">
             <a:lnSpc>
               <a:spcPct val="90000"/>
             </a:lnSpc>
@@ -2043,14 +2102,14 @@
             <a:buNone/>
           </a:pPr>
           <a:r>
-            <a:rPr lang="en-GB" sz="1900" kern="1200" dirty="0"/>
+            <a:rPr lang="en-GB" sz="1800" kern="1200" dirty="0"/>
             <a:t>User turn on the sensor.</a:t>
           </a:r>
         </a:p>
       </dsp:txBody>
       <dsp:txXfrm>
-        <a:off x="261455" y="1368460"/>
-        <a:ext cx="1919423" cy="1123686"/>
+        <a:off x="120662" y="1091892"/>
+        <a:ext cx="1478558" cy="1424685"/>
       </dsp:txXfrm>
     </dsp:sp>
     <dsp:sp modelId="{24F0FB48-E38C-456B-B39B-1449F6217039}">
@@ -2059,9 +2118,9 @@
         <dsp:cNvSpPr/>
       </dsp:nvSpPr>
       <dsp:spPr>
-        <a:xfrm>
-          <a:off x="2365577" y="1683625"/>
-          <a:ext cx="317448" cy="493356"/>
+        <a:xfrm rot="21524382">
+          <a:off x="1773636" y="1586765"/>
+          <a:ext cx="275932" cy="388667"/>
         </a:xfrm>
         <a:prstGeom prst="rightArrow">
           <a:avLst>
@@ -2103,7 +2162,7 @@
         </a:bodyPr>
         <a:lstStyle/>
         <a:p>
-          <a:pPr marL="0" lvl="0" indent="0" algn="ctr" defTabSz="666750">
+          <a:pPr marL="0" lvl="0" indent="0" algn="ctr" defTabSz="622300">
             <a:lnSpc>
               <a:spcPct val="90000"/>
             </a:lnSpc>
@@ -2115,12 +2174,12 @@
             </a:spcAft>
             <a:buNone/>
           </a:pPr>
-          <a:endParaRPr lang="en-GB" sz="1500" kern="1200"/>
+          <a:endParaRPr lang="en-GB" sz="1400" kern="1200"/>
         </a:p>
       </dsp:txBody>
       <dsp:txXfrm>
-        <a:off x="2365577" y="1782296"/>
-        <a:ext cx="222214" cy="296014"/>
+        <a:off x="1773646" y="1665408"/>
+        <a:ext cx="193152" cy="233201"/>
       </dsp:txXfrm>
     </dsp:sp>
     <dsp:sp modelId="{27C9A576-3800-4DC3-B67E-02BA200F7ED2}">
@@ -2130,8 +2189,8 @@
       </dsp:nvSpPr>
       <dsp:spPr>
         <a:xfrm>
-          <a:off x="2814797" y="1333501"/>
-          <a:ext cx="1989341" cy="1193604"/>
+          <a:off x="2164045" y="1001639"/>
+          <a:ext cx="1567206" cy="1513333"/>
         </a:xfrm>
         <a:prstGeom prst="roundRect">
           <a:avLst>
@@ -2175,12 +2234,12 @@
         </a:fontRef>
       </dsp:style>
       <dsp:txBody>
-        <a:bodyPr spcFirstLastPara="0" vert="horz" wrap="square" lIns="72390" tIns="72390" rIns="72390" bIns="72390" numCol="1" spcCol="1270" anchor="ctr" anchorCtr="0">
+        <a:bodyPr spcFirstLastPara="0" vert="horz" wrap="square" lIns="68580" tIns="68580" rIns="68580" bIns="68580" numCol="1" spcCol="1270" anchor="ctr" anchorCtr="0">
           <a:noAutofit/>
         </a:bodyPr>
         <a:lstStyle/>
         <a:p>
-          <a:pPr marL="0" lvl="0" indent="0" algn="ctr" defTabSz="844550">
+          <a:pPr marL="0" lvl="0" indent="0" algn="ctr" defTabSz="800100">
             <a:lnSpc>
               <a:spcPct val="90000"/>
             </a:lnSpc>
@@ -2193,14 +2252,14 @@
             <a:buNone/>
           </a:pPr>
           <a:r>
-            <a:rPr lang="en-GB" sz="1900" kern="1200" dirty="0"/>
-            <a:t>User turn off the sensor.</a:t>
+            <a:rPr lang="en-GB" sz="1800" kern="1200" dirty="0"/>
+            <a:t>The sensors record the environment sound for a long period</a:t>
           </a:r>
         </a:p>
       </dsp:txBody>
       <dsp:txXfrm>
-        <a:off x="2849756" y="1368460"/>
-        <a:ext cx="1919423" cy="1123686"/>
+        <a:off x="2208369" y="1045963"/>
+        <a:ext cx="1478558" cy="1424685"/>
       </dsp:txXfrm>
     </dsp:sp>
     <dsp:sp modelId="{AE9EF424-0097-4360-B7BD-2F2C76A42258}">
@@ -2209,9 +2268,9 @@
         <dsp:cNvSpPr/>
       </dsp:nvSpPr>
       <dsp:spPr>
-        <a:xfrm>
-          <a:off x="4996780" y="1683625"/>
-          <a:ext cx="408400" cy="493356"/>
+        <a:xfrm rot="21529579">
+          <a:off x="3881037" y="1541595"/>
+          <a:ext cx="317682" cy="388667"/>
         </a:xfrm>
         <a:prstGeom prst="rightArrow">
           <a:avLst>
@@ -2253,7 +2312,7 @@
         </a:bodyPr>
         <a:lstStyle/>
         <a:p>
-          <a:pPr marL="0" lvl="0" indent="0" algn="ctr" defTabSz="666750">
+          <a:pPr marL="0" lvl="0" indent="0" algn="ctr" defTabSz="622300">
             <a:lnSpc>
               <a:spcPct val="90000"/>
             </a:lnSpc>
@@ -2265,23 +2324,23 @@
             </a:spcAft>
             <a:buNone/>
           </a:pPr>
-          <a:endParaRPr lang="en-GB" sz="1500" kern="1200"/>
+          <a:endParaRPr lang="en-GB" sz="1400" kern="1200"/>
         </a:p>
       </dsp:txBody>
       <dsp:txXfrm>
-        <a:off x="4996780" y="1782296"/>
-        <a:ext cx="285880" cy="296014"/>
+        <a:off x="3881047" y="1620304"/>
+        <a:ext cx="222377" cy="233201"/>
       </dsp:txXfrm>
     </dsp:sp>
-    <dsp:sp modelId="{87497A95-6ED1-45B5-AB3E-5EFB7AA19D68}">
+    <dsp:sp modelId="{70788A85-84D2-402F-BA92-15146CD09A6B}">
       <dsp:nvSpPr>
         <dsp:cNvPr id="0" name=""/>
         <dsp:cNvSpPr/>
       </dsp:nvSpPr>
       <dsp:spPr>
         <a:xfrm>
-          <a:off x="5574705" y="1333501"/>
-          <a:ext cx="1989341" cy="1193604"/>
+          <a:off x="4330527" y="957252"/>
+          <a:ext cx="1567206" cy="1513333"/>
         </a:xfrm>
         <a:prstGeom prst="roundRect">
           <a:avLst>
@@ -2325,12 +2384,12 @@
         </a:fontRef>
       </dsp:style>
       <dsp:txBody>
-        <a:bodyPr spcFirstLastPara="0" vert="horz" wrap="square" lIns="72390" tIns="72390" rIns="72390" bIns="72390" numCol="1" spcCol="1270" anchor="ctr" anchorCtr="0">
+        <a:bodyPr spcFirstLastPara="0" vert="horz" wrap="square" lIns="68580" tIns="68580" rIns="68580" bIns="68580" numCol="1" spcCol="1270" anchor="ctr" anchorCtr="0">
           <a:noAutofit/>
         </a:bodyPr>
         <a:lstStyle/>
         <a:p>
-          <a:pPr marL="0" lvl="0" indent="0" algn="ctr" defTabSz="844550">
+          <a:pPr marL="0" lvl="0" indent="0" algn="ctr" defTabSz="800100">
             <a:lnSpc>
               <a:spcPct val="90000"/>
             </a:lnSpc>
@@ -2343,25 +2402,25 @@
             <a:buNone/>
           </a:pPr>
           <a:r>
-            <a:rPr lang="en-GB" sz="1900" kern="1200" dirty="0"/>
-            <a:t>User inform their mood perception on a form.</a:t>
+            <a:rPr lang="en-GB" sz="1800" kern="1200" dirty="0"/>
+            <a:t>User turn off the sensor.</a:t>
           </a:r>
         </a:p>
       </dsp:txBody>
       <dsp:txXfrm>
-        <a:off x="5609664" y="1368460"/>
-        <a:ext cx="1919423" cy="1123686"/>
+        <a:off x="4374851" y="1001576"/>
+        <a:ext cx="1478558" cy="1424685"/>
       </dsp:txXfrm>
     </dsp:sp>
-    <dsp:sp modelId="{7F7AA969-6089-4056-8FC3-5F0B604C0264}">
+    <dsp:sp modelId="{82FDCE5B-7F8F-4DC3-9DB2-D19C06E9EC37}">
       <dsp:nvSpPr>
         <dsp:cNvPr id="0" name=""/>
         <dsp:cNvSpPr/>
       </dsp:nvSpPr>
       <dsp:spPr>
-        <a:xfrm>
-          <a:off x="7734629" y="1683625"/>
-          <a:ext cx="361633" cy="493356"/>
+        <a:xfrm rot="27800">
+          <a:off x="6029905" y="1528125"/>
+          <a:ext cx="280223" cy="388667"/>
         </a:xfrm>
         <a:prstGeom prst="rightArrow">
           <a:avLst>
@@ -2403,7 +2462,7 @@
         </a:bodyPr>
         <a:lstStyle/>
         <a:p>
-          <a:pPr marL="0" lvl="0" indent="0" algn="ctr" defTabSz="666750">
+          <a:pPr marL="0" lvl="0" indent="0" algn="ctr" defTabSz="622300">
             <a:lnSpc>
               <a:spcPct val="90000"/>
             </a:lnSpc>
@@ -2415,23 +2474,23 @@
             </a:spcAft>
             <a:buNone/>
           </a:pPr>
-          <a:endParaRPr lang="en-GB" sz="1500" kern="1200"/>
+          <a:endParaRPr lang="en-GB" sz="1400" kern="1200"/>
         </a:p>
       </dsp:txBody>
       <dsp:txXfrm>
-        <a:off x="7734629" y="1782296"/>
-        <a:ext cx="253143" cy="296014"/>
+        <a:off x="6029906" y="1605518"/>
+        <a:ext cx="196156" cy="233201"/>
       </dsp:txXfrm>
     </dsp:sp>
-    <dsp:sp modelId="{0092CC0A-05C1-46CC-B7CD-EC69AF1764D8}">
+    <dsp:sp modelId="{3C0CBF96-3397-4626-802E-F443EFD7ED9A}">
       <dsp:nvSpPr>
         <dsp:cNvPr id="0" name=""/>
         <dsp:cNvSpPr/>
       </dsp:nvSpPr>
       <dsp:spPr>
         <a:xfrm>
-          <a:off x="8246375" y="1333501"/>
-          <a:ext cx="1989341" cy="1193604"/>
+          <a:off x="6426440" y="974202"/>
+          <a:ext cx="1567206" cy="1513333"/>
         </a:xfrm>
         <a:prstGeom prst="roundRect">
           <a:avLst>
@@ -2475,12 +2534,12 @@
         </a:fontRef>
       </dsp:style>
       <dsp:txBody>
-        <a:bodyPr spcFirstLastPara="0" vert="horz" wrap="square" lIns="72390" tIns="72390" rIns="72390" bIns="72390" numCol="1" spcCol="1270" anchor="ctr" anchorCtr="0">
+        <a:bodyPr spcFirstLastPara="0" vert="horz" wrap="square" lIns="68580" tIns="68580" rIns="68580" bIns="68580" numCol="1" spcCol="1270" anchor="ctr" anchorCtr="0">
           <a:noAutofit/>
         </a:bodyPr>
         <a:lstStyle/>
         <a:p>
-          <a:pPr marL="0" lvl="0" indent="0" algn="ctr" defTabSz="844550">
+          <a:pPr marL="0" lvl="0" indent="0" algn="ctr" defTabSz="800100">
             <a:lnSpc>
               <a:spcPct val="90000"/>
             </a:lnSpc>
@@ -2493,14 +2552,164 @@
             <a:buNone/>
           </a:pPr>
           <a:r>
-            <a:rPr lang="en-GB" sz="1900" kern="1200" dirty="0"/>
+            <a:rPr lang="en-GB" sz="1800" kern="1200" dirty="0"/>
+            <a:t>User inform their mood perception on a form.</a:t>
+          </a:r>
+        </a:p>
+      </dsp:txBody>
+      <dsp:txXfrm>
+        <a:off x="6470764" y="1018526"/>
+        <a:ext cx="1478558" cy="1424685"/>
+      </dsp:txXfrm>
+    </dsp:sp>
+    <dsp:sp modelId="{D5AA3761-CFE0-4E15-884D-A00807712F3B}">
+      <dsp:nvSpPr>
+        <dsp:cNvPr id="0" name=""/>
+        <dsp:cNvSpPr/>
+      </dsp:nvSpPr>
+      <dsp:spPr>
+        <a:xfrm rot="21499174">
+          <a:off x="8134897" y="1505006"/>
+          <a:ext cx="299716" cy="388667"/>
+        </a:xfrm>
+        <a:prstGeom prst="rightArrow">
+          <a:avLst>
+            <a:gd name="adj1" fmla="val 60000"/>
+            <a:gd name="adj2" fmla="val 50000"/>
+          </a:avLst>
+        </a:prstGeom>
+        <a:solidFill>
+          <a:schemeClr val="accent3">
+            <a:tint val="60000"/>
+            <a:hueOff val="0"/>
+            <a:satOff val="0"/>
+            <a:lumOff val="0"/>
+            <a:alphaOff val="0"/>
+          </a:schemeClr>
+        </a:solidFill>
+        <a:ln>
+          <a:noFill/>
+        </a:ln>
+        <a:effectLst/>
+      </dsp:spPr>
+      <dsp:style>
+        <a:lnRef idx="0">
+          <a:scrgbClr r="0" g="0" b="0"/>
+        </a:lnRef>
+        <a:fillRef idx="1">
+          <a:scrgbClr r="0" g="0" b="0"/>
+        </a:fillRef>
+        <a:effectRef idx="0">
+          <a:scrgbClr r="0" g="0" b="0"/>
+        </a:effectRef>
+        <a:fontRef idx="minor">
+          <a:schemeClr val="lt1"/>
+        </a:fontRef>
+      </dsp:style>
+      <dsp:txBody>
+        <a:bodyPr spcFirstLastPara="0" vert="horz" wrap="square" lIns="0" tIns="0" rIns="0" bIns="0" numCol="1" spcCol="1270" anchor="ctr" anchorCtr="0">
+          <a:noAutofit/>
+        </a:bodyPr>
+        <a:lstStyle/>
+        <a:p>
+          <a:pPr marL="0" lvl="0" indent="0" algn="ctr" defTabSz="622300">
+            <a:lnSpc>
+              <a:spcPct val="90000"/>
+            </a:lnSpc>
+            <a:spcBef>
+              <a:spcPct val="0"/>
+            </a:spcBef>
+            <a:spcAft>
+              <a:spcPct val="35000"/>
+            </a:spcAft>
+            <a:buNone/>
+          </a:pPr>
+          <a:endParaRPr lang="en-GB" sz="1400" kern="1200"/>
+        </a:p>
+      </dsp:txBody>
+      <dsp:txXfrm>
+        <a:off x="8134916" y="1584057"/>
+        <a:ext cx="209801" cy="233201"/>
+      </dsp:txXfrm>
+    </dsp:sp>
+    <dsp:sp modelId="{0092CC0A-05C1-46CC-B7CD-EC69AF1764D8}">
+      <dsp:nvSpPr>
+        <dsp:cNvPr id="0" name=""/>
+        <dsp:cNvSpPr/>
+      </dsp:nvSpPr>
+      <dsp:spPr>
+        <a:xfrm>
+          <a:off x="8558907" y="911641"/>
+          <a:ext cx="1567206" cy="1513333"/>
+        </a:xfrm>
+        <a:prstGeom prst="roundRect">
+          <a:avLst>
+            <a:gd name="adj" fmla="val 10000"/>
+          </a:avLst>
+        </a:prstGeom>
+        <a:solidFill>
+          <a:schemeClr val="lt1">
+            <a:hueOff val="0"/>
+            <a:satOff val="0"/>
+            <a:lumOff val="0"/>
+            <a:alphaOff val="0"/>
+          </a:schemeClr>
+        </a:solidFill>
+        <a:ln w="19050" cap="flat" cmpd="sng" algn="ctr">
+          <a:solidFill>
+            <a:schemeClr val="accent3">
+              <a:shade val="80000"/>
+              <a:hueOff val="0"/>
+              <a:satOff val="0"/>
+              <a:lumOff val="0"/>
+              <a:alphaOff val="0"/>
+            </a:schemeClr>
+          </a:solidFill>
+          <a:prstDash val="solid"/>
+        </a:ln>
+        <a:effectLst/>
+      </dsp:spPr>
+      <dsp:style>
+        <a:lnRef idx="2">
+          <a:scrgbClr r="0" g="0" b="0"/>
+        </a:lnRef>
+        <a:fillRef idx="1">
+          <a:scrgbClr r="0" g="0" b="0"/>
+        </a:fillRef>
+        <a:effectRef idx="0">
+          <a:scrgbClr r="0" g="0" b="0"/>
+        </a:effectRef>
+        <a:fontRef idx="minor">
+          <a:schemeClr val="lt1"/>
+        </a:fontRef>
+      </dsp:style>
+      <dsp:txBody>
+        <a:bodyPr spcFirstLastPara="0" vert="horz" wrap="square" lIns="68580" tIns="68580" rIns="68580" bIns="68580" numCol="1" spcCol="1270" anchor="ctr" anchorCtr="0">
+          <a:noAutofit/>
+        </a:bodyPr>
+        <a:lstStyle/>
+        <a:p>
+          <a:pPr marL="0" lvl="0" indent="0" algn="ctr" defTabSz="800100">
+            <a:lnSpc>
+              <a:spcPct val="90000"/>
+            </a:lnSpc>
+            <a:spcBef>
+              <a:spcPct val="0"/>
+            </a:spcBef>
+            <a:spcAft>
+              <a:spcPct val="35000"/>
+            </a:spcAft>
+            <a:buNone/>
+          </a:pPr>
+          <a:r>
+            <a:rPr lang="en-GB" sz="1800" kern="1200" dirty="0"/>
             <a:t>The animation is generated and shown.</a:t>
           </a:r>
         </a:p>
       </dsp:txBody>
       <dsp:txXfrm>
-        <a:off x="8281334" y="1368460"/>
-        <a:ext cx="1919423" cy="1123686"/>
+        <a:off x="8603231" y="955965"/>
+        <a:ext cx="1478558" cy="1424685"/>
       </dsp:txXfrm>
     </dsp:sp>
   </dsp:spTree>
@@ -10626,7 +10835,15 @@
           <a:p>
             <a:r>
               <a:rPr lang="en-GB" sz="2400" dirty="0"/>
-              <a:t>Will be created an intelligent agent to decide if the sound sensor reading is going to be considered an stressful or not stressful situation by the creative module.</a:t>
+              <a:t>Will be created an intelligent agent to decide if the sound sensor readings </a:t>
+            </a:r>
+            <a:r>
+              <a:rPr lang="en-GB" sz="2400" dirty="0" err="1"/>
+              <a:t>iares</a:t>
+            </a:r>
+            <a:r>
+              <a:rPr lang="en-GB" sz="2400" dirty="0"/>
+              <a:t> going to be considered stressful or not stressful situations by the creative module.</a:t>
             </a:r>
           </a:p>
           <a:p>
@@ -10897,6 +11114,104 @@
               <a:buNone/>
             </a:pPr>
             <a:endParaRPr lang="en-GB" sz="2200" dirty="0"/>
+          </a:p>
+        </p:txBody>
+      </p:sp>
+    </p:spTree>
+    <p:extLst>
+      <p:ext uri="{BB962C8B-B14F-4D97-AF65-F5344CB8AC3E}">
+        <p14:creationId xmlns:p14="http://schemas.microsoft.com/office/powerpoint/2010/main" val="2884635860"/>
+      </p:ext>
+    </p:extLst>
+  </p:cSld>
+  <p:clrMapOvr>
+    <a:masterClrMapping/>
+  </p:clrMapOvr>
+</p:sld>
+</file>
+
+<file path=ppt/slides/slide13.xml><?xml version="1.0" encoding="utf-8"?>
+<p:sld xmlns:a="http://schemas.openxmlformats.org/drawingml/2006/main" xmlns:r="http://schemas.openxmlformats.org/officeDocument/2006/relationships" xmlns:p="http://schemas.openxmlformats.org/presentationml/2006/main">
+  <p:cSld>
+    <p:spTree>
+      <p:nvGrpSpPr>
+        <p:cNvPr id="1" name=""/>
+        <p:cNvGrpSpPr/>
+        <p:nvPr/>
+      </p:nvGrpSpPr>
+      <p:grpSpPr>
+        <a:xfrm>
+          <a:off x="0" y="0"/>
+          <a:ext cx="0" cy="0"/>
+          <a:chOff x="0" y="0"/>
+          <a:chExt cx="0" cy="0"/>
+        </a:xfrm>
+      </p:grpSpPr>
+      <p:sp>
+        <p:nvSpPr>
+          <p:cNvPr id="2" name="Title 1">
+            <a:extLst>
+              <a:ext uri="{FF2B5EF4-FFF2-40B4-BE49-F238E27FC236}">
+                <a16:creationId xmlns:a16="http://schemas.microsoft.com/office/drawing/2014/main" id="{B2E5C39E-81BC-493B-A0B1-5CC84380D398}"/>
+              </a:ext>
+            </a:extLst>
+          </p:cNvPr>
+          <p:cNvSpPr>
+            <a:spLocks noGrp="1"/>
+          </p:cNvSpPr>
+          <p:nvPr>
+            <p:ph type="title"/>
+          </p:nvPr>
+        </p:nvSpPr>
+        <p:spPr/>
+        <p:txBody>
+          <a:bodyPr/>
+          <a:lstStyle/>
+          <a:p>
+            <a:r>
+              <a:rPr lang="en-GB" dirty="0"/>
+              <a:t>System structure – CC Module</a:t>
+            </a:r>
+          </a:p>
+        </p:txBody>
+      </p:sp>
+      <p:sp>
+        <p:nvSpPr>
+          <p:cNvPr id="3" name="Content Placeholder 2">
+            <a:extLst>
+              <a:ext uri="{FF2B5EF4-FFF2-40B4-BE49-F238E27FC236}">
+                <a16:creationId xmlns:a16="http://schemas.microsoft.com/office/drawing/2014/main" id="{B66FD13C-6A87-4FB5-AA56-2BEF75247E16}"/>
+              </a:ext>
+            </a:extLst>
+          </p:cNvPr>
+          <p:cNvSpPr>
+            <a:spLocks noGrp="1"/>
+          </p:cNvSpPr>
+          <p:nvPr>
+            <p:ph idx="1"/>
+          </p:nvPr>
+        </p:nvSpPr>
+        <p:spPr/>
+        <p:txBody>
+          <a:bodyPr>
+            <a:normAutofit/>
+          </a:bodyPr>
+          <a:lstStyle/>
+          <a:p>
+            <a:r>
+              <a:rPr lang="en-US" sz="2400" dirty="0"/>
+              <a:t>The p5.js (available in </a:t>
+            </a:r>
+            <a:r>
+              <a:rPr lang="en-US" sz="2400" dirty="0">
+                <a:hlinkClick r:id="rId2"/>
+              </a:rPr>
+              <a:t>https://p5js.org/</a:t>
+            </a:r>
+            <a:r>
+              <a:rPr lang="en-US" sz="2400" dirty="0"/>
+              <a:t>) was chosen to implement the creative output animation because the user interaction with the system will be through a web application.</a:t>
+            </a:r>
           </a:p>
         </p:txBody>
       </p:sp>
@@ -11017,218 +11332,6 @@
     </p:spTree>
     <p:extLst>
       <p:ext uri="{BB962C8B-B14F-4D97-AF65-F5344CB8AC3E}">
-        <p14:creationId xmlns:p14="http://schemas.microsoft.com/office/powerpoint/2010/main" val="2884635860"/>
-      </p:ext>
-    </p:extLst>
-  </p:cSld>
-  <p:clrMapOvr>
-    <a:masterClrMapping/>
-  </p:clrMapOvr>
-</p:sld>
-</file>
-
-<file path=ppt/slides/slide13.xml><?xml version="1.0" encoding="utf-8"?>
-<p:sld xmlns:a="http://schemas.openxmlformats.org/drawingml/2006/main" xmlns:r="http://schemas.openxmlformats.org/officeDocument/2006/relationships" xmlns:p="http://schemas.openxmlformats.org/presentationml/2006/main">
-  <p:cSld>
-    <p:spTree>
-      <p:nvGrpSpPr>
-        <p:cNvPr id="1" name=""/>
-        <p:cNvGrpSpPr/>
-        <p:nvPr/>
-      </p:nvGrpSpPr>
-      <p:grpSpPr>
-        <a:xfrm>
-          <a:off x="0" y="0"/>
-          <a:ext cx="0" cy="0"/>
-          <a:chOff x="0" y="0"/>
-          <a:chExt cx="0" cy="0"/>
-        </a:xfrm>
-      </p:grpSpPr>
-      <p:sp>
-        <p:nvSpPr>
-          <p:cNvPr id="2" name="Title 1">
-            <a:extLst>
-              <a:ext uri="{FF2B5EF4-FFF2-40B4-BE49-F238E27FC236}">
-                <a16:creationId xmlns:a16="http://schemas.microsoft.com/office/drawing/2014/main" id="{B2E5C39E-81BC-493B-A0B1-5CC84380D398}"/>
-              </a:ext>
-            </a:extLst>
-          </p:cNvPr>
-          <p:cNvSpPr>
-            <a:spLocks noGrp="1"/>
-          </p:cNvSpPr>
-          <p:nvPr>
-            <p:ph type="title"/>
-          </p:nvPr>
-        </p:nvSpPr>
-        <p:spPr/>
-        <p:txBody>
-          <a:bodyPr/>
-          <a:lstStyle/>
-          <a:p>
-            <a:r>
-              <a:rPr lang="en-GB" dirty="0"/>
-              <a:t>System structure – CC Module</a:t>
-            </a:r>
-          </a:p>
-        </p:txBody>
-      </p:sp>
-      <p:sp>
-        <p:nvSpPr>
-          <p:cNvPr id="3" name="Content Placeholder 2">
-            <a:extLst>
-              <a:ext uri="{FF2B5EF4-FFF2-40B4-BE49-F238E27FC236}">
-                <a16:creationId xmlns:a16="http://schemas.microsoft.com/office/drawing/2014/main" id="{B66FD13C-6A87-4FB5-AA56-2BEF75247E16}"/>
-              </a:ext>
-            </a:extLst>
-          </p:cNvPr>
-          <p:cNvSpPr>
-            <a:spLocks noGrp="1"/>
-          </p:cNvSpPr>
-          <p:nvPr>
-            <p:ph idx="1"/>
-          </p:nvPr>
-        </p:nvSpPr>
-        <p:spPr/>
-        <p:txBody>
-          <a:bodyPr>
-            <a:normAutofit/>
-          </a:bodyPr>
-          <a:lstStyle/>
-          <a:p>
-            <a:r>
-              <a:rPr lang="en-US" sz="2400" dirty="0"/>
-              <a:t>The p5.js (available in </a:t>
-            </a:r>
-            <a:r>
-              <a:rPr lang="en-US" sz="2400" dirty="0">
-                <a:hlinkClick r:id="rId2"/>
-              </a:rPr>
-              <a:t>https://p5js.org/</a:t>
-            </a:r>
-            <a:r>
-              <a:rPr lang="en-US" sz="2400" dirty="0"/>
-              <a:t>) was chosen to implement the creative output animation because the user interaction with the system will be through a web application.</a:t>
-            </a:r>
-          </a:p>
-        </p:txBody>
-      </p:sp>
-      <p:sp>
-        <p:nvSpPr>
-          <p:cNvPr id="4" name="Rectangle 1">
-            <a:extLst>
-              <a:ext uri="{FF2B5EF4-FFF2-40B4-BE49-F238E27FC236}">
-                <a16:creationId xmlns:a16="http://schemas.microsoft.com/office/drawing/2014/main" id="{D495E13F-DBCE-4D14-84B9-D3FB883E3DA9}"/>
-              </a:ext>
-            </a:extLst>
-          </p:cNvPr>
-          <p:cNvSpPr>
-            <a:spLocks noChangeArrowheads="1"/>
-          </p:cNvSpPr>
-          <p:nvPr/>
-        </p:nvSpPr>
-        <p:spPr bwMode="auto">
-          <a:xfrm>
-            <a:off x="0" y="0"/>
-            <a:ext cx="12192000" cy="457200"/>
-          </a:xfrm>
-          <a:prstGeom prst="rect">
-            <a:avLst/>
-          </a:prstGeom>
-          <a:solidFill>
-            <a:srgbClr val="F8F9FA"/>
-          </a:solidFill>
-          <a:ln>
-            <a:noFill/>
-          </a:ln>
-          <a:effectLst/>
-          <a:extLst>
-            <a:ext uri="{91240B29-F687-4F45-9708-019B960494DF}">
-              <a14:hiddenLine xmlns:a14="http://schemas.microsoft.com/office/drawing/2010/main" w="9525">
-                <a:solidFill>
-                  <a:schemeClr val="tx1"/>
-                </a:solidFill>
-                <a:miter lim="800000"/>
-                <a:headEnd/>
-                <a:tailEnd/>
-              </a14:hiddenLine>
-            </a:ext>
-            <a:ext uri="{AF507438-7753-43E0-B8FC-AC1667EBCBE1}">
-              <a14:hiddenEffects xmlns:a14="http://schemas.microsoft.com/office/drawing/2010/main">
-                <a:effectLst>
-                  <a:outerShdw dist="35921" dir="2700000" algn="ctr" rotWithShape="0">
-                    <a:schemeClr val="bg2"/>
-                  </a:outerShdw>
-                </a:effectLst>
-              </a14:hiddenEffects>
-            </a:ext>
-          </a:extLst>
-        </p:spPr>
-        <p:txBody>
-          <a:bodyPr vert="horz" wrap="none" lIns="0" tIns="-12696" rIns="0" bIns="-12696" numCol="1" anchor="ctr" anchorCtr="0" compatLnSpc="1">
-            <a:prstTxWarp prst="textNoShape">
-              <a:avLst/>
-            </a:prstTxWarp>
-            <a:spAutoFit/>
-          </a:bodyPr>
-          <a:lstStyle/>
-          <a:p>
-            <a:pPr marL="0" marR="0" lvl="0" indent="0" algn="l" defTabSz="914400" rtl="0" eaLnBrk="0" fontAlgn="base" latinLnBrk="0" hangingPunct="0">
-              <a:lnSpc>
-                <a:spcPct val="100000"/>
-              </a:lnSpc>
-              <a:spcBef>
-                <a:spcPct val="0"/>
-              </a:spcBef>
-              <a:spcAft>
-                <a:spcPct val="0"/>
-              </a:spcAft>
-              <a:buClrTx/>
-              <a:buSzTx/>
-              <a:buFontTx/>
-              <a:buNone/>
-              <a:tabLst/>
-            </a:pPr>
-            <a:r>
-              <a:rPr kumimoji="0" lang="pt-PT" altLang="pt-PT" sz="2100" b="0" i="0" u="none" strike="noStrike" cap="none" normalizeH="0" baseline="0">
-                <a:ln>
-                  <a:noFill/>
-                </a:ln>
-                <a:solidFill>
-                  <a:srgbClr val="202124"/>
-                </a:solidFill>
-                <a:effectLst/>
-                <a:latin typeface="inherit"/>
-              </a:rPr>
-              <a:t>influenced</a:t>
-            </a:r>
-            <a:r>
-              <a:rPr kumimoji="0" lang="pt-PT" altLang="pt-PT" sz="800" b="0" i="0" u="none" strike="noStrike" cap="none" normalizeH="0" baseline="0">
-                <a:ln>
-                  <a:noFill/>
-                </a:ln>
-                <a:solidFill>
-                  <a:schemeClr val="tx1"/>
-                </a:solidFill>
-                <a:effectLst/>
-              </a:rPr>
-              <a:t> </a:t>
-            </a:r>
-            <a:endParaRPr kumimoji="0" lang="pt-PT" altLang="pt-PT" sz="1800" b="0" i="0" u="none" strike="noStrike" cap="none" normalizeH="0" baseline="0">
-              <a:ln>
-                <a:noFill/>
-              </a:ln>
-              <a:solidFill>
-                <a:schemeClr val="tx1"/>
-              </a:solidFill>
-              <a:effectLst/>
-              <a:latin typeface="Arial" panose="020B0604020202020204" pitchFamily="34" charset="0"/>
-            </a:endParaRPr>
-          </a:p>
-        </p:txBody>
-      </p:sp>
-    </p:spTree>
-    <p:extLst>
-      <p:ext uri="{BB962C8B-B14F-4D97-AF65-F5344CB8AC3E}">
         <p14:creationId xmlns:p14="http://schemas.microsoft.com/office/powerpoint/2010/main" val="776968730"/>
       </p:ext>
     </p:extLst>
@@ -11409,7 +11512,7 @@
             </a:pPr>
             <a:r>
               <a:rPr lang="en-US" sz="2400" dirty="0"/>
-              <a:t>	In this cases, awareness and prevention could play a main role on avoiding extreme mental health problems and affecting others on the same environment before seeking for professional help and changing lifestyle.</a:t>
+              <a:t>	In this cases, awareness and prevention could play a main role on avoiding extreme mental health problems and affecting others on the same environment before seeking for professional help and adapting lifestyle changes.</a:t>
             </a:r>
           </a:p>
           <a:p>
@@ -11506,7 +11609,7 @@
             </a:pPr>
             <a:r>
               <a:rPr lang="en-US" sz="2400" dirty="0"/>
-              <a:t>	A next step on this project could be using complementing the input data with another sensors (like heart rate monitors, for example) and data from health APIs(like Apple Health).</a:t>
+              <a:t>	A next step on this project could be complementing the input data with another sensors (like heart rate monitors, for example) and data from health APIs(like Apple Health).</a:t>
             </a:r>
           </a:p>
           <a:p>
@@ -11610,18 +11713,13 @@
           <a:bodyPr/>
           <a:lstStyle/>
           <a:p>
-            <a:pPr marL="0" indent="0">
+            <a:pPr marL="0" indent="0" algn="ctr">
               <a:buNone/>
             </a:pPr>
             <a:r>
               <a:rPr lang="pt-PT" dirty="0"/>
               <a:t>	</a:t>
             </a:r>
-          </a:p>
-          <a:p>
-            <a:pPr marL="0" indent="0" algn="ctr">
-              <a:buNone/>
-            </a:pPr>
             <a:r>
               <a:rPr lang="pt-PT" sz="3600" dirty="0" err="1"/>
               <a:t>The</a:t>
@@ -11732,6 +11830,53 @@
           </a:p>
         </p:txBody>
       </p:sp>
+      <p:pic>
+        <p:nvPicPr>
+          <p:cNvPr id="2050" name="Picture 2" descr="12 Ways To Eliminate Stress At Work | NOMA Marketing Consulting">
+            <a:extLst>
+              <a:ext uri="{FF2B5EF4-FFF2-40B4-BE49-F238E27FC236}">
+                <a16:creationId xmlns:a16="http://schemas.microsoft.com/office/drawing/2014/main" id="{F3F9AF94-3F1A-4C17-A3F6-9FFC7815A2A1}"/>
+              </a:ext>
+            </a:extLst>
+          </p:cNvPr>
+          <p:cNvPicPr>
+            <a:picLocks noChangeAspect="1" noChangeArrowheads="1"/>
+          </p:cNvPicPr>
+          <p:nvPr/>
+        </p:nvPicPr>
+        <p:blipFill>
+          <a:blip r:embed="rId2">
+            <a:extLst>
+              <a:ext uri="{28A0092B-C50C-407E-A947-70E740481C1C}">
+                <a14:useLocalDpi xmlns:a14="http://schemas.microsoft.com/office/drawing/2010/main" val="0"/>
+              </a:ext>
+            </a:extLst>
+          </a:blip>
+          <a:srcRect/>
+          <a:stretch>
+            <a:fillRect/>
+          </a:stretch>
+        </p:blipFill>
+        <p:spPr bwMode="auto">
+          <a:xfrm>
+            <a:off x="4242805" y="3764873"/>
+            <a:ext cx="3706389" cy="2316493"/>
+          </a:xfrm>
+          <a:prstGeom prst="rect">
+            <a:avLst/>
+          </a:prstGeom>
+          <a:noFill/>
+          <a:extLst>
+            <a:ext uri="{909E8E84-426E-40DD-AFC4-6F175D3DCCD1}">
+              <a14:hiddenFill xmlns:a14="http://schemas.microsoft.com/office/drawing/2010/main">
+                <a:solidFill>
+                  <a:srgbClr val="FFFFFF"/>
+                </a:solidFill>
+              </a14:hiddenFill>
+            </a:ext>
+          </a:extLst>
+        </p:spPr>
+      </p:pic>
     </p:spTree>
     <p:extLst>
       <p:ext uri="{BB962C8B-B14F-4D97-AF65-F5344CB8AC3E}">
@@ -11823,7 +11968,7 @@
             </a:pPr>
             <a:r>
               <a:rPr lang="pt-PT" sz="2800" dirty="0" err="1"/>
-              <a:t>This</a:t>
+              <a:t>Raise</a:t>
             </a:r>
             <a:r>
               <a:rPr lang="pt-PT" sz="2800" dirty="0"/>
@@ -11831,7 +11976,7 @@
             </a:r>
             <a:r>
               <a:rPr lang="pt-PT" sz="2800" dirty="0" err="1"/>
-              <a:t>project</a:t>
+              <a:t>awareness</a:t>
             </a:r>
             <a:r>
               <a:rPr lang="pt-PT" sz="2800" dirty="0"/>
@@ -11839,7 +11984,7 @@
             </a:r>
             <a:r>
               <a:rPr lang="pt-PT" sz="2800" dirty="0" err="1"/>
-              <a:t>also</a:t>
+              <a:t>about</a:t>
             </a:r>
             <a:r>
               <a:rPr lang="pt-PT" sz="2800" dirty="0"/>
@@ -11847,7 +11992,63 @@
             </a:r>
             <a:r>
               <a:rPr lang="pt-PT" sz="2800" dirty="0" err="1"/>
-              <a:t>aims</a:t>
+              <a:t>the</a:t>
+            </a:r>
+            <a:r>
+              <a:rPr lang="pt-PT" sz="2800" dirty="0"/>
+              <a:t> </a:t>
+            </a:r>
+            <a:r>
+              <a:rPr lang="pt-PT" sz="2800" dirty="0" err="1"/>
+              <a:t>importance</a:t>
+            </a:r>
+            <a:r>
+              <a:rPr lang="pt-PT" sz="2800" dirty="0"/>
+              <a:t> </a:t>
+            </a:r>
+            <a:r>
+              <a:rPr lang="pt-PT" sz="2800" dirty="0" err="1"/>
+              <a:t>of</a:t>
+            </a:r>
+            <a:r>
+              <a:rPr lang="pt-PT" sz="2800" dirty="0"/>
+              <a:t> mental </a:t>
+            </a:r>
+            <a:r>
+              <a:rPr lang="pt-PT" sz="2800" dirty="0" err="1"/>
+              <a:t>health</a:t>
+            </a:r>
+            <a:r>
+              <a:rPr lang="pt-PT" sz="2800" dirty="0"/>
+              <a:t> </a:t>
+            </a:r>
+            <a:r>
+              <a:rPr lang="pt-PT" sz="2800" dirty="0" err="1"/>
+              <a:t>checkups</a:t>
+            </a:r>
+            <a:r>
+              <a:rPr lang="pt-PT" sz="2800" dirty="0"/>
+              <a:t> </a:t>
+            </a:r>
+            <a:r>
+              <a:rPr lang="pt-PT" sz="2800" dirty="0" err="1"/>
+              <a:t>and</a:t>
+            </a:r>
+            <a:r>
+              <a:rPr lang="pt-PT" sz="2800" dirty="0"/>
+              <a:t> </a:t>
+            </a:r>
+            <a:r>
+              <a:rPr lang="pt-PT" sz="2800" dirty="0" err="1"/>
+              <a:t>lifestyle</a:t>
+            </a:r>
+            <a:r>
+              <a:rPr lang="pt-PT" sz="2800" dirty="0"/>
+              <a:t> </a:t>
+            </a:r>
+            <a:r>
+              <a:rPr lang="pt-PT" sz="2800" dirty="0" err="1"/>
+              <a:t>changes</a:t>
             </a:r>
             <a:r>
               <a:rPr lang="pt-PT" sz="2800" dirty="0"/>
@@ -11855,7 +12056,15 @@
             </a:r>
             <a:r>
               <a:rPr lang="pt-PT" sz="2800" dirty="0" err="1"/>
-              <a:t>raise</a:t>
+              <a:t>prevent</a:t>
+            </a:r>
+            <a:r>
+              <a:rPr lang="pt-PT" sz="2800" dirty="0"/>
+              <a:t> extreme </a:t>
+            </a:r>
+            <a:r>
+              <a:rPr lang="pt-PT" sz="2800" dirty="0" err="1"/>
+              <a:t>psychological</a:t>
             </a:r>
             <a:r>
               <a:rPr lang="pt-PT" sz="2800" dirty="0"/>
@@ -11863,102 +12072,6 @@
             </a:r>
             <a:r>
               <a:rPr lang="pt-PT" sz="2800" dirty="0" err="1"/>
-              <a:t>awareness</a:t>
-            </a:r>
-            <a:r>
-              <a:rPr lang="pt-PT" sz="2800" dirty="0"/>
-              <a:t> </a:t>
-            </a:r>
-            <a:r>
-              <a:rPr lang="pt-PT" sz="2800" dirty="0" err="1"/>
-              <a:t>about</a:t>
-            </a:r>
-            <a:r>
-              <a:rPr lang="pt-PT" sz="2800" dirty="0"/>
-              <a:t> </a:t>
-            </a:r>
-            <a:r>
-              <a:rPr lang="pt-PT" sz="2800" dirty="0" err="1"/>
-              <a:t>the</a:t>
-            </a:r>
-            <a:r>
-              <a:rPr lang="pt-PT" sz="2800" dirty="0"/>
-              <a:t> </a:t>
-            </a:r>
-            <a:r>
-              <a:rPr lang="pt-PT" sz="2800" dirty="0" err="1"/>
-              <a:t>importance</a:t>
-            </a:r>
-            <a:r>
-              <a:rPr lang="pt-PT" sz="2800" dirty="0"/>
-              <a:t> </a:t>
-            </a:r>
-            <a:r>
-              <a:rPr lang="pt-PT" sz="2800" dirty="0" err="1"/>
-              <a:t>of</a:t>
-            </a:r>
-            <a:r>
-              <a:rPr lang="pt-PT" sz="2800" dirty="0"/>
-              <a:t> mental </a:t>
-            </a:r>
-            <a:r>
-              <a:rPr lang="pt-PT" sz="2800" dirty="0" err="1"/>
-              <a:t>health</a:t>
-            </a:r>
-            <a:r>
-              <a:rPr lang="pt-PT" sz="2800" dirty="0"/>
-              <a:t> </a:t>
-            </a:r>
-            <a:r>
-              <a:rPr lang="pt-PT" sz="2800" dirty="0" err="1"/>
-              <a:t>checkups</a:t>
-            </a:r>
-            <a:r>
-              <a:rPr lang="pt-PT" sz="2800" dirty="0"/>
-              <a:t> </a:t>
-            </a:r>
-            <a:r>
-              <a:rPr lang="pt-PT" sz="2800" dirty="0" err="1"/>
-              <a:t>and</a:t>
-            </a:r>
-            <a:r>
-              <a:rPr lang="pt-PT" sz="2800" dirty="0"/>
-              <a:t> </a:t>
-            </a:r>
-            <a:r>
-              <a:rPr lang="pt-PT" sz="2800" dirty="0" err="1"/>
-              <a:t>lifestyle</a:t>
-            </a:r>
-            <a:r>
-              <a:rPr lang="pt-PT" sz="2800" dirty="0"/>
-              <a:t> </a:t>
-            </a:r>
-            <a:r>
-              <a:rPr lang="pt-PT" sz="2800" dirty="0" err="1"/>
-              <a:t>changes</a:t>
-            </a:r>
-            <a:r>
-              <a:rPr lang="pt-PT" sz="2800" dirty="0"/>
-              <a:t> to </a:t>
-            </a:r>
-            <a:r>
-              <a:rPr lang="pt-PT" sz="2800" dirty="0" err="1"/>
-              <a:t>prevent</a:t>
-            </a:r>
-            <a:r>
-              <a:rPr lang="pt-PT" sz="2800" dirty="0"/>
-              <a:t> extreme </a:t>
-            </a:r>
-            <a:r>
-              <a:rPr lang="pt-PT" sz="2800" dirty="0" err="1"/>
-              <a:t>psychological</a:t>
-            </a:r>
-            <a:r>
-              <a:rPr lang="pt-PT" sz="2800" dirty="0"/>
-              <a:t> </a:t>
-            </a:r>
-            <a:r>
-              <a:rPr lang="pt-PT" sz="2800" dirty="0" err="1"/>
               <a:t>problems</a:t>
             </a:r>
             <a:r>
@@ -11968,6 +12081,53 @@
           </a:p>
         </p:txBody>
       </p:sp>
+      <p:pic>
+        <p:nvPicPr>
+          <p:cNvPr id="3074" name="Picture 2" descr="Individual Therapy | Psychological Treatment | Direction Psychology">
+            <a:extLst>
+              <a:ext uri="{FF2B5EF4-FFF2-40B4-BE49-F238E27FC236}">
+                <a16:creationId xmlns:a16="http://schemas.microsoft.com/office/drawing/2014/main" id="{284B001F-0E23-40CB-B893-F381AD496207}"/>
+              </a:ext>
+            </a:extLst>
+          </p:cNvPr>
+          <p:cNvPicPr>
+            <a:picLocks noChangeAspect="1" noChangeArrowheads="1"/>
+          </p:cNvPicPr>
+          <p:nvPr/>
+        </p:nvPicPr>
+        <p:blipFill>
+          <a:blip r:embed="rId2">
+            <a:extLst>
+              <a:ext uri="{28A0092B-C50C-407E-A947-70E740481C1C}">
+                <a14:useLocalDpi xmlns:a14="http://schemas.microsoft.com/office/drawing/2010/main" val="0"/>
+              </a:ext>
+            </a:extLst>
+          </a:blip>
+          <a:srcRect/>
+          <a:stretch>
+            <a:fillRect/>
+          </a:stretch>
+        </p:blipFill>
+        <p:spPr bwMode="auto">
+          <a:xfrm>
+            <a:off x="4770453" y="3597307"/>
+            <a:ext cx="2651093" cy="2651093"/>
+          </a:xfrm>
+          <a:prstGeom prst="rect">
+            <a:avLst/>
+          </a:prstGeom>
+          <a:noFill/>
+          <a:extLst>
+            <a:ext uri="{909E8E84-426E-40DD-AFC4-6F175D3DCCD1}">
+              <a14:hiddenFill xmlns:a14="http://schemas.microsoft.com/office/drawing/2010/main">
+                <a:solidFill>
+                  <a:srgbClr val="FFFFFF"/>
+                </a:solidFill>
+              </a14:hiddenFill>
+            </a:ext>
+          </a:extLst>
+        </p:spPr>
+      </p:pic>
     </p:spTree>
     <p:extLst>
       <p:ext uri="{BB962C8B-B14F-4D97-AF65-F5344CB8AC3E}">
@@ -12051,17 +12211,105 @@
           <a:p>
             <a:r>
               <a:rPr lang="en-GB" sz="2800" dirty="0"/>
-              <a:t>The first use case to be explored is going to be environments that people stay for extended periods of time. For example, their home and work environments.</a:t>
-            </a:r>
-          </a:p>
-          <a:p>
-            <a:r>
-              <a:rPr lang="en-GB" sz="2800" dirty="0"/>
-              <a:t>People tend to not be aware of the stress level raise on the environment they are in, so it’ll be interesting to make people reflect about a visual representation of the sounds patterns.</a:t>
-            </a:r>
-          </a:p>
-        </p:txBody>
-      </p:sp>
+              <a:t>The first use case to be explored is going to be environments that people stay for extended periods of time.</a:t>
+            </a:r>
+          </a:p>
+        </p:txBody>
+      </p:sp>
+      <p:pic>
+        <p:nvPicPr>
+          <p:cNvPr id="1026" name="Picture 2" descr="Children helping parents. Family joint house cleaning in living room i By  YummyBuum | TheHungryJPEG.com">
+            <a:extLst>
+              <a:ext uri="{FF2B5EF4-FFF2-40B4-BE49-F238E27FC236}">
+                <a16:creationId xmlns:a16="http://schemas.microsoft.com/office/drawing/2014/main" id="{3C1A66E6-E74B-4E9F-ADA9-25B165378359}"/>
+              </a:ext>
+            </a:extLst>
+          </p:cNvPr>
+          <p:cNvPicPr>
+            <a:picLocks noChangeAspect="1" noChangeArrowheads="1"/>
+          </p:cNvPicPr>
+          <p:nvPr/>
+        </p:nvPicPr>
+        <p:blipFill>
+          <a:blip r:embed="rId2">
+            <a:extLst>
+              <a:ext uri="{28A0092B-C50C-407E-A947-70E740481C1C}">
+                <a14:useLocalDpi xmlns:a14="http://schemas.microsoft.com/office/drawing/2010/main" val="0"/>
+              </a:ext>
+            </a:extLst>
+          </a:blip>
+          <a:srcRect/>
+          <a:stretch>
+            <a:fillRect/>
+          </a:stretch>
+        </p:blipFill>
+        <p:spPr bwMode="auto">
+          <a:xfrm>
+            <a:off x="1578242" y="3429000"/>
+            <a:ext cx="3662859" cy="2518215"/>
+          </a:xfrm>
+          <a:prstGeom prst="rect">
+            <a:avLst/>
+          </a:prstGeom>
+          <a:noFill/>
+          <a:extLst>
+            <a:ext uri="{909E8E84-426E-40DD-AFC4-6F175D3DCCD1}">
+              <a14:hiddenFill xmlns:a14="http://schemas.microsoft.com/office/drawing/2010/main">
+                <a:solidFill>
+                  <a:srgbClr val="FFFFFF"/>
+                </a:solidFill>
+              </a14:hiddenFill>
+            </a:ext>
+          </a:extLst>
+        </p:spPr>
+      </p:pic>
+      <p:pic>
+        <p:nvPicPr>
+          <p:cNvPr id="1028" name="Picture 4" descr="53 Back To Work Office Illustrations &amp;amp; Clip Art - iStock">
+            <a:extLst>
+              <a:ext uri="{FF2B5EF4-FFF2-40B4-BE49-F238E27FC236}">
+                <a16:creationId xmlns:a16="http://schemas.microsoft.com/office/drawing/2014/main" id="{6028AFC8-B301-46DC-AD1B-E462FE5E3BEC}"/>
+              </a:ext>
+            </a:extLst>
+          </p:cNvPr>
+          <p:cNvPicPr>
+            <a:picLocks noChangeAspect="1" noChangeArrowheads="1"/>
+          </p:cNvPicPr>
+          <p:nvPr/>
+        </p:nvPicPr>
+        <p:blipFill>
+          <a:blip r:embed="rId3">
+            <a:extLst>
+              <a:ext uri="{28A0092B-C50C-407E-A947-70E740481C1C}">
+                <a14:useLocalDpi xmlns:a14="http://schemas.microsoft.com/office/drawing/2010/main" val="0"/>
+              </a:ext>
+            </a:extLst>
+          </a:blip>
+          <a:srcRect/>
+          <a:stretch>
+            <a:fillRect/>
+          </a:stretch>
+        </p:blipFill>
+        <p:spPr bwMode="auto">
+          <a:xfrm>
+            <a:off x="5900688" y="3433128"/>
+            <a:ext cx="4480080" cy="2518215"/>
+          </a:xfrm>
+          <a:prstGeom prst="rect">
+            <a:avLst/>
+          </a:prstGeom>
+          <a:noFill/>
+          <a:extLst>
+            <a:ext uri="{909E8E84-426E-40DD-AFC4-6F175D3DCCD1}">
+              <a14:hiddenFill xmlns:a14="http://schemas.microsoft.com/office/drawing/2010/main">
+                <a:solidFill>
+                  <a:srgbClr val="FFFFFF"/>
+                </a:solidFill>
+              </a14:hiddenFill>
+            </a:ext>
+          </a:extLst>
+        </p:spPr>
+      </p:pic>
     </p:spTree>
     <p:extLst>
       <p:ext uri="{BB962C8B-B14F-4D97-AF65-F5344CB8AC3E}">
@@ -12147,19 +12395,13 @@
             </a:r>
           </a:p>
           <a:p>
+            <a:endParaRPr lang="en-GB" sz="3200" dirty="0"/>
+          </a:p>
+          <a:p>
             <a:r>
               <a:rPr lang="en-GB" sz="3200" dirty="0"/>
-              <a:t>Creation of a visual representation of the input data, using generative art techniques;</a:t>
-            </a:r>
-            <a:br>
-              <a:rPr lang="en-GB" sz="3200" dirty="0"/>
-            </a:br>
-            <a:r>
-              <a:rPr lang="en-GB" sz="3200" dirty="0"/>
-              <a:t>(This should translate this data into an meaningful output for the user reflection)</a:t>
-            </a:r>
-          </a:p>
-          <a:p>
+              <a:t>Generative art as a meaningful output.</a:t>
+            </a:r>
             <a:endParaRPr lang="en-GB" dirty="0"/>
           </a:p>
         </p:txBody>
@@ -12245,13 +12487,16 @@
           <a:p>
             <a:r>
               <a:rPr lang="en-GB" sz="2800" dirty="0"/>
-              <a:t>Build an intelligent agent to determine the probability of an stressful pattern based on sound intermittency and maximum amplitude as others, using this output as another dimension on the creative output;</a:t>
-            </a:r>
+              <a:t>Intelligent agent to determine the probability of an stressful pattern </a:t>
+            </a:r>
+          </a:p>
+          <a:p>
+            <a:endParaRPr lang="en-GB" sz="2800" dirty="0"/>
           </a:p>
           <a:p>
             <a:r>
               <a:rPr lang="en-GB" sz="2800" dirty="0"/>
-              <a:t>Use gamification techniques to combine data from multiple environments and to define collaborative goals.</a:t>
+              <a:t>Gamified collaborative goals.</a:t>
             </a:r>
           </a:p>
           <a:p>
@@ -12333,7 +12578,7 @@
             <p:ph idx="1"/>
             <p:extLst>
               <p:ext uri="{D42A27DB-BD31-4B8C-83A1-F6EECF244321}">
-                <p14:modId xmlns:p14="http://schemas.microsoft.com/office/powerpoint/2010/main" val="86247400"/>
+                <p14:modId xmlns:p14="http://schemas.microsoft.com/office/powerpoint/2010/main" val="104875382"/>
               </p:ext>
             </p:extLst>
           </p:nvPr>
@@ -12614,13 +12859,19 @@
           <a:p>
             <a:r>
               <a:rPr lang="en-GB" sz="2400" dirty="0"/>
-              <a:t>A sound sensor will get the sound amplitude readings from the environment. </a:t>
+              <a:t>Sound sensor;</a:t>
             </a:r>
           </a:p>
           <a:p>
             <a:r>
               <a:rPr lang="en-GB" sz="2400" dirty="0"/>
-              <a:t>The amplitude readings will be grouped by a time period (few minutes) in the form of average and max amplitude.</a:t>
+              <a:t>Amplitude readings grouped by a time period (few minutes);</a:t>
+            </a:r>
+          </a:p>
+          <a:p>
+            <a:r>
+              <a:rPr lang="en-GB" sz="2400" dirty="0"/>
+              <a:t>Max amplitude and average;</a:t>
             </a:r>
           </a:p>
           <a:p>
